--- a/scripts/Chapter1.pptx
+++ b/scripts/Chapter1.pptx
@@ -6,40 +6,41 @@
   </p:sldMasterIdLst>
   <p:sldIdLst>
     <p:sldId id="256" r:id="rId2"/>
-    <p:sldId id="257" r:id="rId3"/>
-    <p:sldId id="258" r:id="rId4"/>
-    <p:sldId id="260" r:id="rId5"/>
-    <p:sldId id="259" r:id="rId6"/>
-    <p:sldId id="261" r:id="rId7"/>
-    <p:sldId id="262" r:id="rId8"/>
-    <p:sldId id="266" r:id="rId9"/>
-    <p:sldId id="264" r:id="rId10"/>
-    <p:sldId id="267" r:id="rId11"/>
-    <p:sldId id="265" r:id="rId12"/>
-    <p:sldId id="268" r:id="rId13"/>
-    <p:sldId id="269" r:id="rId14"/>
-    <p:sldId id="270" r:id="rId15"/>
-    <p:sldId id="271" r:id="rId16"/>
-    <p:sldId id="273" r:id="rId17"/>
-    <p:sldId id="282" r:id="rId18"/>
-    <p:sldId id="285" r:id="rId19"/>
-    <p:sldId id="275" r:id="rId20"/>
-    <p:sldId id="283" r:id="rId21"/>
-    <p:sldId id="277" r:id="rId22"/>
-    <p:sldId id="284" r:id="rId23"/>
-    <p:sldId id="279" r:id="rId24"/>
-    <p:sldId id="286" r:id="rId25"/>
-    <p:sldId id="287" r:id="rId26"/>
-    <p:sldId id="289" r:id="rId27"/>
-    <p:sldId id="290" r:id="rId28"/>
-    <p:sldId id="274" r:id="rId29"/>
-    <p:sldId id="272" r:id="rId30"/>
-    <p:sldId id="292" r:id="rId31"/>
-    <p:sldId id="293" r:id="rId32"/>
-    <p:sldId id="291" r:id="rId33"/>
-    <p:sldId id="288" r:id="rId34"/>
-    <p:sldId id="294" r:id="rId35"/>
-    <p:sldId id="295" r:id="rId36"/>
+    <p:sldId id="296" r:id="rId3"/>
+    <p:sldId id="257" r:id="rId4"/>
+    <p:sldId id="258" r:id="rId5"/>
+    <p:sldId id="260" r:id="rId6"/>
+    <p:sldId id="259" r:id="rId7"/>
+    <p:sldId id="261" r:id="rId8"/>
+    <p:sldId id="262" r:id="rId9"/>
+    <p:sldId id="266" r:id="rId10"/>
+    <p:sldId id="264" r:id="rId11"/>
+    <p:sldId id="267" r:id="rId12"/>
+    <p:sldId id="265" r:id="rId13"/>
+    <p:sldId id="268" r:id="rId14"/>
+    <p:sldId id="269" r:id="rId15"/>
+    <p:sldId id="270" r:id="rId16"/>
+    <p:sldId id="271" r:id="rId17"/>
+    <p:sldId id="273" r:id="rId18"/>
+    <p:sldId id="282" r:id="rId19"/>
+    <p:sldId id="285" r:id="rId20"/>
+    <p:sldId id="275" r:id="rId21"/>
+    <p:sldId id="283" r:id="rId22"/>
+    <p:sldId id="277" r:id="rId23"/>
+    <p:sldId id="284" r:id="rId24"/>
+    <p:sldId id="279" r:id="rId25"/>
+    <p:sldId id="286" r:id="rId26"/>
+    <p:sldId id="287" r:id="rId27"/>
+    <p:sldId id="289" r:id="rId28"/>
+    <p:sldId id="290" r:id="rId29"/>
+    <p:sldId id="274" r:id="rId30"/>
+    <p:sldId id="272" r:id="rId31"/>
+    <p:sldId id="292" r:id="rId32"/>
+    <p:sldId id="293" r:id="rId33"/>
+    <p:sldId id="291" r:id="rId34"/>
+    <p:sldId id="288" r:id="rId35"/>
+    <p:sldId id="294" r:id="rId36"/>
+    <p:sldId id="295" r:id="rId37"/>
   </p:sldIdLst>
   <p:sldSz cx="9144000" cy="6858000" type="screen4x3"/>
   <p:notesSz cx="6858000" cy="9144000"/>
@@ -322,7 +323,7 @@
           <a:p>
             <a:fld id="{F199DA73-FF55-4AFB-8A45-BCAA78D6E465}" type="datetimeFigureOut">
               <a:rPr lang="nl-BE" smtClean="0"/>
-              <a:t>25/04/2016</a:t>
+              <a:t>27/04/2016</a:t>
             </a:fld>
             <a:endParaRPr lang="nl-BE"/>
           </a:p>
@@ -492,7 +493,7 @@
           <a:p>
             <a:fld id="{F199DA73-FF55-4AFB-8A45-BCAA78D6E465}" type="datetimeFigureOut">
               <a:rPr lang="nl-BE" smtClean="0"/>
-              <a:t>25/04/2016</a:t>
+              <a:t>27/04/2016</a:t>
             </a:fld>
             <a:endParaRPr lang="nl-BE"/>
           </a:p>
@@ -672,7 +673,7 @@
           <a:p>
             <a:fld id="{F199DA73-FF55-4AFB-8A45-BCAA78D6E465}" type="datetimeFigureOut">
               <a:rPr lang="nl-BE" smtClean="0"/>
-              <a:t>25/04/2016</a:t>
+              <a:t>27/04/2016</a:t>
             </a:fld>
             <a:endParaRPr lang="nl-BE"/>
           </a:p>
@@ -842,7 +843,7 @@
           <a:p>
             <a:fld id="{F199DA73-FF55-4AFB-8A45-BCAA78D6E465}" type="datetimeFigureOut">
               <a:rPr lang="nl-BE" smtClean="0"/>
-              <a:t>25/04/2016</a:t>
+              <a:t>27/04/2016</a:t>
             </a:fld>
             <a:endParaRPr lang="nl-BE"/>
           </a:p>
@@ -1088,7 +1089,7 @@
           <a:p>
             <a:fld id="{F199DA73-FF55-4AFB-8A45-BCAA78D6E465}" type="datetimeFigureOut">
               <a:rPr lang="nl-BE" smtClean="0"/>
-              <a:t>25/04/2016</a:t>
+              <a:t>27/04/2016</a:t>
             </a:fld>
             <a:endParaRPr lang="nl-BE"/>
           </a:p>
@@ -1376,7 +1377,7 @@
           <a:p>
             <a:fld id="{F199DA73-FF55-4AFB-8A45-BCAA78D6E465}" type="datetimeFigureOut">
               <a:rPr lang="nl-BE" smtClean="0"/>
-              <a:t>25/04/2016</a:t>
+              <a:t>27/04/2016</a:t>
             </a:fld>
             <a:endParaRPr lang="nl-BE"/>
           </a:p>
@@ -1798,7 +1799,7 @@
           <a:p>
             <a:fld id="{F199DA73-FF55-4AFB-8A45-BCAA78D6E465}" type="datetimeFigureOut">
               <a:rPr lang="nl-BE" smtClean="0"/>
-              <a:t>25/04/2016</a:t>
+              <a:t>27/04/2016</a:t>
             </a:fld>
             <a:endParaRPr lang="nl-BE"/>
           </a:p>
@@ -1916,7 +1917,7 @@
           <a:p>
             <a:fld id="{F199DA73-FF55-4AFB-8A45-BCAA78D6E465}" type="datetimeFigureOut">
               <a:rPr lang="nl-BE" smtClean="0"/>
-              <a:t>25/04/2016</a:t>
+              <a:t>27/04/2016</a:t>
             </a:fld>
             <a:endParaRPr lang="nl-BE"/>
           </a:p>
@@ -2011,7 +2012,7 @@
           <a:p>
             <a:fld id="{F199DA73-FF55-4AFB-8A45-BCAA78D6E465}" type="datetimeFigureOut">
               <a:rPr lang="nl-BE" smtClean="0"/>
-              <a:t>25/04/2016</a:t>
+              <a:t>27/04/2016</a:t>
             </a:fld>
             <a:endParaRPr lang="nl-BE"/>
           </a:p>
@@ -2288,7 +2289,7 @@
           <a:p>
             <a:fld id="{F199DA73-FF55-4AFB-8A45-BCAA78D6E465}" type="datetimeFigureOut">
               <a:rPr lang="nl-BE" smtClean="0"/>
-              <a:t>25/04/2016</a:t>
+              <a:t>27/04/2016</a:t>
             </a:fld>
             <a:endParaRPr lang="nl-BE"/>
           </a:p>
@@ -2541,7 +2542,7 @@
           <a:p>
             <a:fld id="{F199DA73-FF55-4AFB-8A45-BCAA78D6E465}" type="datetimeFigureOut">
               <a:rPr lang="nl-BE" smtClean="0"/>
-              <a:t>25/04/2016</a:t>
+              <a:t>27/04/2016</a:t>
             </a:fld>
             <a:endParaRPr lang="nl-BE"/>
           </a:p>
@@ -2754,7 +2755,7 @@
           <a:p>
             <a:fld id="{F199DA73-FF55-4AFB-8A45-BCAA78D6E465}" type="datetimeFigureOut">
               <a:rPr lang="nl-BE" smtClean="0"/>
-              <a:t>25/04/2016</a:t>
+              <a:t>27/04/2016</a:t>
             </a:fld>
             <a:endParaRPr lang="nl-BE"/>
           </a:p>
@@ -3201,6 +3202,92 @@
           <a:chExt cx="0" cy="0"/>
         </a:xfrm>
       </p:grpSpPr>
+      <p:sp>
+        <p:nvSpPr>
+          <p:cNvPr id="2" name="Title 1"/>
+          <p:cNvSpPr>
+            <a:spLocks noGrp="1"/>
+          </p:cNvSpPr>
+          <p:nvPr>
+            <p:ph type="title"/>
+          </p:nvPr>
+        </p:nvSpPr>
+        <p:spPr/>
+        <p:txBody>
+          <a:bodyPr/>
+          <a:lstStyle/>
+          <a:p>
+            <a:endParaRPr lang="nl-BE"/>
+          </a:p>
+        </p:txBody>
+      </p:sp>
+      <p:sp>
+        <p:nvSpPr>
+          <p:cNvPr id="3" name="Content Placeholder 2"/>
+          <p:cNvSpPr>
+            <a:spLocks noGrp="1"/>
+          </p:cNvSpPr>
+          <p:nvPr>
+            <p:ph idx="1"/>
+          </p:nvPr>
+        </p:nvSpPr>
+        <p:spPr/>
+        <p:txBody>
+          <a:bodyPr>
+            <a:normAutofit/>
+          </a:bodyPr>
+          <a:lstStyle/>
+          <a:p>
+            <a:r>
+              <a:rPr lang="nl-BE" dirty="0" smtClean="0"/>
+              <a:t>Nobel prize lecture of Robert Engle: </a:t>
+            </a:r>
+            <a:r>
+              <a:rPr lang="en-US" dirty="0" smtClean="0"/>
+              <a:t>“to avoid all risks would be impossible; it might entail no flying, no driving, no walking. Even a bath could be dangerous. There are some risks we choose to take because the benefits from taking them exceed the possible costs. The central paradigm of finance is that must take risks to achieve rewards </a:t>
+            </a:r>
+            <a:r>
+              <a:rPr lang="en-US" b="1" dirty="0" smtClean="0"/>
+              <a:t>but not all risks are equally rewarded</a:t>
+            </a:r>
+            <a:r>
+              <a:rPr lang="en-US" dirty="0" smtClean="0"/>
+              <a:t>.</a:t>
+            </a:r>
+            <a:endParaRPr lang="nl-BE" dirty="0"/>
+          </a:p>
+        </p:txBody>
+      </p:sp>
+    </p:spTree>
+    <p:extLst>
+      <p:ext uri="{BB962C8B-B14F-4D97-AF65-F5344CB8AC3E}">
+        <p14:creationId xmlns:p14="http://schemas.microsoft.com/office/powerpoint/2010/main" val="428262065"/>
+      </p:ext>
+    </p:extLst>
+  </p:cSld>
+  <p:clrMapOvr>
+    <a:masterClrMapping/>
+  </p:clrMapOvr>
+</p:sld>
+</file>
+
+<file path=ppt/slides/slide11.xml><?xml version="1.0" encoding="utf-8"?>
+<p:sld xmlns:a="http://schemas.openxmlformats.org/drawingml/2006/main" xmlns:r="http://schemas.openxmlformats.org/officeDocument/2006/relationships" xmlns:p="http://schemas.openxmlformats.org/presentationml/2006/main">
+  <p:cSld>
+    <p:spTree>
+      <p:nvGrpSpPr>
+        <p:cNvPr id="1" name=""/>
+        <p:cNvGrpSpPr/>
+        <p:nvPr/>
+      </p:nvGrpSpPr>
+      <p:grpSpPr>
+        <a:xfrm>
+          <a:off x="0" y="0"/>
+          <a:ext cx="0" cy="0"/>
+          <a:chOff x="0" y="0"/>
+          <a:chExt cx="0" cy="0"/>
+        </a:xfrm>
+      </p:grpSpPr>
       <p:cxnSp>
         <p:nvCxnSpPr>
           <p:cNvPr id="15" name="Straight Connector 14"/>
@@ -3579,7 +3666,7 @@
 </p:sld>
 </file>
 
-<file path=ppt/slides/slide11.xml><?xml version="1.0" encoding="utf-8"?>
+<file path=ppt/slides/slide12.xml><?xml version="1.0" encoding="utf-8"?>
 <p:sld xmlns:a="http://schemas.openxmlformats.org/drawingml/2006/main" xmlns:r="http://schemas.openxmlformats.org/officeDocument/2006/relationships" xmlns:p="http://schemas.openxmlformats.org/presentationml/2006/main">
   <p:cSld>
     <p:spTree>
@@ -3703,7 +3790,7 @@
 </p:sld>
 </file>
 
-<file path=ppt/slides/slide12.xml><?xml version="1.0" encoding="utf-8"?>
+<file path=ppt/slides/slide13.xml><?xml version="1.0" encoding="utf-8"?>
 <p:sld xmlns:a="http://schemas.openxmlformats.org/drawingml/2006/main" xmlns:r="http://schemas.openxmlformats.org/officeDocument/2006/relationships" xmlns:p="http://schemas.openxmlformats.org/presentationml/2006/main">
   <p:cSld>
     <p:spTree>
@@ -3743,8 +3830,8 @@
           </a:p>
         </p:txBody>
       </p:sp>
-      <mc:AlternateContent xmlns:mc="http://schemas.openxmlformats.org/markup-compatibility/2006">
-        <mc:Choice xmlns:a14="http://schemas.microsoft.com/office/drawing/2010/main" Requires="a14">
+      <mc:AlternateContent xmlns:mc="http://schemas.openxmlformats.org/markup-compatibility/2006" xmlns:a14="http://schemas.microsoft.com/office/drawing/2010/main">
+        <mc:Choice Requires="a14">
           <p:graphicFrame>
             <p:nvGraphicFramePr>
               <p:cNvPr id="4" name="Table 3"/>
@@ -3856,6 +3943,7 @@
                         <a:bodyPr/>
                         <a:lstStyle/>
                         <a:p>
+                          <a:pPr/>
                           <a14:m>
                             <m:oMathPara xmlns:m="http://schemas.openxmlformats.org/officeDocument/2006/math">
                               <m:oMathParaPr>
@@ -4004,6 +4092,7 @@
                         <a:bodyPr/>
                         <a:lstStyle/>
                         <a:p>
+                          <a:pPr/>
                           <a14:m>
                             <m:oMathPara xmlns:m="http://schemas.openxmlformats.org/officeDocument/2006/math">
                               <m:oMathParaPr>
@@ -4200,6 +4289,7 @@
                         <a:bodyPr/>
                         <a:lstStyle/>
                         <a:p>
+                          <a:pPr/>
                           <a14:m>
                             <m:oMathPara xmlns:m="http://schemas.openxmlformats.org/officeDocument/2006/math">
                               <m:oMathParaPr>
@@ -4302,7 +4392,7 @@
             </a:graphic>
           </p:graphicFrame>
         </mc:Choice>
-        <mc:Fallback>
+        <mc:Fallback xmlns="">
           <p:graphicFrame>
             <p:nvGraphicFramePr>
               <p:cNvPr id="4" name="Table 3"/>
@@ -4634,7 +4724,7 @@
 </p:sld>
 </file>
 
-<file path=ppt/slides/slide13.xml><?xml version="1.0" encoding="utf-8"?>
+<file path=ppt/slides/slide14.xml><?xml version="1.0" encoding="utf-8"?>
 <p:sld xmlns:a="http://schemas.openxmlformats.org/drawingml/2006/main" xmlns:r="http://schemas.openxmlformats.org/officeDocument/2006/relationships" xmlns:p="http://schemas.openxmlformats.org/presentationml/2006/main">
   <p:cSld>
     <p:spTree>
@@ -4823,326 +4913,6 @@
 </p:sld>
 </file>
 
-<file path=ppt/slides/slide14.xml><?xml version="1.0" encoding="utf-8"?>
-<p:sld xmlns:a="http://schemas.openxmlformats.org/drawingml/2006/main" xmlns:r="http://schemas.openxmlformats.org/officeDocument/2006/relationships" xmlns:p="http://schemas.openxmlformats.org/presentationml/2006/main">
-  <p:cSld>
-    <p:spTree>
-      <p:nvGrpSpPr>
-        <p:cNvPr id="1" name=""/>
-        <p:cNvGrpSpPr/>
-        <p:nvPr/>
-      </p:nvGrpSpPr>
-      <p:grpSpPr>
-        <a:xfrm>
-          <a:off x="0" y="0"/>
-          <a:ext cx="0" cy="0"/>
-          <a:chOff x="0" y="0"/>
-          <a:chExt cx="0" cy="0"/>
-        </a:xfrm>
-      </p:grpSpPr>
-      <p:sp>
-        <p:nvSpPr>
-          <p:cNvPr id="2" name="Title 1"/>
-          <p:cNvSpPr>
-            <a:spLocks noGrp="1"/>
-          </p:cNvSpPr>
-          <p:nvPr>
-            <p:ph type="title"/>
-          </p:nvPr>
-        </p:nvSpPr>
-        <p:spPr/>
-        <p:txBody>
-          <a:bodyPr/>
-          <a:lstStyle/>
-          <a:p>
-            <a:endParaRPr lang="nl-BE"/>
-          </a:p>
-        </p:txBody>
-      </p:sp>
-      <p:sp>
-        <p:nvSpPr>
-          <p:cNvPr id="3" name="Content Placeholder 2"/>
-          <p:cNvSpPr>
-            <a:spLocks noGrp="1"/>
-          </p:cNvSpPr>
-          <p:nvPr>
-            <p:ph idx="1"/>
-          </p:nvPr>
-        </p:nvSpPr>
-        <p:spPr/>
-        <p:txBody>
-          <a:bodyPr>
-            <a:normAutofit/>
-          </a:bodyPr>
-          <a:lstStyle/>
-          <a:p>
-            <a:r>
-              <a:rPr lang="nl-BE" sz="2000" dirty="0" smtClean="0"/>
-              <a:t>Descriptive analysis of weights shows the budget allocation.</a:t>
-            </a:r>
-          </a:p>
-          <a:p>
-            <a:r>
-              <a:rPr lang="nl-BE" sz="2000" dirty="0" smtClean="0"/>
-              <a:t>Weights are the decision variable. </a:t>
-            </a:r>
-          </a:p>
-          <a:p>
-            <a:r>
-              <a:rPr lang="nl-BE" sz="2000" dirty="0" smtClean="0"/>
-              <a:t>Examples of possible weight allocation decisions:</a:t>
-            </a:r>
-          </a:p>
-          <a:p>
-            <a:endParaRPr lang="nl-BE" dirty="0"/>
-          </a:p>
-          <a:p>
-            <a:endParaRPr lang="nl-BE" dirty="0" smtClean="0"/>
-          </a:p>
-          <a:p>
-            <a:pPr lvl="2"/>
-            <a:endParaRPr lang="nl-BE" dirty="0"/>
-          </a:p>
-          <a:p>
-            <a:pPr lvl="2"/>
-            <a:endParaRPr lang="nl-BE" dirty="0" smtClean="0"/>
-          </a:p>
-          <a:p>
-            <a:pPr lvl="1"/>
-            <a:endParaRPr lang="nl-BE" dirty="0"/>
-          </a:p>
-        </p:txBody>
-      </p:sp>
-      <p:sp>
-        <p:nvSpPr>
-          <p:cNvPr id="5" name="TextBox 4"/>
-          <p:cNvSpPr txBox="1"/>
-          <p:nvPr/>
-        </p:nvSpPr>
-        <p:spPr>
-          <a:xfrm>
-            <a:off x="1393444" y="2927866"/>
-            <a:ext cx="6395358" cy="369332"/>
-          </a:xfrm>
-          <a:prstGeom prst="rect">
-            <a:avLst/>
-          </a:prstGeom>
-          <a:noFill/>
-        </p:spPr>
-        <p:txBody>
-          <a:bodyPr wrap="square" rtlCol="0">
-            <a:spAutoFit/>
-          </a:bodyPr>
-          <a:lstStyle/>
-          <a:p>
-            <a:pPr lvl="2"/>
-            <a:r>
-              <a:rPr lang="nl-BE" dirty="0" smtClean="0"/>
-              <a:t>Speculation: Invest all your wealth in one single asset</a:t>
-            </a:r>
-            <a:endParaRPr lang="nl-BE" dirty="0" smtClean="0"/>
-          </a:p>
-        </p:txBody>
-      </p:sp>
-      <p:sp>
-        <p:nvSpPr>
-          <p:cNvPr id="6" name="TextBox 5"/>
-          <p:cNvSpPr txBox="1"/>
-          <p:nvPr/>
-        </p:nvSpPr>
-        <p:spPr>
-          <a:xfrm>
-            <a:off x="-361877" y="3719996"/>
-            <a:ext cx="4953000" cy="646331"/>
-          </a:xfrm>
-          <a:prstGeom prst="rect">
-            <a:avLst/>
-          </a:prstGeom>
-          <a:noFill/>
-        </p:spPr>
-        <p:txBody>
-          <a:bodyPr wrap="square" rtlCol="0">
-            <a:spAutoFit/>
-          </a:bodyPr>
-          <a:lstStyle/>
-          <a:p>
-            <a:pPr lvl="2"/>
-            <a:r>
-              <a:rPr lang="nl-BE" dirty="0" smtClean="0"/>
-              <a:t>Equal-weighting: Invest in all assets the same amount</a:t>
-            </a:r>
-            <a:endParaRPr lang="nl-BE" dirty="0" smtClean="0"/>
-          </a:p>
-        </p:txBody>
-      </p:sp>
-      <p:sp>
-        <p:nvSpPr>
-          <p:cNvPr id="7" name="TextBox 6"/>
-          <p:cNvSpPr txBox="1"/>
-          <p:nvPr/>
-        </p:nvSpPr>
-        <p:spPr>
-          <a:xfrm>
-            <a:off x="4343400" y="3719996"/>
-            <a:ext cx="4953000" cy="1200329"/>
-          </a:xfrm>
-          <a:prstGeom prst="rect">
-            <a:avLst/>
-          </a:prstGeom>
-          <a:noFill/>
-        </p:spPr>
-        <p:txBody>
-          <a:bodyPr wrap="square" rtlCol="0">
-            <a:spAutoFit/>
-          </a:bodyPr>
-          <a:lstStyle/>
-          <a:p>
-            <a:pPr lvl="2"/>
-            <a:r>
-              <a:rPr lang="nl-BE" dirty="0" smtClean="0"/>
-              <a:t>Market capitalization based weighting: Set the weights of the assets relatively to their market value. Overweight large stocks, underweight small stocks</a:t>
-            </a:r>
-            <a:endParaRPr lang="nl-BE" dirty="0" smtClean="0"/>
-          </a:p>
-        </p:txBody>
-      </p:sp>
-      <p:sp>
-        <p:nvSpPr>
-          <p:cNvPr id="11" name="TextBox 10"/>
-          <p:cNvSpPr txBox="1"/>
-          <p:nvPr/>
-        </p:nvSpPr>
-        <p:spPr>
-          <a:xfrm>
-            <a:off x="76200" y="4724400"/>
-            <a:ext cx="4953000" cy="646331"/>
-          </a:xfrm>
-          <a:prstGeom prst="rect">
-            <a:avLst/>
-          </a:prstGeom>
-          <a:noFill/>
-        </p:spPr>
-        <p:txBody>
-          <a:bodyPr wrap="square" rtlCol="0">
-            <a:spAutoFit/>
-          </a:bodyPr>
-          <a:lstStyle/>
-          <a:p>
-            <a:pPr lvl="2"/>
-            <a:r>
-              <a:rPr lang="nl-BE" dirty="0" smtClean="0"/>
-              <a:t>Low risk approach: Overweight the less volatile stocks</a:t>
-            </a:r>
-            <a:endParaRPr lang="nl-BE" dirty="0" smtClean="0"/>
-          </a:p>
-        </p:txBody>
-      </p:sp>
-      <p:sp>
-        <p:nvSpPr>
-          <p:cNvPr id="12" name="TextBox 11"/>
-          <p:cNvSpPr txBox="1"/>
-          <p:nvPr/>
-        </p:nvSpPr>
-        <p:spPr>
-          <a:xfrm>
-            <a:off x="4114800" y="5629785"/>
-            <a:ext cx="4953000" cy="923330"/>
-          </a:xfrm>
-          <a:prstGeom prst="rect">
-            <a:avLst/>
-          </a:prstGeom>
-          <a:noFill/>
-        </p:spPr>
-        <p:txBody>
-          <a:bodyPr wrap="square" rtlCol="0">
-            <a:spAutoFit/>
-          </a:bodyPr>
-          <a:lstStyle/>
-          <a:p>
-            <a:pPr lvl="2"/>
-            <a:r>
-              <a:rPr lang="nl-BE" dirty="0" smtClean="0"/>
-              <a:t>The  value investor: Overweight stocks with low price to earnings and price to book ratios. </a:t>
-            </a:r>
-            <a:endParaRPr lang="nl-BE" dirty="0" smtClean="0"/>
-          </a:p>
-        </p:txBody>
-      </p:sp>
-      <p:sp>
-        <p:nvSpPr>
-          <p:cNvPr id="13" name="TextBox 12"/>
-          <p:cNvSpPr txBox="1"/>
-          <p:nvPr/>
-        </p:nvSpPr>
-        <p:spPr>
-          <a:xfrm>
-            <a:off x="-30009" y="5600870"/>
-            <a:ext cx="4362523" cy="1200329"/>
-          </a:xfrm>
-          <a:prstGeom prst="rect">
-            <a:avLst/>
-          </a:prstGeom>
-          <a:noFill/>
-        </p:spPr>
-        <p:txBody>
-          <a:bodyPr wrap="square" rtlCol="0">
-            <a:spAutoFit/>
-          </a:bodyPr>
-          <a:lstStyle/>
-          <a:p>
-            <a:pPr lvl="2"/>
-            <a:r>
-              <a:rPr lang="nl-BE" dirty="0" smtClean="0"/>
-              <a:t>The  growth investor: Overweight assets with a high potential to increase their market value in the future.  </a:t>
-            </a:r>
-            <a:endParaRPr lang="nl-BE" dirty="0" smtClean="0"/>
-          </a:p>
-        </p:txBody>
-      </p:sp>
-      <p:sp>
-        <p:nvSpPr>
-          <p:cNvPr id="14" name="TextBox 13"/>
-          <p:cNvSpPr txBox="1"/>
-          <p:nvPr/>
-        </p:nvSpPr>
-        <p:spPr>
-          <a:xfrm>
-            <a:off x="4299857" y="4954539"/>
-            <a:ext cx="4953000" cy="646331"/>
-          </a:xfrm>
-          <a:prstGeom prst="rect">
-            <a:avLst/>
-          </a:prstGeom>
-          <a:noFill/>
-        </p:spPr>
-        <p:txBody>
-          <a:bodyPr wrap="square" rtlCol="0">
-            <a:spAutoFit/>
-          </a:bodyPr>
-          <a:lstStyle/>
-          <a:p>
-            <a:pPr lvl="2"/>
-            <a:r>
-              <a:rPr lang="nl-BE" dirty="0" smtClean="0"/>
-              <a:t>The  small is beautifull investor: Overweight small stocks</a:t>
-            </a:r>
-            <a:endParaRPr lang="nl-BE" dirty="0" smtClean="0"/>
-          </a:p>
-        </p:txBody>
-      </p:sp>
-    </p:spTree>
-    <p:extLst>
-      <p:ext uri="{BB962C8B-B14F-4D97-AF65-F5344CB8AC3E}">
-        <p14:creationId xmlns:p14="http://schemas.microsoft.com/office/powerpoint/2010/main" val="590466243"/>
-      </p:ext>
-    </p:extLst>
-  </p:cSld>
-  <p:clrMapOvr>
-    <a:masterClrMapping/>
-  </p:clrMapOvr>
-</p:sld>
-</file>
-
 <file path=ppt/slides/slide15.xml><?xml version="1.0" encoding="utf-8"?>
 <p:sld xmlns:a="http://schemas.openxmlformats.org/drawingml/2006/main" xmlns:r="http://schemas.openxmlformats.org/officeDocument/2006/relationships" xmlns:p="http://schemas.openxmlformats.org/presentationml/2006/main">
   <p:cSld>
@@ -5191,21 +4961,262 @@
         </p:nvSpPr>
         <p:spPr/>
         <p:txBody>
-          <a:bodyPr/>
-          <a:lstStyle/>
-          <a:p>
+          <a:bodyPr>
+            <a:normAutofit/>
+          </a:bodyPr>
+          <a:lstStyle/>
+          <a:p>
+            <a:r>
+              <a:rPr lang="nl-BE" sz="2000" dirty="0" smtClean="0"/>
+              <a:t>Descriptive analysis of weights shows the budget allocation.</a:t>
+            </a:r>
+          </a:p>
+          <a:p>
+            <a:r>
+              <a:rPr lang="nl-BE" sz="2000" dirty="0" smtClean="0"/>
+              <a:t>Weights are the decision variable. </a:t>
+            </a:r>
+          </a:p>
+          <a:p>
+            <a:r>
+              <a:rPr lang="nl-BE" sz="2000" dirty="0" smtClean="0"/>
+              <a:t>Examples of possible weight allocation decisions:</a:t>
+            </a:r>
+          </a:p>
+          <a:p>
+            <a:endParaRPr lang="nl-BE" dirty="0"/>
+          </a:p>
+          <a:p>
+            <a:endParaRPr lang="nl-BE" dirty="0" smtClean="0"/>
+          </a:p>
+          <a:p>
+            <a:pPr lvl="2"/>
+            <a:endParaRPr lang="nl-BE" dirty="0"/>
+          </a:p>
+          <a:p>
+            <a:pPr lvl="2"/>
+            <a:endParaRPr lang="nl-BE" dirty="0" smtClean="0"/>
+          </a:p>
+          <a:p>
+            <a:pPr lvl="1"/>
+            <a:endParaRPr lang="nl-BE" dirty="0"/>
+          </a:p>
+        </p:txBody>
+      </p:sp>
+      <p:sp>
+        <p:nvSpPr>
+          <p:cNvPr id="5" name="TextBox 4"/>
+          <p:cNvSpPr txBox="1"/>
+          <p:nvPr/>
+        </p:nvSpPr>
+        <p:spPr>
+          <a:xfrm>
+            <a:off x="1393444" y="2927866"/>
+            <a:ext cx="6395358" cy="369332"/>
+          </a:xfrm>
+          <a:prstGeom prst="rect">
+            <a:avLst/>
+          </a:prstGeom>
+          <a:noFill/>
+        </p:spPr>
+        <p:txBody>
+          <a:bodyPr wrap="square" rtlCol="0">
+            <a:spAutoFit/>
+          </a:bodyPr>
+          <a:lstStyle/>
+          <a:p>
+            <a:pPr lvl="2"/>
             <a:r>
               <a:rPr lang="nl-BE" dirty="0" smtClean="0"/>
-              <a:t>Important for us …</a:t>
-            </a:r>
-            <a:endParaRPr lang="nl-BE" dirty="0"/>
+              <a:t>Speculation: Invest all your wealth in one single asset</a:t>
+            </a:r>
+          </a:p>
+        </p:txBody>
+      </p:sp>
+      <p:sp>
+        <p:nvSpPr>
+          <p:cNvPr id="6" name="TextBox 5"/>
+          <p:cNvSpPr txBox="1"/>
+          <p:nvPr/>
+        </p:nvSpPr>
+        <p:spPr>
+          <a:xfrm>
+            <a:off x="-361877" y="3719996"/>
+            <a:ext cx="4953000" cy="646331"/>
+          </a:xfrm>
+          <a:prstGeom prst="rect">
+            <a:avLst/>
+          </a:prstGeom>
+          <a:noFill/>
+        </p:spPr>
+        <p:txBody>
+          <a:bodyPr wrap="square" rtlCol="0">
+            <a:spAutoFit/>
+          </a:bodyPr>
+          <a:lstStyle/>
+          <a:p>
+            <a:pPr lvl="2"/>
+            <a:r>
+              <a:rPr lang="nl-BE" dirty="0" smtClean="0"/>
+              <a:t>Equal-weighting: Invest in all assets the same amount</a:t>
+            </a:r>
+          </a:p>
+        </p:txBody>
+      </p:sp>
+      <p:sp>
+        <p:nvSpPr>
+          <p:cNvPr id="7" name="TextBox 6"/>
+          <p:cNvSpPr txBox="1"/>
+          <p:nvPr/>
+        </p:nvSpPr>
+        <p:spPr>
+          <a:xfrm>
+            <a:off x="4343400" y="3719996"/>
+            <a:ext cx="4953000" cy="1200329"/>
+          </a:xfrm>
+          <a:prstGeom prst="rect">
+            <a:avLst/>
+          </a:prstGeom>
+          <a:noFill/>
+        </p:spPr>
+        <p:txBody>
+          <a:bodyPr wrap="square" rtlCol="0">
+            <a:spAutoFit/>
+          </a:bodyPr>
+          <a:lstStyle/>
+          <a:p>
+            <a:pPr lvl="2"/>
+            <a:r>
+              <a:rPr lang="nl-BE" dirty="0" smtClean="0"/>
+              <a:t>Market capitalization based weighting: Set the weights of the assets relatively to their market value. Overweight large stocks, underweight small stocks</a:t>
+            </a:r>
+          </a:p>
+        </p:txBody>
+      </p:sp>
+      <p:sp>
+        <p:nvSpPr>
+          <p:cNvPr id="11" name="TextBox 10"/>
+          <p:cNvSpPr txBox="1"/>
+          <p:nvPr/>
+        </p:nvSpPr>
+        <p:spPr>
+          <a:xfrm>
+            <a:off x="76200" y="4724400"/>
+            <a:ext cx="4953000" cy="646331"/>
+          </a:xfrm>
+          <a:prstGeom prst="rect">
+            <a:avLst/>
+          </a:prstGeom>
+          <a:noFill/>
+        </p:spPr>
+        <p:txBody>
+          <a:bodyPr wrap="square" rtlCol="0">
+            <a:spAutoFit/>
+          </a:bodyPr>
+          <a:lstStyle/>
+          <a:p>
+            <a:pPr lvl="2"/>
+            <a:r>
+              <a:rPr lang="nl-BE" dirty="0" smtClean="0"/>
+              <a:t>Low risk approach: Overweight the less volatile stocks</a:t>
+            </a:r>
+          </a:p>
+        </p:txBody>
+      </p:sp>
+      <p:sp>
+        <p:nvSpPr>
+          <p:cNvPr id="12" name="TextBox 11"/>
+          <p:cNvSpPr txBox="1"/>
+          <p:nvPr/>
+        </p:nvSpPr>
+        <p:spPr>
+          <a:xfrm>
+            <a:off x="4114800" y="5629785"/>
+            <a:ext cx="4953000" cy="923330"/>
+          </a:xfrm>
+          <a:prstGeom prst="rect">
+            <a:avLst/>
+          </a:prstGeom>
+          <a:noFill/>
+        </p:spPr>
+        <p:txBody>
+          <a:bodyPr wrap="square" rtlCol="0">
+            <a:spAutoFit/>
+          </a:bodyPr>
+          <a:lstStyle/>
+          <a:p>
+            <a:pPr lvl="2"/>
+            <a:r>
+              <a:rPr lang="nl-BE" dirty="0" smtClean="0"/>
+              <a:t>The  value investor: Overweight stocks with low price to earnings and price to book ratios. </a:t>
+            </a:r>
+          </a:p>
+        </p:txBody>
+      </p:sp>
+      <p:sp>
+        <p:nvSpPr>
+          <p:cNvPr id="13" name="TextBox 12"/>
+          <p:cNvSpPr txBox="1"/>
+          <p:nvPr/>
+        </p:nvSpPr>
+        <p:spPr>
+          <a:xfrm>
+            <a:off x="-30009" y="5600870"/>
+            <a:ext cx="4362523" cy="1200329"/>
+          </a:xfrm>
+          <a:prstGeom prst="rect">
+            <a:avLst/>
+          </a:prstGeom>
+          <a:noFill/>
+        </p:spPr>
+        <p:txBody>
+          <a:bodyPr wrap="square" rtlCol="0">
+            <a:spAutoFit/>
+          </a:bodyPr>
+          <a:lstStyle/>
+          <a:p>
+            <a:pPr lvl="2"/>
+            <a:r>
+              <a:rPr lang="nl-BE" dirty="0" smtClean="0"/>
+              <a:t>The  growth investor: Overweight assets with a high potential to increase their market value in the future.  </a:t>
+            </a:r>
+          </a:p>
+        </p:txBody>
+      </p:sp>
+      <p:sp>
+        <p:nvSpPr>
+          <p:cNvPr id="14" name="TextBox 13"/>
+          <p:cNvSpPr txBox="1"/>
+          <p:nvPr/>
+        </p:nvSpPr>
+        <p:spPr>
+          <a:xfrm>
+            <a:off x="4299857" y="4954539"/>
+            <a:ext cx="4953000" cy="646331"/>
+          </a:xfrm>
+          <a:prstGeom prst="rect">
+            <a:avLst/>
+          </a:prstGeom>
+          <a:noFill/>
+        </p:spPr>
+        <p:txBody>
+          <a:bodyPr wrap="square" rtlCol="0">
+            <a:spAutoFit/>
+          </a:bodyPr>
+          <a:lstStyle/>
+          <a:p>
+            <a:pPr lvl="2"/>
+            <a:r>
+              <a:rPr lang="nl-BE" dirty="0" smtClean="0"/>
+              <a:t>The  small is beautifull investor: Overweight small stocks</a:t>
+            </a:r>
           </a:p>
         </p:txBody>
       </p:sp>
     </p:spTree>
     <p:extLst>
       <p:ext uri="{BB962C8B-B14F-4D97-AF65-F5344CB8AC3E}">
-        <p14:creationId xmlns:p14="http://schemas.microsoft.com/office/powerpoint/2010/main" val="2144221230"/>
+        <p14:creationId xmlns:p14="http://schemas.microsoft.com/office/powerpoint/2010/main" val="590466243"/>
       </p:ext>
     </p:extLst>
   </p:cSld>
@@ -5239,55 +5250,45 @@
             <a:spLocks noGrp="1"/>
           </p:cNvSpPr>
           <p:nvPr>
-            <p:ph type="ctrTitle"/>
+            <p:ph type="title"/>
           </p:nvPr>
         </p:nvSpPr>
         <p:spPr/>
         <p:txBody>
-          <a:bodyPr>
-            <a:normAutofit fontScale="90000"/>
-          </a:bodyPr>
-          <a:lstStyle/>
-          <a:p>
-            <a:r>
-              <a:rPr lang="en-US" dirty="0"/>
-              <a:t>Video </a:t>
-            </a:r>
-            <a:r>
-              <a:rPr lang="en-US" dirty="0" smtClean="0"/>
-              <a:t>3: </a:t>
-            </a:r>
-            <a:r>
-              <a:rPr lang="en-US" dirty="0"/>
-              <a:t>One-period portfolio returns are the weighted average of the individual returns</a:t>
+          <a:bodyPr/>
+          <a:lstStyle/>
+          <a:p>
+            <a:endParaRPr lang="nl-BE"/>
+          </a:p>
+        </p:txBody>
+      </p:sp>
+      <p:sp>
+        <p:nvSpPr>
+          <p:cNvPr id="3" name="Content Placeholder 2"/>
+          <p:cNvSpPr>
+            <a:spLocks noGrp="1"/>
+          </p:cNvSpPr>
+          <p:nvPr>
+            <p:ph idx="1"/>
+          </p:nvPr>
+        </p:nvSpPr>
+        <p:spPr/>
+        <p:txBody>
+          <a:bodyPr/>
+          <a:lstStyle/>
+          <a:p>
+            <a:r>
+              <a:rPr lang="nl-BE" dirty="0" smtClean="0"/>
+              <a:t>Important for us …</a:t>
             </a:r>
             <a:endParaRPr lang="nl-BE" dirty="0"/>
-          </a:p>
-        </p:txBody>
-      </p:sp>
-      <p:sp>
-        <p:nvSpPr>
-          <p:cNvPr id="3" name="Subtitle 2"/>
-          <p:cNvSpPr>
-            <a:spLocks noGrp="1"/>
-          </p:cNvSpPr>
-          <p:nvPr>
-            <p:ph type="subTitle" idx="1"/>
-          </p:nvPr>
-        </p:nvSpPr>
-        <p:spPr/>
-        <p:txBody>
-          <a:bodyPr/>
-          <a:lstStyle/>
-          <a:p>
-            <a:endParaRPr lang="nl-BE"/>
           </a:p>
         </p:txBody>
       </p:sp>
     </p:spTree>
     <p:extLst>
       <p:ext uri="{BB962C8B-B14F-4D97-AF65-F5344CB8AC3E}">
-        <p14:creationId xmlns:p14="http://schemas.microsoft.com/office/powerpoint/2010/main" val="3784945143"/>
+        <p14:creationId xmlns:p14="http://schemas.microsoft.com/office/powerpoint/2010/main" val="2144221230"/>
       </p:ext>
     </p:extLst>
   </p:cSld>
@@ -5321,77 +5322,55 @@
             <a:spLocks noGrp="1"/>
           </p:cNvSpPr>
           <p:nvPr>
-            <p:ph type="title"/>
+            <p:ph type="ctrTitle"/>
           </p:nvPr>
         </p:nvSpPr>
         <p:spPr/>
         <p:txBody>
+          <a:bodyPr>
+            <a:normAutofit fontScale="90000"/>
+          </a:bodyPr>
+          <a:lstStyle/>
+          <a:p>
+            <a:r>
+              <a:rPr lang="en-US" dirty="0"/>
+              <a:t>Video </a:t>
+            </a:r>
+            <a:r>
+              <a:rPr lang="en-US" dirty="0" smtClean="0"/>
+              <a:t>3: </a:t>
+            </a:r>
+            <a:r>
+              <a:rPr lang="en-US" dirty="0"/>
+              <a:t>One-period portfolio returns are the weighted average of the individual returns</a:t>
+            </a:r>
+            <a:endParaRPr lang="nl-BE" dirty="0"/>
+          </a:p>
+        </p:txBody>
+      </p:sp>
+      <p:sp>
+        <p:nvSpPr>
+          <p:cNvPr id="3" name="Subtitle 2"/>
+          <p:cNvSpPr>
+            <a:spLocks noGrp="1"/>
+          </p:cNvSpPr>
+          <p:nvPr>
+            <p:ph type="subTitle" idx="1"/>
+          </p:nvPr>
+        </p:nvSpPr>
+        <p:spPr/>
+        <p:txBody>
           <a:bodyPr/>
           <a:lstStyle/>
           <a:p>
             <a:endParaRPr lang="nl-BE"/>
-          </a:p>
-        </p:txBody>
-      </p:sp>
-      <p:sp>
-        <p:nvSpPr>
-          <p:cNvPr id="3" name="Content Placeholder 2"/>
-          <p:cNvSpPr>
-            <a:spLocks noGrp="1"/>
-          </p:cNvSpPr>
-          <p:nvPr>
-            <p:ph idx="1"/>
-          </p:nvPr>
-        </p:nvSpPr>
-        <p:spPr/>
-        <p:txBody>
-          <a:bodyPr>
-            <a:normAutofit/>
-          </a:bodyPr>
-          <a:lstStyle/>
-          <a:p>
-            <a:r>
-              <a:rPr lang="nl-BE" dirty="0" smtClean="0"/>
-              <a:t>The investor decides on the portfolio weights</a:t>
-            </a:r>
-          </a:p>
-          <a:p>
-            <a:r>
-              <a:rPr lang="nl-BE" dirty="0" smtClean="0"/>
-              <a:t>These weights determine the change in portfolio value.</a:t>
-            </a:r>
-          </a:p>
-          <a:p>
-            <a:endParaRPr lang="nl-BE" dirty="0" smtClean="0"/>
-          </a:p>
-          <a:p>
-            <a:pPr lvl="1"/>
-            <a:r>
-              <a:rPr lang="nl-BE" dirty="0" smtClean="0"/>
-              <a:t>Backward looking questions:</a:t>
-            </a:r>
-          </a:p>
-          <a:p>
-            <a:pPr lvl="1"/>
-            <a:endParaRPr lang="nl-BE" dirty="0"/>
-          </a:p>
-          <a:p>
-            <a:pPr lvl="1"/>
-            <a:r>
-              <a:rPr lang="nl-BE" dirty="0" smtClean="0"/>
-              <a:t>Forward looking questions:</a:t>
-            </a:r>
-          </a:p>
-          <a:p>
-            <a:pPr lvl="1"/>
-            <a:endParaRPr lang="nl-BE" dirty="0" smtClean="0"/>
           </a:p>
         </p:txBody>
       </p:sp>
     </p:spTree>
     <p:extLst>
       <p:ext uri="{BB962C8B-B14F-4D97-AF65-F5344CB8AC3E}">
-        <p14:creationId xmlns:p14="http://schemas.microsoft.com/office/powerpoint/2010/main" val="2422653192"/>
+        <p14:creationId xmlns:p14="http://schemas.microsoft.com/office/powerpoint/2010/main" val="3784945143"/>
       </p:ext>
     </p:extLst>
   </p:cSld>
@@ -5449,21 +5428,53 @@
         </p:nvSpPr>
         <p:spPr/>
         <p:txBody>
-          <a:bodyPr/>
+          <a:bodyPr>
+            <a:normAutofit/>
+          </a:bodyPr>
           <a:lstStyle/>
           <a:p>
             <a:r>
               <a:rPr lang="nl-BE" dirty="0" smtClean="0"/>
-              <a:t>Expressed in relative terms…</a:t>
-            </a:r>
+              <a:t>The investor decides on the portfolio weights</a:t>
+            </a:r>
+          </a:p>
+          <a:p>
+            <a:r>
+              <a:rPr lang="nl-BE" dirty="0" smtClean="0"/>
+              <a:t>These weights determine the change in portfolio value.</a:t>
+            </a:r>
+          </a:p>
+          <a:p>
+            <a:endParaRPr lang="nl-BE" dirty="0" smtClean="0"/>
+          </a:p>
+          <a:p>
+            <a:pPr lvl="1"/>
+            <a:r>
+              <a:rPr lang="nl-BE" dirty="0" smtClean="0"/>
+              <a:t>Backward looking questions:</a:t>
+            </a:r>
+          </a:p>
+          <a:p>
+            <a:pPr lvl="1"/>
             <a:endParaRPr lang="nl-BE" dirty="0"/>
+          </a:p>
+          <a:p>
+            <a:pPr lvl="1"/>
+            <a:r>
+              <a:rPr lang="nl-BE" dirty="0" smtClean="0"/>
+              <a:t>Forward looking questions:</a:t>
+            </a:r>
+          </a:p>
+          <a:p>
+            <a:pPr lvl="1"/>
+            <a:endParaRPr lang="nl-BE" dirty="0" smtClean="0"/>
           </a:p>
         </p:txBody>
       </p:sp>
     </p:spTree>
     <p:extLst>
       <p:ext uri="{BB962C8B-B14F-4D97-AF65-F5344CB8AC3E}">
-        <p14:creationId xmlns:p14="http://schemas.microsoft.com/office/powerpoint/2010/main" val="3505834917"/>
+        <p14:creationId xmlns:p14="http://schemas.microsoft.com/office/powerpoint/2010/main" val="2422653192"/>
       </p:ext>
     </p:extLst>
   </p:cSld>
@@ -5502,6 +5513,191 @@
         </p:nvSpPr>
         <p:spPr/>
         <p:txBody>
+          <a:bodyPr/>
+          <a:lstStyle/>
+          <a:p>
+            <a:endParaRPr lang="nl-BE"/>
+          </a:p>
+        </p:txBody>
+      </p:sp>
+      <p:sp>
+        <p:nvSpPr>
+          <p:cNvPr id="3" name="Content Placeholder 2"/>
+          <p:cNvSpPr>
+            <a:spLocks noGrp="1"/>
+          </p:cNvSpPr>
+          <p:nvPr>
+            <p:ph idx="1"/>
+          </p:nvPr>
+        </p:nvSpPr>
+        <p:spPr/>
+        <p:txBody>
+          <a:bodyPr/>
+          <a:lstStyle/>
+          <a:p>
+            <a:r>
+              <a:rPr lang="nl-BE" dirty="0" smtClean="0"/>
+              <a:t>Expressed in relative terms…</a:t>
+            </a:r>
+            <a:endParaRPr lang="nl-BE" dirty="0"/>
+          </a:p>
+        </p:txBody>
+      </p:sp>
+    </p:spTree>
+    <p:extLst>
+      <p:ext uri="{BB962C8B-B14F-4D97-AF65-F5344CB8AC3E}">
+        <p14:creationId xmlns:p14="http://schemas.microsoft.com/office/powerpoint/2010/main" val="3505834917"/>
+      </p:ext>
+    </p:extLst>
+  </p:cSld>
+  <p:clrMapOvr>
+    <a:masterClrMapping/>
+  </p:clrMapOvr>
+</p:sld>
+</file>
+
+<file path=ppt/slides/slide2.xml><?xml version="1.0" encoding="utf-8"?>
+<p:sld xmlns:a="http://schemas.openxmlformats.org/drawingml/2006/main" xmlns:r="http://schemas.openxmlformats.org/officeDocument/2006/relationships" xmlns:p="http://schemas.openxmlformats.org/presentationml/2006/main">
+  <p:cSld>
+    <p:spTree>
+      <p:nvGrpSpPr>
+        <p:cNvPr id="1" name=""/>
+        <p:cNvGrpSpPr/>
+        <p:nvPr/>
+      </p:nvGrpSpPr>
+      <p:grpSpPr>
+        <a:xfrm>
+          <a:off x="0" y="0"/>
+          <a:ext cx="0" cy="0"/>
+          <a:chOff x="0" y="0"/>
+          <a:chExt cx="0" cy="0"/>
+        </a:xfrm>
+      </p:grpSpPr>
+      <p:sp>
+        <p:nvSpPr>
+          <p:cNvPr id="2" name="Title 1"/>
+          <p:cNvSpPr>
+            <a:spLocks noGrp="1"/>
+          </p:cNvSpPr>
+          <p:nvPr>
+            <p:ph type="title"/>
+          </p:nvPr>
+        </p:nvSpPr>
+        <p:spPr/>
+        <p:txBody>
+          <a:bodyPr/>
+          <a:lstStyle/>
+          <a:p>
+            <a:endParaRPr lang="nl-BE"/>
+          </a:p>
+        </p:txBody>
+      </p:sp>
+      <p:sp>
+        <p:nvSpPr>
+          <p:cNvPr id="3" name="Content Placeholder 2"/>
+          <p:cNvSpPr>
+            <a:spLocks noGrp="1"/>
+          </p:cNvSpPr>
+          <p:nvPr>
+            <p:ph idx="1"/>
+          </p:nvPr>
+        </p:nvSpPr>
+        <p:spPr/>
+        <p:txBody>
+          <a:bodyPr/>
+          <a:lstStyle/>
+          <a:p>
+            <a:r>
+              <a:rPr lang="nl-BE" dirty="0" smtClean="0"/>
+              <a:t>Is investing a monkey-business? </a:t>
+            </a:r>
+            <a:endParaRPr lang="nl-BE" dirty="0"/>
+          </a:p>
+        </p:txBody>
+      </p:sp>
+      <p:pic>
+        <p:nvPicPr>
+          <p:cNvPr id="1026" name="Picture 2" descr="You may not beat the market as an individual investor, but this guy - given enough time - may just do it. (Eric Isselee/Getty Images/iStockPhoto)"/>
+          <p:cNvPicPr>
+            <a:picLocks noChangeAspect="1" noChangeArrowheads="1"/>
+          </p:cNvPicPr>
+          <p:nvPr/>
+        </p:nvPicPr>
+        <p:blipFill>
+          <a:blip r:embed="rId2">
+            <a:extLst>
+              <a:ext uri="{28A0092B-C50C-407E-A947-70E740481C1C}">
+                <a14:useLocalDpi xmlns:a14="http://schemas.microsoft.com/office/drawing/2010/main" val="0"/>
+              </a:ext>
+            </a:extLst>
+          </a:blip>
+          <a:srcRect/>
+          <a:stretch>
+            <a:fillRect/>
+          </a:stretch>
+        </p:blipFill>
+        <p:spPr bwMode="auto">
+          <a:xfrm>
+            <a:off x="1524000" y="2590800"/>
+            <a:ext cx="5905500" cy="3324226"/>
+          </a:xfrm>
+          <a:prstGeom prst="rect">
+            <a:avLst/>
+          </a:prstGeom>
+          <a:noFill/>
+          <a:extLst>
+            <a:ext uri="{909E8E84-426E-40DD-AFC4-6F175D3DCCD1}">
+              <a14:hiddenFill xmlns:a14="http://schemas.microsoft.com/office/drawing/2010/main">
+                <a:solidFill>
+                  <a:srgbClr val="FFFFFF"/>
+                </a:solidFill>
+              </a14:hiddenFill>
+            </a:ext>
+          </a:extLst>
+        </p:spPr>
+      </p:pic>
+    </p:spTree>
+    <p:extLst>
+      <p:ext uri="{BB962C8B-B14F-4D97-AF65-F5344CB8AC3E}">
+        <p14:creationId xmlns:p14="http://schemas.microsoft.com/office/powerpoint/2010/main" val="1581927727"/>
+      </p:ext>
+    </p:extLst>
+  </p:cSld>
+  <p:clrMapOvr>
+    <a:masterClrMapping/>
+  </p:clrMapOvr>
+</p:sld>
+</file>
+
+<file path=ppt/slides/slide20.xml><?xml version="1.0" encoding="utf-8"?>
+<p:sld xmlns:a="http://schemas.openxmlformats.org/drawingml/2006/main" xmlns:r="http://schemas.openxmlformats.org/officeDocument/2006/relationships" xmlns:p="http://schemas.openxmlformats.org/presentationml/2006/main">
+  <p:cSld>
+    <p:spTree>
+      <p:nvGrpSpPr>
+        <p:cNvPr id="1" name=""/>
+        <p:cNvGrpSpPr/>
+        <p:nvPr/>
+      </p:nvGrpSpPr>
+      <p:grpSpPr>
+        <a:xfrm>
+          <a:off x="0" y="0"/>
+          <a:ext cx="0" cy="0"/>
+          <a:chOff x="0" y="0"/>
+          <a:chExt cx="0" cy="0"/>
+        </a:xfrm>
+      </p:grpSpPr>
+      <p:sp>
+        <p:nvSpPr>
+          <p:cNvPr id="2" name="Title 1"/>
+          <p:cNvSpPr>
+            <a:spLocks noGrp="1"/>
+          </p:cNvSpPr>
+          <p:nvPr>
+            <p:ph type="title"/>
+          </p:nvPr>
+        </p:nvSpPr>
+        <p:spPr/>
+        <p:txBody>
           <a:bodyPr>
             <a:normAutofit fontScale="90000"/>
           </a:bodyPr>
@@ -5522,8 +5718,8 @@
           </a:p>
         </p:txBody>
       </p:sp>
-      <mc:AlternateContent xmlns:mc="http://schemas.openxmlformats.org/markup-compatibility/2006">
-        <mc:Choice xmlns:a14="http://schemas.microsoft.com/office/drawing/2010/main" Requires="a14">
+      <mc:AlternateContent xmlns:mc="http://schemas.openxmlformats.org/markup-compatibility/2006" xmlns:a14="http://schemas.microsoft.com/office/drawing/2010/main">
+        <mc:Choice Requires="a14">
           <p:graphicFrame>
             <p:nvGraphicFramePr>
               <p:cNvPr id="8" name="Content Placeholder 7"/>
@@ -5660,6 +5856,7 @@
                         <a:bodyPr/>
                         <a:lstStyle/>
                         <a:p>
+                          <a:pPr/>
                           <a14:m>
                             <m:oMathPara xmlns:m="http://schemas.openxmlformats.org/officeDocument/2006/math">
                               <m:oMathParaPr>
@@ -5907,7 +6104,7 @@
             </a:graphic>
           </p:graphicFrame>
         </mc:Choice>
-        <mc:Fallback>
+        <mc:Fallback xmlns="">
           <p:graphicFrame>
             <p:nvGraphicFramePr>
               <p:cNvPr id="8" name="Content Placeholder 7"/>
@@ -6251,7 +6448,7 @@
 </p:sld>
 </file>
 
-<file path=ppt/slides/slide2.xml><?xml version="1.0" encoding="utf-8"?>
+<file path=ppt/slides/slide21.xml><?xml version="1.0" encoding="utf-8"?>
 <p:sld xmlns:a="http://schemas.openxmlformats.org/drawingml/2006/main" xmlns:r="http://schemas.openxmlformats.org/officeDocument/2006/relationships" xmlns:p="http://schemas.openxmlformats.org/presentationml/2006/main">
   <p:cSld>
     <p:spTree>
@@ -6283,108 +6480,6 @@
           <a:bodyPr/>
           <a:lstStyle/>
           <a:p>
-            <a:r>
-              <a:rPr lang="nl-BE" dirty="0" smtClean="0"/>
-              <a:t>About myself</a:t>
-            </a:r>
-            <a:endParaRPr lang="nl-BE" dirty="0"/>
-          </a:p>
-        </p:txBody>
-      </p:sp>
-      <p:sp>
-        <p:nvSpPr>
-          <p:cNvPr id="3" name="Content Placeholder 2"/>
-          <p:cNvSpPr>
-            <a:spLocks noGrp="1"/>
-          </p:cNvSpPr>
-          <p:nvPr>
-            <p:ph idx="1"/>
-          </p:nvPr>
-        </p:nvSpPr>
-        <p:spPr/>
-        <p:txBody>
-          <a:bodyPr>
-            <a:normAutofit fontScale="92500" lnSpcReduction="20000"/>
-          </a:bodyPr>
-          <a:lstStyle/>
-          <a:p>
-            <a:r>
-              <a:rPr lang="nl-BE" dirty="0" smtClean="0"/>
-              <a:t>Professor of finance, Vrije Universiteit Brussel and Amsterdam;</a:t>
-            </a:r>
-          </a:p>
-          <a:p>
-            <a:r>
-              <a:rPr lang="nl-BE" dirty="0" smtClean="0"/>
-              <a:t>Inventor of statistical methodology for reliable financial decision</a:t>
-            </a:r>
-          </a:p>
-          <a:p>
-            <a:r>
-              <a:rPr lang="nl-BE" dirty="0" smtClean="0"/>
-              <a:t>Publications in the Journal of Portfolio Management and Review of Finance, among others.</a:t>
-            </a:r>
-          </a:p>
-          <a:p>
-            <a:r>
-              <a:rPr lang="nl-BE" dirty="0" smtClean="0"/>
-              <a:t>Contributor to the R packages PerformanceAnalytics, PortfolioAnalytics and highfrequency, among others.</a:t>
-            </a:r>
-          </a:p>
-          <a:p>
-            <a:r>
-              <a:rPr lang="nl-BE" dirty="0" smtClean="0"/>
-              <a:t>Consultancy to investment firms. </a:t>
-            </a:r>
-            <a:endParaRPr lang="nl-BE" dirty="0"/>
-          </a:p>
-        </p:txBody>
-      </p:sp>
-    </p:spTree>
-    <p:extLst>
-      <p:ext uri="{BB962C8B-B14F-4D97-AF65-F5344CB8AC3E}">
-        <p14:creationId xmlns:p14="http://schemas.microsoft.com/office/powerpoint/2010/main" val="561958690"/>
-      </p:ext>
-    </p:extLst>
-  </p:cSld>
-  <p:clrMapOvr>
-    <a:masterClrMapping/>
-  </p:clrMapOvr>
-</p:sld>
-</file>
-
-<file path=ppt/slides/slide20.xml><?xml version="1.0" encoding="utf-8"?>
-<p:sld xmlns:a="http://schemas.openxmlformats.org/drawingml/2006/main" xmlns:r="http://schemas.openxmlformats.org/officeDocument/2006/relationships" xmlns:p="http://schemas.openxmlformats.org/presentationml/2006/main">
-  <p:cSld>
-    <p:spTree>
-      <p:nvGrpSpPr>
-        <p:cNvPr id="1" name=""/>
-        <p:cNvGrpSpPr/>
-        <p:nvPr/>
-      </p:nvGrpSpPr>
-      <p:grpSpPr>
-        <a:xfrm>
-          <a:off x="0" y="0"/>
-          <a:ext cx="0" cy="0"/>
-          <a:chOff x="0" y="0"/>
-          <a:chExt cx="0" cy="0"/>
-        </a:xfrm>
-      </p:grpSpPr>
-      <p:sp>
-        <p:nvSpPr>
-          <p:cNvPr id="2" name="Title 1"/>
-          <p:cNvSpPr>
-            <a:spLocks noGrp="1"/>
-          </p:cNvSpPr>
-          <p:nvPr>
-            <p:ph type="title"/>
-          </p:nvPr>
-        </p:nvSpPr>
-        <p:spPr/>
-        <p:txBody>
-          <a:bodyPr/>
-          <a:lstStyle/>
-          <a:p>
             <a:endParaRPr lang="nl-BE"/>
           </a:p>
         </p:txBody>
@@ -6473,7 +6568,7 @@
 </p:sld>
 </file>
 
-<file path=ppt/slides/slide21.xml><?xml version="1.0" encoding="utf-8"?>
+<file path=ppt/slides/slide22.xml><?xml version="1.0" encoding="utf-8"?>
 <p:sld xmlns:a="http://schemas.openxmlformats.org/drawingml/2006/main" xmlns:r="http://schemas.openxmlformats.org/officeDocument/2006/relationships" xmlns:p="http://schemas.openxmlformats.org/presentationml/2006/main">
   <p:cSld>
     <p:spTree>
@@ -6692,7 +6787,6 @@
                     <a:bodyPr/>
                     <a:lstStyle/>
                     <a:p>
-                      <a:pPr/>
                       <a:endParaRPr lang="nl-BE" dirty="0"/>
                     </a:p>
                   </a:txBody>
@@ -6793,7 +6887,6 @@
                     <a:bodyPr/>
                     <a:lstStyle/>
                     <a:p>
-                      <a:pPr/>
                       <a:endParaRPr lang="nl-BE" dirty="0"/>
                     </a:p>
                   </a:txBody>
@@ -6952,7 +7045,6 @@
                     <a:bodyPr/>
                     <a:lstStyle/>
                     <a:p>
-                      <a:pPr/>
                       <a:endParaRPr lang="nl-BE" dirty="0"/>
                     </a:p>
                   </a:txBody>
@@ -7006,11 +7098,7 @@
                       </a:r>
                       <a:r>
                         <a:rPr lang="nl-BE" dirty="0" smtClean="0"/>
-                        <a:t>+…+</a:t>
-                      </a:r>
-                      <a:r>
-                        <a:rPr lang="nl-BE" dirty="0" smtClean="0"/>
-                        <a:t>Vi</a:t>
+                        <a:t>+…+Vi</a:t>
                       </a:r>
                       <a:r>
                         <a:rPr lang="nl-BE" baseline="-25000" dirty="0" smtClean="0"/>
@@ -7069,11 +7157,7 @@
                     <a:p>
                       <a:r>
                         <a:rPr lang="nl-BE" dirty="0" smtClean="0"/>
-                        <a:t>R = (</a:t>
-                      </a:r>
-                      <a:r>
-                        <a:rPr lang="nl-BE" dirty="0" smtClean="0"/>
-                        <a:t>Vf-Vi)/Vi  </a:t>
+                        <a:t>R = (Vf-Vi)/Vi  </a:t>
                       </a:r>
                       <a:endParaRPr lang="nl-BE" dirty="0"/>
                     </a:p>
@@ -7144,137 +7228,6 @@
 </p:sld>
 </file>
 
-<file path=ppt/slides/slide22.xml><?xml version="1.0" encoding="utf-8"?>
-<p:sld xmlns:a="http://schemas.openxmlformats.org/drawingml/2006/main" xmlns:r="http://schemas.openxmlformats.org/officeDocument/2006/relationships" xmlns:p="http://schemas.openxmlformats.org/presentationml/2006/main">
-  <p:cSld>
-    <p:spTree>
-      <p:nvGrpSpPr>
-        <p:cNvPr id="1" name=""/>
-        <p:cNvGrpSpPr/>
-        <p:nvPr/>
-      </p:nvGrpSpPr>
-      <p:grpSpPr>
-        <a:xfrm>
-          <a:off x="0" y="0"/>
-          <a:ext cx="0" cy="0"/>
-          <a:chOff x="0" y="0"/>
-          <a:chExt cx="0" cy="0"/>
-        </a:xfrm>
-      </p:grpSpPr>
-      <p:sp>
-        <p:nvSpPr>
-          <p:cNvPr id="2" name="Title 1"/>
-          <p:cNvSpPr>
-            <a:spLocks noGrp="1"/>
-          </p:cNvSpPr>
-          <p:nvPr>
-            <p:ph type="title"/>
-          </p:nvPr>
-        </p:nvSpPr>
-        <p:spPr/>
-        <p:txBody>
-          <a:bodyPr/>
-          <a:lstStyle/>
-          <a:p>
-            <a:endParaRPr lang="nl-BE"/>
-          </a:p>
-        </p:txBody>
-      </p:sp>
-      <p:sp>
-        <p:nvSpPr>
-          <p:cNvPr id="3" name="Content Placeholder 2"/>
-          <p:cNvSpPr>
-            <a:spLocks noGrp="1"/>
-          </p:cNvSpPr>
-          <p:nvPr>
-            <p:ph idx="1"/>
-          </p:nvPr>
-        </p:nvSpPr>
-        <p:spPr/>
-        <p:txBody>
-          <a:bodyPr/>
-          <a:lstStyle/>
-          <a:p>
-            <a:r>
-              <a:rPr lang="nl-BE" dirty="0" smtClean="0"/>
-              <a:t>Disadvange…</a:t>
-            </a:r>
-          </a:p>
-          <a:p>
-            <a:endParaRPr lang="nl-BE" dirty="0"/>
-          </a:p>
-          <a:p>
-            <a:endParaRPr lang="nl-BE" dirty="0" smtClean="0"/>
-          </a:p>
-          <a:p>
-            <a:r>
-              <a:rPr lang="nl-BE" dirty="0" smtClean="0"/>
-              <a:t>Equivalence</a:t>
-            </a:r>
-            <a:endParaRPr lang="nl-BE" dirty="0"/>
-          </a:p>
-        </p:txBody>
-      </p:sp>
-      <p:sp>
-        <p:nvSpPr>
-          <p:cNvPr id="4" name="TextBox 3"/>
-          <p:cNvSpPr txBox="1"/>
-          <p:nvPr/>
-        </p:nvSpPr>
-        <p:spPr>
-          <a:xfrm>
-            <a:off x="457200" y="4508641"/>
-            <a:ext cx="8153400" cy="923330"/>
-          </a:xfrm>
-          <a:prstGeom prst="rect">
-            <a:avLst/>
-          </a:prstGeom>
-          <a:noFill/>
-          <a:ln w="3175">
-            <a:solidFill>
-              <a:schemeClr val="tx1"/>
-            </a:solidFill>
-          </a:ln>
-        </p:spPr>
-        <p:txBody>
-          <a:bodyPr wrap="square" rtlCol="0">
-            <a:spAutoFit/>
-          </a:bodyPr>
-          <a:lstStyle/>
-          <a:p>
-            <a:r>
-              <a:rPr lang="nl-BE" dirty="0" smtClean="0"/>
-              <a:t>PORTFOLIO RETURN </a:t>
-            </a:r>
-          </a:p>
-          <a:p>
-            <a:r>
-              <a:rPr lang="nl-BE" dirty="0" smtClean="0"/>
-              <a:t>= (FINAL PORTFOLIO VALUE-INTIAL PORTFOLIO VALUE)/INITIAL PORTFOLIO VALUE</a:t>
-            </a:r>
-          </a:p>
-          <a:p>
-            <a:r>
-              <a:rPr lang="nl-BE" dirty="0" smtClean="0"/>
-              <a:t>= weighted average return</a:t>
-            </a:r>
-            <a:endParaRPr lang="nl-BE" dirty="0"/>
-          </a:p>
-        </p:txBody>
-      </p:sp>
-    </p:spTree>
-    <p:extLst>
-      <p:ext uri="{BB962C8B-B14F-4D97-AF65-F5344CB8AC3E}">
-        <p14:creationId xmlns:p14="http://schemas.microsoft.com/office/powerpoint/2010/main" val="2191097770"/>
-      </p:ext>
-    </p:extLst>
-  </p:cSld>
-  <p:clrMapOvr>
-    <a:masterClrMapping/>
-  </p:clrMapOvr>
-</p:sld>
-</file>
-
 <file path=ppt/slides/slide23.xml><?xml version="1.0" encoding="utf-8"?>
 <p:sld xmlns:a="http://schemas.openxmlformats.org/drawingml/2006/main" xmlns:r="http://schemas.openxmlformats.org/officeDocument/2006/relationships" xmlns:p="http://schemas.openxmlformats.org/presentationml/2006/main">
   <p:cSld>
@@ -7307,6 +7260,137 @@
           <a:bodyPr/>
           <a:lstStyle/>
           <a:p>
+            <a:endParaRPr lang="nl-BE"/>
+          </a:p>
+        </p:txBody>
+      </p:sp>
+      <p:sp>
+        <p:nvSpPr>
+          <p:cNvPr id="3" name="Content Placeholder 2"/>
+          <p:cNvSpPr>
+            <a:spLocks noGrp="1"/>
+          </p:cNvSpPr>
+          <p:nvPr>
+            <p:ph idx="1"/>
+          </p:nvPr>
+        </p:nvSpPr>
+        <p:spPr/>
+        <p:txBody>
+          <a:bodyPr/>
+          <a:lstStyle/>
+          <a:p>
+            <a:r>
+              <a:rPr lang="nl-BE" dirty="0" smtClean="0"/>
+              <a:t>Disadvange…</a:t>
+            </a:r>
+          </a:p>
+          <a:p>
+            <a:endParaRPr lang="nl-BE" dirty="0"/>
+          </a:p>
+          <a:p>
+            <a:endParaRPr lang="nl-BE" dirty="0" smtClean="0"/>
+          </a:p>
+          <a:p>
+            <a:r>
+              <a:rPr lang="nl-BE" dirty="0" smtClean="0"/>
+              <a:t>Equivalence</a:t>
+            </a:r>
+            <a:endParaRPr lang="nl-BE" dirty="0"/>
+          </a:p>
+        </p:txBody>
+      </p:sp>
+      <p:sp>
+        <p:nvSpPr>
+          <p:cNvPr id="4" name="TextBox 3"/>
+          <p:cNvSpPr txBox="1"/>
+          <p:nvPr/>
+        </p:nvSpPr>
+        <p:spPr>
+          <a:xfrm>
+            <a:off x="457200" y="4508641"/>
+            <a:ext cx="8153400" cy="923330"/>
+          </a:xfrm>
+          <a:prstGeom prst="rect">
+            <a:avLst/>
+          </a:prstGeom>
+          <a:noFill/>
+          <a:ln w="3175">
+            <a:solidFill>
+              <a:schemeClr val="tx1"/>
+            </a:solidFill>
+          </a:ln>
+        </p:spPr>
+        <p:txBody>
+          <a:bodyPr wrap="square" rtlCol="0">
+            <a:spAutoFit/>
+          </a:bodyPr>
+          <a:lstStyle/>
+          <a:p>
+            <a:r>
+              <a:rPr lang="nl-BE" dirty="0" smtClean="0"/>
+              <a:t>PORTFOLIO RETURN </a:t>
+            </a:r>
+          </a:p>
+          <a:p>
+            <a:r>
+              <a:rPr lang="nl-BE" dirty="0" smtClean="0"/>
+              <a:t>= (FINAL PORTFOLIO VALUE-INTIAL PORTFOLIO VALUE)/INITIAL PORTFOLIO VALUE</a:t>
+            </a:r>
+          </a:p>
+          <a:p>
+            <a:r>
+              <a:rPr lang="nl-BE" dirty="0" smtClean="0"/>
+              <a:t>= weighted average return</a:t>
+            </a:r>
+            <a:endParaRPr lang="nl-BE" dirty="0"/>
+          </a:p>
+        </p:txBody>
+      </p:sp>
+    </p:spTree>
+    <p:extLst>
+      <p:ext uri="{BB962C8B-B14F-4D97-AF65-F5344CB8AC3E}">
+        <p14:creationId xmlns:p14="http://schemas.microsoft.com/office/powerpoint/2010/main" val="2191097770"/>
+      </p:ext>
+    </p:extLst>
+  </p:cSld>
+  <p:clrMapOvr>
+    <a:masterClrMapping/>
+  </p:clrMapOvr>
+</p:sld>
+</file>
+
+<file path=ppt/slides/slide24.xml><?xml version="1.0" encoding="utf-8"?>
+<p:sld xmlns:a="http://schemas.openxmlformats.org/drawingml/2006/main" xmlns:r="http://schemas.openxmlformats.org/officeDocument/2006/relationships" xmlns:p="http://schemas.openxmlformats.org/presentationml/2006/main">
+  <p:cSld>
+    <p:spTree>
+      <p:nvGrpSpPr>
+        <p:cNvPr id="1" name=""/>
+        <p:cNvGrpSpPr/>
+        <p:nvPr/>
+      </p:nvGrpSpPr>
+      <p:grpSpPr>
+        <a:xfrm>
+          <a:off x="0" y="0"/>
+          <a:ext cx="0" cy="0"/>
+          <a:chOff x="0" y="0"/>
+          <a:chExt cx="0" cy="0"/>
+        </a:xfrm>
+      </p:grpSpPr>
+      <p:sp>
+        <p:nvSpPr>
+          <p:cNvPr id="2" name="Title 1"/>
+          <p:cNvSpPr>
+            <a:spLocks noGrp="1"/>
+          </p:cNvSpPr>
+          <p:nvPr>
+            <p:ph type="title"/>
+          </p:nvPr>
+        </p:nvSpPr>
+        <p:spPr/>
+        <p:txBody>
+          <a:bodyPr/>
+          <a:lstStyle/>
+          <a:p>
             <a:r>
               <a:rPr lang="nl-BE" dirty="0" smtClean="0"/>
               <a:t>Magic</a:t>
@@ -7334,8 +7418,8 @@
           </a:p>
         </p:txBody>
       </p:sp>
-      <mc:AlternateContent xmlns:mc="http://schemas.openxmlformats.org/markup-compatibility/2006">
-        <mc:Choice xmlns:a14="http://schemas.microsoft.com/office/drawing/2010/main" Requires="a14">
+      <mc:AlternateContent xmlns:mc="http://schemas.openxmlformats.org/markup-compatibility/2006" xmlns:a14="http://schemas.microsoft.com/office/drawing/2010/main">
+        <mc:Choice Requires="a14">
           <p:graphicFrame>
             <p:nvGraphicFramePr>
               <p:cNvPr id="4" name="Table 3"/>
@@ -7511,7 +7595,6 @@
                         <a:bodyPr/>
                         <a:lstStyle/>
                         <a:p>
-                          <a:pPr/>
                           <a:endParaRPr lang="nl-BE" dirty="0"/>
                         </a:p>
                       </a:txBody>
@@ -7560,13 +7643,7 @@
                                       <a:rPr lang="nl-BE" b="0" i="1" dirty="0" smtClean="0">
                                         <a:latin typeface="Cambria Math"/>
                                       </a:rPr>
-                                      <m:t>𝑉</m:t>
-                                    </m:r>
-                                    <m:r>
-                                      <a:rPr lang="nl-BE" b="0" i="1" dirty="0" smtClean="0">
-                                        <a:latin typeface="Cambria Math"/>
-                                      </a:rPr>
-                                      <m:t>𝑖</m:t>
+                                      <m:t>𝑉𝑖</m:t>
                                     </m:r>
                                     <m:r>
                                       <a:rPr lang="nl-BE" b="0" i="0" baseline="-25000" dirty="0" smtClean="0">
@@ -7580,13 +7657,7 @@
                                       <a:rPr lang="nl-BE" b="0" i="1" dirty="0" smtClean="0">
                                         <a:latin typeface="Cambria Math"/>
                                       </a:rPr>
-                                      <m:t>𝑉</m:t>
-                                    </m:r>
-                                    <m:r>
-                                      <a:rPr lang="nl-BE" b="0" i="1" dirty="0" smtClean="0">
-                                        <a:latin typeface="Cambria Math"/>
-                                      </a:rPr>
-                                      <m:t>𝑖</m:t>
+                                      <m:t>𝑉𝑖</m:t>
                                     </m:r>
                                     <m:r>
                                       <a:rPr lang="nl-BE" b="0" i="0" baseline="-25000" dirty="0" smtClean="0">
@@ -7720,7 +7791,6 @@
                         <a:bodyPr/>
                         <a:lstStyle/>
                         <a:p>
-                          <a:pPr/>
                           <a:endParaRPr lang="nl-BE" dirty="0"/>
                         </a:p>
                       </a:txBody>
@@ -7769,13 +7839,7 @@
                                       <a:rPr lang="nl-BE" b="0" i="1" dirty="0" smtClean="0">
                                         <a:latin typeface="Cambria Math"/>
                                       </a:rPr>
-                                      <m:t>𝑉</m:t>
-                                    </m:r>
-                                    <m:r>
-                                      <a:rPr lang="nl-BE" b="0" i="1" dirty="0" smtClean="0">
-                                        <a:latin typeface="Cambria Math"/>
-                                      </a:rPr>
-                                      <m:t>𝑖</m:t>
+                                      <m:t>𝑉𝑖</m:t>
                                     </m:r>
                                     <m:r>
                                       <a:rPr lang="nl-BE" b="0" i="0" baseline="-25000" dirty="0" smtClean="0">
@@ -8000,7 +8064,6 @@
                         <a:bodyPr/>
                         <a:lstStyle/>
                         <a:p>
-                          <a:pPr/>
                           <a:endParaRPr lang="nl-BE" dirty="0"/>
                         </a:p>
                       </a:txBody>
@@ -8052,13 +8115,7 @@
                                       <a:rPr lang="nl-BE" b="0" i="1" dirty="0" smtClean="0">
                                         <a:latin typeface="Cambria Math"/>
                                       </a:rPr>
-                                      <m:t>𝑉</m:t>
-                                    </m:r>
-                                    <m:r>
-                                      <a:rPr lang="nl-BE" b="0" i="1" dirty="0" smtClean="0">
-                                        <a:latin typeface="Cambria Math"/>
-                                      </a:rPr>
-                                      <m:t>𝑖</m:t>
+                                      <m:t>𝑉𝑖</m:t>
                                     </m:r>
                                     <m:r>
                                       <m:rPr>
@@ -8075,13 +8132,7 @@
                                       <a:rPr lang="nl-BE" b="0" i="1" dirty="0" smtClean="0">
                                         <a:latin typeface="Cambria Math"/>
                                       </a:rPr>
-                                      <m:t>𝑉</m:t>
-                                    </m:r>
-                                    <m:r>
-                                      <a:rPr lang="nl-BE" b="0" i="1" dirty="0" smtClean="0">
-                                        <a:latin typeface="Cambria Math"/>
-                                      </a:rPr>
-                                      <m:t>𝑖</m:t>
+                                      <m:t>𝑉𝑖</m:t>
                                     </m:r>
                                     <m:r>
                                       <a:rPr lang="nl-BE" b="0" i="0" baseline="-25000" dirty="0" smtClean="0">
@@ -8168,11 +8219,7 @@
                           </a:r>
                           <a:r>
                             <a:rPr lang="nl-BE" dirty="0" smtClean="0"/>
-                            <a:t>+…+</a:t>
-                          </a:r>
-                          <a:r>
-                            <a:rPr lang="nl-BE" dirty="0" smtClean="0"/>
-                            <a:t>Vi</a:t>
+                            <a:t>+…+Vi</a:t>
                           </a:r>
                           <a:r>
                             <a:rPr lang="nl-BE" baseline="-25000" dirty="0" smtClean="0"/>
@@ -8346,7 +8393,7 @@
             </a:graphic>
           </p:graphicFrame>
         </mc:Choice>
-        <mc:Fallback>
+        <mc:Fallback xmlns="">
           <p:graphicFrame>
             <p:nvGraphicFramePr>
               <p:cNvPr id="4" name="Table 3"/>
@@ -9000,78 +9047,6 @@
 </p:sld>
 </file>
 
-<file path=ppt/slides/slide24.xml><?xml version="1.0" encoding="utf-8"?>
-<p:sld xmlns:a="http://schemas.openxmlformats.org/drawingml/2006/main" xmlns:r="http://schemas.openxmlformats.org/officeDocument/2006/relationships" xmlns:p="http://schemas.openxmlformats.org/presentationml/2006/main">
-  <p:cSld>
-    <p:spTree>
-      <p:nvGrpSpPr>
-        <p:cNvPr id="1" name=""/>
-        <p:cNvGrpSpPr/>
-        <p:nvPr/>
-      </p:nvGrpSpPr>
-      <p:grpSpPr>
-        <a:xfrm>
-          <a:off x="0" y="0"/>
-          <a:ext cx="0" cy="0"/>
-          <a:chOff x="0" y="0"/>
-          <a:chExt cx="0" cy="0"/>
-        </a:xfrm>
-      </p:grpSpPr>
-      <p:sp>
-        <p:nvSpPr>
-          <p:cNvPr id="2" name="Title 1"/>
-          <p:cNvSpPr>
-            <a:spLocks noGrp="1"/>
-          </p:cNvSpPr>
-          <p:nvPr>
-            <p:ph type="title"/>
-          </p:nvPr>
-        </p:nvSpPr>
-        <p:spPr/>
-        <p:txBody>
-          <a:bodyPr/>
-          <a:lstStyle/>
-          <a:p>
-            <a:endParaRPr lang="nl-BE"/>
-          </a:p>
-        </p:txBody>
-      </p:sp>
-      <p:sp>
-        <p:nvSpPr>
-          <p:cNvPr id="3" name="Content Placeholder 2"/>
-          <p:cNvSpPr>
-            <a:spLocks noGrp="1"/>
-          </p:cNvSpPr>
-          <p:nvPr>
-            <p:ph idx="1"/>
-          </p:nvPr>
-        </p:nvSpPr>
-        <p:spPr/>
-        <p:txBody>
-          <a:bodyPr/>
-          <a:lstStyle/>
-          <a:p>
-            <a:r>
-              <a:rPr lang="nl-BE" dirty="0" smtClean="0"/>
-              <a:t>Simple example with 2 assets </a:t>
-            </a:r>
-            <a:endParaRPr lang="nl-BE" dirty="0"/>
-          </a:p>
-        </p:txBody>
-      </p:sp>
-    </p:spTree>
-    <p:extLst>
-      <p:ext uri="{BB962C8B-B14F-4D97-AF65-F5344CB8AC3E}">
-        <p14:creationId xmlns:p14="http://schemas.microsoft.com/office/powerpoint/2010/main" val="1346666293"/>
-      </p:ext>
-    </p:extLst>
-  </p:cSld>
-  <p:clrMapOvr>
-    <a:masterClrMapping/>
-  </p:clrMapOvr>
-</p:sld>
-</file>
-
 <file path=ppt/slides/slide25.xml><?xml version="1.0" encoding="utf-8"?>
 <p:sld xmlns:a="http://schemas.openxmlformats.org/drawingml/2006/main" xmlns:r="http://schemas.openxmlformats.org/officeDocument/2006/relationships" xmlns:p="http://schemas.openxmlformats.org/presentationml/2006/main">
   <p:cSld>
@@ -9096,67 +9071,45 @@
             <a:spLocks noGrp="1"/>
           </p:cNvSpPr>
           <p:nvPr>
-            <p:ph type="ctrTitle"/>
+            <p:ph type="title"/>
           </p:nvPr>
         </p:nvSpPr>
         <p:spPr/>
         <p:txBody>
-          <a:bodyPr>
-            <a:normAutofit fontScale="90000"/>
-          </a:bodyPr>
-          <a:lstStyle/>
-          <a:p>
-            <a:r>
-              <a:rPr lang="en-US" dirty="0"/>
-              <a:t>Video </a:t>
-            </a:r>
-            <a:r>
-              <a:rPr lang="en-US" dirty="0" smtClean="0"/>
-              <a:t>4: The </a:t>
-            </a:r>
-            <a:r>
-              <a:rPr lang="en-US" dirty="0" err="1" smtClean="0"/>
-              <a:t>PerformanceAnalytics</a:t>
-            </a:r>
-            <a:r>
-              <a:rPr lang="en-US" dirty="0" smtClean="0"/>
-              <a:t> package and </a:t>
-            </a:r>
-            <a:r>
-              <a:rPr lang="en-US" dirty="0" err="1" smtClean="0"/>
-              <a:t>multiperiod</a:t>
-            </a:r>
-            <a:r>
-              <a:rPr lang="en-US" dirty="0" smtClean="0"/>
-              <a:t> returns</a:t>
+          <a:bodyPr/>
+          <a:lstStyle/>
+          <a:p>
+            <a:endParaRPr lang="nl-BE"/>
+          </a:p>
+        </p:txBody>
+      </p:sp>
+      <p:sp>
+        <p:nvSpPr>
+          <p:cNvPr id="3" name="Content Placeholder 2"/>
+          <p:cNvSpPr>
+            <a:spLocks noGrp="1"/>
+          </p:cNvSpPr>
+          <p:nvPr>
+            <p:ph idx="1"/>
+          </p:nvPr>
+        </p:nvSpPr>
+        <p:spPr/>
+        <p:txBody>
+          <a:bodyPr/>
+          <a:lstStyle/>
+          <a:p>
+            <a:r>
+              <a:rPr lang="nl-BE" dirty="0" smtClean="0"/>
+              <a:t>Simple example with 2 assets </a:t>
             </a:r>
             <a:endParaRPr lang="nl-BE" dirty="0"/>
-          </a:p>
-        </p:txBody>
-      </p:sp>
-      <p:sp>
-        <p:nvSpPr>
-          <p:cNvPr id="3" name="Subtitle 2"/>
-          <p:cNvSpPr>
-            <a:spLocks noGrp="1"/>
-          </p:cNvSpPr>
-          <p:nvPr>
-            <p:ph type="subTitle" idx="1"/>
-          </p:nvPr>
-        </p:nvSpPr>
-        <p:spPr/>
-        <p:txBody>
-          <a:bodyPr/>
-          <a:lstStyle/>
-          <a:p>
-            <a:endParaRPr lang="nl-BE"/>
           </a:p>
         </p:txBody>
       </p:sp>
     </p:spTree>
     <p:extLst>
       <p:ext uri="{BB962C8B-B14F-4D97-AF65-F5344CB8AC3E}">
-        <p14:creationId xmlns:p14="http://schemas.microsoft.com/office/powerpoint/2010/main" val="2757900799"/>
+        <p14:creationId xmlns:p14="http://schemas.microsoft.com/office/powerpoint/2010/main" val="1346666293"/>
       </p:ext>
     </p:extLst>
   </p:cSld>
@@ -9190,83 +9143,67 @@
             <a:spLocks noGrp="1"/>
           </p:cNvSpPr>
           <p:nvPr>
-            <p:ph type="title"/>
+            <p:ph type="ctrTitle"/>
           </p:nvPr>
         </p:nvSpPr>
         <p:spPr/>
         <p:txBody>
+          <a:bodyPr>
+            <a:normAutofit fontScale="90000"/>
+          </a:bodyPr>
+          <a:lstStyle/>
+          <a:p>
+            <a:r>
+              <a:rPr lang="en-US" dirty="0"/>
+              <a:t>Video </a:t>
+            </a:r>
+            <a:r>
+              <a:rPr lang="en-US" dirty="0" smtClean="0"/>
+              <a:t>4: The </a:t>
+            </a:r>
+            <a:r>
+              <a:rPr lang="en-US" dirty="0" err="1" smtClean="0"/>
+              <a:t>PerformanceAnalytics</a:t>
+            </a:r>
+            <a:r>
+              <a:rPr lang="en-US" dirty="0" smtClean="0"/>
+              <a:t> package and </a:t>
+            </a:r>
+            <a:r>
+              <a:rPr lang="en-US" dirty="0" err="1" smtClean="0"/>
+              <a:t>multiperiod</a:t>
+            </a:r>
+            <a:r>
+              <a:rPr lang="en-US" dirty="0" smtClean="0"/>
+              <a:t> returns</a:t>
+            </a:r>
+            <a:endParaRPr lang="nl-BE" dirty="0"/>
+          </a:p>
+        </p:txBody>
+      </p:sp>
+      <p:sp>
+        <p:nvSpPr>
+          <p:cNvPr id="3" name="Subtitle 2"/>
+          <p:cNvSpPr>
+            <a:spLocks noGrp="1"/>
+          </p:cNvSpPr>
+          <p:nvPr>
+            <p:ph type="subTitle" idx="1"/>
+          </p:nvPr>
+        </p:nvSpPr>
+        <p:spPr/>
+        <p:txBody>
           <a:bodyPr/>
           <a:lstStyle/>
           <a:p>
             <a:endParaRPr lang="nl-BE"/>
-          </a:p>
-        </p:txBody>
-      </p:sp>
-      <p:sp>
-        <p:nvSpPr>
-          <p:cNvPr id="3" name="Content Placeholder 2"/>
-          <p:cNvSpPr>
-            <a:spLocks noGrp="1"/>
-          </p:cNvSpPr>
-          <p:nvPr>
-            <p:ph idx="1"/>
-          </p:nvPr>
-        </p:nvSpPr>
-        <p:spPr/>
-        <p:txBody>
-          <a:bodyPr>
-            <a:normAutofit lnSpcReduction="10000"/>
-          </a:bodyPr>
-          <a:lstStyle/>
-          <a:p>
-            <a:r>
-              <a:rPr lang="nl-BE" dirty="0" smtClean="0"/>
-              <a:t>We have seen single period returns of a portfolio with only a few investments </a:t>
-            </a:r>
-          </a:p>
-          <a:p>
-            <a:r>
-              <a:rPr lang="nl-BE" dirty="0" smtClean="0"/>
-              <a:t>In practice:</a:t>
-            </a:r>
-          </a:p>
-          <a:p>
-            <a:pPr lvl="1"/>
-            <a:r>
-              <a:rPr lang="nl-BE" dirty="0" smtClean="0"/>
-              <a:t>Multi-period investments</a:t>
-            </a:r>
-          </a:p>
-          <a:p>
-            <a:pPr lvl="1"/>
-            <a:r>
-              <a:rPr lang="nl-BE" dirty="0" smtClean="0"/>
-              <a:t>Larger portfolios</a:t>
-            </a:r>
-          </a:p>
-          <a:p>
-            <a:r>
-              <a:rPr lang="nl-BE" dirty="0" smtClean="0"/>
-              <a:t>Scalability is possible using the functionality of the R package PerformanceAnalytics </a:t>
-            </a:r>
-          </a:p>
-          <a:p>
-            <a:r>
-              <a:rPr lang="nl-BE" dirty="0" smtClean="0"/>
-              <a:t>Illustration for the </a:t>
-            </a:r>
-            <a:r>
-              <a:rPr lang="en-US" dirty="0" smtClean="0"/>
-              <a:t>30 DJIA stocks over 25 years with monthly rebalancing</a:t>
-            </a:r>
-            <a:endParaRPr lang="nl-BE" dirty="0"/>
           </a:p>
         </p:txBody>
       </p:sp>
     </p:spTree>
     <p:extLst>
       <p:ext uri="{BB962C8B-B14F-4D97-AF65-F5344CB8AC3E}">
-        <p14:creationId xmlns:p14="http://schemas.microsoft.com/office/powerpoint/2010/main" val="135852190"/>
+        <p14:creationId xmlns:p14="http://schemas.microsoft.com/office/powerpoint/2010/main" val="2757900799"/>
       </p:ext>
     </p:extLst>
   </p:cSld>
@@ -9324,6 +9261,116 @@
         </p:nvSpPr>
         <p:spPr/>
         <p:txBody>
+          <a:bodyPr>
+            <a:normAutofit lnSpcReduction="10000"/>
+          </a:bodyPr>
+          <a:lstStyle/>
+          <a:p>
+            <a:r>
+              <a:rPr lang="nl-BE" dirty="0" smtClean="0"/>
+              <a:t>We have seen single period returns of a portfolio with only a few investments </a:t>
+            </a:r>
+          </a:p>
+          <a:p>
+            <a:r>
+              <a:rPr lang="nl-BE" dirty="0" smtClean="0"/>
+              <a:t>In practice:</a:t>
+            </a:r>
+          </a:p>
+          <a:p>
+            <a:pPr lvl="1"/>
+            <a:r>
+              <a:rPr lang="nl-BE" dirty="0" smtClean="0"/>
+              <a:t>Multi-period investments</a:t>
+            </a:r>
+          </a:p>
+          <a:p>
+            <a:pPr lvl="1"/>
+            <a:r>
+              <a:rPr lang="nl-BE" dirty="0" smtClean="0"/>
+              <a:t>Larger portfolios</a:t>
+            </a:r>
+          </a:p>
+          <a:p>
+            <a:r>
+              <a:rPr lang="nl-BE" dirty="0" smtClean="0"/>
+              <a:t>Scalability is possible using the functionality of the R package PerformanceAnalytics </a:t>
+            </a:r>
+          </a:p>
+          <a:p>
+            <a:r>
+              <a:rPr lang="nl-BE" dirty="0" smtClean="0"/>
+              <a:t>Illustration for the </a:t>
+            </a:r>
+            <a:r>
+              <a:rPr lang="en-US" dirty="0" smtClean="0"/>
+              <a:t>30 DJIA stocks over 25 years with monthly rebalancing</a:t>
+            </a:r>
+            <a:endParaRPr lang="nl-BE" dirty="0"/>
+          </a:p>
+        </p:txBody>
+      </p:sp>
+    </p:spTree>
+    <p:extLst>
+      <p:ext uri="{BB962C8B-B14F-4D97-AF65-F5344CB8AC3E}">
+        <p14:creationId xmlns:p14="http://schemas.microsoft.com/office/powerpoint/2010/main" val="135852190"/>
+      </p:ext>
+    </p:extLst>
+  </p:cSld>
+  <p:clrMapOvr>
+    <a:masterClrMapping/>
+  </p:clrMapOvr>
+</p:sld>
+</file>
+
+<file path=ppt/slides/slide28.xml><?xml version="1.0" encoding="utf-8"?>
+<p:sld xmlns:a="http://schemas.openxmlformats.org/drawingml/2006/main" xmlns:r="http://schemas.openxmlformats.org/officeDocument/2006/relationships" xmlns:p="http://schemas.openxmlformats.org/presentationml/2006/main">
+  <p:cSld>
+    <p:spTree>
+      <p:nvGrpSpPr>
+        <p:cNvPr id="1" name=""/>
+        <p:cNvGrpSpPr/>
+        <p:nvPr/>
+      </p:nvGrpSpPr>
+      <p:grpSpPr>
+        <a:xfrm>
+          <a:off x="0" y="0"/>
+          <a:ext cx="0" cy="0"/>
+          <a:chOff x="0" y="0"/>
+          <a:chExt cx="0" cy="0"/>
+        </a:xfrm>
+      </p:grpSpPr>
+      <p:sp>
+        <p:nvSpPr>
+          <p:cNvPr id="2" name="Title 1"/>
+          <p:cNvSpPr>
+            <a:spLocks noGrp="1"/>
+          </p:cNvSpPr>
+          <p:nvPr>
+            <p:ph type="title"/>
+          </p:nvPr>
+        </p:nvSpPr>
+        <p:spPr/>
+        <p:txBody>
+          <a:bodyPr/>
+          <a:lstStyle/>
+          <a:p>
+            <a:endParaRPr lang="nl-BE"/>
+          </a:p>
+        </p:txBody>
+      </p:sp>
+      <p:sp>
+        <p:nvSpPr>
+          <p:cNvPr id="3" name="Content Placeholder 2"/>
+          <p:cNvSpPr>
+            <a:spLocks noGrp="1"/>
+          </p:cNvSpPr>
+          <p:nvPr>
+            <p:ph idx="1"/>
+          </p:nvPr>
+        </p:nvSpPr>
+        <p:spPr/>
+        <p:txBody>
           <a:bodyPr/>
           <a:lstStyle/>
           <a:p>
@@ -9348,7 +9395,7 @@
 </p:sld>
 </file>
 
-<file path=ppt/slides/slide28.xml><?xml version="1.0" encoding="utf-8"?>
+<file path=ppt/slides/slide29.xml><?xml version="1.0" encoding="utf-8"?>
 <p:sld xmlns:a="http://schemas.openxmlformats.org/drawingml/2006/main" xmlns:r="http://schemas.openxmlformats.org/officeDocument/2006/relationships" xmlns:p="http://schemas.openxmlformats.org/presentationml/2006/main">
   <p:cSld>
     <p:spTree>
@@ -9865,7 +9912,7 @@
 </p:sld>
 </file>
 
-<file path=ppt/slides/slide29.xml><?xml version="1.0" encoding="utf-8"?>
+<file path=ppt/slides/slide3.xml><?xml version="1.0" encoding="utf-8"?>
 <p:sld xmlns:a="http://schemas.openxmlformats.org/drawingml/2006/main" xmlns:r="http://schemas.openxmlformats.org/officeDocument/2006/relationships" xmlns:p="http://schemas.openxmlformats.org/presentationml/2006/main">
   <p:cSld>
     <p:spTree>
@@ -9897,6 +9944,10 @@
           <a:bodyPr/>
           <a:lstStyle/>
           <a:p>
+            <a:r>
+              <a:rPr lang="nl-BE" dirty="0" smtClean="0"/>
+              <a:t>About myself</a:t>
+            </a:r>
             <a:endParaRPr lang="nl-BE" dirty="0"/>
           </a:p>
         </p:txBody>
@@ -9920,6 +9971,104 @@
           <a:p>
             <a:r>
               <a:rPr lang="nl-BE" dirty="0" smtClean="0"/>
+              <a:t>Professor of finance, Vrije Universiteit Brussel and Amsterdam;</a:t>
+            </a:r>
+          </a:p>
+          <a:p>
+            <a:r>
+              <a:rPr lang="nl-BE" dirty="0" smtClean="0"/>
+              <a:t>Inventor of statistical methodology for reliable financial decision</a:t>
+            </a:r>
+          </a:p>
+          <a:p>
+            <a:r>
+              <a:rPr lang="nl-BE" dirty="0" smtClean="0"/>
+              <a:t>Publications in the Journal of Portfolio Management and Review of Finance, among others.</a:t>
+            </a:r>
+          </a:p>
+          <a:p>
+            <a:r>
+              <a:rPr lang="nl-BE" dirty="0" smtClean="0"/>
+              <a:t>Contributor to the R packages PerformanceAnalytics, PortfolioAnalytics and highfrequency, among others.</a:t>
+            </a:r>
+          </a:p>
+          <a:p>
+            <a:r>
+              <a:rPr lang="nl-BE" dirty="0" smtClean="0"/>
+              <a:t>Consultancy to investment firms. </a:t>
+            </a:r>
+            <a:endParaRPr lang="nl-BE" dirty="0"/>
+          </a:p>
+        </p:txBody>
+      </p:sp>
+    </p:spTree>
+    <p:extLst>
+      <p:ext uri="{BB962C8B-B14F-4D97-AF65-F5344CB8AC3E}">
+        <p14:creationId xmlns:p14="http://schemas.microsoft.com/office/powerpoint/2010/main" val="561958690"/>
+      </p:ext>
+    </p:extLst>
+  </p:cSld>
+  <p:clrMapOvr>
+    <a:masterClrMapping/>
+  </p:clrMapOvr>
+</p:sld>
+</file>
+
+<file path=ppt/slides/slide30.xml><?xml version="1.0" encoding="utf-8"?>
+<p:sld xmlns:a="http://schemas.openxmlformats.org/drawingml/2006/main" xmlns:r="http://schemas.openxmlformats.org/officeDocument/2006/relationships" xmlns:p="http://schemas.openxmlformats.org/presentationml/2006/main">
+  <p:cSld>
+    <p:spTree>
+      <p:nvGrpSpPr>
+        <p:cNvPr id="1" name=""/>
+        <p:cNvGrpSpPr/>
+        <p:nvPr/>
+      </p:nvGrpSpPr>
+      <p:grpSpPr>
+        <a:xfrm>
+          <a:off x="0" y="0"/>
+          <a:ext cx="0" cy="0"/>
+          <a:chOff x="0" y="0"/>
+          <a:chExt cx="0" cy="0"/>
+        </a:xfrm>
+      </p:grpSpPr>
+      <p:sp>
+        <p:nvSpPr>
+          <p:cNvPr id="2" name="Title 1"/>
+          <p:cNvSpPr>
+            <a:spLocks noGrp="1"/>
+          </p:cNvSpPr>
+          <p:nvPr>
+            <p:ph type="title"/>
+          </p:nvPr>
+        </p:nvSpPr>
+        <p:spPr/>
+        <p:txBody>
+          <a:bodyPr/>
+          <a:lstStyle/>
+          <a:p>
+            <a:endParaRPr lang="nl-BE" dirty="0"/>
+          </a:p>
+        </p:txBody>
+      </p:sp>
+      <p:sp>
+        <p:nvSpPr>
+          <p:cNvPr id="3" name="Content Placeholder 2"/>
+          <p:cNvSpPr>
+            <a:spLocks noGrp="1"/>
+          </p:cNvSpPr>
+          <p:nvPr>
+            <p:ph idx="1"/>
+          </p:nvPr>
+        </p:nvSpPr>
+        <p:spPr/>
+        <p:txBody>
+          <a:bodyPr>
+            <a:normAutofit fontScale="92500" lnSpcReduction="20000"/>
+          </a:bodyPr>
+          <a:lstStyle/>
+          <a:p>
+            <a:r>
+              <a:rPr lang="nl-BE" dirty="0" smtClean="0"/>
               <a:t>Compounding formula</a:t>
             </a:r>
           </a:p>
@@ -9948,11 +10097,7 @@
             <a:pPr lvl="1"/>
             <a:r>
               <a:rPr lang="nl-BE" dirty="0" smtClean="0"/>
-              <a:t>One period: </a:t>
-            </a:r>
-            <a:r>
-              <a:rPr lang="nl-BE" dirty="0" smtClean="0"/>
-              <a:t>Vi(1+R</a:t>
+              <a:t>One period: Vi(1+R</a:t>
             </a:r>
             <a:r>
               <a:rPr lang="nl-BE" baseline="-25000" dirty="0" smtClean="0"/>
@@ -9962,17 +10107,12 @@
               <a:rPr lang="nl-BE" dirty="0" smtClean="0"/>
               <a:t>)</a:t>
             </a:r>
-            <a:endParaRPr lang="nl-BE" dirty="0" smtClean="0"/>
           </a:p>
           <a:p>
             <a:pPr lvl="1"/>
             <a:r>
               <a:rPr lang="nl-BE" dirty="0" smtClean="0"/>
-              <a:t>Two periods: </a:t>
-            </a:r>
-            <a:r>
-              <a:rPr lang="nl-BE" dirty="0" smtClean="0"/>
-              <a:t>Vi(1+R</a:t>
+              <a:t>Two periods: Vi(1+R</a:t>
             </a:r>
             <a:r>
               <a:rPr lang="nl-BE" baseline="-25000" dirty="0" smtClean="0"/>
@@ -9990,7 +10130,6 @@
               <a:rPr lang="nl-BE" dirty="0" smtClean="0"/>
               <a:t>)</a:t>
             </a:r>
-            <a:endParaRPr lang="nl-BE" dirty="0" smtClean="0"/>
           </a:p>
           <a:p>
             <a:pPr lvl="1"/>
@@ -10003,11 +10142,7 @@
             <a:pPr lvl="1"/>
             <a:r>
               <a:rPr lang="nl-BE" dirty="0" smtClean="0"/>
-              <a:t>K periods: </a:t>
-            </a:r>
-            <a:r>
-              <a:rPr lang="nl-BE" dirty="0" smtClean="0"/>
-              <a:t>Vi(1+R</a:t>
+              <a:t>K periods: Vi(1+R</a:t>
             </a:r>
             <a:r>
               <a:rPr lang="nl-BE" baseline="-25000" dirty="0" smtClean="0"/>
@@ -10033,7 +10168,6 @@
               <a:rPr lang="nl-BE" dirty="0" smtClean="0"/>
               <a:t>)</a:t>
             </a:r>
-            <a:endParaRPr lang="nl-BE" dirty="0" smtClean="0"/>
           </a:p>
         </p:txBody>
       </p:sp>
@@ -10518,7 +10652,7 @@
 </p:sld>
 </file>
 
-<file path=ppt/slides/slide3.xml><?xml version="1.0" encoding="utf-8"?>
+<file path=ppt/slides/slide31.xml><?xml version="1.0" encoding="utf-8"?>
 <p:sld xmlns:a="http://schemas.openxmlformats.org/drawingml/2006/main" xmlns:r="http://schemas.openxmlformats.org/officeDocument/2006/relationships" xmlns:p="http://schemas.openxmlformats.org/presentationml/2006/main">
   <p:cSld>
     <p:spTree>
@@ -10547,101 +10681,6 @@
         </p:nvSpPr>
         <p:spPr/>
         <p:txBody>
-          <a:bodyPr>
-            <a:normAutofit fontScale="90000"/>
-          </a:bodyPr>
-          <a:lstStyle/>
-          <a:p>
-            <a:r>
-              <a:rPr lang="nl-BE" dirty="0" smtClean="0"/>
-              <a:t>The importance of risk management</a:t>
-            </a:r>
-            <a:endParaRPr lang="nl-BE" dirty="0"/>
-          </a:p>
-        </p:txBody>
-      </p:sp>
-      <p:sp>
-        <p:nvSpPr>
-          <p:cNvPr id="3" name="Content Placeholder 2"/>
-          <p:cNvSpPr>
-            <a:spLocks noGrp="1"/>
-          </p:cNvSpPr>
-          <p:nvPr>
-            <p:ph idx="1"/>
-          </p:nvPr>
-        </p:nvSpPr>
-        <p:spPr/>
-        <p:txBody>
-          <a:bodyPr/>
-          <a:lstStyle/>
-          <a:p>
-            <a:r>
-              <a:rPr lang="nl-BE" dirty="0" smtClean="0"/>
-              <a:t>Old Wall Street saying: “There are old traders and bold traders, but there are no old, bold traders.”</a:t>
-            </a:r>
-          </a:p>
-          <a:p>
-            <a:endParaRPr lang="nl-BE" dirty="0"/>
-          </a:p>
-          <a:p>
-            <a:r>
-              <a:rPr lang="nl-BE" dirty="0" smtClean="0"/>
-              <a:t>Investment success is achieved by “Winning by losing less”</a:t>
-            </a:r>
-          </a:p>
-          <a:p>
-            <a:endParaRPr lang="nl-BE" dirty="0"/>
-          </a:p>
-          <a:p>
-            <a:endParaRPr lang="nl-BE" dirty="0" smtClean="0"/>
-          </a:p>
-          <a:p>
-            <a:endParaRPr lang="nl-BE" dirty="0"/>
-          </a:p>
-        </p:txBody>
-      </p:sp>
-    </p:spTree>
-    <p:extLst>
-      <p:ext uri="{BB962C8B-B14F-4D97-AF65-F5344CB8AC3E}">
-        <p14:creationId xmlns:p14="http://schemas.microsoft.com/office/powerpoint/2010/main" val="3589854682"/>
-      </p:ext>
-    </p:extLst>
-  </p:cSld>
-  <p:clrMapOvr>
-    <a:masterClrMapping/>
-  </p:clrMapOvr>
-</p:sld>
-</file>
-
-<file path=ppt/slides/slide30.xml><?xml version="1.0" encoding="utf-8"?>
-<p:sld xmlns:a="http://schemas.openxmlformats.org/drawingml/2006/main" xmlns:r="http://schemas.openxmlformats.org/officeDocument/2006/relationships" xmlns:p="http://schemas.openxmlformats.org/presentationml/2006/main">
-  <p:cSld>
-    <p:spTree>
-      <p:nvGrpSpPr>
-        <p:cNvPr id="1" name=""/>
-        <p:cNvGrpSpPr/>
-        <p:nvPr/>
-      </p:nvGrpSpPr>
-      <p:grpSpPr>
-        <a:xfrm>
-          <a:off x="0" y="0"/>
-          <a:ext cx="0" cy="0"/>
-          <a:chOff x="0" y="0"/>
-          <a:chExt cx="0" cy="0"/>
-        </a:xfrm>
-      </p:grpSpPr>
-      <p:sp>
-        <p:nvSpPr>
-          <p:cNvPr id="2" name="Title 1"/>
-          <p:cNvSpPr>
-            <a:spLocks noGrp="1"/>
-          </p:cNvSpPr>
-          <p:nvPr>
-            <p:ph type="title"/>
-          </p:nvPr>
-        </p:nvSpPr>
-        <p:spPr/>
-        <p:txBody>
           <a:bodyPr/>
           <a:lstStyle/>
           <a:p>
@@ -10653,8 +10692,8 @@
           </a:p>
         </p:txBody>
       </p:sp>
-      <mc:AlternateContent xmlns:mc="http://schemas.openxmlformats.org/markup-compatibility/2006">
-        <mc:Choice xmlns:a14="http://schemas.microsoft.com/office/drawing/2010/main" Requires="a14">
+      <mc:AlternateContent xmlns:mc="http://schemas.openxmlformats.org/markup-compatibility/2006" xmlns:a14="http://schemas.microsoft.com/office/drawing/2010/main">
+        <mc:Choice Requires="a14">
           <p:sp>
             <p:nvSpPr>
               <p:cNvPr id="3" name="Content Placeholder 2"/>
@@ -10680,11 +10719,7 @@
               <a:p>
                 <a:r>
                   <a:rPr lang="nl-BE" dirty="0" smtClean="0"/>
-                  <a:t>Value after K periods: </a:t>
-                </a:r>
-                <a:r>
-                  <a:rPr lang="nl-BE" dirty="0" smtClean="0"/>
-                  <a:t>Vi(1+R</a:t>
+                  <a:t>Value after K periods: Vi(1+R</a:t>
                 </a:r>
                 <a:r>
                   <a:rPr lang="nl-BE" baseline="-25000" dirty="0" smtClean="0"/>
@@ -10888,11 +10923,7 @@
                 </a:pPr>
                 <a:r>
                   <a:rPr lang="nl-BE" dirty="0" smtClean="0"/>
-                  <a:t>=</a:t>
-                </a:r>
-                <a:r>
-                  <a:rPr lang="nl-BE" dirty="0" smtClean="0"/>
-                  <a:t> </a:t>
+                  <a:t>= </a:t>
                 </a:r>
                 <a14:m>
                   <m:oMath xmlns:m="http://schemas.openxmlformats.org/officeDocument/2006/math">
@@ -10950,14 +10981,7 @@
                         <m:nor/>
                       </m:rPr>
                       <a:rPr lang="nl-BE" dirty="0" smtClean="0"/>
-                      <m:t>R</m:t>
-                    </m:r>
-                    <m:r>
-                      <m:rPr>
-                        <m:nor/>
-                      </m:rPr>
-                      <a:rPr lang="nl-BE" baseline="-25000" dirty="0" smtClean="0"/>
-                      <m:t>K</m:t>
+                      <m:t>RK</m:t>
                     </m:r>
                     <m:r>
                       <m:rPr>
@@ -10971,7 +10995,7 @@
                         <m:nor/>
                       </m:rPr>
                       <a:rPr lang="nl-BE" b="0" i="0" dirty="0" smtClean="0"/>
-                      <m:t>-1</m:t>
+                      <m:t>−1</m:t>
                     </m:r>
                   </m:oMath>
                 </a14:m>
@@ -10980,7 +11004,7 @@
             </p:txBody>
           </p:sp>
         </mc:Choice>
-        <mc:Fallback>
+        <mc:Fallback xmlns="">
           <p:sp>
             <p:nvSpPr>
               <p:cNvPr id="3" name="Content Placeholder 2"/>
@@ -11027,138 +11051,6 @@
 </p:sld>
 </file>
 
-<file path=ppt/slides/slide31.xml><?xml version="1.0" encoding="utf-8"?>
-<p:sld xmlns:a="http://schemas.openxmlformats.org/drawingml/2006/main" xmlns:r="http://schemas.openxmlformats.org/officeDocument/2006/relationships" xmlns:p="http://schemas.openxmlformats.org/presentationml/2006/main">
-  <p:cSld>
-    <p:spTree>
-      <p:nvGrpSpPr>
-        <p:cNvPr id="1" name=""/>
-        <p:cNvGrpSpPr/>
-        <p:nvPr/>
-      </p:nvGrpSpPr>
-      <p:grpSpPr>
-        <a:xfrm>
-          <a:off x="0" y="0"/>
-          <a:ext cx="0" cy="0"/>
-          <a:chOff x="0" y="0"/>
-          <a:chExt cx="0" cy="0"/>
-        </a:xfrm>
-      </p:grpSpPr>
-      <p:sp>
-        <p:nvSpPr>
-          <p:cNvPr id="2" name="Title 1"/>
-          <p:cNvSpPr>
-            <a:spLocks noGrp="1"/>
-          </p:cNvSpPr>
-          <p:nvPr>
-            <p:ph type="title"/>
-          </p:nvPr>
-        </p:nvSpPr>
-        <p:spPr/>
-        <p:txBody>
-          <a:bodyPr/>
-          <a:lstStyle/>
-          <a:p>
-            <a:endParaRPr lang="nl-BE"/>
-          </a:p>
-        </p:txBody>
-      </p:sp>
-      <p:sp>
-        <p:nvSpPr>
-          <p:cNvPr id="3" name="Content Placeholder 2"/>
-          <p:cNvSpPr>
-            <a:spLocks noGrp="1"/>
-          </p:cNvSpPr>
-          <p:nvPr>
-            <p:ph idx="1"/>
-          </p:nvPr>
-        </p:nvSpPr>
-        <p:spPr/>
-        <p:txBody>
-          <a:bodyPr/>
-          <a:lstStyle/>
-          <a:p>
-            <a:pPr marL="0" indent="0">
-              <a:buNone/>
-            </a:pPr>
-            <a:r>
-              <a:rPr lang="en-US" dirty="0" smtClean="0"/>
-              <a:t>returns &lt;- </a:t>
-            </a:r>
-            <a:r>
-              <a:rPr lang="en-US" dirty="0"/>
-              <a:t>c( 0.05 , -0.01 , 0.03 , 0.02 , 0.01 ) </a:t>
-            </a:r>
-            <a:r>
-              <a:rPr lang="en-US" dirty="0" err="1" smtClean="0"/>
-              <a:t>cumprod</a:t>
-            </a:r>
-            <a:r>
-              <a:rPr lang="en-US" dirty="0" smtClean="0"/>
-              <a:t>(1+returns</a:t>
-            </a:r>
-            <a:r>
-              <a:rPr lang="en-US" dirty="0"/>
-              <a:t>) </a:t>
-            </a:r>
-            <a:endParaRPr lang="en-US" dirty="0" smtClean="0"/>
-          </a:p>
-          <a:p>
-            <a:pPr marL="0" indent="0">
-              <a:buNone/>
-            </a:pPr>
-            <a:r>
-              <a:rPr lang="en-US" dirty="0" smtClean="0"/>
-              <a:t>[1] 1.050000 1.039500 1.070685 1.092099 1.103020 </a:t>
-            </a:r>
-          </a:p>
-          <a:p>
-            <a:pPr marL="0" indent="0">
-              <a:buNone/>
-            </a:pPr>
-            <a:r>
-              <a:rPr lang="en-US" dirty="0" smtClean="0"/>
-              <a:t>tail(</a:t>
-            </a:r>
-            <a:r>
-              <a:rPr lang="en-US" dirty="0" err="1" smtClean="0"/>
-              <a:t>cumprod</a:t>
-            </a:r>
-            <a:r>
-              <a:rPr lang="en-US" dirty="0" smtClean="0"/>
-              <a:t>(1+returns</a:t>
-            </a:r>
-            <a:r>
-              <a:rPr lang="en-US" dirty="0"/>
-              <a:t>),1)-1 </a:t>
-            </a:r>
-            <a:endParaRPr lang="en-US" dirty="0" smtClean="0"/>
-          </a:p>
-          <a:p>
-            <a:pPr marL="0" indent="0">
-              <a:buNone/>
-            </a:pPr>
-            <a:r>
-              <a:rPr lang="en-US" dirty="0" smtClean="0"/>
-              <a:t>[1] 0.1030197</a:t>
-            </a:r>
-            <a:endParaRPr lang="nl-BE" dirty="0"/>
-          </a:p>
-        </p:txBody>
-      </p:sp>
-    </p:spTree>
-    <p:extLst>
-      <p:ext uri="{BB962C8B-B14F-4D97-AF65-F5344CB8AC3E}">
-        <p14:creationId xmlns:p14="http://schemas.microsoft.com/office/powerpoint/2010/main" val="3707932661"/>
-      </p:ext>
-    </p:extLst>
-  </p:cSld>
-  <p:clrMapOvr>
-    <a:masterClrMapping/>
-  </p:clrMapOvr>
-</p:sld>
-</file>
-
 <file path=ppt/slides/slide32.xml><?xml version="1.0" encoding="utf-8"?>
 <p:sld xmlns:a="http://schemas.openxmlformats.org/drawingml/2006/main" xmlns:r="http://schemas.openxmlformats.org/officeDocument/2006/relationships" xmlns:p="http://schemas.openxmlformats.org/presentationml/2006/main">
   <p:cSld>
@@ -11210,6 +11102,138 @@
           <a:bodyPr/>
           <a:lstStyle/>
           <a:p>
+            <a:pPr marL="0" indent="0">
+              <a:buNone/>
+            </a:pPr>
+            <a:r>
+              <a:rPr lang="en-US" dirty="0" smtClean="0"/>
+              <a:t>returns &lt;- </a:t>
+            </a:r>
+            <a:r>
+              <a:rPr lang="en-US" dirty="0"/>
+              <a:t>c( 0.05 , -0.01 , 0.03 , 0.02 , 0.01 ) </a:t>
+            </a:r>
+            <a:r>
+              <a:rPr lang="en-US" dirty="0" err="1" smtClean="0"/>
+              <a:t>cumprod</a:t>
+            </a:r>
+            <a:r>
+              <a:rPr lang="en-US" dirty="0" smtClean="0"/>
+              <a:t>(1+returns</a:t>
+            </a:r>
+            <a:r>
+              <a:rPr lang="en-US" dirty="0"/>
+              <a:t>) </a:t>
+            </a:r>
+            <a:endParaRPr lang="en-US" dirty="0" smtClean="0"/>
+          </a:p>
+          <a:p>
+            <a:pPr marL="0" indent="0">
+              <a:buNone/>
+            </a:pPr>
+            <a:r>
+              <a:rPr lang="en-US" dirty="0" smtClean="0"/>
+              <a:t>[1] 1.050000 1.039500 1.070685 1.092099 1.103020 </a:t>
+            </a:r>
+          </a:p>
+          <a:p>
+            <a:pPr marL="0" indent="0">
+              <a:buNone/>
+            </a:pPr>
+            <a:r>
+              <a:rPr lang="en-US" dirty="0" smtClean="0"/>
+              <a:t>tail(</a:t>
+            </a:r>
+            <a:r>
+              <a:rPr lang="en-US" dirty="0" err="1" smtClean="0"/>
+              <a:t>cumprod</a:t>
+            </a:r>
+            <a:r>
+              <a:rPr lang="en-US" dirty="0" smtClean="0"/>
+              <a:t>(1+returns</a:t>
+            </a:r>
+            <a:r>
+              <a:rPr lang="en-US" dirty="0"/>
+              <a:t>),1)-1 </a:t>
+            </a:r>
+            <a:endParaRPr lang="en-US" dirty="0" smtClean="0"/>
+          </a:p>
+          <a:p>
+            <a:pPr marL="0" indent="0">
+              <a:buNone/>
+            </a:pPr>
+            <a:r>
+              <a:rPr lang="en-US" dirty="0" smtClean="0"/>
+              <a:t>[1] 0.1030197</a:t>
+            </a:r>
+            <a:endParaRPr lang="nl-BE" dirty="0"/>
+          </a:p>
+        </p:txBody>
+      </p:sp>
+    </p:spTree>
+    <p:extLst>
+      <p:ext uri="{BB962C8B-B14F-4D97-AF65-F5344CB8AC3E}">
+        <p14:creationId xmlns:p14="http://schemas.microsoft.com/office/powerpoint/2010/main" val="3707932661"/>
+      </p:ext>
+    </p:extLst>
+  </p:cSld>
+  <p:clrMapOvr>
+    <a:masterClrMapping/>
+  </p:clrMapOvr>
+</p:sld>
+</file>
+
+<file path=ppt/slides/slide33.xml><?xml version="1.0" encoding="utf-8"?>
+<p:sld xmlns:a="http://schemas.openxmlformats.org/drawingml/2006/main" xmlns:r="http://schemas.openxmlformats.org/officeDocument/2006/relationships" xmlns:p="http://schemas.openxmlformats.org/presentationml/2006/main">
+  <p:cSld>
+    <p:spTree>
+      <p:nvGrpSpPr>
+        <p:cNvPr id="1" name=""/>
+        <p:cNvGrpSpPr/>
+        <p:nvPr/>
+      </p:nvGrpSpPr>
+      <p:grpSpPr>
+        <a:xfrm>
+          <a:off x="0" y="0"/>
+          <a:ext cx="0" cy="0"/>
+          <a:chOff x="0" y="0"/>
+          <a:chExt cx="0" cy="0"/>
+        </a:xfrm>
+      </p:grpSpPr>
+      <p:sp>
+        <p:nvSpPr>
+          <p:cNvPr id="2" name="Title 1"/>
+          <p:cNvSpPr>
+            <a:spLocks noGrp="1"/>
+          </p:cNvSpPr>
+          <p:nvPr>
+            <p:ph type="title"/>
+          </p:nvPr>
+        </p:nvSpPr>
+        <p:spPr/>
+        <p:txBody>
+          <a:bodyPr/>
+          <a:lstStyle/>
+          <a:p>
+            <a:endParaRPr lang="nl-BE"/>
+          </a:p>
+        </p:txBody>
+      </p:sp>
+      <p:sp>
+        <p:nvSpPr>
+          <p:cNvPr id="3" name="Content Placeholder 2"/>
+          <p:cNvSpPr>
+            <a:spLocks noGrp="1"/>
+          </p:cNvSpPr>
+          <p:nvPr>
+            <p:ph idx="1"/>
+          </p:nvPr>
+        </p:nvSpPr>
+        <p:spPr/>
+        <p:txBody>
+          <a:bodyPr/>
+          <a:lstStyle/>
+          <a:p>
             <a:r>
               <a:rPr lang="nl-BE" dirty="0" smtClean="0"/>
               <a:t>Let us now consider a realistic portfolio of stocks, invested in 30 large US firms, namely the stocks included in the Dow Jones Industrial Average universe:</a:t>
@@ -11246,7 +11270,7 @@
 </p:sld>
 </file>
 
-<file path=ppt/slides/slide33.xml><?xml version="1.0" encoding="utf-8"?>
+<file path=ppt/slides/slide34.xml><?xml version="1.0" encoding="utf-8"?>
 <p:sld xmlns:a="http://schemas.openxmlformats.org/drawingml/2006/main" xmlns:r="http://schemas.openxmlformats.org/officeDocument/2006/relationships" xmlns:p="http://schemas.openxmlformats.org/presentationml/2006/main">
   <p:cSld>
     <p:spTree>
@@ -11375,7 +11399,7 @@
 </p:sld>
 </file>
 
-<file path=ppt/slides/slide34.xml><?xml version="1.0" encoding="utf-8"?>
+<file path=ppt/slides/slide35.xml><?xml version="1.0" encoding="utf-8"?>
 <p:sld xmlns:a="http://schemas.openxmlformats.org/drawingml/2006/main" xmlns:r="http://schemas.openxmlformats.org/officeDocument/2006/relationships" xmlns:p="http://schemas.openxmlformats.org/presentationml/2006/main">
   <p:cSld>
     <p:spTree>
@@ -11501,7 +11525,7 @@
 </p:sld>
 </file>
 
-<file path=ppt/slides/slide35.xml><?xml version="1.0" encoding="utf-8"?>
+<file path=ppt/slides/slide36.xml><?xml version="1.0" encoding="utf-8"?>
 <p:sld xmlns:a="http://schemas.openxmlformats.org/drawingml/2006/main" xmlns:r="http://schemas.openxmlformats.org/officeDocument/2006/relationships" xmlns:p="http://schemas.openxmlformats.org/presentationml/2006/main">
   <p:cSld>
     <p:spTree>
@@ -11663,7 +11687,7 @@
           <a:p>
             <a:r>
               <a:rPr lang="nl-BE" dirty="0" smtClean="0"/>
-              <a:t>Approaches to avoiding large losses</a:t>
+              <a:t>The importance of risk management</a:t>
             </a:r>
             <a:endParaRPr lang="nl-BE" dirty="0"/>
           </a:p>
@@ -11681,22 +11705,38 @@
         </p:nvSpPr>
         <p:spPr/>
         <p:txBody>
-          <a:bodyPr>
-            <a:normAutofit/>
-          </a:bodyPr>
+          <a:bodyPr/>
           <a:lstStyle/>
           <a:p>
             <a:r>
               <a:rPr lang="nl-BE" dirty="0" smtClean="0"/>
-              <a:t>[1] Diversify investments: For most investments, there exists a well-diversified portfolio with a higher return and/or lower risk. </a:t>
-            </a:r>
+              <a:t>Old Wall Street saying: “There are old traders and bold traders, but there are no old, bold traders.”</a:t>
+            </a:r>
+          </a:p>
+          <a:p>
+            <a:endParaRPr lang="nl-BE" dirty="0"/>
+          </a:p>
+          <a:p>
+            <a:r>
+              <a:rPr lang="nl-BE" dirty="0" smtClean="0"/>
+              <a:t>Investment success is achieved by “Winning by losing less”</a:t>
+            </a:r>
+          </a:p>
+          <a:p>
+            <a:endParaRPr lang="nl-BE" dirty="0"/>
+          </a:p>
+          <a:p>
+            <a:endParaRPr lang="nl-BE" dirty="0" smtClean="0"/>
+          </a:p>
+          <a:p>
+            <a:endParaRPr lang="nl-BE" dirty="0"/>
           </a:p>
         </p:txBody>
       </p:sp>
     </p:spTree>
     <p:extLst>
       <p:ext uri="{BB962C8B-B14F-4D97-AF65-F5344CB8AC3E}">
-        <p14:creationId xmlns:p14="http://schemas.microsoft.com/office/powerpoint/2010/main" val="1566462021"/>
+        <p14:creationId xmlns:p14="http://schemas.microsoft.com/office/powerpoint/2010/main" val="3589854682"/>
       </p:ext>
     </p:extLst>
   </p:cSld>
@@ -11767,30 +11807,15 @@
           <a:p>
             <a:r>
               <a:rPr lang="nl-BE" dirty="0" smtClean="0"/>
-              <a:t>[2] Quantify the consequences of investment decisions: </a:t>
-            </a:r>
-          </a:p>
-          <a:p>
-            <a:pPr lvl="1"/>
-            <a:r>
-              <a:rPr lang="nl-BE" dirty="0" smtClean="0"/>
-              <a:t>Monitor past performance;</a:t>
-            </a:r>
-          </a:p>
-          <a:p>
-            <a:pPr lvl="1"/>
-            <a:r>
-              <a:rPr lang="nl-BE" dirty="0" smtClean="0"/>
-              <a:t>Estimate the future reward and risk of the investment. </a:t>
-            </a:r>
-            <a:endParaRPr lang="nl-BE" dirty="0"/>
+              <a:t>[1] Diversify investments: For most investments, there exists a well-diversified portfolio with a higher return and/or lower risk. </a:t>
+            </a:r>
           </a:p>
         </p:txBody>
       </p:sp>
     </p:spTree>
     <p:extLst>
       <p:ext uri="{BB962C8B-B14F-4D97-AF65-F5344CB8AC3E}">
-        <p14:creationId xmlns:p14="http://schemas.microsoft.com/office/powerpoint/2010/main" val="1840137814"/>
+        <p14:creationId xmlns:p14="http://schemas.microsoft.com/office/powerpoint/2010/main" val="1566462021"/>
       </p:ext>
     </p:extLst>
   </p:cSld>
@@ -11829,12 +11854,14 @@
         </p:nvSpPr>
         <p:spPr/>
         <p:txBody>
-          <a:bodyPr/>
+          <a:bodyPr>
+            <a:normAutofit fontScale="90000"/>
+          </a:bodyPr>
           <a:lstStyle/>
           <a:p>
             <a:r>
               <a:rPr lang="nl-BE" dirty="0" smtClean="0"/>
-              <a:t>This course</a:t>
+              <a:t>Approaches to avoiding large losses</a:t>
             </a:r>
             <a:endParaRPr lang="nl-BE" dirty="0"/>
           </a:p>
@@ -11852,33 +11879,28 @@
         </p:nvSpPr>
         <p:spPr/>
         <p:txBody>
-          <a:bodyPr/>
-          <a:lstStyle/>
-          <a:p>
-            <a:endParaRPr lang="nl-BE" dirty="0" smtClean="0"/>
-          </a:p>
+          <a:bodyPr>
+            <a:normAutofit/>
+          </a:bodyPr>
+          <a:lstStyle/>
           <a:p>
             <a:r>
               <a:rPr lang="nl-BE" dirty="0" smtClean="0"/>
-              <a:t>Chapter 1</a:t>
-            </a:r>
-          </a:p>
-          <a:p>
+              <a:t>[2] Quantify the consequences of investment decisions: </a:t>
+            </a:r>
+          </a:p>
+          <a:p>
+            <a:pPr lvl="1"/>
             <a:r>
               <a:rPr lang="nl-BE" dirty="0" smtClean="0"/>
-              <a:t>Chapter 2</a:t>
-            </a:r>
-          </a:p>
-          <a:p>
+              <a:t>Monitor past performance;</a:t>
+            </a:r>
+          </a:p>
+          <a:p>
+            <a:pPr lvl="1"/>
             <a:r>
               <a:rPr lang="nl-BE" dirty="0" smtClean="0"/>
-              <a:t>Chapter 3</a:t>
-            </a:r>
-          </a:p>
-          <a:p>
-            <a:r>
-              <a:rPr lang="nl-BE" dirty="0" smtClean="0"/>
-              <a:t>Chapter 4 </a:t>
+              <a:t>Estimate the future reward and risk of the investment. </a:t>
             </a:r>
             <a:endParaRPr lang="nl-BE" dirty="0"/>
           </a:p>
@@ -11887,7 +11909,7 @@
     </p:spTree>
     <p:extLst>
       <p:ext uri="{BB962C8B-B14F-4D97-AF65-F5344CB8AC3E}">
-        <p14:creationId xmlns:p14="http://schemas.microsoft.com/office/powerpoint/2010/main" val="4252992803"/>
+        <p14:creationId xmlns:p14="http://schemas.microsoft.com/office/powerpoint/2010/main" val="1840137814"/>
       </p:ext>
     </p:extLst>
   </p:cSld>
@@ -11921,6 +11943,103 @@
             <a:spLocks noGrp="1"/>
           </p:cNvSpPr>
           <p:nvPr>
+            <p:ph type="title"/>
+          </p:nvPr>
+        </p:nvSpPr>
+        <p:spPr/>
+        <p:txBody>
+          <a:bodyPr/>
+          <a:lstStyle/>
+          <a:p>
+            <a:r>
+              <a:rPr lang="nl-BE" dirty="0" smtClean="0"/>
+              <a:t>This course</a:t>
+            </a:r>
+            <a:endParaRPr lang="nl-BE" dirty="0"/>
+          </a:p>
+        </p:txBody>
+      </p:sp>
+      <p:sp>
+        <p:nvSpPr>
+          <p:cNvPr id="3" name="Content Placeholder 2"/>
+          <p:cNvSpPr>
+            <a:spLocks noGrp="1"/>
+          </p:cNvSpPr>
+          <p:nvPr>
+            <p:ph idx="1"/>
+          </p:nvPr>
+        </p:nvSpPr>
+        <p:spPr/>
+        <p:txBody>
+          <a:bodyPr/>
+          <a:lstStyle/>
+          <a:p>
+            <a:endParaRPr lang="nl-BE" dirty="0" smtClean="0"/>
+          </a:p>
+          <a:p>
+            <a:r>
+              <a:rPr lang="nl-BE" dirty="0" smtClean="0"/>
+              <a:t>Chapter 1</a:t>
+            </a:r>
+          </a:p>
+          <a:p>
+            <a:r>
+              <a:rPr lang="nl-BE" dirty="0" smtClean="0"/>
+              <a:t>Chapter 2</a:t>
+            </a:r>
+          </a:p>
+          <a:p>
+            <a:r>
+              <a:rPr lang="nl-BE" dirty="0" smtClean="0"/>
+              <a:t>Chapter 3</a:t>
+            </a:r>
+          </a:p>
+          <a:p>
+            <a:r>
+              <a:rPr lang="nl-BE" dirty="0" smtClean="0"/>
+              <a:t>Chapter 4 </a:t>
+            </a:r>
+            <a:endParaRPr lang="nl-BE" dirty="0"/>
+          </a:p>
+        </p:txBody>
+      </p:sp>
+    </p:spTree>
+    <p:extLst>
+      <p:ext uri="{BB962C8B-B14F-4D97-AF65-F5344CB8AC3E}">
+        <p14:creationId xmlns:p14="http://schemas.microsoft.com/office/powerpoint/2010/main" val="4252992803"/>
+      </p:ext>
+    </p:extLst>
+  </p:cSld>
+  <p:clrMapOvr>
+    <a:masterClrMapping/>
+  </p:clrMapOvr>
+</p:sld>
+</file>
+
+<file path=ppt/slides/slide8.xml><?xml version="1.0" encoding="utf-8"?>
+<p:sld xmlns:a="http://schemas.openxmlformats.org/drawingml/2006/main" xmlns:r="http://schemas.openxmlformats.org/officeDocument/2006/relationships" xmlns:p="http://schemas.openxmlformats.org/presentationml/2006/main">
+  <p:cSld>
+    <p:spTree>
+      <p:nvGrpSpPr>
+        <p:cNvPr id="1" name=""/>
+        <p:cNvGrpSpPr/>
+        <p:nvPr/>
+      </p:nvGrpSpPr>
+      <p:grpSpPr>
+        <a:xfrm>
+          <a:off x="0" y="0"/>
+          <a:ext cx="0" cy="0"/>
+          <a:chOff x="0" y="0"/>
+          <a:chExt cx="0" cy="0"/>
+        </a:xfrm>
+      </p:grpSpPr>
+      <p:sp>
+        <p:nvSpPr>
+          <p:cNvPr id="2" name="Title 1"/>
+          <p:cNvSpPr>
+            <a:spLocks noGrp="1"/>
+          </p:cNvSpPr>
+          <p:nvPr>
             <p:ph type="ctrTitle"/>
           </p:nvPr>
         </p:nvSpPr>
@@ -11973,7 +12092,7 @@
 </p:sld>
 </file>
 
-<file path=ppt/slides/slide8.xml><?xml version="1.0" encoding="utf-8"?>
+<file path=ppt/slides/slide9.xml><?xml version="1.0" encoding="utf-8"?>
 <p:sld xmlns:a="http://schemas.openxmlformats.org/drawingml/2006/main" xmlns:r="http://schemas.openxmlformats.org/officeDocument/2006/relationships" xmlns:p="http://schemas.openxmlformats.org/presentationml/2006/main">
   <p:cSld>
     <p:spTree>
@@ -12091,96 +12210,6 @@
     <p:extLst>
       <p:ext uri="{BB962C8B-B14F-4D97-AF65-F5344CB8AC3E}">
         <p14:creationId xmlns:p14="http://schemas.microsoft.com/office/powerpoint/2010/main" val="3563633691"/>
-      </p:ext>
-    </p:extLst>
-  </p:cSld>
-  <p:clrMapOvr>
-    <a:masterClrMapping/>
-  </p:clrMapOvr>
-</p:sld>
-</file>
-
-<file path=ppt/slides/slide9.xml><?xml version="1.0" encoding="utf-8"?>
-<p:sld xmlns:a="http://schemas.openxmlformats.org/drawingml/2006/main" xmlns:r="http://schemas.openxmlformats.org/officeDocument/2006/relationships" xmlns:p="http://schemas.openxmlformats.org/presentationml/2006/main">
-  <p:cSld>
-    <p:spTree>
-      <p:nvGrpSpPr>
-        <p:cNvPr id="1" name=""/>
-        <p:cNvGrpSpPr/>
-        <p:nvPr/>
-      </p:nvGrpSpPr>
-      <p:grpSpPr>
-        <a:xfrm>
-          <a:off x="0" y="0"/>
-          <a:ext cx="0" cy="0"/>
-          <a:chOff x="0" y="0"/>
-          <a:chExt cx="0" cy="0"/>
-        </a:xfrm>
-      </p:grpSpPr>
-      <p:sp>
-        <p:nvSpPr>
-          <p:cNvPr id="2" name="Title 1"/>
-          <p:cNvSpPr>
-            <a:spLocks noGrp="1"/>
-          </p:cNvSpPr>
-          <p:nvPr>
-            <p:ph type="title"/>
-          </p:nvPr>
-        </p:nvSpPr>
-        <p:spPr/>
-        <p:txBody>
-          <a:bodyPr/>
-          <a:lstStyle/>
-          <a:p>
-            <a:endParaRPr lang="nl-BE"/>
-          </a:p>
-        </p:txBody>
-      </p:sp>
-      <p:sp>
-        <p:nvSpPr>
-          <p:cNvPr id="3" name="Content Placeholder 2"/>
-          <p:cNvSpPr>
-            <a:spLocks noGrp="1"/>
-          </p:cNvSpPr>
-          <p:nvPr>
-            <p:ph idx="1"/>
-          </p:nvPr>
-        </p:nvSpPr>
-        <p:spPr/>
-        <p:txBody>
-          <a:bodyPr>
-            <a:normAutofit/>
-          </a:bodyPr>
-          <a:lstStyle/>
-          <a:p>
-            <a:r>
-              <a:rPr lang="nl-BE" dirty="0" smtClean="0"/>
-              <a:t>Nobel prize lecture of Robert Engle: </a:t>
-            </a:r>
-            <a:r>
-              <a:rPr lang="en-US" dirty="0" smtClean="0"/>
-              <a:t>“to avoid all risks would be impossible; it might entail no flying, no driving, no walking. Even a bath could be dangerous. There are some risks we choose to take because the benefits from taking them exceed the possible costs. T</a:t>
-            </a:r>
-            <a:r>
-              <a:rPr lang="en-US" dirty="0" smtClean="0"/>
-              <a:t>he central paradigm of finance is that must take risks to achieve rewards </a:t>
-            </a:r>
-            <a:r>
-              <a:rPr lang="en-US" b="1" dirty="0" smtClean="0"/>
-              <a:t>but not all risks are equally rewarded</a:t>
-            </a:r>
-            <a:r>
-              <a:rPr lang="en-US" dirty="0" smtClean="0"/>
-              <a:t>.</a:t>
-            </a:r>
-            <a:endParaRPr lang="nl-BE" dirty="0"/>
-          </a:p>
-        </p:txBody>
-      </p:sp>
-    </p:spTree>
-    <p:extLst>
-      <p:ext uri="{BB962C8B-B14F-4D97-AF65-F5344CB8AC3E}">
-        <p14:creationId xmlns:p14="http://schemas.microsoft.com/office/powerpoint/2010/main" val="428262065"/>
       </p:ext>
     </p:extLst>
   </p:cSld>

--- a/scripts/Chapter1.pptx
+++ b/scripts/Chapter1.pptx
@@ -31,16 +31,17 @@
     <p:sldId id="279" r:id="rId25"/>
     <p:sldId id="286" r:id="rId26"/>
     <p:sldId id="287" r:id="rId27"/>
-    <p:sldId id="289" r:id="rId28"/>
-    <p:sldId id="290" r:id="rId29"/>
-    <p:sldId id="274" r:id="rId30"/>
-    <p:sldId id="272" r:id="rId31"/>
-    <p:sldId id="292" r:id="rId32"/>
-    <p:sldId id="293" r:id="rId33"/>
-    <p:sldId id="291" r:id="rId34"/>
-    <p:sldId id="288" r:id="rId35"/>
-    <p:sldId id="294" r:id="rId36"/>
-    <p:sldId id="295" r:id="rId37"/>
+    <p:sldId id="297" r:id="rId28"/>
+    <p:sldId id="289" r:id="rId29"/>
+    <p:sldId id="290" r:id="rId30"/>
+    <p:sldId id="274" r:id="rId31"/>
+    <p:sldId id="272" r:id="rId32"/>
+    <p:sldId id="292" r:id="rId33"/>
+    <p:sldId id="293" r:id="rId34"/>
+    <p:sldId id="291" r:id="rId35"/>
+    <p:sldId id="288" r:id="rId36"/>
+    <p:sldId id="294" r:id="rId37"/>
+    <p:sldId id="295" r:id="rId38"/>
   </p:sldIdLst>
   <p:sldSz cx="9144000" cy="6858000" type="screen4x3"/>
   <p:notesSz cx="6858000" cy="9144000"/>
@@ -323,7 +324,7 @@
           <a:p>
             <a:fld id="{F199DA73-FF55-4AFB-8A45-BCAA78D6E465}" type="datetimeFigureOut">
               <a:rPr lang="nl-BE" smtClean="0"/>
-              <a:t>27/04/2016</a:t>
+              <a:t>29/04/2016</a:t>
             </a:fld>
             <a:endParaRPr lang="nl-BE"/>
           </a:p>
@@ -493,7 +494,7 @@
           <a:p>
             <a:fld id="{F199DA73-FF55-4AFB-8A45-BCAA78D6E465}" type="datetimeFigureOut">
               <a:rPr lang="nl-BE" smtClean="0"/>
-              <a:t>27/04/2016</a:t>
+              <a:t>29/04/2016</a:t>
             </a:fld>
             <a:endParaRPr lang="nl-BE"/>
           </a:p>
@@ -673,7 +674,7 @@
           <a:p>
             <a:fld id="{F199DA73-FF55-4AFB-8A45-BCAA78D6E465}" type="datetimeFigureOut">
               <a:rPr lang="nl-BE" smtClean="0"/>
-              <a:t>27/04/2016</a:t>
+              <a:t>29/04/2016</a:t>
             </a:fld>
             <a:endParaRPr lang="nl-BE"/>
           </a:p>
@@ -843,7 +844,7 @@
           <a:p>
             <a:fld id="{F199DA73-FF55-4AFB-8A45-BCAA78D6E465}" type="datetimeFigureOut">
               <a:rPr lang="nl-BE" smtClean="0"/>
-              <a:t>27/04/2016</a:t>
+              <a:t>29/04/2016</a:t>
             </a:fld>
             <a:endParaRPr lang="nl-BE"/>
           </a:p>
@@ -1089,7 +1090,7 @@
           <a:p>
             <a:fld id="{F199DA73-FF55-4AFB-8A45-BCAA78D6E465}" type="datetimeFigureOut">
               <a:rPr lang="nl-BE" smtClean="0"/>
-              <a:t>27/04/2016</a:t>
+              <a:t>29/04/2016</a:t>
             </a:fld>
             <a:endParaRPr lang="nl-BE"/>
           </a:p>
@@ -1377,7 +1378,7 @@
           <a:p>
             <a:fld id="{F199DA73-FF55-4AFB-8A45-BCAA78D6E465}" type="datetimeFigureOut">
               <a:rPr lang="nl-BE" smtClean="0"/>
-              <a:t>27/04/2016</a:t>
+              <a:t>29/04/2016</a:t>
             </a:fld>
             <a:endParaRPr lang="nl-BE"/>
           </a:p>
@@ -1799,7 +1800,7 @@
           <a:p>
             <a:fld id="{F199DA73-FF55-4AFB-8A45-BCAA78D6E465}" type="datetimeFigureOut">
               <a:rPr lang="nl-BE" smtClean="0"/>
-              <a:t>27/04/2016</a:t>
+              <a:t>29/04/2016</a:t>
             </a:fld>
             <a:endParaRPr lang="nl-BE"/>
           </a:p>
@@ -1917,7 +1918,7 @@
           <a:p>
             <a:fld id="{F199DA73-FF55-4AFB-8A45-BCAA78D6E465}" type="datetimeFigureOut">
               <a:rPr lang="nl-BE" smtClean="0"/>
-              <a:t>27/04/2016</a:t>
+              <a:t>29/04/2016</a:t>
             </a:fld>
             <a:endParaRPr lang="nl-BE"/>
           </a:p>
@@ -2012,7 +2013,7 @@
           <a:p>
             <a:fld id="{F199DA73-FF55-4AFB-8A45-BCAA78D6E465}" type="datetimeFigureOut">
               <a:rPr lang="nl-BE" smtClean="0"/>
-              <a:t>27/04/2016</a:t>
+              <a:t>29/04/2016</a:t>
             </a:fld>
             <a:endParaRPr lang="nl-BE"/>
           </a:p>
@@ -2289,7 +2290,7 @@
           <a:p>
             <a:fld id="{F199DA73-FF55-4AFB-8A45-BCAA78D6E465}" type="datetimeFigureOut">
               <a:rPr lang="nl-BE" smtClean="0"/>
-              <a:t>27/04/2016</a:t>
+              <a:t>29/04/2016</a:t>
             </a:fld>
             <a:endParaRPr lang="nl-BE"/>
           </a:p>
@@ -2542,7 +2543,7 @@
           <a:p>
             <a:fld id="{F199DA73-FF55-4AFB-8A45-BCAA78D6E465}" type="datetimeFigureOut">
               <a:rPr lang="nl-BE" smtClean="0"/>
-              <a:t>27/04/2016</a:t>
+              <a:t>29/04/2016</a:t>
             </a:fld>
             <a:endParaRPr lang="nl-BE"/>
           </a:p>
@@ -2755,7 +2756,7 @@
           <a:p>
             <a:fld id="{F199DA73-FF55-4AFB-8A45-BCAA78D6E465}" type="datetimeFigureOut">
               <a:rPr lang="nl-BE" smtClean="0"/>
-              <a:t>27/04/2016</a:t>
+              <a:t>29/04/2016</a:t>
             </a:fld>
             <a:endParaRPr lang="nl-BE"/>
           </a:p>
@@ -5328,7 +5329,7 @@
         <p:spPr/>
         <p:txBody>
           <a:bodyPr>
-            <a:normAutofit fontScale="90000"/>
+            <a:normAutofit/>
           </a:bodyPr>
           <a:lstStyle/>
           <a:p>
@@ -5342,7 +5343,7 @@
             </a:r>
             <a:r>
               <a:rPr lang="en-US" dirty="0"/>
-              <a:t>One-period portfolio returns are the weighted average of the individual returns</a:t>
+              <a:t>The return of a portfolio is the weighted average return</a:t>
             </a:r>
             <a:endParaRPr lang="nl-BE" dirty="0"/>
           </a:p>
@@ -9149,7 +9150,7 @@
         <p:spPr/>
         <p:txBody>
           <a:bodyPr>
-            <a:normAutofit fontScale="90000"/>
+            <a:normAutofit/>
           </a:bodyPr>
           <a:lstStyle/>
           <a:p>
@@ -9159,23 +9160,19 @@
             </a:r>
             <a:r>
               <a:rPr lang="en-US" dirty="0" smtClean="0"/>
-              <a:t>4: The </a:t>
-            </a:r>
-            <a:r>
-              <a:rPr lang="en-US" dirty="0" err="1" smtClean="0"/>
-              <a:t>PerformanceAnalytics</a:t>
+              <a:t>4: </a:t>
+            </a:r>
+            <a:r>
+              <a:rPr lang="en-US" dirty="0"/>
+              <a:t>To rebalance </a:t>
             </a:r>
             <a:r>
               <a:rPr lang="en-US" dirty="0" smtClean="0"/>
-              <a:t> package and </a:t>
-            </a:r>
-            <a:r>
-              <a:rPr lang="en-US" dirty="0" err="1" smtClean="0"/>
-              <a:t>multiperiod</a:t>
-            </a:r>
-            <a:r>
-              <a:rPr lang="en-US" dirty="0" smtClean="0"/>
-              <a:t> returns</a:t>
+              <a:t>or not </a:t>
+            </a:r>
+            <a:r>
+              <a:rPr lang="en-US" dirty="0"/>
+              <a:t>to rebalance</a:t>
             </a:r>
             <a:endParaRPr lang="nl-BE" dirty="0"/>
           </a:p>
@@ -9261,59 +9258,17 @@
         </p:nvSpPr>
         <p:spPr/>
         <p:txBody>
-          <a:bodyPr>
-            <a:normAutofit lnSpcReduction="10000"/>
-          </a:bodyPr>
-          <a:lstStyle/>
-          <a:p>
-            <a:r>
-              <a:rPr lang="nl-BE" dirty="0" smtClean="0"/>
-              <a:t>We have seen single period returns of a portfolio with only a few investments </a:t>
-            </a:r>
-          </a:p>
-          <a:p>
-            <a:r>
-              <a:rPr lang="nl-BE" dirty="0" smtClean="0"/>
-              <a:t>In practice:</a:t>
-            </a:r>
-          </a:p>
-          <a:p>
-            <a:pPr lvl="1"/>
-            <a:r>
-              <a:rPr lang="nl-BE" dirty="0" smtClean="0"/>
-              <a:t>Multi-period investments</a:t>
-            </a:r>
-          </a:p>
-          <a:p>
-            <a:pPr lvl="1"/>
-            <a:r>
-              <a:rPr lang="nl-BE" dirty="0" smtClean="0"/>
-              <a:t>Larger portfolios</a:t>
-            </a:r>
-          </a:p>
-          <a:p>
-            <a:r>
-              <a:rPr lang="nl-BE" dirty="0" smtClean="0"/>
-              <a:t>Scalability is possible using the functionality of the R package PerformanceAnalytics </a:t>
-            </a:r>
-          </a:p>
-          <a:p>
-            <a:r>
-              <a:rPr lang="nl-BE" dirty="0" smtClean="0"/>
-              <a:t>Illustration for the </a:t>
-            </a:r>
-            <a:r>
-              <a:rPr lang="en-US" dirty="0" smtClean="0"/>
-              <a:t>30 DJIA stocks over 25 years with monthly rebalancing</a:t>
-            </a:r>
-            <a:endParaRPr lang="nl-BE" dirty="0"/>
+          <a:bodyPr/>
+          <a:lstStyle/>
+          <a:p>
+            <a:endParaRPr lang="nl-BE"/>
           </a:p>
         </p:txBody>
       </p:sp>
     </p:spTree>
     <p:extLst>
       <p:ext uri="{BB962C8B-B14F-4D97-AF65-F5344CB8AC3E}">
-        <p14:creationId xmlns:p14="http://schemas.microsoft.com/office/powerpoint/2010/main" val="135852190"/>
+        <p14:creationId xmlns:p14="http://schemas.microsoft.com/office/powerpoint/2010/main" val="1101171704"/>
       </p:ext>
     </p:extLst>
   </p:cSld>
@@ -9371,6 +9326,116 @@
         </p:nvSpPr>
         <p:spPr/>
         <p:txBody>
+          <a:bodyPr>
+            <a:normAutofit lnSpcReduction="10000"/>
+          </a:bodyPr>
+          <a:lstStyle/>
+          <a:p>
+            <a:r>
+              <a:rPr lang="nl-BE" dirty="0" smtClean="0"/>
+              <a:t>We have seen single period returns of a portfolio with only a few investments </a:t>
+            </a:r>
+          </a:p>
+          <a:p>
+            <a:r>
+              <a:rPr lang="nl-BE" dirty="0" smtClean="0"/>
+              <a:t>In practice:</a:t>
+            </a:r>
+          </a:p>
+          <a:p>
+            <a:pPr lvl="1"/>
+            <a:r>
+              <a:rPr lang="nl-BE" dirty="0" smtClean="0"/>
+              <a:t>Multi-period investments</a:t>
+            </a:r>
+          </a:p>
+          <a:p>
+            <a:pPr lvl="1"/>
+            <a:r>
+              <a:rPr lang="nl-BE" dirty="0" smtClean="0"/>
+              <a:t>Larger portfolios</a:t>
+            </a:r>
+          </a:p>
+          <a:p>
+            <a:r>
+              <a:rPr lang="nl-BE" dirty="0" smtClean="0"/>
+              <a:t>Scalability is possible using the functionality of the R package PerformanceAnalytics </a:t>
+            </a:r>
+          </a:p>
+          <a:p>
+            <a:r>
+              <a:rPr lang="nl-BE" dirty="0" smtClean="0"/>
+              <a:t>Illustration for the </a:t>
+            </a:r>
+            <a:r>
+              <a:rPr lang="en-US" dirty="0" smtClean="0"/>
+              <a:t>30 DJIA stocks over 25 years with monthly rebalancing</a:t>
+            </a:r>
+            <a:endParaRPr lang="nl-BE" dirty="0"/>
+          </a:p>
+        </p:txBody>
+      </p:sp>
+    </p:spTree>
+    <p:extLst>
+      <p:ext uri="{BB962C8B-B14F-4D97-AF65-F5344CB8AC3E}">
+        <p14:creationId xmlns:p14="http://schemas.microsoft.com/office/powerpoint/2010/main" val="135852190"/>
+      </p:ext>
+    </p:extLst>
+  </p:cSld>
+  <p:clrMapOvr>
+    <a:masterClrMapping/>
+  </p:clrMapOvr>
+</p:sld>
+</file>
+
+<file path=ppt/slides/slide29.xml><?xml version="1.0" encoding="utf-8"?>
+<p:sld xmlns:a="http://schemas.openxmlformats.org/drawingml/2006/main" xmlns:r="http://schemas.openxmlformats.org/officeDocument/2006/relationships" xmlns:p="http://schemas.openxmlformats.org/presentationml/2006/main">
+  <p:cSld>
+    <p:spTree>
+      <p:nvGrpSpPr>
+        <p:cNvPr id="1" name=""/>
+        <p:cNvGrpSpPr/>
+        <p:nvPr/>
+      </p:nvGrpSpPr>
+      <p:grpSpPr>
+        <a:xfrm>
+          <a:off x="0" y="0"/>
+          <a:ext cx="0" cy="0"/>
+          <a:chOff x="0" y="0"/>
+          <a:chExt cx="0" cy="0"/>
+        </a:xfrm>
+      </p:grpSpPr>
+      <p:sp>
+        <p:nvSpPr>
+          <p:cNvPr id="2" name="Title 1"/>
+          <p:cNvSpPr>
+            <a:spLocks noGrp="1"/>
+          </p:cNvSpPr>
+          <p:nvPr>
+            <p:ph type="title"/>
+          </p:nvPr>
+        </p:nvSpPr>
+        <p:spPr/>
+        <p:txBody>
+          <a:bodyPr/>
+          <a:lstStyle/>
+          <a:p>
+            <a:endParaRPr lang="nl-BE"/>
+          </a:p>
+        </p:txBody>
+      </p:sp>
+      <p:sp>
+        <p:nvSpPr>
+          <p:cNvPr id="3" name="Content Placeholder 2"/>
+          <p:cNvSpPr>
+            <a:spLocks noGrp="1"/>
+          </p:cNvSpPr>
+          <p:nvPr>
+            <p:ph idx="1"/>
+          </p:nvPr>
+        </p:nvSpPr>
+        <p:spPr/>
+        <p:txBody>
           <a:bodyPr/>
           <a:lstStyle/>
           <a:p>
@@ -9395,7 +9460,109 @@
 </p:sld>
 </file>
 
-<file path=ppt/slides/slide29.xml><?xml version="1.0" encoding="utf-8"?>
+<file path=ppt/slides/slide3.xml><?xml version="1.0" encoding="utf-8"?>
+<p:sld xmlns:a="http://schemas.openxmlformats.org/drawingml/2006/main" xmlns:r="http://schemas.openxmlformats.org/officeDocument/2006/relationships" xmlns:p="http://schemas.openxmlformats.org/presentationml/2006/main">
+  <p:cSld>
+    <p:spTree>
+      <p:nvGrpSpPr>
+        <p:cNvPr id="1" name=""/>
+        <p:cNvGrpSpPr/>
+        <p:nvPr/>
+      </p:nvGrpSpPr>
+      <p:grpSpPr>
+        <a:xfrm>
+          <a:off x="0" y="0"/>
+          <a:ext cx="0" cy="0"/>
+          <a:chOff x="0" y="0"/>
+          <a:chExt cx="0" cy="0"/>
+        </a:xfrm>
+      </p:grpSpPr>
+      <p:sp>
+        <p:nvSpPr>
+          <p:cNvPr id="2" name="Title 1"/>
+          <p:cNvSpPr>
+            <a:spLocks noGrp="1"/>
+          </p:cNvSpPr>
+          <p:nvPr>
+            <p:ph type="title"/>
+          </p:nvPr>
+        </p:nvSpPr>
+        <p:spPr/>
+        <p:txBody>
+          <a:bodyPr/>
+          <a:lstStyle/>
+          <a:p>
+            <a:r>
+              <a:rPr lang="nl-BE" dirty="0" smtClean="0"/>
+              <a:t>About myself</a:t>
+            </a:r>
+            <a:endParaRPr lang="nl-BE" dirty="0"/>
+          </a:p>
+        </p:txBody>
+      </p:sp>
+      <p:sp>
+        <p:nvSpPr>
+          <p:cNvPr id="3" name="Content Placeholder 2"/>
+          <p:cNvSpPr>
+            <a:spLocks noGrp="1"/>
+          </p:cNvSpPr>
+          <p:nvPr>
+            <p:ph idx="1"/>
+          </p:nvPr>
+        </p:nvSpPr>
+        <p:spPr/>
+        <p:txBody>
+          <a:bodyPr>
+            <a:normAutofit fontScale="92500" lnSpcReduction="20000"/>
+          </a:bodyPr>
+          <a:lstStyle/>
+          <a:p>
+            <a:r>
+              <a:rPr lang="nl-BE" dirty="0" smtClean="0"/>
+              <a:t>Professor of finance, Vrije Universiteit Brussel and Amsterdam;</a:t>
+            </a:r>
+          </a:p>
+          <a:p>
+            <a:r>
+              <a:rPr lang="nl-BE" dirty="0" smtClean="0"/>
+              <a:t>Inventor of statistical methodology for reliable financial decision</a:t>
+            </a:r>
+          </a:p>
+          <a:p>
+            <a:r>
+              <a:rPr lang="nl-BE" dirty="0" smtClean="0"/>
+              <a:t>Publications in the Journal of Portfolio Management and Review of Finance, among others.</a:t>
+            </a:r>
+          </a:p>
+          <a:p>
+            <a:r>
+              <a:rPr lang="nl-BE" dirty="0" smtClean="0"/>
+              <a:t>Contributor to the R packages PerformanceAnalytics, PortfolioAnalytics and highfrequency, among others.</a:t>
+            </a:r>
+          </a:p>
+          <a:p>
+            <a:r>
+              <a:rPr lang="nl-BE" dirty="0" smtClean="0"/>
+              <a:t>Consultancy to investment firms. </a:t>
+            </a:r>
+            <a:endParaRPr lang="nl-BE" dirty="0"/>
+          </a:p>
+        </p:txBody>
+      </p:sp>
+    </p:spTree>
+    <p:extLst>
+      <p:ext uri="{BB962C8B-B14F-4D97-AF65-F5344CB8AC3E}">
+        <p14:creationId xmlns:p14="http://schemas.microsoft.com/office/powerpoint/2010/main" val="561958690"/>
+      </p:ext>
+    </p:extLst>
+  </p:cSld>
+  <p:clrMapOvr>
+    <a:masterClrMapping/>
+  </p:clrMapOvr>
+</p:sld>
+</file>
+
+<file path=ppt/slides/slide30.xml><?xml version="1.0" encoding="utf-8"?>
 <p:sld xmlns:a="http://schemas.openxmlformats.org/drawingml/2006/main" xmlns:r="http://schemas.openxmlformats.org/officeDocument/2006/relationships" xmlns:p="http://schemas.openxmlformats.org/presentationml/2006/main">
   <p:cSld>
     <p:spTree>
@@ -9912,109 +10079,7 @@
 </p:sld>
 </file>
 
-<file path=ppt/slides/slide3.xml><?xml version="1.0" encoding="utf-8"?>
-<p:sld xmlns:a="http://schemas.openxmlformats.org/drawingml/2006/main" xmlns:r="http://schemas.openxmlformats.org/officeDocument/2006/relationships" xmlns:p="http://schemas.openxmlformats.org/presentationml/2006/main">
-  <p:cSld>
-    <p:spTree>
-      <p:nvGrpSpPr>
-        <p:cNvPr id="1" name=""/>
-        <p:cNvGrpSpPr/>
-        <p:nvPr/>
-      </p:nvGrpSpPr>
-      <p:grpSpPr>
-        <a:xfrm>
-          <a:off x="0" y="0"/>
-          <a:ext cx="0" cy="0"/>
-          <a:chOff x="0" y="0"/>
-          <a:chExt cx="0" cy="0"/>
-        </a:xfrm>
-      </p:grpSpPr>
-      <p:sp>
-        <p:nvSpPr>
-          <p:cNvPr id="2" name="Title 1"/>
-          <p:cNvSpPr>
-            <a:spLocks noGrp="1"/>
-          </p:cNvSpPr>
-          <p:nvPr>
-            <p:ph type="title"/>
-          </p:nvPr>
-        </p:nvSpPr>
-        <p:spPr/>
-        <p:txBody>
-          <a:bodyPr/>
-          <a:lstStyle/>
-          <a:p>
-            <a:r>
-              <a:rPr lang="nl-BE" dirty="0" smtClean="0"/>
-              <a:t>About myself</a:t>
-            </a:r>
-            <a:endParaRPr lang="nl-BE" dirty="0"/>
-          </a:p>
-        </p:txBody>
-      </p:sp>
-      <p:sp>
-        <p:nvSpPr>
-          <p:cNvPr id="3" name="Content Placeholder 2"/>
-          <p:cNvSpPr>
-            <a:spLocks noGrp="1"/>
-          </p:cNvSpPr>
-          <p:nvPr>
-            <p:ph idx="1"/>
-          </p:nvPr>
-        </p:nvSpPr>
-        <p:spPr/>
-        <p:txBody>
-          <a:bodyPr>
-            <a:normAutofit fontScale="92500" lnSpcReduction="20000"/>
-          </a:bodyPr>
-          <a:lstStyle/>
-          <a:p>
-            <a:r>
-              <a:rPr lang="nl-BE" dirty="0" smtClean="0"/>
-              <a:t>Professor of finance, Vrije Universiteit Brussel and Amsterdam;</a:t>
-            </a:r>
-          </a:p>
-          <a:p>
-            <a:r>
-              <a:rPr lang="nl-BE" dirty="0" smtClean="0"/>
-              <a:t>Inventor of statistical methodology for reliable financial decision</a:t>
-            </a:r>
-          </a:p>
-          <a:p>
-            <a:r>
-              <a:rPr lang="nl-BE" dirty="0" smtClean="0"/>
-              <a:t>Publications in the Journal of Portfolio Management and Review of Finance, among others.</a:t>
-            </a:r>
-          </a:p>
-          <a:p>
-            <a:r>
-              <a:rPr lang="nl-BE" dirty="0" smtClean="0"/>
-              <a:t>Contributor to the R packages PerformanceAnalytics, PortfolioAnalytics and highfrequency, among others.</a:t>
-            </a:r>
-          </a:p>
-          <a:p>
-            <a:r>
-              <a:rPr lang="nl-BE" dirty="0" smtClean="0"/>
-              <a:t>Consultancy to investment firms. </a:t>
-            </a:r>
-            <a:endParaRPr lang="nl-BE" dirty="0"/>
-          </a:p>
-        </p:txBody>
-      </p:sp>
-    </p:spTree>
-    <p:extLst>
-      <p:ext uri="{BB962C8B-B14F-4D97-AF65-F5344CB8AC3E}">
-        <p14:creationId xmlns:p14="http://schemas.microsoft.com/office/powerpoint/2010/main" val="561958690"/>
-      </p:ext>
-    </p:extLst>
-  </p:cSld>
-  <p:clrMapOvr>
-    <a:masterClrMapping/>
-  </p:clrMapOvr>
-</p:sld>
-</file>
-
-<file path=ppt/slides/slide30.xml><?xml version="1.0" encoding="utf-8"?>
+<file path=ppt/slides/slide31.xml><?xml version="1.0" encoding="utf-8"?>
 <p:sld xmlns:a="http://schemas.openxmlformats.org/drawingml/2006/main" xmlns:r="http://schemas.openxmlformats.org/officeDocument/2006/relationships" xmlns:p="http://schemas.openxmlformats.org/presentationml/2006/main">
   <p:cSld>
     <p:spTree>
@@ -10652,7 +10717,7 @@
 </p:sld>
 </file>
 
-<file path=ppt/slides/slide31.xml><?xml version="1.0" encoding="utf-8"?>
+<file path=ppt/slides/slide32.xml><?xml version="1.0" encoding="utf-8"?>
 <p:sld xmlns:a="http://schemas.openxmlformats.org/drawingml/2006/main" xmlns:r="http://schemas.openxmlformats.org/officeDocument/2006/relationships" xmlns:p="http://schemas.openxmlformats.org/presentationml/2006/main">
   <p:cSld>
     <p:spTree>
@@ -10988,14 +11053,7 @@
                         <m:nor/>
                       </m:rPr>
                       <a:rPr lang="nl-BE" dirty="0" smtClean="0"/>
-                      <m:t>) </m:t>
-                    </m:r>
-                    <m:r>
-                      <m:rPr>
-                        <m:nor/>
-                      </m:rPr>
-                      <a:rPr lang="nl-BE" b="0" i="0" dirty="0" smtClean="0"/>
-                      <m:t>−1</m:t>
+                      <m:t>) −1</m:t>
                     </m:r>
                   </m:oMath>
                 </a14:m>
@@ -11051,138 +11109,6 @@
 </p:sld>
 </file>
 
-<file path=ppt/slides/slide32.xml><?xml version="1.0" encoding="utf-8"?>
-<p:sld xmlns:a="http://schemas.openxmlformats.org/drawingml/2006/main" xmlns:r="http://schemas.openxmlformats.org/officeDocument/2006/relationships" xmlns:p="http://schemas.openxmlformats.org/presentationml/2006/main">
-  <p:cSld>
-    <p:spTree>
-      <p:nvGrpSpPr>
-        <p:cNvPr id="1" name=""/>
-        <p:cNvGrpSpPr/>
-        <p:nvPr/>
-      </p:nvGrpSpPr>
-      <p:grpSpPr>
-        <a:xfrm>
-          <a:off x="0" y="0"/>
-          <a:ext cx="0" cy="0"/>
-          <a:chOff x="0" y="0"/>
-          <a:chExt cx="0" cy="0"/>
-        </a:xfrm>
-      </p:grpSpPr>
-      <p:sp>
-        <p:nvSpPr>
-          <p:cNvPr id="2" name="Title 1"/>
-          <p:cNvSpPr>
-            <a:spLocks noGrp="1"/>
-          </p:cNvSpPr>
-          <p:nvPr>
-            <p:ph type="title"/>
-          </p:nvPr>
-        </p:nvSpPr>
-        <p:spPr/>
-        <p:txBody>
-          <a:bodyPr/>
-          <a:lstStyle/>
-          <a:p>
-            <a:endParaRPr lang="nl-BE"/>
-          </a:p>
-        </p:txBody>
-      </p:sp>
-      <p:sp>
-        <p:nvSpPr>
-          <p:cNvPr id="3" name="Content Placeholder 2"/>
-          <p:cNvSpPr>
-            <a:spLocks noGrp="1"/>
-          </p:cNvSpPr>
-          <p:nvPr>
-            <p:ph idx="1"/>
-          </p:nvPr>
-        </p:nvSpPr>
-        <p:spPr/>
-        <p:txBody>
-          <a:bodyPr/>
-          <a:lstStyle/>
-          <a:p>
-            <a:pPr marL="0" indent="0">
-              <a:buNone/>
-            </a:pPr>
-            <a:r>
-              <a:rPr lang="en-US" dirty="0" smtClean="0"/>
-              <a:t>returns &lt;- </a:t>
-            </a:r>
-            <a:r>
-              <a:rPr lang="en-US" dirty="0"/>
-              <a:t>c( 0.05 , -0.01 , 0.03 , 0.02 , 0.01 ) </a:t>
-            </a:r>
-            <a:r>
-              <a:rPr lang="en-US" dirty="0" err="1" smtClean="0"/>
-              <a:t>cumprod</a:t>
-            </a:r>
-            <a:r>
-              <a:rPr lang="en-US" dirty="0" smtClean="0"/>
-              <a:t>(1+returns</a:t>
-            </a:r>
-            <a:r>
-              <a:rPr lang="en-US" dirty="0"/>
-              <a:t>) </a:t>
-            </a:r>
-            <a:endParaRPr lang="en-US" dirty="0" smtClean="0"/>
-          </a:p>
-          <a:p>
-            <a:pPr marL="0" indent="0">
-              <a:buNone/>
-            </a:pPr>
-            <a:r>
-              <a:rPr lang="en-US" dirty="0" smtClean="0"/>
-              <a:t>[1] 1.050000 1.039500 1.070685 1.092099 1.103020 </a:t>
-            </a:r>
-          </a:p>
-          <a:p>
-            <a:pPr marL="0" indent="0">
-              <a:buNone/>
-            </a:pPr>
-            <a:r>
-              <a:rPr lang="en-US" dirty="0" smtClean="0"/>
-              <a:t>tail(</a:t>
-            </a:r>
-            <a:r>
-              <a:rPr lang="en-US" dirty="0" err="1" smtClean="0"/>
-              <a:t>cumprod</a:t>
-            </a:r>
-            <a:r>
-              <a:rPr lang="en-US" dirty="0" smtClean="0"/>
-              <a:t>(1+returns</a:t>
-            </a:r>
-            <a:r>
-              <a:rPr lang="en-US" dirty="0"/>
-              <a:t>),1)-1 </a:t>
-            </a:r>
-            <a:endParaRPr lang="en-US" dirty="0" smtClean="0"/>
-          </a:p>
-          <a:p>
-            <a:pPr marL="0" indent="0">
-              <a:buNone/>
-            </a:pPr>
-            <a:r>
-              <a:rPr lang="en-US" dirty="0" smtClean="0"/>
-              <a:t>[1] 0.1030197</a:t>
-            </a:r>
-            <a:endParaRPr lang="nl-BE" dirty="0"/>
-          </a:p>
-        </p:txBody>
-      </p:sp>
-    </p:spTree>
-    <p:extLst>
-      <p:ext uri="{BB962C8B-B14F-4D97-AF65-F5344CB8AC3E}">
-        <p14:creationId xmlns:p14="http://schemas.microsoft.com/office/powerpoint/2010/main" val="3707932661"/>
-      </p:ext>
-    </p:extLst>
-  </p:cSld>
-  <p:clrMapOvr>
-    <a:masterClrMapping/>
-  </p:clrMapOvr>
-</p:sld>
-</file>
-
 <file path=ppt/slides/slide33.xml><?xml version="1.0" encoding="utf-8"?>
 <p:sld xmlns:a="http://schemas.openxmlformats.org/drawingml/2006/main" xmlns:r="http://schemas.openxmlformats.org/officeDocument/2006/relationships" xmlns:p="http://schemas.openxmlformats.org/presentationml/2006/main">
   <p:cSld>
@@ -11234,6 +11160,138 @@
           <a:bodyPr/>
           <a:lstStyle/>
           <a:p>
+            <a:pPr marL="0" indent="0">
+              <a:buNone/>
+            </a:pPr>
+            <a:r>
+              <a:rPr lang="en-US" dirty="0" smtClean="0"/>
+              <a:t>returns &lt;- </a:t>
+            </a:r>
+            <a:r>
+              <a:rPr lang="en-US" dirty="0"/>
+              <a:t>c( 0.05 , -0.01 , 0.03 , 0.02 , 0.01 ) </a:t>
+            </a:r>
+            <a:r>
+              <a:rPr lang="en-US" dirty="0" err="1" smtClean="0"/>
+              <a:t>cumprod</a:t>
+            </a:r>
+            <a:r>
+              <a:rPr lang="en-US" dirty="0" smtClean="0"/>
+              <a:t>(1+returns</a:t>
+            </a:r>
+            <a:r>
+              <a:rPr lang="en-US" dirty="0"/>
+              <a:t>) </a:t>
+            </a:r>
+            <a:endParaRPr lang="en-US" dirty="0" smtClean="0"/>
+          </a:p>
+          <a:p>
+            <a:pPr marL="0" indent="0">
+              <a:buNone/>
+            </a:pPr>
+            <a:r>
+              <a:rPr lang="en-US" dirty="0" smtClean="0"/>
+              <a:t>[1] 1.050000 1.039500 1.070685 1.092099 1.103020 </a:t>
+            </a:r>
+          </a:p>
+          <a:p>
+            <a:pPr marL="0" indent="0">
+              <a:buNone/>
+            </a:pPr>
+            <a:r>
+              <a:rPr lang="en-US" dirty="0" smtClean="0"/>
+              <a:t>tail(</a:t>
+            </a:r>
+            <a:r>
+              <a:rPr lang="en-US" dirty="0" err="1" smtClean="0"/>
+              <a:t>cumprod</a:t>
+            </a:r>
+            <a:r>
+              <a:rPr lang="en-US" dirty="0" smtClean="0"/>
+              <a:t>(1+returns</a:t>
+            </a:r>
+            <a:r>
+              <a:rPr lang="en-US" dirty="0"/>
+              <a:t>),1)-1 </a:t>
+            </a:r>
+            <a:endParaRPr lang="en-US" dirty="0" smtClean="0"/>
+          </a:p>
+          <a:p>
+            <a:pPr marL="0" indent="0">
+              <a:buNone/>
+            </a:pPr>
+            <a:r>
+              <a:rPr lang="en-US" dirty="0" smtClean="0"/>
+              <a:t>[1] 0.1030197</a:t>
+            </a:r>
+            <a:endParaRPr lang="nl-BE" dirty="0"/>
+          </a:p>
+        </p:txBody>
+      </p:sp>
+    </p:spTree>
+    <p:extLst>
+      <p:ext uri="{BB962C8B-B14F-4D97-AF65-F5344CB8AC3E}">
+        <p14:creationId xmlns:p14="http://schemas.microsoft.com/office/powerpoint/2010/main" val="3707932661"/>
+      </p:ext>
+    </p:extLst>
+  </p:cSld>
+  <p:clrMapOvr>
+    <a:masterClrMapping/>
+  </p:clrMapOvr>
+</p:sld>
+</file>
+
+<file path=ppt/slides/slide34.xml><?xml version="1.0" encoding="utf-8"?>
+<p:sld xmlns:a="http://schemas.openxmlformats.org/drawingml/2006/main" xmlns:r="http://schemas.openxmlformats.org/officeDocument/2006/relationships" xmlns:p="http://schemas.openxmlformats.org/presentationml/2006/main">
+  <p:cSld>
+    <p:spTree>
+      <p:nvGrpSpPr>
+        <p:cNvPr id="1" name=""/>
+        <p:cNvGrpSpPr/>
+        <p:nvPr/>
+      </p:nvGrpSpPr>
+      <p:grpSpPr>
+        <a:xfrm>
+          <a:off x="0" y="0"/>
+          <a:ext cx="0" cy="0"/>
+          <a:chOff x="0" y="0"/>
+          <a:chExt cx="0" cy="0"/>
+        </a:xfrm>
+      </p:grpSpPr>
+      <p:sp>
+        <p:nvSpPr>
+          <p:cNvPr id="2" name="Title 1"/>
+          <p:cNvSpPr>
+            <a:spLocks noGrp="1"/>
+          </p:cNvSpPr>
+          <p:nvPr>
+            <p:ph type="title"/>
+          </p:nvPr>
+        </p:nvSpPr>
+        <p:spPr/>
+        <p:txBody>
+          <a:bodyPr/>
+          <a:lstStyle/>
+          <a:p>
+            <a:endParaRPr lang="nl-BE"/>
+          </a:p>
+        </p:txBody>
+      </p:sp>
+      <p:sp>
+        <p:nvSpPr>
+          <p:cNvPr id="3" name="Content Placeholder 2"/>
+          <p:cNvSpPr>
+            <a:spLocks noGrp="1"/>
+          </p:cNvSpPr>
+          <p:nvPr>
+            <p:ph idx="1"/>
+          </p:nvPr>
+        </p:nvSpPr>
+        <p:spPr/>
+        <p:txBody>
+          <a:bodyPr/>
+          <a:lstStyle/>
+          <a:p>
             <a:r>
               <a:rPr lang="nl-BE" dirty="0" smtClean="0"/>
               <a:t>Let us now consider a realistic portfolio of stocks, invested in 30 large US firms, namely the stocks included in the Dow Jones Industrial Average universe:</a:t>
@@ -11270,7 +11328,7 @@
 </p:sld>
 </file>
 
-<file path=ppt/slides/slide34.xml><?xml version="1.0" encoding="utf-8"?>
+<file path=ppt/slides/slide35.xml><?xml version="1.0" encoding="utf-8"?>
 <p:sld xmlns:a="http://schemas.openxmlformats.org/drawingml/2006/main" xmlns:r="http://schemas.openxmlformats.org/officeDocument/2006/relationships" xmlns:p="http://schemas.openxmlformats.org/presentationml/2006/main">
   <p:cSld>
     <p:spTree>
@@ -11399,7 +11457,7 @@
 </p:sld>
 </file>
 
-<file path=ppt/slides/slide35.xml><?xml version="1.0" encoding="utf-8"?>
+<file path=ppt/slides/slide36.xml><?xml version="1.0" encoding="utf-8"?>
 <p:sld xmlns:a="http://schemas.openxmlformats.org/drawingml/2006/main" xmlns:r="http://schemas.openxmlformats.org/officeDocument/2006/relationships" xmlns:p="http://schemas.openxmlformats.org/presentationml/2006/main">
   <p:cSld>
     <p:spTree>
@@ -11525,7 +11583,7 @@
 </p:sld>
 </file>
 
-<file path=ppt/slides/slide36.xml><?xml version="1.0" encoding="utf-8"?>
+<file path=ppt/slides/slide37.xml><?xml version="1.0" encoding="utf-8"?>
 <p:sld xmlns:a="http://schemas.openxmlformats.org/drawingml/2006/main" xmlns:r="http://schemas.openxmlformats.org/officeDocument/2006/relationships" xmlns:p="http://schemas.openxmlformats.org/presentationml/2006/main">
   <p:cSld>
     <p:spTree>

--- a/scripts/Chapter1.pptx
+++ b/scripts/Chapter1.pptx
@@ -32,16 +32,19 @@
     <p:sldId id="286" r:id="rId26"/>
     <p:sldId id="287" r:id="rId27"/>
     <p:sldId id="297" r:id="rId28"/>
-    <p:sldId id="289" r:id="rId29"/>
-    <p:sldId id="290" r:id="rId30"/>
-    <p:sldId id="274" r:id="rId31"/>
-    <p:sldId id="272" r:id="rId32"/>
-    <p:sldId id="292" r:id="rId33"/>
-    <p:sldId id="293" r:id="rId34"/>
-    <p:sldId id="291" r:id="rId35"/>
-    <p:sldId id="288" r:id="rId36"/>
-    <p:sldId id="294" r:id="rId37"/>
-    <p:sldId id="295" r:id="rId38"/>
+    <p:sldId id="300" r:id="rId29"/>
+    <p:sldId id="289" r:id="rId30"/>
+    <p:sldId id="290" r:id="rId31"/>
+    <p:sldId id="274" r:id="rId32"/>
+    <p:sldId id="272" r:id="rId33"/>
+    <p:sldId id="292" r:id="rId34"/>
+    <p:sldId id="293" r:id="rId35"/>
+    <p:sldId id="291" r:id="rId36"/>
+    <p:sldId id="288" r:id="rId37"/>
+    <p:sldId id="294" r:id="rId38"/>
+    <p:sldId id="295" r:id="rId39"/>
+    <p:sldId id="298" r:id="rId40"/>
+    <p:sldId id="299" r:id="rId41"/>
   </p:sldIdLst>
   <p:sldSz cx="9144000" cy="6858000" type="screen4x3"/>
   <p:notesSz cx="6858000" cy="9144000"/>
@@ -9163,16 +9166,16 @@
               <a:t>4: </a:t>
             </a:r>
             <a:r>
-              <a:rPr lang="en-US" dirty="0"/>
-              <a:t>To rebalance </a:t>
-            </a:r>
-            <a:r>
               <a:rPr lang="en-US" dirty="0" smtClean="0"/>
-              <a:t>or not </a:t>
-            </a:r>
-            <a:r>
-              <a:rPr lang="en-US" dirty="0"/>
-              <a:t>to rebalance</a:t>
+              <a:t>The </a:t>
+            </a:r>
+            <a:r>
+              <a:rPr lang="en-US" dirty="0" err="1" smtClean="0"/>
+              <a:t>PerformanceAnalytics</a:t>
+            </a:r>
+            <a:r>
+              <a:rPr lang="en-US" dirty="0" smtClean="0"/>
+              <a:t> package</a:t>
             </a:r>
             <a:endParaRPr lang="nl-BE" dirty="0"/>
           </a:p>
@@ -9326,59 +9329,17 @@
         </p:nvSpPr>
         <p:spPr/>
         <p:txBody>
-          <a:bodyPr>
-            <a:normAutofit lnSpcReduction="10000"/>
-          </a:bodyPr>
-          <a:lstStyle/>
-          <a:p>
-            <a:r>
-              <a:rPr lang="nl-BE" dirty="0" smtClean="0"/>
-              <a:t>We have seen single period returns of a portfolio with only a few investments </a:t>
-            </a:r>
-          </a:p>
-          <a:p>
-            <a:r>
-              <a:rPr lang="nl-BE" dirty="0" smtClean="0"/>
-              <a:t>In practice:</a:t>
-            </a:r>
-          </a:p>
-          <a:p>
-            <a:pPr lvl="1"/>
-            <a:r>
-              <a:rPr lang="nl-BE" dirty="0" smtClean="0"/>
-              <a:t>Multi-period investments</a:t>
-            </a:r>
-          </a:p>
-          <a:p>
-            <a:pPr lvl="1"/>
-            <a:r>
-              <a:rPr lang="nl-BE" dirty="0" smtClean="0"/>
-              <a:t>Larger portfolios</a:t>
-            </a:r>
-          </a:p>
-          <a:p>
-            <a:r>
-              <a:rPr lang="nl-BE" dirty="0" smtClean="0"/>
-              <a:t>Scalability is possible using the functionality of the R package PerformanceAnalytics </a:t>
-            </a:r>
-          </a:p>
-          <a:p>
-            <a:r>
-              <a:rPr lang="nl-BE" dirty="0" smtClean="0"/>
-              <a:t>Illustration for the </a:t>
-            </a:r>
-            <a:r>
-              <a:rPr lang="en-US" dirty="0" smtClean="0"/>
-              <a:t>30 DJIA stocks over 25 years with monthly rebalancing</a:t>
-            </a:r>
-            <a:endParaRPr lang="nl-BE" dirty="0"/>
+          <a:bodyPr/>
+          <a:lstStyle/>
+          <a:p>
+            <a:endParaRPr lang="nl-BE"/>
           </a:p>
         </p:txBody>
       </p:sp>
     </p:spTree>
     <p:extLst>
       <p:ext uri="{BB962C8B-B14F-4D97-AF65-F5344CB8AC3E}">
-        <p14:creationId xmlns:p14="http://schemas.microsoft.com/office/powerpoint/2010/main" val="135852190"/>
+        <p14:creationId xmlns:p14="http://schemas.microsoft.com/office/powerpoint/2010/main" val="2994620115"/>
       </p:ext>
     </p:extLst>
   </p:cSld>
@@ -9436,12 +9397,50 @@
         </p:nvSpPr>
         <p:spPr/>
         <p:txBody>
-          <a:bodyPr/>
+          <a:bodyPr>
+            <a:normAutofit lnSpcReduction="10000"/>
+          </a:bodyPr>
           <a:lstStyle/>
           <a:p>
             <a:r>
               <a:rPr lang="nl-BE" dirty="0" smtClean="0"/>
-              <a:t>First, multi-period returns</a:t>
+              <a:t>We have seen single period returns of a portfolio with only a few investments </a:t>
+            </a:r>
+          </a:p>
+          <a:p>
+            <a:r>
+              <a:rPr lang="nl-BE" dirty="0" smtClean="0"/>
+              <a:t>In practice:</a:t>
+            </a:r>
+          </a:p>
+          <a:p>
+            <a:pPr lvl="1"/>
+            <a:r>
+              <a:rPr lang="nl-BE" dirty="0" smtClean="0"/>
+              <a:t>Multi-period investments</a:t>
+            </a:r>
+          </a:p>
+          <a:p>
+            <a:pPr lvl="1"/>
+            <a:r>
+              <a:rPr lang="nl-BE" dirty="0" smtClean="0"/>
+              <a:t>Larger portfolios</a:t>
+            </a:r>
+          </a:p>
+          <a:p>
+            <a:r>
+              <a:rPr lang="nl-BE" dirty="0" smtClean="0"/>
+              <a:t>Scalability is possible using the functionality of the R package PerformanceAnalytics </a:t>
+            </a:r>
+          </a:p>
+          <a:p>
+            <a:r>
+              <a:rPr lang="nl-BE" dirty="0" smtClean="0"/>
+              <a:t>Illustration for the </a:t>
+            </a:r>
+            <a:r>
+              <a:rPr lang="en-US" dirty="0" smtClean="0"/>
+              <a:t>30 DJIA stocks over 25 years with monthly rebalancing</a:t>
             </a:r>
             <a:endParaRPr lang="nl-BE" dirty="0"/>
           </a:p>
@@ -9450,7 +9449,7 @@
     </p:spTree>
     <p:extLst>
       <p:ext uri="{BB962C8B-B14F-4D97-AF65-F5344CB8AC3E}">
-        <p14:creationId xmlns:p14="http://schemas.microsoft.com/office/powerpoint/2010/main" val="1114908358"/>
+        <p14:creationId xmlns:p14="http://schemas.microsoft.com/office/powerpoint/2010/main" val="135852190"/>
       </p:ext>
     </p:extLst>
   </p:cSld>
@@ -9563,6 +9562,78 @@
 </file>
 
 <file path=ppt/slides/slide30.xml><?xml version="1.0" encoding="utf-8"?>
+<p:sld xmlns:a="http://schemas.openxmlformats.org/drawingml/2006/main" xmlns:r="http://schemas.openxmlformats.org/officeDocument/2006/relationships" xmlns:p="http://schemas.openxmlformats.org/presentationml/2006/main">
+  <p:cSld>
+    <p:spTree>
+      <p:nvGrpSpPr>
+        <p:cNvPr id="1" name=""/>
+        <p:cNvGrpSpPr/>
+        <p:nvPr/>
+      </p:nvGrpSpPr>
+      <p:grpSpPr>
+        <a:xfrm>
+          <a:off x="0" y="0"/>
+          <a:ext cx="0" cy="0"/>
+          <a:chOff x="0" y="0"/>
+          <a:chExt cx="0" cy="0"/>
+        </a:xfrm>
+      </p:grpSpPr>
+      <p:sp>
+        <p:nvSpPr>
+          <p:cNvPr id="2" name="Title 1"/>
+          <p:cNvSpPr>
+            <a:spLocks noGrp="1"/>
+          </p:cNvSpPr>
+          <p:nvPr>
+            <p:ph type="title"/>
+          </p:nvPr>
+        </p:nvSpPr>
+        <p:spPr/>
+        <p:txBody>
+          <a:bodyPr/>
+          <a:lstStyle/>
+          <a:p>
+            <a:endParaRPr lang="nl-BE"/>
+          </a:p>
+        </p:txBody>
+      </p:sp>
+      <p:sp>
+        <p:nvSpPr>
+          <p:cNvPr id="3" name="Content Placeholder 2"/>
+          <p:cNvSpPr>
+            <a:spLocks noGrp="1"/>
+          </p:cNvSpPr>
+          <p:nvPr>
+            <p:ph idx="1"/>
+          </p:nvPr>
+        </p:nvSpPr>
+        <p:spPr/>
+        <p:txBody>
+          <a:bodyPr/>
+          <a:lstStyle/>
+          <a:p>
+            <a:r>
+              <a:rPr lang="nl-BE" dirty="0" smtClean="0"/>
+              <a:t>First, multi-period returns</a:t>
+            </a:r>
+            <a:endParaRPr lang="nl-BE" dirty="0"/>
+          </a:p>
+        </p:txBody>
+      </p:sp>
+    </p:spTree>
+    <p:extLst>
+      <p:ext uri="{BB962C8B-B14F-4D97-AF65-F5344CB8AC3E}">
+        <p14:creationId xmlns:p14="http://schemas.microsoft.com/office/powerpoint/2010/main" val="1114908358"/>
+      </p:ext>
+    </p:extLst>
+  </p:cSld>
+  <p:clrMapOvr>
+    <a:masterClrMapping/>
+  </p:clrMapOvr>
+</p:sld>
+</file>
+
+<file path=ppt/slides/slide31.xml><?xml version="1.0" encoding="utf-8"?>
 <p:sld xmlns:a="http://schemas.openxmlformats.org/drawingml/2006/main" xmlns:r="http://schemas.openxmlformats.org/officeDocument/2006/relationships" xmlns:p="http://schemas.openxmlformats.org/presentationml/2006/main">
   <p:cSld>
     <p:spTree>
@@ -10079,7 +10150,7 @@
 </p:sld>
 </file>
 
-<file path=ppt/slides/slide31.xml><?xml version="1.0" encoding="utf-8"?>
+<file path=ppt/slides/slide32.xml><?xml version="1.0" encoding="utf-8"?>
 <p:sld xmlns:a="http://schemas.openxmlformats.org/drawingml/2006/main" xmlns:r="http://schemas.openxmlformats.org/officeDocument/2006/relationships" xmlns:p="http://schemas.openxmlformats.org/presentationml/2006/main">
   <p:cSld>
     <p:spTree>
@@ -10717,7 +10788,7 @@
 </p:sld>
 </file>
 
-<file path=ppt/slides/slide32.xml><?xml version="1.0" encoding="utf-8"?>
+<file path=ppt/slides/slide33.xml><?xml version="1.0" encoding="utf-8"?>
 <p:sld xmlns:a="http://schemas.openxmlformats.org/drawingml/2006/main" xmlns:r="http://schemas.openxmlformats.org/officeDocument/2006/relationships" xmlns:p="http://schemas.openxmlformats.org/presentationml/2006/main">
   <p:cSld>
     <p:spTree>
@@ -11109,138 +11180,6 @@
 </p:sld>
 </file>
 
-<file path=ppt/slides/slide33.xml><?xml version="1.0" encoding="utf-8"?>
-<p:sld xmlns:a="http://schemas.openxmlformats.org/drawingml/2006/main" xmlns:r="http://schemas.openxmlformats.org/officeDocument/2006/relationships" xmlns:p="http://schemas.openxmlformats.org/presentationml/2006/main">
-  <p:cSld>
-    <p:spTree>
-      <p:nvGrpSpPr>
-        <p:cNvPr id="1" name=""/>
-        <p:cNvGrpSpPr/>
-        <p:nvPr/>
-      </p:nvGrpSpPr>
-      <p:grpSpPr>
-        <a:xfrm>
-          <a:off x="0" y="0"/>
-          <a:ext cx="0" cy="0"/>
-          <a:chOff x="0" y="0"/>
-          <a:chExt cx="0" cy="0"/>
-        </a:xfrm>
-      </p:grpSpPr>
-      <p:sp>
-        <p:nvSpPr>
-          <p:cNvPr id="2" name="Title 1"/>
-          <p:cNvSpPr>
-            <a:spLocks noGrp="1"/>
-          </p:cNvSpPr>
-          <p:nvPr>
-            <p:ph type="title"/>
-          </p:nvPr>
-        </p:nvSpPr>
-        <p:spPr/>
-        <p:txBody>
-          <a:bodyPr/>
-          <a:lstStyle/>
-          <a:p>
-            <a:endParaRPr lang="nl-BE"/>
-          </a:p>
-        </p:txBody>
-      </p:sp>
-      <p:sp>
-        <p:nvSpPr>
-          <p:cNvPr id="3" name="Content Placeholder 2"/>
-          <p:cNvSpPr>
-            <a:spLocks noGrp="1"/>
-          </p:cNvSpPr>
-          <p:nvPr>
-            <p:ph idx="1"/>
-          </p:nvPr>
-        </p:nvSpPr>
-        <p:spPr/>
-        <p:txBody>
-          <a:bodyPr/>
-          <a:lstStyle/>
-          <a:p>
-            <a:pPr marL="0" indent="0">
-              <a:buNone/>
-            </a:pPr>
-            <a:r>
-              <a:rPr lang="en-US" dirty="0" smtClean="0"/>
-              <a:t>returns &lt;- </a:t>
-            </a:r>
-            <a:r>
-              <a:rPr lang="en-US" dirty="0"/>
-              <a:t>c( 0.05 , -0.01 , 0.03 , 0.02 , 0.01 ) </a:t>
-            </a:r>
-            <a:r>
-              <a:rPr lang="en-US" dirty="0" err="1" smtClean="0"/>
-              <a:t>cumprod</a:t>
-            </a:r>
-            <a:r>
-              <a:rPr lang="en-US" dirty="0" smtClean="0"/>
-              <a:t>(1+returns</a:t>
-            </a:r>
-            <a:r>
-              <a:rPr lang="en-US" dirty="0"/>
-              <a:t>) </a:t>
-            </a:r>
-            <a:endParaRPr lang="en-US" dirty="0" smtClean="0"/>
-          </a:p>
-          <a:p>
-            <a:pPr marL="0" indent="0">
-              <a:buNone/>
-            </a:pPr>
-            <a:r>
-              <a:rPr lang="en-US" dirty="0" smtClean="0"/>
-              <a:t>[1] 1.050000 1.039500 1.070685 1.092099 1.103020 </a:t>
-            </a:r>
-          </a:p>
-          <a:p>
-            <a:pPr marL="0" indent="0">
-              <a:buNone/>
-            </a:pPr>
-            <a:r>
-              <a:rPr lang="en-US" dirty="0" smtClean="0"/>
-              <a:t>tail(</a:t>
-            </a:r>
-            <a:r>
-              <a:rPr lang="en-US" dirty="0" err="1" smtClean="0"/>
-              <a:t>cumprod</a:t>
-            </a:r>
-            <a:r>
-              <a:rPr lang="en-US" dirty="0" smtClean="0"/>
-              <a:t>(1+returns</a:t>
-            </a:r>
-            <a:r>
-              <a:rPr lang="en-US" dirty="0"/>
-              <a:t>),1)-1 </a:t>
-            </a:r>
-            <a:endParaRPr lang="en-US" dirty="0" smtClean="0"/>
-          </a:p>
-          <a:p>
-            <a:pPr marL="0" indent="0">
-              <a:buNone/>
-            </a:pPr>
-            <a:r>
-              <a:rPr lang="en-US" dirty="0" smtClean="0"/>
-              <a:t>[1] 0.1030197</a:t>
-            </a:r>
-            <a:endParaRPr lang="nl-BE" dirty="0"/>
-          </a:p>
-        </p:txBody>
-      </p:sp>
-    </p:spTree>
-    <p:extLst>
-      <p:ext uri="{BB962C8B-B14F-4D97-AF65-F5344CB8AC3E}">
-        <p14:creationId xmlns:p14="http://schemas.microsoft.com/office/powerpoint/2010/main" val="3707932661"/>
-      </p:ext>
-    </p:extLst>
-  </p:cSld>
-  <p:clrMapOvr>
-    <a:masterClrMapping/>
-  </p:clrMapOvr>
-</p:sld>
-</file>
-
 <file path=ppt/slides/slide34.xml><?xml version="1.0" encoding="utf-8"?>
 <p:sld xmlns:a="http://schemas.openxmlformats.org/drawingml/2006/main" xmlns:r="http://schemas.openxmlformats.org/officeDocument/2006/relationships" xmlns:p="http://schemas.openxmlformats.org/presentationml/2006/main">
   <p:cSld>
@@ -11292,6 +11231,138 @@
           <a:bodyPr/>
           <a:lstStyle/>
           <a:p>
+            <a:pPr marL="0" indent="0">
+              <a:buNone/>
+            </a:pPr>
+            <a:r>
+              <a:rPr lang="en-US" dirty="0" smtClean="0"/>
+              <a:t>returns &lt;- </a:t>
+            </a:r>
+            <a:r>
+              <a:rPr lang="en-US" dirty="0"/>
+              <a:t>c( 0.05 , -0.01 , 0.03 , 0.02 , 0.01 ) </a:t>
+            </a:r>
+            <a:r>
+              <a:rPr lang="en-US" dirty="0" err="1" smtClean="0"/>
+              <a:t>cumprod</a:t>
+            </a:r>
+            <a:r>
+              <a:rPr lang="en-US" dirty="0" smtClean="0"/>
+              <a:t>(1+returns</a:t>
+            </a:r>
+            <a:r>
+              <a:rPr lang="en-US" dirty="0"/>
+              <a:t>) </a:t>
+            </a:r>
+            <a:endParaRPr lang="en-US" dirty="0" smtClean="0"/>
+          </a:p>
+          <a:p>
+            <a:pPr marL="0" indent="0">
+              <a:buNone/>
+            </a:pPr>
+            <a:r>
+              <a:rPr lang="en-US" dirty="0" smtClean="0"/>
+              <a:t>[1] 1.050000 1.039500 1.070685 1.092099 1.103020 </a:t>
+            </a:r>
+          </a:p>
+          <a:p>
+            <a:pPr marL="0" indent="0">
+              <a:buNone/>
+            </a:pPr>
+            <a:r>
+              <a:rPr lang="en-US" dirty="0" smtClean="0"/>
+              <a:t>tail(</a:t>
+            </a:r>
+            <a:r>
+              <a:rPr lang="en-US" dirty="0" err="1" smtClean="0"/>
+              <a:t>cumprod</a:t>
+            </a:r>
+            <a:r>
+              <a:rPr lang="en-US" dirty="0" smtClean="0"/>
+              <a:t>(1+returns</a:t>
+            </a:r>
+            <a:r>
+              <a:rPr lang="en-US" dirty="0"/>
+              <a:t>),1)-1 </a:t>
+            </a:r>
+            <a:endParaRPr lang="en-US" dirty="0" smtClean="0"/>
+          </a:p>
+          <a:p>
+            <a:pPr marL="0" indent="0">
+              <a:buNone/>
+            </a:pPr>
+            <a:r>
+              <a:rPr lang="en-US" dirty="0" smtClean="0"/>
+              <a:t>[1] 0.1030197</a:t>
+            </a:r>
+            <a:endParaRPr lang="nl-BE" dirty="0"/>
+          </a:p>
+        </p:txBody>
+      </p:sp>
+    </p:spTree>
+    <p:extLst>
+      <p:ext uri="{BB962C8B-B14F-4D97-AF65-F5344CB8AC3E}">
+        <p14:creationId xmlns:p14="http://schemas.microsoft.com/office/powerpoint/2010/main" val="3707932661"/>
+      </p:ext>
+    </p:extLst>
+  </p:cSld>
+  <p:clrMapOvr>
+    <a:masterClrMapping/>
+  </p:clrMapOvr>
+</p:sld>
+</file>
+
+<file path=ppt/slides/slide35.xml><?xml version="1.0" encoding="utf-8"?>
+<p:sld xmlns:a="http://schemas.openxmlformats.org/drawingml/2006/main" xmlns:r="http://schemas.openxmlformats.org/officeDocument/2006/relationships" xmlns:p="http://schemas.openxmlformats.org/presentationml/2006/main">
+  <p:cSld>
+    <p:spTree>
+      <p:nvGrpSpPr>
+        <p:cNvPr id="1" name=""/>
+        <p:cNvGrpSpPr/>
+        <p:nvPr/>
+      </p:nvGrpSpPr>
+      <p:grpSpPr>
+        <a:xfrm>
+          <a:off x="0" y="0"/>
+          <a:ext cx="0" cy="0"/>
+          <a:chOff x="0" y="0"/>
+          <a:chExt cx="0" cy="0"/>
+        </a:xfrm>
+      </p:grpSpPr>
+      <p:sp>
+        <p:nvSpPr>
+          <p:cNvPr id="2" name="Title 1"/>
+          <p:cNvSpPr>
+            <a:spLocks noGrp="1"/>
+          </p:cNvSpPr>
+          <p:nvPr>
+            <p:ph type="title"/>
+          </p:nvPr>
+        </p:nvSpPr>
+        <p:spPr/>
+        <p:txBody>
+          <a:bodyPr/>
+          <a:lstStyle/>
+          <a:p>
+            <a:endParaRPr lang="nl-BE"/>
+          </a:p>
+        </p:txBody>
+      </p:sp>
+      <p:sp>
+        <p:nvSpPr>
+          <p:cNvPr id="3" name="Content Placeholder 2"/>
+          <p:cNvSpPr>
+            <a:spLocks noGrp="1"/>
+          </p:cNvSpPr>
+          <p:nvPr>
+            <p:ph idx="1"/>
+          </p:nvPr>
+        </p:nvSpPr>
+        <p:spPr/>
+        <p:txBody>
+          <a:bodyPr/>
+          <a:lstStyle/>
+          <a:p>
             <a:r>
               <a:rPr lang="nl-BE" dirty="0" smtClean="0"/>
               <a:t>Let us now consider a realistic portfolio of stocks, invested in 30 large US firms, namely the stocks included in the Dow Jones Industrial Average universe:</a:t>
@@ -11328,7 +11399,7 @@
 </p:sld>
 </file>
 
-<file path=ppt/slides/slide35.xml><?xml version="1.0" encoding="utf-8"?>
+<file path=ppt/slides/slide36.xml><?xml version="1.0" encoding="utf-8"?>
 <p:sld xmlns:a="http://schemas.openxmlformats.org/drawingml/2006/main" xmlns:r="http://schemas.openxmlformats.org/officeDocument/2006/relationships" xmlns:p="http://schemas.openxmlformats.org/presentationml/2006/main">
   <p:cSld>
     <p:spTree>
@@ -11457,7 +11528,7 @@
 </p:sld>
 </file>
 
-<file path=ppt/slides/slide36.xml><?xml version="1.0" encoding="utf-8"?>
+<file path=ppt/slides/slide37.xml><?xml version="1.0" encoding="utf-8"?>
 <p:sld xmlns:a="http://schemas.openxmlformats.org/drawingml/2006/main" xmlns:r="http://schemas.openxmlformats.org/officeDocument/2006/relationships" xmlns:p="http://schemas.openxmlformats.org/presentationml/2006/main">
   <p:cSld>
     <p:spTree>
@@ -11583,7 +11654,7 @@
 </p:sld>
 </file>
 
-<file path=ppt/slides/slide37.xml><?xml version="1.0" encoding="utf-8"?>
+<file path=ppt/slides/slide38.xml><?xml version="1.0" encoding="utf-8"?>
 <p:sld xmlns:a="http://schemas.openxmlformats.org/drawingml/2006/main" xmlns:r="http://schemas.openxmlformats.org/officeDocument/2006/relationships" xmlns:p="http://schemas.openxmlformats.org/presentationml/2006/main">
   <p:cSld>
     <p:spTree>
@@ -11709,6 +11780,88 @@
 </p:sld>
 </file>
 
+<file path=ppt/slides/slide39.xml><?xml version="1.0" encoding="utf-8"?>
+<p:sld xmlns:a="http://schemas.openxmlformats.org/drawingml/2006/main" xmlns:r="http://schemas.openxmlformats.org/officeDocument/2006/relationships" xmlns:p="http://schemas.openxmlformats.org/presentationml/2006/main">
+  <p:cSld>
+    <p:spTree>
+      <p:nvGrpSpPr>
+        <p:cNvPr id="1" name=""/>
+        <p:cNvGrpSpPr/>
+        <p:nvPr/>
+      </p:nvGrpSpPr>
+      <p:grpSpPr>
+        <a:xfrm>
+          <a:off x="0" y="0"/>
+          <a:ext cx="0" cy="0"/>
+          <a:chOff x="0" y="0"/>
+          <a:chExt cx="0" cy="0"/>
+        </a:xfrm>
+      </p:grpSpPr>
+      <p:sp>
+        <p:nvSpPr>
+          <p:cNvPr id="2" name="Title 1"/>
+          <p:cNvSpPr>
+            <a:spLocks noGrp="1"/>
+          </p:cNvSpPr>
+          <p:nvPr>
+            <p:ph type="ctrTitle"/>
+          </p:nvPr>
+        </p:nvSpPr>
+        <p:spPr/>
+        <p:txBody>
+          <a:bodyPr>
+            <a:normAutofit/>
+          </a:bodyPr>
+          <a:lstStyle/>
+          <a:p>
+            <a:r>
+              <a:rPr lang="en-US" dirty="0"/>
+              <a:t>Video </a:t>
+            </a:r>
+            <a:r>
+              <a:rPr lang="en-US" dirty="0" smtClean="0"/>
+              <a:t>5: </a:t>
+            </a:r>
+            <a:r>
+              <a:rPr lang="en-US" dirty="0" smtClean="0"/>
+              <a:t>Sneak preview</a:t>
+            </a:r>
+            <a:endParaRPr lang="nl-BE" dirty="0"/>
+          </a:p>
+        </p:txBody>
+      </p:sp>
+      <p:sp>
+        <p:nvSpPr>
+          <p:cNvPr id="3" name="Subtitle 2"/>
+          <p:cNvSpPr>
+            <a:spLocks noGrp="1"/>
+          </p:cNvSpPr>
+          <p:nvPr>
+            <p:ph type="subTitle" idx="1"/>
+          </p:nvPr>
+        </p:nvSpPr>
+        <p:spPr/>
+        <p:txBody>
+          <a:bodyPr/>
+          <a:lstStyle/>
+          <a:p>
+            <a:endParaRPr lang="nl-BE"/>
+          </a:p>
+        </p:txBody>
+      </p:sp>
+    </p:spTree>
+    <p:extLst>
+      <p:ext uri="{BB962C8B-B14F-4D97-AF65-F5344CB8AC3E}">
+        <p14:creationId xmlns:p14="http://schemas.microsoft.com/office/powerpoint/2010/main" val="606877573"/>
+      </p:ext>
+    </p:extLst>
+  </p:cSld>
+  <p:clrMapOvr>
+    <a:masterClrMapping/>
+  </p:clrMapOvr>
+</p:sld>
+</file>
+
 <file path=ppt/slides/slide4.xml><?xml version="1.0" encoding="utf-8"?>
 <p:sld xmlns:a="http://schemas.openxmlformats.org/drawingml/2006/main" xmlns:r="http://schemas.openxmlformats.org/officeDocument/2006/relationships" xmlns:p="http://schemas.openxmlformats.org/presentationml/2006/main">
   <p:cSld>
@@ -11795,6 +11948,74 @@
     <p:extLst>
       <p:ext uri="{BB962C8B-B14F-4D97-AF65-F5344CB8AC3E}">
         <p14:creationId xmlns:p14="http://schemas.microsoft.com/office/powerpoint/2010/main" val="3589854682"/>
+      </p:ext>
+    </p:extLst>
+  </p:cSld>
+  <p:clrMapOvr>
+    <a:masterClrMapping/>
+  </p:clrMapOvr>
+</p:sld>
+</file>
+
+<file path=ppt/slides/slide40.xml><?xml version="1.0" encoding="utf-8"?>
+<p:sld xmlns:a="http://schemas.openxmlformats.org/drawingml/2006/main" xmlns:r="http://schemas.openxmlformats.org/officeDocument/2006/relationships" xmlns:p="http://schemas.openxmlformats.org/presentationml/2006/main">
+  <p:cSld>
+    <p:spTree>
+      <p:nvGrpSpPr>
+        <p:cNvPr id="1" name=""/>
+        <p:cNvGrpSpPr/>
+        <p:nvPr/>
+      </p:nvGrpSpPr>
+      <p:grpSpPr>
+        <a:xfrm>
+          <a:off x="0" y="0"/>
+          <a:ext cx="0" cy="0"/>
+          <a:chOff x="0" y="0"/>
+          <a:chExt cx="0" cy="0"/>
+        </a:xfrm>
+      </p:grpSpPr>
+      <p:sp>
+        <p:nvSpPr>
+          <p:cNvPr id="2" name="Title 1"/>
+          <p:cNvSpPr>
+            <a:spLocks noGrp="1"/>
+          </p:cNvSpPr>
+          <p:nvPr>
+            <p:ph type="title"/>
+          </p:nvPr>
+        </p:nvSpPr>
+        <p:spPr/>
+        <p:txBody>
+          <a:bodyPr/>
+          <a:lstStyle/>
+          <a:p>
+            <a:endParaRPr lang="nl-BE"/>
+          </a:p>
+        </p:txBody>
+      </p:sp>
+      <p:sp>
+        <p:nvSpPr>
+          <p:cNvPr id="3" name="Content Placeholder 2"/>
+          <p:cNvSpPr>
+            <a:spLocks noGrp="1"/>
+          </p:cNvSpPr>
+          <p:nvPr>
+            <p:ph idx="1"/>
+          </p:nvPr>
+        </p:nvSpPr>
+        <p:spPr/>
+        <p:txBody>
+          <a:bodyPr/>
+          <a:lstStyle/>
+          <a:p>
+            <a:endParaRPr lang="nl-BE"/>
+          </a:p>
+        </p:txBody>
+      </p:sp>
+    </p:spTree>
+    <p:extLst>
+      <p:ext uri="{BB962C8B-B14F-4D97-AF65-F5344CB8AC3E}">
+        <p14:creationId xmlns:p14="http://schemas.microsoft.com/office/powerpoint/2010/main" val="664890097"/>
       </p:ext>
     </p:extLst>
   </p:cSld>

--- a/scripts/Chapter1.pptx
+++ b/scripts/Chapter1.pptx
@@ -5,7 +5,7 @@
     <p:sldMasterId id="2147483648" r:id="rId1"/>
   </p:sldMasterIdLst>
   <p:notesMasterIdLst>
-    <p:notesMasterId r:id="rId37"/>
+    <p:notesMasterId r:id="rId35"/>
   </p:notesMasterIdLst>
   <p:sldIdLst>
     <p:sldId id="256" r:id="rId2"/>
@@ -41,8 +41,6 @@
     <p:sldId id="288" r:id="rId32"/>
     <p:sldId id="294" r:id="rId33"/>
     <p:sldId id="295" r:id="rId34"/>
-    <p:sldId id="298" r:id="rId35"/>
-    <p:sldId id="299" r:id="rId36"/>
   </p:sldIdLst>
   <p:sldSz cx="9144000" cy="6858000" type="screen4x3"/>
   <p:notesSz cx="6858000" cy="9144000"/>
@@ -1065,17 +1063,8 @@
           <a:p>
             <a:r>
               <a:rPr lang="en-US" dirty="0" smtClean="0"/>
-              <a:t>Analyzing the portfolio weights reveals the investment bets. The larger the weight of an asset in the portfolio, the more influential it will be in determining the future value of the portfolio. When studying this impact, investors typically do not analyze the change in the investment value in absolute terms, but in relative terms. This leads them to compute simple returns, defined as </a:t>
-            </a:r>
-            <a:r>
-              <a:rPr lang="en-US" dirty="0" smtClean="0"/>
-              <a:t>the </a:t>
-            </a:r>
-            <a:r>
-              <a:rPr lang="en-US" dirty="0" smtClean="0"/>
-              <a:t>change in value over the period, relatively to the initial value. </a:t>
-            </a:r>
-            <a:endParaRPr lang="en-US" dirty="0" smtClean="0"/>
+              <a:t>Analyzing the portfolio weights reveals the investment bets. The larger the weight of an asset in the portfolio, the more influential it will be in determining the future value of the portfolio. When studying this impact, investors typically do not analyze the change in the investment value in absolute terms, but in relative terms. This leads them to compute simple returns, defined as the change in value over the period, relatively to the initial value. </a:t>
+            </a:r>
           </a:p>
           <a:p>
             <a:endParaRPr lang="en-US" dirty="0" smtClean="0"/>
@@ -6740,12 +6729,11 @@
               <a:rPr lang="nl-BE" dirty="0" smtClean="0"/>
               <a:t>Returns are the relative changes in value:</a:t>
             </a:r>
-            <a:endParaRPr lang="nl-BE" dirty="0" smtClean="0"/>
-          </a:p>
-        </p:txBody>
-      </p:sp>
-      <mc:AlternateContent xmlns:mc="http://schemas.openxmlformats.org/markup-compatibility/2006">
-        <mc:Choice xmlns:a14="http://schemas.microsoft.com/office/drawing/2010/main" Requires="a14">
+          </a:p>
+        </p:txBody>
+      </p:sp>
+      <mc:AlternateContent xmlns:mc="http://schemas.openxmlformats.org/markup-compatibility/2006" xmlns:a14="http://schemas.microsoft.com/office/drawing/2010/main">
+        <mc:Choice Requires="a14">
           <p:sp>
             <p:nvSpPr>
               <p:cNvPr id="4" name="TextBox 3"/>
@@ -6768,6 +6756,7 @@
               </a:bodyPr>
               <a:lstStyle/>
               <a:p>
+                <a:pPr/>
                 <a14:m>
                   <m:oMathPara xmlns:m="http://schemas.openxmlformats.org/officeDocument/2006/math">
                     <m:oMathParaPr>
@@ -6855,7 +6844,7 @@
             </p:txBody>
           </p:sp>
         </mc:Choice>
-        <mc:Fallback>
+        <mc:Fallback xmlns="">
           <p:sp>
             <p:nvSpPr>
               <p:cNvPr id="4" name="TextBox 3"/>
@@ -7066,8 +7055,8 @@
           </a:p>
         </p:txBody>
       </p:sp>
-      <mc:AlternateContent xmlns:mc="http://schemas.openxmlformats.org/markup-compatibility/2006">
-        <mc:Choice xmlns:a14="http://schemas.microsoft.com/office/drawing/2010/main" Requires="a14">
+      <mc:AlternateContent xmlns:mc="http://schemas.openxmlformats.org/markup-compatibility/2006" xmlns:a14="http://schemas.microsoft.com/office/drawing/2010/main">
+        <mc:Choice Requires="a14">
           <p:sp>
             <p:nvSpPr>
               <p:cNvPr id="8" name="TextBox 7"/>
@@ -7090,6 +7079,7 @@
               </a:bodyPr>
               <a:lstStyle/>
               <a:p>
+                <a:pPr/>
                 <a14:m>
                   <m:oMathPara xmlns:m="http://schemas.openxmlformats.org/officeDocument/2006/math">
                     <m:oMathParaPr>
@@ -7109,13 +7099,7 @@
                             <a:rPr lang="nl-BE" b="0" i="1" smtClean="0">
                               <a:latin typeface="Cambria Math"/>
                             </a:rPr>
-                            <m:t>120−</m:t>
-                          </m:r>
-                          <m:r>
-                            <a:rPr lang="nl-BE" b="0" i="1" smtClean="0">
-                              <a:latin typeface="Cambria Math"/>
-                            </a:rPr>
-                            <m:t>100</m:t>
+                            <m:t>120−100</m:t>
                           </m:r>
                         </m:num>
                         <m:den>
@@ -7141,7 +7125,7 @@
             </p:txBody>
           </p:sp>
         </mc:Choice>
-        <mc:Fallback>
+        <mc:Fallback xmlns="">
           <p:sp>
             <p:nvSpPr>
               <p:cNvPr id="8" name="TextBox 7"/>
@@ -7614,8 +7598,8 @@
           </a:graphicData>
         </a:graphic>
       </p:graphicFrame>
-      <mc:AlternateContent xmlns:mc="http://schemas.openxmlformats.org/markup-compatibility/2006">
-        <mc:Choice xmlns:a14="http://schemas.microsoft.com/office/drawing/2010/main" Requires="a14">
+      <mc:AlternateContent xmlns:mc="http://schemas.openxmlformats.org/markup-compatibility/2006" xmlns:a14="http://schemas.microsoft.com/office/drawing/2010/main">
+        <mc:Choice Requires="a14">
           <p:sp>
             <p:nvSpPr>
               <p:cNvPr id="7" name="TextBox 6"/>
@@ -7638,6 +7622,7 @@
               </a:bodyPr>
               <a:lstStyle/>
               <a:p>
+                <a:pPr/>
                 <a14:m>
                   <m:oMathPara xmlns:m="http://schemas.openxmlformats.org/officeDocument/2006/math">
                     <m:oMathParaPr>
@@ -7785,7 +7770,7 @@
             </p:txBody>
           </p:sp>
         </mc:Choice>
-        <mc:Fallback>
+        <mc:Fallback xmlns="">
           <p:sp>
             <p:nvSpPr>
               <p:cNvPr id="7" name="TextBox 6"/>
@@ -8119,8 +8104,8 @@
           </a:graphicData>
         </a:graphic>
       </p:graphicFrame>
-      <mc:AlternateContent xmlns:mc="http://schemas.openxmlformats.org/markup-compatibility/2006">
-        <mc:Choice xmlns:a14="http://schemas.microsoft.com/office/drawing/2010/main" Requires="a14">
+      <mc:AlternateContent xmlns:mc="http://schemas.openxmlformats.org/markup-compatibility/2006" xmlns:a14="http://schemas.microsoft.com/office/drawing/2010/main">
+        <mc:Choice Requires="a14">
           <p:sp>
             <p:nvSpPr>
               <p:cNvPr id="5" name="TextBox 4"/>
@@ -8182,13 +8167,7 @@
                           <a:rPr lang="nl-BE" b="0" i="1" smtClean="0">
                             <a:latin typeface="Cambria Math"/>
                           </a:rPr>
-                          <m:t>510−</m:t>
-                        </m:r>
-                        <m:r>
-                          <a:rPr lang="nl-BE" b="0" i="1" smtClean="0">
-                            <a:latin typeface="Cambria Math"/>
-                          </a:rPr>
-                          <m:t>500</m:t>
+                          <m:t>510−500</m:t>
                         </m:r>
                       </m:num>
                       <m:den>
@@ -8211,7 +8190,7 @@
             </p:txBody>
           </p:sp>
         </mc:Choice>
-        <mc:Fallback>
+        <mc:Fallback xmlns="">
           <p:sp>
             <p:nvSpPr>
               <p:cNvPr id="5" name="TextBox 4"/>
@@ -8322,8 +8301,8 @@
           </a:p>
         </p:txBody>
       </p:sp>
-      <mc:AlternateContent xmlns:mc="http://schemas.openxmlformats.org/markup-compatibility/2006">
-        <mc:Choice xmlns:a14="http://schemas.microsoft.com/office/drawing/2010/main" Requires="a14">
+      <mc:AlternateContent xmlns:mc="http://schemas.openxmlformats.org/markup-compatibility/2006" xmlns:a14="http://schemas.microsoft.com/office/drawing/2010/main">
+        <mc:Choice Requires="a14">
           <p:sp>
             <p:nvSpPr>
               <p:cNvPr id="5" name="TextBox 4"/>
@@ -8346,6 +8325,7 @@
               </a:bodyPr>
               <a:lstStyle/>
               <a:p>
+                <a:pPr/>
                 <a14:m>
                   <m:oMathPara xmlns:m="http://schemas.openxmlformats.org/officeDocument/2006/math">
                     <m:oMathParaPr>
@@ -8547,7 +8527,7 @@
             </p:txBody>
           </p:sp>
         </mc:Choice>
-        <mc:Fallback>
+        <mc:Fallback xmlns="">
           <p:sp>
             <p:nvSpPr>
               <p:cNvPr id="5" name="TextBox 4"/>
@@ -8616,1664 +8596,556 @@
           <a:chExt cx="0" cy="0"/>
         </a:xfrm>
       </p:grpSpPr>
-      <p:sp>
-        <p:nvSpPr>
-          <p:cNvPr id="2" name="Title 1"/>
-          <p:cNvSpPr>
-            <a:spLocks noGrp="1"/>
-          </p:cNvSpPr>
-          <p:nvPr>
-            <p:ph type="title"/>
-          </p:nvPr>
-        </p:nvSpPr>
-        <p:spPr/>
-        <p:txBody>
-          <a:bodyPr/>
-          <a:lstStyle/>
-          <a:p>
-            <a:r>
-              <a:rPr lang="nl-BE" dirty="0" smtClean="0"/>
-              <a:t>Magic</a:t>
-            </a:r>
-            <a:endParaRPr lang="nl-BE" dirty="0"/>
-          </a:p>
-        </p:txBody>
-      </p:sp>
-      <p:sp>
-        <p:nvSpPr>
-          <p:cNvPr id="3" name="Content Placeholder 2"/>
-          <p:cNvSpPr>
-            <a:spLocks noGrp="1"/>
-          </p:cNvSpPr>
-          <p:nvPr>
-            <p:ph idx="1"/>
-          </p:nvPr>
-        </p:nvSpPr>
-        <p:spPr/>
-        <p:txBody>
-          <a:bodyPr/>
-          <a:lstStyle/>
-          <a:p>
-            <a:endParaRPr lang="nl-BE" dirty="0"/>
-          </a:p>
-        </p:txBody>
-      </p:sp>
-      <mc:AlternateContent xmlns:mc="http://schemas.openxmlformats.org/markup-compatibility/2006" xmlns:a14="http://schemas.microsoft.com/office/drawing/2010/main">
-        <mc:Choice Requires="a14">
-          <p:graphicFrame>
-            <p:nvGraphicFramePr>
-              <p:cNvPr id="4" name="Table 3"/>
-              <p:cNvGraphicFramePr>
-                <a:graphicFrameLocks noGrp="1"/>
-              </p:cNvGraphicFramePr>
-              <p:nvPr>
-                <p:extLst>
-                  <p:ext uri="{D42A27DB-BD31-4B8C-83A1-F6EECF244321}">
-                    <p14:modId xmlns:p14="http://schemas.microsoft.com/office/powerpoint/2010/main" val="3776075397"/>
-                  </p:ext>
-                </p:extLst>
-              </p:nvPr>
-            </p:nvGraphicFramePr>
-            <p:xfrm>
-              <a:off x="380999" y="1828800"/>
-              <a:ext cx="8382000" cy="3887216"/>
-            </p:xfrm>
-            <a:graphic>
-              <a:graphicData uri="http://schemas.openxmlformats.org/drawingml/2006/table">
-                <a:tbl>
-                  <a:tblPr firstRow="1" bandRow="1">
-                    <a:tableStyleId>{5C22544A-7EE6-4342-B048-85BDC9FD1C3A}</a:tableStyleId>
-                  </a:tblPr>
-                  <a:tblGrid>
-                    <a:gridCol w="1439335"/>
-                    <a:gridCol w="1778000"/>
-                    <a:gridCol w="1947333"/>
-                    <a:gridCol w="1608666"/>
-                    <a:gridCol w="1608666"/>
-                  </a:tblGrid>
-                  <a:tr h="370840">
-                    <a:tc>
-                      <a:txBody>
-                        <a:bodyPr/>
-                        <a:lstStyle/>
-                        <a:p>
-                          <a:r>
-                            <a:rPr lang="nl-BE" dirty="0" smtClean="0"/>
-                            <a:t>Investment</a:t>
-                          </a:r>
-                          <a:endParaRPr lang="nl-BE" dirty="0"/>
-                        </a:p>
-                      </a:txBody>
-                      <a:tcPr/>
-                    </a:tc>
-                    <a:tc>
-                      <a:txBody>
-                        <a:bodyPr/>
-                        <a:lstStyle/>
-                        <a:p>
-                          <a:r>
-                            <a:rPr lang="nl-BE" dirty="0" smtClean="0"/>
-                            <a:t>Initial Value</a:t>
-                          </a:r>
-                          <a:endParaRPr lang="nl-BE" dirty="0"/>
-                        </a:p>
-                      </a:txBody>
-                      <a:tcPr/>
-                    </a:tc>
-                    <a:tc>
-                      <a:txBody>
-                        <a:bodyPr/>
-                        <a:lstStyle/>
-                        <a:p>
-                          <a:r>
-                            <a:rPr lang="nl-BE" dirty="0" smtClean="0"/>
-                            <a:t>Final Value</a:t>
-                          </a:r>
-                          <a:endParaRPr lang="nl-BE" dirty="0"/>
-                        </a:p>
-                      </a:txBody>
-                      <a:tcPr/>
-                    </a:tc>
-                    <a:tc>
-                      <a:txBody>
-                        <a:bodyPr/>
-                        <a:lstStyle/>
-                        <a:p>
-                          <a:r>
-                            <a:rPr lang="nl-BE" dirty="0" smtClean="0"/>
-                            <a:t>Return</a:t>
-                          </a:r>
-                          <a:endParaRPr lang="nl-BE" dirty="0"/>
-                        </a:p>
-                      </a:txBody>
-                      <a:tcPr/>
-                    </a:tc>
-                    <a:tc>
-                      <a:txBody>
-                        <a:bodyPr/>
-                        <a:lstStyle/>
-                        <a:p>
-                          <a:r>
-                            <a:rPr lang="nl-BE" dirty="0" smtClean="0"/>
-                            <a:t>weights</a:t>
-                          </a:r>
-                          <a:endParaRPr lang="nl-BE" dirty="0"/>
-                        </a:p>
-                      </a:txBody>
-                      <a:tcPr/>
-                    </a:tc>
-                  </a:tr>
-                  <a:tr h="370840">
-                    <a:tc>
-                      <a:txBody>
-                        <a:bodyPr/>
-                        <a:lstStyle/>
-                        <a:p>
-                          <a:r>
-                            <a:rPr lang="nl-BE" dirty="0" smtClean="0"/>
-                            <a:t>1</a:t>
-                          </a:r>
-                          <a:endParaRPr lang="nl-BE" dirty="0"/>
-                        </a:p>
-                      </a:txBody>
-                      <a:tcPr/>
-                    </a:tc>
-                    <a:tc>
-                      <a:txBody>
-                        <a:bodyPr/>
-                        <a:lstStyle/>
-                        <a:p>
-                          <a:r>
-                            <a:rPr lang="nl-BE" dirty="0" smtClean="0"/>
-                            <a:t>Vi</a:t>
-                          </a:r>
-                          <a:r>
-                            <a:rPr lang="nl-BE" baseline="-25000" dirty="0" smtClean="0"/>
-                            <a:t>1</a:t>
-                          </a:r>
-                          <a:endParaRPr lang="nl-BE" baseline="-25000" dirty="0"/>
-                        </a:p>
-                      </a:txBody>
-                      <a:tcPr/>
-                    </a:tc>
-                    <a:tc>
-                      <a:txBody>
-                        <a:bodyPr/>
-                        <a:lstStyle/>
-                        <a:p>
-                          <a:pPr marL="0" marR="0" indent="0" algn="l" defTabSz="914400" rtl="0" eaLnBrk="1" fontAlgn="auto" latinLnBrk="0" hangingPunct="1">
-                            <a:lnSpc>
-                              <a:spcPct val="100000"/>
-                            </a:lnSpc>
-                            <a:spcBef>
-                              <a:spcPts val="0"/>
-                            </a:spcBef>
-                            <a:spcAft>
-                              <a:spcPts val="0"/>
-                            </a:spcAft>
-                            <a:buClrTx/>
-                            <a:buSzTx/>
-                            <a:buFontTx/>
-                            <a:buNone/>
-                            <a:tabLst/>
-                            <a:defRPr/>
-                          </a:pPr>
-                          <a:r>
-                            <a:rPr lang="nl-BE" dirty="0" smtClean="0"/>
-                            <a:t>VF</a:t>
-                          </a:r>
-                          <a:r>
-                            <a:rPr lang="nl-BE" baseline="-25000" dirty="0" smtClean="0"/>
-                            <a:t>1</a:t>
-                          </a:r>
-                        </a:p>
-                      </a:txBody>
-                      <a:tcPr/>
-                    </a:tc>
-                    <a:tc>
-                      <a:txBody>
-                        <a:bodyPr/>
-                        <a:lstStyle/>
-                        <a:p>
-                          <a:endParaRPr lang="nl-BE" dirty="0"/>
-                        </a:p>
-                      </a:txBody>
-                      <a:tcPr/>
-                    </a:tc>
-                    <a:tc>
-                      <a:txBody>
-                        <a:bodyPr/>
-                        <a:lstStyle/>
-                        <a:p>
-                          <a:pPr/>
-                          <a14:m>
-                            <m:oMathPara xmlns:m="http://schemas.openxmlformats.org/officeDocument/2006/math">
-                              <m:oMathParaPr>
-                                <m:jc m:val="centerGroup"/>
-                              </m:oMathParaPr>
-                              <m:oMath xmlns:m="http://schemas.openxmlformats.org/officeDocument/2006/math">
-                                <m:r>
-                                  <a:rPr lang="nl-BE" i="1" dirty="0" smtClean="0">
-                                    <a:latin typeface="Cambria Math"/>
-                                  </a:rPr>
-                                  <m:t>𝑤</m:t>
-                                </m:r>
-                                <m:r>
-                                  <a:rPr lang="nl-BE" b="0" i="0" baseline="-25000" dirty="0" smtClean="0">
-                                    <a:latin typeface="Cambria Math"/>
-                                  </a:rPr>
-                                  <m:t>1</m:t>
-                                </m:r>
-                                <m:r>
-                                  <a:rPr lang="nl-BE" b="0" i="0" dirty="0" smtClean="0">
-                                    <a:latin typeface="Cambria Math"/>
-                                  </a:rPr>
-                                  <m:t>=</m:t>
-                                </m:r>
-                                <m:f>
-                                  <m:fPr>
-                                    <m:ctrlPr>
-                                      <a:rPr lang="nl-BE" b="0" i="1" dirty="0" smtClean="0">
-                                        <a:latin typeface="Cambria Math"/>
-                                      </a:rPr>
-                                    </m:ctrlPr>
-                                  </m:fPr>
-                                  <m:num>
-                                    <m:r>
-                                      <a:rPr lang="nl-BE" b="0" i="1" dirty="0" smtClean="0">
-                                        <a:latin typeface="Cambria Math"/>
-                                      </a:rPr>
-                                      <m:t>𝑉𝑖</m:t>
-                                    </m:r>
-                                    <m:r>
-                                      <a:rPr lang="nl-BE" b="0" i="0" baseline="-25000" dirty="0" smtClean="0">
-                                        <a:latin typeface="Cambria Math"/>
-                                      </a:rPr>
-                                      <m:t>1</m:t>
-                                    </m:r>
-                                  </m:num>
-                                  <m:den>
-                                    <m:r>
-                                      <a:rPr lang="nl-BE" b="0" i="1" dirty="0" smtClean="0">
-                                        <a:latin typeface="Cambria Math"/>
-                                      </a:rPr>
-                                      <m:t>𝑉𝑖</m:t>
-                                    </m:r>
-                                    <m:r>
-                                      <a:rPr lang="nl-BE" b="0" i="0" baseline="-25000" dirty="0" smtClean="0">
-                                        <a:latin typeface="Cambria Math"/>
-                                      </a:rPr>
-                                      <m:t>1</m:t>
-                                    </m:r>
-                                    <m:r>
-                                      <a:rPr lang="nl-BE" b="0" i="1" dirty="0" smtClean="0">
-                                        <a:latin typeface="Cambria Math"/>
-                                      </a:rPr>
-                                      <m:t>+…+</m:t>
-                                    </m:r>
-                                    <m:r>
-                                      <a:rPr lang="nl-BE" b="0" i="1" dirty="0" smtClean="0">
-                                        <a:latin typeface="Cambria Math"/>
-                                      </a:rPr>
-                                      <m:t>𝑉𝑖</m:t>
-                                    </m:r>
-                                    <m:r>
-                                      <m:rPr>
-                                        <m:sty m:val="p"/>
-                                      </m:rPr>
-                                      <a:rPr lang="nl-BE" b="0" i="0" baseline="-25000" dirty="0" smtClean="0">
-                                        <a:latin typeface="Cambria Math"/>
-                                      </a:rPr>
-                                      <m:t>N</m:t>
-                                    </m:r>
-                                  </m:den>
-                                </m:f>
-                              </m:oMath>
-                            </m:oMathPara>
-                          </a14:m>
-                          <a:endParaRPr lang="nl-BE" dirty="0"/>
-                        </a:p>
-                      </a:txBody>
-                      <a:tcPr/>
-                    </a:tc>
-                  </a:tr>
-                  <a:tr h="370840">
-                    <a:tc>
-                      <a:txBody>
-                        <a:bodyPr/>
-                        <a:lstStyle/>
-                        <a:p>
-                          <a:r>
-                            <a:rPr lang="nl-BE" dirty="0" smtClean="0"/>
-                            <a:t>2</a:t>
-                          </a:r>
-                          <a:endParaRPr lang="nl-BE" dirty="0"/>
-                        </a:p>
-                      </a:txBody>
-                      <a:tcPr/>
-                    </a:tc>
-                    <a:tc>
-                      <a:txBody>
-                        <a:bodyPr/>
-                        <a:lstStyle/>
-                        <a:p>
-                          <a:pPr marL="0" marR="0" indent="0" algn="l" defTabSz="914400" rtl="0" eaLnBrk="1" fontAlgn="auto" latinLnBrk="0" hangingPunct="1">
-                            <a:lnSpc>
-                              <a:spcPct val="100000"/>
-                            </a:lnSpc>
-                            <a:spcBef>
-                              <a:spcPts val="0"/>
-                            </a:spcBef>
-                            <a:spcAft>
-                              <a:spcPts val="0"/>
-                            </a:spcAft>
-                            <a:buClrTx/>
-                            <a:buSzTx/>
-                            <a:buFontTx/>
-                            <a:buNone/>
-                            <a:tabLst/>
-                            <a:defRPr/>
-                          </a:pPr>
-                          <a:r>
-                            <a:rPr lang="nl-BE" dirty="0" smtClean="0"/>
-                            <a:t>Vi</a:t>
-                          </a:r>
-                          <a:r>
-                            <a:rPr lang="nl-BE" baseline="-25000" dirty="0" smtClean="0"/>
-                            <a:t>2</a:t>
-                          </a:r>
-                        </a:p>
-                        <a:p>
-                          <a:endParaRPr lang="nl-BE" dirty="0"/>
-                        </a:p>
-                      </a:txBody>
-                      <a:tcPr/>
-                    </a:tc>
-                    <a:tc>
-                      <a:txBody>
-                        <a:bodyPr/>
-                        <a:lstStyle/>
-                        <a:p>
-                          <a:pPr marL="0" marR="0" indent="0" algn="l" defTabSz="914400" rtl="0" eaLnBrk="1" fontAlgn="auto" latinLnBrk="0" hangingPunct="1">
-                            <a:lnSpc>
-                              <a:spcPct val="100000"/>
-                            </a:lnSpc>
-                            <a:spcBef>
-                              <a:spcPts val="0"/>
-                            </a:spcBef>
-                            <a:spcAft>
-                              <a:spcPts val="0"/>
-                            </a:spcAft>
-                            <a:buClrTx/>
-                            <a:buSzTx/>
-                            <a:buFontTx/>
-                            <a:buNone/>
-                            <a:tabLst/>
-                            <a:defRPr/>
-                          </a:pPr>
-                          <a:r>
-                            <a:rPr lang="nl-BE" dirty="0" smtClean="0"/>
-                            <a:t>Vf</a:t>
-                          </a:r>
-                          <a:r>
-                            <a:rPr lang="nl-BE" baseline="-25000" dirty="0" smtClean="0"/>
-                            <a:t>2</a:t>
-                          </a:r>
-                        </a:p>
-                        <a:p>
-                          <a:endParaRPr lang="nl-BE" dirty="0"/>
-                        </a:p>
-                      </a:txBody>
-                      <a:tcPr/>
-                    </a:tc>
-                    <a:tc>
-                      <a:txBody>
-                        <a:bodyPr/>
-                        <a:lstStyle/>
-                        <a:p>
-                          <a:endParaRPr lang="nl-BE" dirty="0"/>
-                        </a:p>
-                      </a:txBody>
-                      <a:tcPr/>
-                    </a:tc>
-                    <a:tc>
-                      <a:txBody>
-                        <a:bodyPr/>
-                        <a:lstStyle/>
-                        <a:p>
-                          <a:pPr/>
-                          <a14:m>
-                            <m:oMathPara xmlns:m="http://schemas.openxmlformats.org/officeDocument/2006/math">
-                              <m:oMathParaPr>
-                                <m:jc m:val="centerGroup"/>
-                              </m:oMathParaPr>
-                              <m:oMath xmlns:m="http://schemas.openxmlformats.org/officeDocument/2006/math">
-                                <m:r>
-                                  <a:rPr lang="nl-BE" i="1" dirty="0" smtClean="0">
-                                    <a:latin typeface="Cambria Math"/>
-                                  </a:rPr>
-                                  <m:t>𝑤</m:t>
-                                </m:r>
-                                <m:r>
-                                  <a:rPr lang="nl-BE" b="0" i="0" baseline="-25000" dirty="0" smtClean="0">
-                                    <a:latin typeface="Cambria Math"/>
-                                  </a:rPr>
-                                  <m:t>2</m:t>
-                                </m:r>
-                                <m:r>
-                                  <a:rPr lang="nl-BE" b="0" i="0" dirty="0" smtClean="0">
-                                    <a:latin typeface="Cambria Math"/>
-                                  </a:rPr>
-                                  <m:t>=</m:t>
-                                </m:r>
-                                <m:f>
-                                  <m:fPr>
-                                    <m:ctrlPr>
-                                      <a:rPr lang="nl-BE" b="0" i="1" dirty="0" smtClean="0">
-                                        <a:latin typeface="Cambria Math"/>
-                                      </a:rPr>
-                                    </m:ctrlPr>
-                                  </m:fPr>
-                                  <m:num>
-                                    <m:r>
-                                      <a:rPr lang="nl-BE" b="0" i="1" dirty="0" smtClean="0">
-                                        <a:latin typeface="Cambria Math"/>
-                                      </a:rPr>
-                                      <m:t>𝑉𝑖</m:t>
-                                    </m:r>
-                                    <m:r>
-                                      <a:rPr lang="nl-BE" b="0" i="0" baseline="-25000" dirty="0" smtClean="0">
-                                        <a:latin typeface="Cambria Math"/>
-                                      </a:rPr>
-                                      <m:t>2</m:t>
-                                    </m:r>
-                                  </m:num>
-                                  <m:den>
-                                    <m:r>
-                                      <a:rPr lang="nl-BE" b="0" i="1" dirty="0" smtClean="0">
-                                        <a:latin typeface="Cambria Math"/>
-                                      </a:rPr>
-                                      <m:t>𝑉</m:t>
-                                    </m:r>
-                                    <m:r>
-                                      <m:rPr>
-                                        <m:sty m:val="p"/>
-                                      </m:rPr>
-                                      <a:rPr lang="nl-BE" b="0" i="0" dirty="0" smtClean="0">
-                                        <a:latin typeface="Cambria Math"/>
-                                      </a:rPr>
-                                      <m:t>i</m:t>
-                                    </m:r>
-                                    <m:r>
-                                      <a:rPr lang="nl-BE" b="0" i="0" baseline="-25000" dirty="0" smtClean="0">
-                                        <a:latin typeface="Cambria Math"/>
-                                      </a:rPr>
-                                      <m:t>1</m:t>
-                                    </m:r>
-                                    <m:r>
-                                      <a:rPr lang="nl-BE" b="0" i="1" dirty="0" smtClean="0">
-                                        <a:latin typeface="Cambria Math"/>
-                                      </a:rPr>
-                                      <m:t>+…+</m:t>
-                                    </m:r>
-                                    <m:r>
-                                      <a:rPr lang="nl-BE" b="0" i="1" dirty="0" smtClean="0">
-                                        <a:latin typeface="Cambria Math"/>
-                                      </a:rPr>
-                                      <m:t>𝑉𝑖</m:t>
-                                    </m:r>
-                                    <m:r>
-                                      <m:rPr>
-                                        <m:sty m:val="p"/>
-                                      </m:rPr>
-                                      <a:rPr lang="nl-BE" b="0" i="0" baseline="-25000" dirty="0" smtClean="0">
-                                        <a:latin typeface="Cambria Math"/>
-                                      </a:rPr>
-                                      <m:t>N</m:t>
-                                    </m:r>
-                                  </m:den>
-                                </m:f>
-                              </m:oMath>
-                            </m:oMathPara>
-                          </a14:m>
-                          <a:endParaRPr lang="nl-BE" dirty="0"/>
-                        </a:p>
-                      </a:txBody>
-                      <a:tcPr/>
-                    </a:tc>
-                  </a:tr>
-                  <a:tr h="370840">
-                    <a:tc>
-                      <a:txBody>
-                        <a:bodyPr/>
-                        <a:lstStyle/>
-                        <a:p>
-                          <a:r>
-                            <a:rPr lang="nl-BE" sz="900" dirty="0" smtClean="0"/>
-                            <a:t>*</a:t>
-                          </a:r>
-                        </a:p>
-                        <a:p>
-                          <a:r>
-                            <a:rPr lang="nl-BE" sz="900" dirty="0" smtClean="0"/>
-                            <a:t>*</a:t>
-                          </a:r>
-                        </a:p>
-                        <a:p>
-                          <a:r>
-                            <a:rPr lang="nl-BE" sz="900" dirty="0" smtClean="0"/>
-                            <a:t>*</a:t>
-                          </a:r>
-                          <a:endParaRPr lang="nl-BE" sz="900" dirty="0"/>
-                        </a:p>
-                      </a:txBody>
-                      <a:tcPr/>
-                    </a:tc>
-                    <a:tc>
-                      <a:txBody>
-                        <a:bodyPr/>
-                        <a:lstStyle/>
-                        <a:p>
-                          <a:endParaRPr lang="nl-BE" dirty="0"/>
-                        </a:p>
-                      </a:txBody>
-                      <a:tcPr/>
-                    </a:tc>
-                    <a:tc>
-                      <a:txBody>
-                        <a:bodyPr/>
-                        <a:lstStyle/>
-                        <a:p>
-                          <a:endParaRPr lang="nl-BE" dirty="0"/>
-                        </a:p>
-                      </a:txBody>
-                      <a:tcPr/>
-                    </a:tc>
-                    <a:tc>
-                      <a:txBody>
-                        <a:bodyPr/>
-                        <a:lstStyle/>
-                        <a:p>
-                          <a:endParaRPr lang="nl-BE" dirty="0"/>
-                        </a:p>
-                      </a:txBody>
-                      <a:tcPr/>
-                    </a:tc>
-                    <a:tc>
-                      <a:txBody>
-                        <a:bodyPr/>
-                        <a:lstStyle/>
-                        <a:p>
-                          <a:endParaRPr lang="nl-BE" dirty="0"/>
-                        </a:p>
-                      </a:txBody>
-                      <a:tcPr/>
-                    </a:tc>
-                  </a:tr>
-                  <a:tr h="370840">
-                    <a:tc>
-                      <a:txBody>
-                        <a:bodyPr/>
-                        <a:lstStyle/>
-                        <a:p>
-                          <a:r>
-                            <a:rPr lang="nl-BE" dirty="0" smtClean="0"/>
-                            <a:t>N</a:t>
-                          </a:r>
-                          <a:endParaRPr lang="nl-BE" dirty="0"/>
-                        </a:p>
-                      </a:txBody>
-                      <a:tcPr/>
-                    </a:tc>
-                    <a:tc>
-                      <a:txBody>
-                        <a:bodyPr/>
-                        <a:lstStyle/>
-                        <a:p>
-                          <a:pPr marL="0" marR="0" indent="0" algn="l" defTabSz="914400" rtl="0" eaLnBrk="1" fontAlgn="auto" latinLnBrk="0" hangingPunct="1">
-                            <a:lnSpc>
-                              <a:spcPct val="100000"/>
-                            </a:lnSpc>
-                            <a:spcBef>
-                              <a:spcPts val="0"/>
-                            </a:spcBef>
-                            <a:spcAft>
-                              <a:spcPts val="0"/>
-                            </a:spcAft>
-                            <a:buClrTx/>
-                            <a:buSzTx/>
-                            <a:buFontTx/>
-                            <a:buNone/>
-                            <a:tabLst/>
-                            <a:defRPr/>
-                          </a:pPr>
-                          <a:r>
-                            <a:rPr lang="nl-BE" dirty="0" smtClean="0"/>
-                            <a:t>Vi</a:t>
-                          </a:r>
-                          <a:r>
-                            <a:rPr lang="nl-BE" baseline="-25000" dirty="0" smtClean="0"/>
-                            <a:t>N</a:t>
-                          </a:r>
-                        </a:p>
-                        <a:p>
-                          <a:endParaRPr lang="nl-BE" dirty="0"/>
-                        </a:p>
-                      </a:txBody>
-                      <a:tcPr/>
-                    </a:tc>
-                    <a:tc>
-                      <a:txBody>
-                        <a:bodyPr/>
-                        <a:lstStyle/>
-                        <a:p>
-                          <a:pPr marL="0" marR="0" indent="0" algn="l" defTabSz="914400" rtl="0" eaLnBrk="1" fontAlgn="auto" latinLnBrk="0" hangingPunct="1">
-                            <a:lnSpc>
-                              <a:spcPct val="100000"/>
-                            </a:lnSpc>
-                            <a:spcBef>
-                              <a:spcPts val="0"/>
-                            </a:spcBef>
-                            <a:spcAft>
-                              <a:spcPts val="0"/>
-                            </a:spcAft>
-                            <a:buClrTx/>
-                            <a:buSzTx/>
-                            <a:buFontTx/>
-                            <a:buNone/>
-                            <a:tabLst/>
-                            <a:defRPr/>
-                          </a:pPr>
-                          <a:r>
-                            <a:rPr lang="nl-BE" dirty="0" smtClean="0"/>
-                            <a:t>Vf</a:t>
-                          </a:r>
-                          <a:r>
-                            <a:rPr lang="nl-BE" baseline="-25000" dirty="0" smtClean="0"/>
-                            <a:t>N</a:t>
-                          </a:r>
-                        </a:p>
-                        <a:p>
-                          <a:endParaRPr lang="nl-BE" dirty="0"/>
-                        </a:p>
-                      </a:txBody>
-                      <a:tcPr/>
-                    </a:tc>
-                    <a:tc>
-                      <a:txBody>
-                        <a:bodyPr/>
-                        <a:lstStyle/>
-                        <a:p>
-                          <a:endParaRPr lang="nl-BE" dirty="0"/>
-                        </a:p>
-                      </a:txBody>
-                      <a:tcPr/>
-                    </a:tc>
-                    <a:tc>
-                      <a:txBody>
-                        <a:bodyPr/>
-                        <a:lstStyle/>
-                        <a:p>
-                          <a:pPr/>
-                          <a14:m>
-                            <m:oMathPara xmlns:m="http://schemas.openxmlformats.org/officeDocument/2006/math">
-                              <m:oMathParaPr>
-                                <m:jc m:val="centerGroup"/>
-                              </m:oMathParaPr>
-                              <m:oMath xmlns:m="http://schemas.openxmlformats.org/officeDocument/2006/math">
-                                <m:r>
-                                  <a:rPr lang="nl-BE" i="1" dirty="0" smtClean="0">
-                                    <a:latin typeface="Cambria Math"/>
-                                  </a:rPr>
-                                  <m:t>𝑤</m:t>
-                                </m:r>
-                                <m:r>
-                                  <m:rPr>
-                                    <m:sty m:val="p"/>
-                                  </m:rPr>
-                                  <a:rPr lang="nl-BE" b="0" i="0" baseline="-25000" dirty="0" smtClean="0">
-                                    <a:latin typeface="Cambria Math"/>
-                                  </a:rPr>
-                                  <m:t>N</m:t>
-                                </m:r>
-                                <m:r>
-                                  <a:rPr lang="nl-BE" b="0" i="0" dirty="0" smtClean="0">
-                                    <a:latin typeface="Cambria Math"/>
-                                  </a:rPr>
-                                  <m:t>=</m:t>
-                                </m:r>
-                                <m:f>
-                                  <m:fPr>
-                                    <m:ctrlPr>
-                                      <a:rPr lang="nl-BE" b="0" i="1" dirty="0" smtClean="0">
-                                        <a:latin typeface="Cambria Math"/>
-                                      </a:rPr>
-                                    </m:ctrlPr>
-                                  </m:fPr>
-                                  <m:num>
-                                    <m:r>
-                                      <a:rPr lang="nl-BE" b="0" i="1" dirty="0" smtClean="0">
-                                        <a:latin typeface="Cambria Math"/>
-                                      </a:rPr>
-                                      <m:t>𝑉𝑖</m:t>
-                                    </m:r>
-                                    <m:r>
-                                      <m:rPr>
-                                        <m:sty m:val="p"/>
-                                      </m:rPr>
-                                      <a:rPr lang="nl-BE" b="0" i="0" baseline="-25000" dirty="0" smtClean="0">
-                                        <a:latin typeface="Cambria Math"/>
-                                      </a:rPr>
-                                      <m:t>N</m:t>
-                                    </m:r>
-                                  </m:num>
-                                  <m:den>
-                                    <m:r>
-                                      <a:rPr lang="nl-BE" b="0" i="1" dirty="0" smtClean="0">
-                                        <a:latin typeface="Cambria Math"/>
-                                      </a:rPr>
-                                      <m:t>𝑉𝑖</m:t>
-                                    </m:r>
-                                    <m:r>
-                                      <a:rPr lang="nl-BE" b="0" i="0" baseline="-25000" dirty="0" smtClean="0">
-                                        <a:latin typeface="Cambria Math"/>
-                                      </a:rPr>
-                                      <m:t>1</m:t>
-                                    </m:r>
-                                    <m:r>
-                                      <a:rPr lang="nl-BE" b="0" i="1" dirty="0" smtClean="0">
-                                        <a:latin typeface="Cambria Math"/>
-                                      </a:rPr>
-                                      <m:t>+…+</m:t>
-                                    </m:r>
-                                    <m:r>
-                                      <a:rPr lang="nl-BE" b="0" i="1" dirty="0" smtClean="0">
-                                        <a:latin typeface="Cambria Math"/>
-                                      </a:rPr>
-                                      <m:t>𝑉𝑖</m:t>
-                                    </m:r>
-                                    <m:r>
-                                      <m:rPr>
-                                        <m:sty m:val="p"/>
-                                      </m:rPr>
-                                      <a:rPr lang="nl-BE" b="0" i="0" baseline="-25000" dirty="0" smtClean="0">
-                                        <a:latin typeface="Cambria Math"/>
-                                      </a:rPr>
-                                      <m:t>N</m:t>
-                                    </m:r>
-                                  </m:den>
-                                </m:f>
-                              </m:oMath>
-                            </m:oMathPara>
-                          </a14:m>
-                          <a:endParaRPr lang="nl-BE" dirty="0"/>
-                        </a:p>
-                      </a:txBody>
-                      <a:tcPr/>
-                    </a:tc>
-                  </a:tr>
-                  <a:tr h="370840">
-                    <a:tc>
-                      <a:txBody>
-                        <a:bodyPr/>
-                        <a:lstStyle/>
-                        <a:p>
-                          <a:r>
-                            <a:rPr lang="nl-BE" dirty="0" smtClean="0"/>
-                            <a:t>TOTAL</a:t>
-                          </a:r>
-                          <a:endParaRPr lang="nl-BE" dirty="0"/>
-                        </a:p>
-                      </a:txBody>
-                      <a:tcPr/>
-                    </a:tc>
-                    <a:tc>
-                      <a:txBody>
-                        <a:bodyPr/>
-                        <a:lstStyle/>
-                        <a:p>
-                          <a:pPr marL="0" marR="0" indent="0" algn="l" defTabSz="914400" rtl="0" eaLnBrk="1" fontAlgn="auto" latinLnBrk="0" hangingPunct="1">
-                            <a:lnSpc>
-                              <a:spcPct val="100000"/>
-                            </a:lnSpc>
-                            <a:spcBef>
-                              <a:spcPts val="0"/>
-                            </a:spcBef>
-                            <a:spcAft>
-                              <a:spcPts val="0"/>
-                            </a:spcAft>
-                            <a:buClrTx/>
-                            <a:buSzTx/>
-                            <a:buFontTx/>
-                            <a:buNone/>
-                            <a:tabLst/>
-                            <a:defRPr/>
-                          </a:pPr>
-                          <a:r>
-                            <a:rPr lang="nl-BE" dirty="0" smtClean="0"/>
-                            <a:t>Vi = Vi</a:t>
-                          </a:r>
-                          <a:r>
-                            <a:rPr lang="nl-BE" baseline="-25000" dirty="0" smtClean="0"/>
-                            <a:t>1</a:t>
-                          </a:r>
-                          <a:r>
-                            <a:rPr lang="nl-BE" dirty="0" smtClean="0"/>
-                            <a:t>+…+Vi</a:t>
-                          </a:r>
-                          <a:r>
-                            <a:rPr lang="nl-BE" baseline="-25000" dirty="0" smtClean="0"/>
-                            <a:t>N</a:t>
-                          </a:r>
-                        </a:p>
-                      </a:txBody>
-                      <a:tcPr/>
-                    </a:tc>
-                    <a:tc>
-                      <a:txBody>
-                        <a:bodyPr/>
-                        <a:lstStyle/>
-                        <a:p>
-                          <a:pPr marL="0" marR="0" indent="0" algn="l" defTabSz="914400" rtl="0" eaLnBrk="1" fontAlgn="auto" latinLnBrk="0" hangingPunct="1">
-                            <a:lnSpc>
-                              <a:spcPct val="100000"/>
-                            </a:lnSpc>
-                            <a:spcBef>
-                              <a:spcPts val="0"/>
-                            </a:spcBef>
-                            <a:spcAft>
-                              <a:spcPts val="0"/>
-                            </a:spcAft>
-                            <a:buClrTx/>
-                            <a:buSzTx/>
-                            <a:buFontTx/>
-                            <a:buNone/>
-                            <a:tabLst/>
-                            <a:defRPr/>
-                          </a:pPr>
-                          <a:r>
-                            <a:rPr lang="nl-BE" dirty="0" smtClean="0"/>
-                            <a:t>Vf = Vf</a:t>
-                          </a:r>
-                          <a:r>
-                            <a:rPr lang="nl-BE" baseline="-25000" dirty="0" smtClean="0"/>
-                            <a:t>1</a:t>
-                          </a:r>
-                          <a:r>
-                            <a:rPr lang="nl-BE" dirty="0" smtClean="0"/>
-                            <a:t>+…+Vf</a:t>
-                          </a:r>
-                          <a:r>
-                            <a:rPr lang="nl-BE" baseline="-25000" dirty="0" smtClean="0"/>
-                            <a:t>N</a:t>
-                          </a:r>
-                        </a:p>
-                      </a:txBody>
-                      <a:tcPr/>
-                    </a:tc>
-                    <a:tc gridSpan="2">
-                      <a:txBody>
-                        <a:bodyPr/>
-                        <a:lstStyle/>
-                        <a:p>
-                          <a:pPr marL="0" marR="0" indent="0" algn="l" defTabSz="914400" rtl="0" eaLnBrk="1" fontAlgn="auto" latinLnBrk="0" hangingPunct="1">
-                            <a:lnSpc>
-                              <a:spcPct val="100000"/>
-                            </a:lnSpc>
-                            <a:spcBef>
-                              <a:spcPts val="0"/>
-                            </a:spcBef>
-                            <a:spcAft>
-                              <a:spcPts val="0"/>
-                            </a:spcAft>
-                            <a:buClrTx/>
-                            <a:buSzTx/>
-                            <a:buFontTx/>
-                            <a:buNone/>
-                            <a:tabLst/>
-                            <a:defRPr/>
-                          </a:pPr>
-                          <a:r>
-                            <a:rPr lang="nl-BE" dirty="0" smtClean="0"/>
-                            <a:t>R = (Vf-Vi)/Vi  = </a:t>
-                          </a:r>
-                          <a14:m>
-                            <m:oMath xmlns:m="http://schemas.openxmlformats.org/officeDocument/2006/math">
-                              <m:nary>
-                                <m:naryPr>
-                                  <m:chr m:val="∑"/>
-                                  <m:ctrlPr>
-                                    <a:rPr lang="pt-BR" i="1" smtClean="0">
-                                      <a:latin typeface="Cambria Math"/>
-                                    </a:rPr>
-                                  </m:ctrlPr>
-                                </m:naryPr>
-                                <m:sub>
-                                  <m:r>
-                                    <m:rPr>
-                                      <m:brk m:alnAt="23"/>
-                                    </m:rPr>
-                                    <a:rPr lang="nl-BE" b="0" i="1" smtClean="0">
-                                      <a:latin typeface="Cambria Math"/>
-                                    </a:rPr>
-                                    <m:t>𝑖</m:t>
-                                  </m:r>
-                                  <m:r>
-                                    <a:rPr lang="pt-BR" i="1" smtClean="0">
-                                      <a:latin typeface="Cambria Math"/>
-                                    </a:rPr>
-                                    <m:t>=</m:t>
-                                  </m:r>
-                                  <m:r>
-                                    <a:rPr lang="nl-BE" b="0" i="1" smtClean="0">
-                                      <a:latin typeface="Cambria Math"/>
-                                    </a:rPr>
-                                    <m:t>1</m:t>
-                                  </m:r>
-                                </m:sub>
-                                <m:sup>
-                                  <m:r>
-                                    <a:rPr lang="nl-BE" b="0" i="1" smtClean="0">
-                                      <a:latin typeface="Cambria Math"/>
-                                    </a:rPr>
-                                    <m:t>𝑁</m:t>
-                                  </m:r>
-                                </m:sup>
-                                <m:e>
-                                  <m:r>
-                                    <a:rPr lang="nl-BE" b="0" i="1" smtClean="0">
-                                      <a:latin typeface="Cambria Math"/>
-                                    </a:rPr>
-                                    <m:t>𝑤</m:t>
-                                  </m:r>
-                                  <m:r>
-                                    <a:rPr lang="nl-BE" b="0" i="1" baseline="-25000" smtClean="0">
-                                      <a:latin typeface="Cambria Math"/>
-                                    </a:rPr>
-                                    <m:t>𝑖</m:t>
-                                  </m:r>
-                                  <m:r>
-                                    <a:rPr lang="nl-BE" b="0" i="1" smtClean="0">
-                                      <a:latin typeface="Cambria Math"/>
-                                    </a:rPr>
-                                    <m:t>𝑅</m:t>
-                                  </m:r>
-                                  <m:r>
-                                    <a:rPr lang="nl-BE" b="0" i="1" baseline="-25000" smtClean="0">
-                                      <a:latin typeface="Cambria Math"/>
-                                    </a:rPr>
-                                    <m:t>𝑖</m:t>
-                                  </m:r>
-                                </m:e>
-                              </m:nary>
-                            </m:oMath>
-                          </a14:m>
-                          <a:r>
-                            <a:rPr lang="nl-BE" dirty="0" smtClean="0"/>
-                            <a:t>  </a:t>
-                          </a:r>
-                          <a:endParaRPr lang="nl-BE" dirty="0"/>
-                        </a:p>
-                      </a:txBody>
-                      <a:tcPr/>
-                    </a:tc>
-                    <a:tc hMerge="1">
-                      <a:txBody>
-                        <a:bodyPr/>
-                        <a:lstStyle/>
-                        <a:p>
-                          <a:endParaRPr lang="nl-BE" dirty="0"/>
-                        </a:p>
-                      </a:txBody>
-                      <a:tcPr/>
-                    </a:tc>
-                  </a:tr>
-                </a:tbl>
-              </a:graphicData>
-            </a:graphic>
-          </p:graphicFrame>
-        </mc:Choice>
-        <mc:Fallback xmlns="">
-          <p:graphicFrame>
-            <p:nvGraphicFramePr>
-              <p:cNvPr id="4" name="Table 3"/>
-              <p:cNvGraphicFramePr>
-                <a:graphicFrameLocks noGrp="1"/>
-              </p:cNvGraphicFramePr>
-              <p:nvPr>
-                <p:extLst>
-                  <p:ext uri="{D42A27DB-BD31-4B8C-83A1-F6EECF244321}">
-                    <p14:modId xmlns:p14="http://schemas.microsoft.com/office/powerpoint/2010/main" val="3776075397"/>
-                  </p:ext>
-                </p:extLst>
-              </p:nvPr>
-            </p:nvGraphicFramePr>
-            <p:xfrm>
-              <a:off x="380999" y="1828800"/>
-              <a:ext cx="8382000" cy="3887216"/>
-            </p:xfrm>
-            <a:graphic>
-              <a:graphicData uri="http://schemas.openxmlformats.org/drawingml/2006/table">
-                <a:tbl>
-                  <a:tblPr firstRow="1" bandRow="1">
-                    <a:tableStyleId>{5C22544A-7EE6-4342-B048-85BDC9FD1C3A}</a:tableStyleId>
-                  </a:tblPr>
-                  <a:tblGrid>
-                    <a:gridCol w="1439335"/>
-                    <a:gridCol w="1778000"/>
-                    <a:gridCol w="1947333"/>
-                    <a:gridCol w="1608666"/>
-                    <a:gridCol w="1608666"/>
-                  </a:tblGrid>
-                  <a:tr h="370840">
-                    <a:tc>
-                      <a:txBody>
-                        <a:bodyPr/>
-                        <a:lstStyle/>
-                        <a:p>
-                          <a:r>
-                            <a:rPr lang="nl-BE" dirty="0" smtClean="0"/>
-                            <a:t>Investment</a:t>
-                          </a:r>
-                          <a:endParaRPr lang="nl-BE" dirty="0"/>
-                        </a:p>
-                      </a:txBody>
-                      <a:tcPr/>
-                    </a:tc>
-                    <a:tc>
-                      <a:txBody>
-                        <a:bodyPr/>
-                        <a:lstStyle/>
-                        <a:p>
-                          <a:r>
-                            <a:rPr lang="nl-BE" dirty="0" smtClean="0"/>
-                            <a:t>Initial Value</a:t>
-                          </a:r>
-                          <a:endParaRPr lang="nl-BE" dirty="0"/>
-                        </a:p>
-                      </a:txBody>
-                      <a:tcPr/>
-                    </a:tc>
-                    <a:tc>
-                      <a:txBody>
-                        <a:bodyPr/>
-                        <a:lstStyle/>
-                        <a:p>
-                          <a:r>
-                            <a:rPr lang="nl-BE" dirty="0" smtClean="0"/>
-                            <a:t>Final Value</a:t>
-                          </a:r>
-                          <a:endParaRPr lang="nl-BE" dirty="0"/>
-                        </a:p>
-                      </a:txBody>
-                      <a:tcPr/>
-                    </a:tc>
-                    <a:tc>
-                      <a:txBody>
-                        <a:bodyPr/>
-                        <a:lstStyle/>
-                        <a:p>
-                          <a:r>
-                            <a:rPr lang="nl-BE" dirty="0" smtClean="0"/>
-                            <a:t>Return</a:t>
-                          </a:r>
-                          <a:endParaRPr lang="nl-BE" dirty="0"/>
-                        </a:p>
-                      </a:txBody>
-                      <a:tcPr/>
-                    </a:tc>
-                    <a:tc>
-                      <a:txBody>
-                        <a:bodyPr/>
-                        <a:lstStyle/>
-                        <a:p>
-                          <a:r>
-                            <a:rPr lang="nl-BE" dirty="0" smtClean="0"/>
-                            <a:t>weights</a:t>
-                          </a:r>
-                          <a:endParaRPr lang="nl-BE" dirty="0"/>
-                        </a:p>
-                      </a:txBody>
-                      <a:tcPr/>
-                    </a:tc>
-                  </a:tr>
-                  <a:tr h="877570">
-                    <a:tc>
-                      <a:txBody>
-                        <a:bodyPr/>
-                        <a:lstStyle/>
-                        <a:p>
-                          <a:r>
-                            <a:rPr lang="nl-BE" dirty="0" smtClean="0"/>
-                            <a:t>1</a:t>
-                          </a:r>
-                          <a:endParaRPr lang="nl-BE" dirty="0"/>
-                        </a:p>
-                      </a:txBody>
-                      <a:tcPr/>
-                    </a:tc>
-                    <a:tc>
-                      <a:txBody>
-                        <a:bodyPr/>
-                        <a:lstStyle/>
-                        <a:p>
-                          <a:r>
-                            <a:rPr lang="nl-BE" dirty="0" smtClean="0"/>
-                            <a:t>Vi</a:t>
-                          </a:r>
-                          <a:r>
-                            <a:rPr lang="nl-BE" baseline="-25000" dirty="0" smtClean="0"/>
-                            <a:t>1</a:t>
-                          </a:r>
-                          <a:endParaRPr lang="nl-BE" baseline="-25000" dirty="0"/>
-                        </a:p>
-                      </a:txBody>
-                      <a:tcPr/>
-                    </a:tc>
-                    <a:tc>
-                      <a:txBody>
-                        <a:bodyPr/>
-                        <a:lstStyle/>
-                        <a:p>
-                          <a:pPr marL="0" marR="0" indent="0" algn="l" defTabSz="914400" rtl="0" eaLnBrk="1" fontAlgn="auto" latinLnBrk="0" hangingPunct="1">
-                            <a:lnSpc>
-                              <a:spcPct val="100000"/>
-                            </a:lnSpc>
-                            <a:spcBef>
-                              <a:spcPts val="0"/>
-                            </a:spcBef>
-                            <a:spcAft>
-                              <a:spcPts val="0"/>
-                            </a:spcAft>
-                            <a:buClrTx/>
-                            <a:buSzTx/>
-                            <a:buFontTx/>
-                            <a:buNone/>
-                            <a:tabLst/>
-                            <a:defRPr/>
-                          </a:pPr>
-                          <a:r>
-                            <a:rPr lang="nl-BE" dirty="0" smtClean="0"/>
-                            <a:t>VF</a:t>
-                          </a:r>
-                          <a:r>
-                            <a:rPr lang="nl-BE" baseline="-25000" dirty="0" smtClean="0"/>
-                            <a:t>1</a:t>
-                          </a:r>
-                        </a:p>
-                      </a:txBody>
-                      <a:tcPr/>
-                    </a:tc>
-                    <a:tc>
-                      <a:txBody>
-                        <a:bodyPr/>
-                        <a:lstStyle/>
-                        <a:p>
-                          <a:pPr/>
-                          <a:endParaRPr lang="nl-BE" dirty="0"/>
-                        </a:p>
-                      </a:txBody>
-                      <a:tcPr/>
-                    </a:tc>
-                    <a:tc>
-                      <a:txBody>
-                        <a:bodyPr/>
-                        <a:lstStyle/>
-                        <a:p>
-                          <a:endParaRPr lang="nl-BE"/>
-                        </a:p>
-                      </a:txBody>
-                      <a:tcPr>
-                        <a:blipFill rotWithShape="1">
-                          <a:blip r:embed="rId3"/>
-                          <a:stretch>
-                            <a:fillRect l="-420833" t="-45833" r="-379" b="-379167"/>
-                          </a:stretch>
-                        </a:blipFill>
-                      </a:tcPr>
-                    </a:tc>
-                  </a:tr>
-                  <a:tr h="877570">
-                    <a:tc>
-                      <a:txBody>
-                        <a:bodyPr/>
-                        <a:lstStyle/>
-                        <a:p>
-                          <a:r>
-                            <a:rPr lang="nl-BE" dirty="0" smtClean="0"/>
-                            <a:t>2</a:t>
-                          </a:r>
-                          <a:endParaRPr lang="nl-BE" dirty="0"/>
-                        </a:p>
-                      </a:txBody>
-                      <a:tcPr/>
-                    </a:tc>
-                    <a:tc>
-                      <a:txBody>
-                        <a:bodyPr/>
-                        <a:lstStyle/>
-                        <a:p>
-                          <a:pPr marL="0" marR="0" indent="0" algn="l" defTabSz="914400" rtl="0" eaLnBrk="1" fontAlgn="auto" latinLnBrk="0" hangingPunct="1">
-                            <a:lnSpc>
-                              <a:spcPct val="100000"/>
-                            </a:lnSpc>
-                            <a:spcBef>
-                              <a:spcPts val="0"/>
-                            </a:spcBef>
-                            <a:spcAft>
-                              <a:spcPts val="0"/>
-                            </a:spcAft>
-                            <a:buClrTx/>
-                            <a:buSzTx/>
-                            <a:buFontTx/>
-                            <a:buNone/>
-                            <a:tabLst/>
-                            <a:defRPr/>
-                          </a:pPr>
-                          <a:r>
-                            <a:rPr lang="nl-BE" dirty="0" smtClean="0"/>
-                            <a:t>Vi</a:t>
-                          </a:r>
-                          <a:r>
-                            <a:rPr lang="nl-BE" baseline="-25000" dirty="0" smtClean="0"/>
-                            <a:t>2</a:t>
-                          </a:r>
-                        </a:p>
-                        <a:p>
-                          <a:endParaRPr lang="nl-BE" dirty="0"/>
-                        </a:p>
-                      </a:txBody>
-                      <a:tcPr/>
-                    </a:tc>
-                    <a:tc>
-                      <a:txBody>
-                        <a:bodyPr/>
-                        <a:lstStyle/>
-                        <a:p>
-                          <a:pPr marL="0" marR="0" indent="0" algn="l" defTabSz="914400" rtl="0" eaLnBrk="1" fontAlgn="auto" latinLnBrk="0" hangingPunct="1">
-                            <a:lnSpc>
-                              <a:spcPct val="100000"/>
-                            </a:lnSpc>
-                            <a:spcBef>
-                              <a:spcPts val="0"/>
-                            </a:spcBef>
-                            <a:spcAft>
-                              <a:spcPts val="0"/>
-                            </a:spcAft>
-                            <a:buClrTx/>
-                            <a:buSzTx/>
-                            <a:buFontTx/>
-                            <a:buNone/>
-                            <a:tabLst/>
-                            <a:defRPr/>
-                          </a:pPr>
-                          <a:r>
-                            <a:rPr lang="nl-BE" dirty="0" smtClean="0"/>
-                            <a:t>Vf</a:t>
-                          </a:r>
-                          <a:r>
-                            <a:rPr lang="nl-BE" baseline="-25000" dirty="0" smtClean="0"/>
-                            <a:t>2</a:t>
-                          </a:r>
-                        </a:p>
-                        <a:p>
-                          <a:endParaRPr lang="nl-BE" dirty="0"/>
-                        </a:p>
-                      </a:txBody>
-                      <a:tcPr/>
-                    </a:tc>
-                    <a:tc>
-                      <a:txBody>
-                        <a:bodyPr/>
-                        <a:lstStyle/>
-                        <a:p>
-                          <a:pPr/>
-                          <a:endParaRPr lang="nl-BE" dirty="0"/>
-                        </a:p>
-                      </a:txBody>
-                      <a:tcPr/>
-                    </a:tc>
-                    <a:tc>
-                      <a:txBody>
-                        <a:bodyPr/>
-                        <a:lstStyle/>
-                        <a:p>
-                          <a:endParaRPr lang="nl-BE"/>
-                        </a:p>
-                      </a:txBody>
-                      <a:tcPr>
-                        <a:blipFill rotWithShape="1">
-                          <a:blip r:embed="rId3"/>
-                          <a:stretch>
-                            <a:fillRect l="-420833" t="-145833" r="-379" b="-279167"/>
-                          </a:stretch>
-                        </a:blipFill>
-                      </a:tcPr>
-                    </a:tc>
-                  </a:tr>
-                  <a:tr h="502920">
-                    <a:tc>
-                      <a:txBody>
-                        <a:bodyPr/>
-                        <a:lstStyle/>
-                        <a:p>
-                          <a:r>
-                            <a:rPr lang="nl-BE" sz="900" dirty="0" smtClean="0"/>
-                            <a:t>*</a:t>
-                          </a:r>
-                        </a:p>
-                        <a:p>
-                          <a:r>
-                            <a:rPr lang="nl-BE" sz="900" dirty="0" smtClean="0"/>
-                            <a:t>*</a:t>
-                          </a:r>
-                        </a:p>
-                        <a:p>
-                          <a:r>
-                            <a:rPr lang="nl-BE" sz="900" dirty="0" smtClean="0"/>
-                            <a:t>*</a:t>
-                          </a:r>
-                          <a:endParaRPr lang="nl-BE" sz="900" dirty="0"/>
-                        </a:p>
-                      </a:txBody>
-                      <a:tcPr/>
-                    </a:tc>
-                    <a:tc>
-                      <a:txBody>
-                        <a:bodyPr/>
-                        <a:lstStyle/>
-                        <a:p>
-                          <a:endParaRPr lang="nl-BE" dirty="0"/>
-                        </a:p>
-                      </a:txBody>
-                      <a:tcPr/>
-                    </a:tc>
-                    <a:tc>
-                      <a:txBody>
-                        <a:bodyPr/>
-                        <a:lstStyle/>
-                        <a:p>
-                          <a:endParaRPr lang="nl-BE" dirty="0"/>
-                        </a:p>
-                      </a:txBody>
-                      <a:tcPr/>
-                    </a:tc>
-                    <a:tc>
-                      <a:txBody>
-                        <a:bodyPr/>
-                        <a:lstStyle/>
-                        <a:p>
-                          <a:endParaRPr lang="nl-BE" dirty="0"/>
-                        </a:p>
-                      </a:txBody>
-                      <a:tcPr/>
-                    </a:tc>
-                    <a:tc>
-                      <a:txBody>
-                        <a:bodyPr/>
-                        <a:lstStyle/>
-                        <a:p>
-                          <a:endParaRPr lang="nl-BE" dirty="0"/>
-                        </a:p>
-                      </a:txBody>
-                      <a:tcPr/>
-                    </a:tc>
-                  </a:tr>
-                  <a:tr h="877570">
-                    <a:tc>
-                      <a:txBody>
-                        <a:bodyPr/>
-                        <a:lstStyle/>
-                        <a:p>
-                          <a:r>
-                            <a:rPr lang="nl-BE" dirty="0" smtClean="0"/>
-                            <a:t>N</a:t>
-                          </a:r>
-                          <a:endParaRPr lang="nl-BE" dirty="0"/>
-                        </a:p>
-                      </a:txBody>
-                      <a:tcPr/>
-                    </a:tc>
-                    <a:tc>
-                      <a:txBody>
-                        <a:bodyPr/>
-                        <a:lstStyle/>
-                        <a:p>
-                          <a:pPr marL="0" marR="0" indent="0" algn="l" defTabSz="914400" rtl="0" eaLnBrk="1" fontAlgn="auto" latinLnBrk="0" hangingPunct="1">
-                            <a:lnSpc>
-                              <a:spcPct val="100000"/>
-                            </a:lnSpc>
-                            <a:spcBef>
-                              <a:spcPts val="0"/>
-                            </a:spcBef>
-                            <a:spcAft>
-                              <a:spcPts val="0"/>
-                            </a:spcAft>
-                            <a:buClrTx/>
-                            <a:buSzTx/>
-                            <a:buFontTx/>
-                            <a:buNone/>
-                            <a:tabLst/>
-                            <a:defRPr/>
-                          </a:pPr>
-                          <a:r>
-                            <a:rPr lang="nl-BE" dirty="0" smtClean="0"/>
-                            <a:t>Vi</a:t>
-                          </a:r>
-                          <a:r>
-                            <a:rPr lang="nl-BE" baseline="-25000" dirty="0" smtClean="0"/>
-                            <a:t>N</a:t>
-                          </a:r>
-                        </a:p>
-                        <a:p>
-                          <a:endParaRPr lang="nl-BE" dirty="0"/>
-                        </a:p>
-                      </a:txBody>
-                      <a:tcPr/>
-                    </a:tc>
-                    <a:tc>
-                      <a:txBody>
-                        <a:bodyPr/>
-                        <a:lstStyle/>
-                        <a:p>
-                          <a:pPr marL="0" marR="0" indent="0" algn="l" defTabSz="914400" rtl="0" eaLnBrk="1" fontAlgn="auto" latinLnBrk="0" hangingPunct="1">
-                            <a:lnSpc>
-                              <a:spcPct val="100000"/>
-                            </a:lnSpc>
-                            <a:spcBef>
-                              <a:spcPts val="0"/>
-                            </a:spcBef>
-                            <a:spcAft>
-                              <a:spcPts val="0"/>
-                            </a:spcAft>
-                            <a:buClrTx/>
-                            <a:buSzTx/>
-                            <a:buFontTx/>
-                            <a:buNone/>
-                            <a:tabLst/>
-                            <a:defRPr/>
-                          </a:pPr>
-                          <a:r>
-                            <a:rPr lang="nl-BE" dirty="0" smtClean="0"/>
-                            <a:t>Vf</a:t>
-                          </a:r>
-                          <a:r>
-                            <a:rPr lang="nl-BE" baseline="-25000" dirty="0" smtClean="0"/>
-                            <a:t>N</a:t>
-                          </a:r>
-                        </a:p>
-                        <a:p>
-                          <a:endParaRPr lang="nl-BE" dirty="0"/>
-                        </a:p>
-                      </a:txBody>
-                      <a:tcPr/>
-                    </a:tc>
-                    <a:tc>
-                      <a:txBody>
-                        <a:bodyPr/>
-                        <a:lstStyle/>
-                        <a:p>
-                          <a:pPr/>
-                          <a:endParaRPr lang="nl-BE" dirty="0"/>
-                        </a:p>
-                      </a:txBody>
-                      <a:tcPr/>
-                    </a:tc>
-                    <a:tc>
-                      <a:txBody>
-                        <a:bodyPr/>
-                        <a:lstStyle/>
-                        <a:p>
-                          <a:endParaRPr lang="nl-BE"/>
-                        </a:p>
-                      </a:txBody>
-                      <a:tcPr>
-                        <a:blipFill rotWithShape="1">
-                          <a:blip r:embed="rId3"/>
-                          <a:stretch>
-                            <a:fillRect l="-420833" t="-300690" r="-379" b="-120690"/>
-                          </a:stretch>
-                        </a:blipFill>
-                      </a:tcPr>
-                    </a:tc>
-                  </a:tr>
-                  <a:tr h="380746">
-                    <a:tc>
-                      <a:txBody>
-                        <a:bodyPr/>
-                        <a:lstStyle/>
-                        <a:p>
-                          <a:r>
-                            <a:rPr lang="nl-BE" dirty="0" smtClean="0"/>
-                            <a:t>TOTAL</a:t>
-                          </a:r>
-                          <a:endParaRPr lang="nl-BE" dirty="0"/>
-                        </a:p>
-                      </a:txBody>
-                      <a:tcPr/>
-                    </a:tc>
-                    <a:tc>
-                      <a:txBody>
-                        <a:bodyPr/>
-                        <a:lstStyle/>
-                        <a:p>
-                          <a:pPr marL="0" marR="0" indent="0" algn="l" defTabSz="914400" rtl="0" eaLnBrk="1" fontAlgn="auto" latinLnBrk="0" hangingPunct="1">
-                            <a:lnSpc>
-                              <a:spcPct val="100000"/>
-                            </a:lnSpc>
-                            <a:spcBef>
-                              <a:spcPts val="0"/>
-                            </a:spcBef>
-                            <a:spcAft>
-                              <a:spcPts val="0"/>
-                            </a:spcAft>
-                            <a:buClrTx/>
-                            <a:buSzTx/>
-                            <a:buFontTx/>
-                            <a:buNone/>
-                            <a:tabLst/>
-                            <a:defRPr/>
-                          </a:pPr>
-                          <a:r>
-                            <a:rPr lang="nl-BE" dirty="0" smtClean="0"/>
-                            <a:t>Vi = Vi</a:t>
-                          </a:r>
-                          <a:r>
-                            <a:rPr lang="nl-BE" baseline="-25000" dirty="0" smtClean="0"/>
-                            <a:t>1</a:t>
-                          </a:r>
-                          <a:r>
-                            <a:rPr lang="nl-BE" dirty="0" smtClean="0"/>
-                            <a:t>+…+</a:t>
-                          </a:r>
-                          <a:r>
-                            <a:rPr lang="nl-BE" dirty="0" smtClean="0"/>
-                            <a:t>Vi</a:t>
-                          </a:r>
-                          <a:r>
-                            <a:rPr lang="nl-BE" baseline="-25000" dirty="0" smtClean="0"/>
-                            <a:t>N</a:t>
-                          </a:r>
-                        </a:p>
-                      </a:txBody>
-                      <a:tcPr/>
-                    </a:tc>
-                    <a:tc>
-                      <a:txBody>
-                        <a:bodyPr/>
-                        <a:lstStyle/>
-                        <a:p>
-                          <a:pPr marL="0" marR="0" indent="0" algn="l" defTabSz="914400" rtl="0" eaLnBrk="1" fontAlgn="auto" latinLnBrk="0" hangingPunct="1">
-                            <a:lnSpc>
-                              <a:spcPct val="100000"/>
-                            </a:lnSpc>
-                            <a:spcBef>
-                              <a:spcPts val="0"/>
-                            </a:spcBef>
-                            <a:spcAft>
-                              <a:spcPts val="0"/>
-                            </a:spcAft>
-                            <a:buClrTx/>
-                            <a:buSzTx/>
-                            <a:buFontTx/>
-                            <a:buNone/>
-                            <a:tabLst/>
-                            <a:defRPr/>
-                          </a:pPr>
-                          <a:r>
-                            <a:rPr lang="nl-BE" dirty="0" smtClean="0"/>
-                            <a:t>Vf = Vf</a:t>
-                          </a:r>
-                          <a:r>
-                            <a:rPr lang="nl-BE" baseline="-25000" dirty="0" smtClean="0"/>
-                            <a:t>1</a:t>
-                          </a:r>
-                          <a:r>
-                            <a:rPr lang="nl-BE" dirty="0" smtClean="0"/>
-                            <a:t>+…+Vf</a:t>
-                          </a:r>
-                          <a:r>
-                            <a:rPr lang="nl-BE" baseline="-25000" dirty="0" smtClean="0"/>
-                            <a:t>N</a:t>
-                          </a:r>
-                        </a:p>
-                      </a:txBody>
-                      <a:tcPr/>
-                    </a:tc>
-                    <a:tc gridSpan="2">
-                      <a:txBody>
-                        <a:bodyPr/>
-                        <a:lstStyle/>
-                        <a:p>
-                          <a:endParaRPr lang="nl-BE"/>
-                        </a:p>
-                      </a:txBody>
-                      <a:tcPr>
-                        <a:blipFill rotWithShape="1">
-                          <a:blip r:embed="rId3"/>
-                          <a:stretch>
-                            <a:fillRect l="-160417" t="-937097" r="-189" b="-182258"/>
-                          </a:stretch>
-                        </a:blipFill>
-                      </a:tcPr>
-                    </a:tc>
-                    <a:tc hMerge="1">
-                      <a:txBody>
-                        <a:bodyPr/>
-                        <a:lstStyle/>
-                        <a:p>
-                          <a:endParaRPr lang="nl-BE" dirty="0"/>
-                        </a:p>
-                      </a:txBody>
-                      <a:tcPr/>
-                    </a:tc>
-                  </a:tr>
-                </a:tbl>
-              </a:graphicData>
-            </a:graphic>
-          </p:graphicFrame>
-        </mc:Fallback>
-      </mc:AlternateContent>
+      <p:graphicFrame>
+        <p:nvGraphicFramePr>
+          <p:cNvPr id="6" name="Content Placeholder 7"/>
+          <p:cNvGraphicFramePr>
+            <a:graphicFrameLocks/>
+          </p:cNvGraphicFramePr>
+          <p:nvPr>
+            <p:extLst>
+              <p:ext uri="{D42A27DB-BD31-4B8C-83A1-F6EECF244321}">
+                <p14:modId xmlns:p14="http://schemas.microsoft.com/office/powerpoint/2010/main" val="1533395661"/>
+              </p:ext>
+            </p:extLst>
+          </p:nvPr>
+        </p:nvGraphicFramePr>
+        <p:xfrm>
+          <a:off x="533400" y="304800"/>
+          <a:ext cx="6877358" cy="1784028"/>
+        </p:xfrm>
+        <a:graphic>
+          <a:graphicData uri="http://schemas.openxmlformats.org/drawingml/2006/table">
+            <a:tbl>
+              <a:tblPr firstRow="1" bandRow="1">
+                <a:tableStyleId>{5C22544A-7EE6-4342-B048-85BDC9FD1C3A}</a:tableStyleId>
+              </a:tblPr>
+              <a:tblGrid>
+                <a:gridCol w="1011376"/>
+                <a:gridCol w="1011376"/>
+                <a:gridCol w="674251"/>
+                <a:gridCol w="1146227"/>
+                <a:gridCol w="3034128"/>
+              </a:tblGrid>
+              <a:tr h="334331">
+                <a:tc>
+                  <a:txBody>
+                    <a:bodyPr/>
+                    <a:lstStyle/>
+                    <a:p>
+                      <a:r>
+                        <a:rPr lang="nl-BE" dirty="0" smtClean="0"/>
+                        <a:t>Inv 1</a:t>
+                      </a:r>
+                      <a:endParaRPr lang="nl-BE" dirty="0"/>
+                    </a:p>
+                  </a:txBody>
+                  <a:tcPr/>
+                </a:tc>
+                <a:tc>
+                  <a:txBody>
+                    <a:bodyPr/>
+                    <a:lstStyle/>
+                    <a:p>
+                      <a:r>
+                        <a:rPr lang="nl-BE" dirty="0" smtClean="0"/>
+                        <a:t>Inv 2</a:t>
+                      </a:r>
+                      <a:endParaRPr lang="nl-BE" dirty="0"/>
+                    </a:p>
+                  </a:txBody>
+                  <a:tcPr/>
+                </a:tc>
+                <a:tc>
+                  <a:txBody>
+                    <a:bodyPr/>
+                    <a:lstStyle/>
+                    <a:p>
+                      <a:r>
+                        <a:rPr lang="nl-BE" dirty="0" smtClean="0"/>
+                        <a:t>…</a:t>
+                      </a:r>
+                      <a:endParaRPr lang="nl-BE" dirty="0"/>
+                    </a:p>
+                  </a:txBody>
+                  <a:tcPr/>
+                </a:tc>
+                <a:tc>
+                  <a:txBody>
+                    <a:bodyPr/>
+                    <a:lstStyle/>
+                    <a:p>
+                      <a:r>
+                        <a:rPr lang="nl-BE" dirty="0" smtClean="0"/>
+                        <a:t>Inv N</a:t>
+                      </a:r>
+                      <a:endParaRPr lang="nl-BE" dirty="0"/>
+                    </a:p>
+                  </a:txBody>
+                  <a:tcPr/>
+                </a:tc>
+                <a:tc>
+                  <a:txBody>
+                    <a:bodyPr/>
+                    <a:lstStyle/>
+                    <a:p>
+                      <a:r>
+                        <a:rPr lang="nl-BE" dirty="0" smtClean="0"/>
+                        <a:t>Porfolio</a:t>
+                      </a:r>
+                      <a:r>
+                        <a:rPr lang="nl-BE" baseline="0" dirty="0" smtClean="0"/>
+                        <a:t> total</a:t>
+                      </a:r>
+                      <a:endParaRPr lang="nl-BE" dirty="0"/>
+                    </a:p>
+                  </a:txBody>
+                  <a:tcPr/>
+                </a:tc>
+              </a:tr>
+              <a:tr h="709134">
+                <a:tc>
+                  <a:txBody>
+                    <a:bodyPr/>
+                    <a:lstStyle/>
+                    <a:p>
+                      <a:r>
+                        <a:rPr lang="nl-BE" dirty="0" smtClean="0"/>
+                        <a:t>In.Val.1</a:t>
+                      </a:r>
+                      <a:endParaRPr lang="nl-BE" dirty="0"/>
+                    </a:p>
+                  </a:txBody>
+                  <a:tcPr/>
+                </a:tc>
+                <a:tc>
+                  <a:txBody>
+                    <a:bodyPr/>
+                    <a:lstStyle/>
+                    <a:p>
+                      <a:r>
+                        <a:rPr lang="nl-BE" dirty="0" smtClean="0"/>
+                        <a:t>In.Val.2</a:t>
+                      </a:r>
+                      <a:endParaRPr lang="nl-BE" dirty="0"/>
+                    </a:p>
+                  </a:txBody>
+                  <a:tcPr/>
+                </a:tc>
+                <a:tc>
+                  <a:txBody>
+                    <a:bodyPr/>
+                    <a:lstStyle/>
+                    <a:p>
+                      <a:r>
+                        <a:rPr lang="nl-BE" dirty="0" smtClean="0"/>
+                        <a:t>…</a:t>
+                      </a:r>
+                      <a:endParaRPr lang="nl-BE" dirty="0"/>
+                    </a:p>
+                  </a:txBody>
+                  <a:tcPr/>
+                </a:tc>
+                <a:tc>
+                  <a:txBody>
+                    <a:bodyPr/>
+                    <a:lstStyle/>
+                    <a:p>
+                      <a:r>
+                        <a:rPr lang="nl-BE" dirty="0" smtClean="0"/>
+                        <a:t>In.Val.N</a:t>
+                      </a:r>
+                      <a:endParaRPr lang="nl-BE" dirty="0"/>
+                    </a:p>
+                  </a:txBody>
+                  <a:tcPr/>
+                </a:tc>
+                <a:tc>
+                  <a:txBody>
+                    <a:bodyPr/>
+                    <a:lstStyle/>
+                    <a:p>
+                      <a:r>
+                        <a:rPr lang="nl-BE" dirty="0" smtClean="0"/>
+                        <a:t>Initial Portfolio </a:t>
+                      </a:r>
+                      <a:r>
+                        <a:rPr lang="nl-BE" dirty="0" smtClean="0"/>
+                        <a:t>Value</a:t>
+                      </a:r>
+                      <a:endParaRPr lang="nl-BE" dirty="0" smtClean="0"/>
+                    </a:p>
+                  </a:txBody>
+                  <a:tcPr/>
+                </a:tc>
+              </a:tr>
+              <a:tr h="709134">
+                <a:tc>
+                  <a:txBody>
+                    <a:bodyPr/>
+                    <a:lstStyle/>
+                    <a:p>
+                      <a:r>
+                        <a:rPr lang="nl-BE" dirty="0" smtClean="0"/>
+                        <a:t>Fin.Val.1</a:t>
+                      </a:r>
+                      <a:endParaRPr lang="nl-BE" dirty="0"/>
+                    </a:p>
+                  </a:txBody>
+                  <a:tcPr/>
+                </a:tc>
+                <a:tc>
+                  <a:txBody>
+                    <a:bodyPr/>
+                    <a:lstStyle/>
+                    <a:p>
+                      <a:r>
+                        <a:rPr lang="nl-BE" dirty="0" smtClean="0"/>
+                        <a:t>Fin.Val.2</a:t>
+                      </a:r>
+                      <a:endParaRPr lang="nl-BE" dirty="0"/>
+                    </a:p>
+                  </a:txBody>
+                  <a:tcPr/>
+                </a:tc>
+                <a:tc>
+                  <a:txBody>
+                    <a:bodyPr/>
+                    <a:lstStyle/>
+                    <a:p>
+                      <a:r>
+                        <a:rPr lang="nl-BE" dirty="0" smtClean="0"/>
+                        <a:t>…</a:t>
+                      </a:r>
+                      <a:endParaRPr lang="nl-BE" dirty="0"/>
+                    </a:p>
+                  </a:txBody>
+                  <a:tcPr/>
+                </a:tc>
+                <a:tc>
+                  <a:txBody>
+                    <a:bodyPr/>
+                    <a:lstStyle/>
+                    <a:p>
+                      <a:r>
+                        <a:rPr lang="nl-BE" dirty="0" smtClean="0"/>
+                        <a:t>Fin.Val.N</a:t>
+                      </a:r>
+                      <a:endParaRPr lang="nl-BE" dirty="0"/>
+                    </a:p>
+                  </a:txBody>
+                  <a:tcPr/>
+                </a:tc>
+                <a:tc>
+                  <a:txBody>
+                    <a:bodyPr/>
+                    <a:lstStyle/>
+                    <a:p>
+                      <a:pPr marL="0" marR="0" indent="0" algn="l" defTabSz="914400" rtl="0" eaLnBrk="1" fontAlgn="auto" latinLnBrk="0" hangingPunct="1">
+                        <a:lnSpc>
+                          <a:spcPct val="100000"/>
+                        </a:lnSpc>
+                        <a:spcBef>
+                          <a:spcPts val="0"/>
+                        </a:spcBef>
+                        <a:spcAft>
+                          <a:spcPts val="0"/>
+                        </a:spcAft>
+                        <a:buClrTx/>
+                        <a:buSzTx/>
+                        <a:buFontTx/>
+                        <a:buNone/>
+                        <a:tabLst/>
+                        <a:defRPr/>
+                      </a:pPr>
+                      <a:r>
+                        <a:rPr lang="nl-BE" dirty="0" smtClean="0"/>
+                        <a:t>Final Portfolio </a:t>
+                      </a:r>
+                      <a:r>
+                        <a:rPr lang="nl-BE" dirty="0" smtClean="0"/>
+                        <a:t>value</a:t>
+                      </a:r>
+                      <a:endParaRPr lang="nl-BE" dirty="0" smtClean="0"/>
+                    </a:p>
+                  </a:txBody>
+                  <a:tcPr/>
+                </a:tc>
+              </a:tr>
+            </a:tbl>
+          </a:graphicData>
+        </a:graphic>
+      </p:graphicFrame>
+      <p:graphicFrame>
+        <p:nvGraphicFramePr>
+          <p:cNvPr id="7" name="Content Placeholder 7"/>
+          <p:cNvGraphicFramePr>
+            <a:graphicFrameLocks/>
+          </p:cNvGraphicFramePr>
+          <p:nvPr>
+            <p:extLst>
+              <p:ext uri="{D42A27DB-BD31-4B8C-83A1-F6EECF244321}">
+                <p14:modId xmlns:p14="http://schemas.microsoft.com/office/powerpoint/2010/main" val="1033125148"/>
+              </p:ext>
+            </p:extLst>
+          </p:nvPr>
+        </p:nvGraphicFramePr>
+        <p:xfrm>
+          <a:off x="1371600" y="2743200"/>
+          <a:ext cx="5029200" cy="3335020"/>
+        </p:xfrm>
+        <a:graphic>
+          <a:graphicData uri="http://schemas.openxmlformats.org/drawingml/2006/table">
+            <a:tbl>
+              <a:tblPr firstRow="1" bandRow="1">
+                <a:tableStyleId>{5C22544A-7EE6-4342-B048-85BDC9FD1C3A}</a:tableStyleId>
+              </a:tblPr>
+              <a:tblGrid>
+                <a:gridCol w="1323473"/>
+                <a:gridCol w="1323473"/>
+                <a:gridCol w="882316"/>
+                <a:gridCol w="1499938"/>
+              </a:tblGrid>
+              <a:tr h="375920">
+                <a:tc>
+                  <a:txBody>
+                    <a:bodyPr/>
+                    <a:lstStyle/>
+                    <a:p>
+                      <a:r>
+                        <a:rPr lang="nl-BE" dirty="0" smtClean="0"/>
+                        <a:t>Inv 1</a:t>
+                      </a:r>
+                      <a:endParaRPr lang="nl-BE" dirty="0"/>
+                    </a:p>
+                  </a:txBody>
+                  <a:tcPr/>
+                </a:tc>
+                <a:tc>
+                  <a:txBody>
+                    <a:bodyPr/>
+                    <a:lstStyle/>
+                    <a:p>
+                      <a:r>
+                        <a:rPr lang="nl-BE" dirty="0" smtClean="0"/>
+                        <a:t>Inv 2</a:t>
+                      </a:r>
+                      <a:endParaRPr lang="nl-BE" dirty="0"/>
+                    </a:p>
+                  </a:txBody>
+                  <a:tcPr/>
+                </a:tc>
+                <a:tc>
+                  <a:txBody>
+                    <a:bodyPr/>
+                    <a:lstStyle/>
+                    <a:p>
+                      <a:r>
+                        <a:rPr lang="nl-BE" dirty="0" smtClean="0"/>
+                        <a:t>…</a:t>
+                      </a:r>
+                      <a:endParaRPr lang="nl-BE" dirty="0"/>
+                    </a:p>
+                  </a:txBody>
+                  <a:tcPr/>
+                </a:tc>
+                <a:tc>
+                  <a:txBody>
+                    <a:bodyPr/>
+                    <a:lstStyle/>
+                    <a:p>
+                      <a:r>
+                        <a:rPr lang="nl-BE" dirty="0" smtClean="0"/>
+                        <a:t>Inv N</a:t>
+                      </a:r>
+                      <a:endParaRPr lang="nl-BE" dirty="0"/>
+                    </a:p>
+                  </a:txBody>
+                  <a:tcPr/>
+                </a:tc>
+              </a:tr>
+              <a:tr h="1221740">
+                <a:tc>
+                  <a:txBody>
+                    <a:bodyPr/>
+                    <a:lstStyle/>
+                    <a:p>
+                      <a:pPr marL="0" marR="0" indent="0" algn="l" defTabSz="914400" rtl="0" eaLnBrk="1" fontAlgn="auto" latinLnBrk="0" hangingPunct="1">
+                        <a:lnSpc>
+                          <a:spcPct val="100000"/>
+                        </a:lnSpc>
+                        <a:spcBef>
+                          <a:spcPts val="0"/>
+                        </a:spcBef>
+                        <a:spcAft>
+                          <a:spcPts val="0"/>
+                        </a:spcAft>
+                        <a:buClrTx/>
+                        <a:buSzTx/>
+                        <a:buFontTx/>
+                        <a:buNone/>
+                        <a:tabLst/>
+                        <a:defRPr/>
+                      </a:pPr>
+                      <a:r>
+                        <a:rPr lang="nl-BE" dirty="0" smtClean="0"/>
+                        <a:t>w1=</a:t>
+                      </a:r>
+                    </a:p>
+                    <a:p>
+                      <a:pPr marL="0" marR="0" indent="0" algn="l" defTabSz="914400" rtl="0" eaLnBrk="1" fontAlgn="auto" latinLnBrk="0" hangingPunct="1">
+                        <a:lnSpc>
+                          <a:spcPct val="100000"/>
+                        </a:lnSpc>
+                        <a:spcBef>
+                          <a:spcPts val="0"/>
+                        </a:spcBef>
+                        <a:spcAft>
+                          <a:spcPts val="0"/>
+                        </a:spcAft>
+                        <a:buClrTx/>
+                        <a:buSzTx/>
+                        <a:buFontTx/>
+                        <a:buNone/>
+                        <a:tabLst/>
+                        <a:defRPr/>
+                      </a:pPr>
+                      <a:r>
+                        <a:rPr lang="nl-BE" dirty="0" smtClean="0"/>
+                        <a:t>In.Val.1/Initial Portfolio Value</a:t>
+                      </a:r>
+                    </a:p>
+                    <a:p>
+                      <a:pPr marL="0" marR="0" indent="0" algn="l" defTabSz="914400" rtl="0" eaLnBrk="1" fontAlgn="auto" latinLnBrk="0" hangingPunct="1">
+                        <a:lnSpc>
+                          <a:spcPct val="100000"/>
+                        </a:lnSpc>
+                        <a:spcBef>
+                          <a:spcPts val="0"/>
+                        </a:spcBef>
+                        <a:spcAft>
+                          <a:spcPts val="0"/>
+                        </a:spcAft>
+                        <a:buClrTx/>
+                        <a:buSzTx/>
+                        <a:buFontTx/>
+                        <a:buNone/>
+                        <a:tabLst/>
+                        <a:defRPr/>
+                      </a:pPr>
+                      <a:endParaRPr lang="nl-BE" dirty="0" smtClean="0"/>
+                    </a:p>
+                    <a:p>
+                      <a:endParaRPr lang="nl-BE" dirty="0"/>
+                    </a:p>
+                  </a:txBody>
+                  <a:tcPr/>
+                </a:tc>
+                <a:tc>
+                  <a:txBody>
+                    <a:bodyPr/>
+                    <a:lstStyle/>
+                    <a:p>
+                      <a:r>
+                        <a:rPr lang="nl-BE" dirty="0" smtClean="0"/>
+                        <a:t>In.Val.2</a:t>
+                      </a:r>
+                      <a:endParaRPr lang="nl-BE" dirty="0"/>
+                    </a:p>
+                  </a:txBody>
+                  <a:tcPr/>
+                </a:tc>
+                <a:tc>
+                  <a:txBody>
+                    <a:bodyPr/>
+                    <a:lstStyle/>
+                    <a:p>
+                      <a:r>
+                        <a:rPr lang="nl-BE" dirty="0" smtClean="0"/>
+                        <a:t>…</a:t>
+                      </a:r>
+                      <a:endParaRPr lang="nl-BE" dirty="0"/>
+                    </a:p>
+                  </a:txBody>
+                  <a:tcPr/>
+                </a:tc>
+                <a:tc>
+                  <a:txBody>
+                    <a:bodyPr/>
+                    <a:lstStyle/>
+                    <a:p>
+                      <a:r>
+                        <a:rPr lang="nl-BE" dirty="0" smtClean="0"/>
+                        <a:t>In.Val.N</a:t>
+                      </a:r>
+                      <a:endParaRPr lang="nl-BE" dirty="0"/>
+                    </a:p>
+                  </a:txBody>
+                  <a:tcPr/>
+                </a:tc>
+              </a:tr>
+              <a:tr h="1221740">
+                <a:tc>
+                  <a:txBody>
+                    <a:bodyPr/>
+                    <a:lstStyle/>
+                    <a:p>
+                      <a:r>
+                        <a:rPr lang="nl-BE" dirty="0" smtClean="0"/>
+                        <a:t>R1=</a:t>
+                      </a:r>
+                      <a:endParaRPr lang="nl-BE" dirty="0"/>
+                    </a:p>
+                  </a:txBody>
+                  <a:tcPr/>
+                </a:tc>
+                <a:tc>
+                  <a:txBody>
+                    <a:bodyPr/>
+                    <a:lstStyle/>
+                    <a:p>
+                      <a:r>
+                        <a:rPr lang="nl-BE" dirty="0" smtClean="0"/>
+                        <a:t>Fin.Val.2</a:t>
+                      </a:r>
+                      <a:endParaRPr lang="nl-BE" dirty="0"/>
+                    </a:p>
+                  </a:txBody>
+                  <a:tcPr/>
+                </a:tc>
+                <a:tc>
+                  <a:txBody>
+                    <a:bodyPr/>
+                    <a:lstStyle/>
+                    <a:p>
+                      <a:r>
+                        <a:rPr lang="nl-BE" dirty="0" smtClean="0"/>
+                        <a:t>…</a:t>
+                      </a:r>
+                      <a:endParaRPr lang="nl-BE" dirty="0"/>
+                    </a:p>
+                  </a:txBody>
+                  <a:tcPr/>
+                </a:tc>
+                <a:tc>
+                  <a:txBody>
+                    <a:bodyPr/>
+                    <a:lstStyle/>
+                    <a:p>
+                      <a:r>
+                        <a:rPr lang="nl-BE" dirty="0" smtClean="0"/>
+                        <a:t>Fin.Val.N</a:t>
+                      </a:r>
+                      <a:endParaRPr lang="nl-BE" dirty="0"/>
+                    </a:p>
+                  </a:txBody>
+                  <a:tcPr/>
+                </a:tc>
+              </a:tr>
+            </a:tbl>
+          </a:graphicData>
+        </a:graphic>
+      </p:graphicFrame>
     </p:spTree>
     <p:extLst>
       <p:ext uri="{BB962C8B-B14F-4D97-AF65-F5344CB8AC3E}">
@@ -13255,152 +12127,6 @@
 </p:sld>
 </file>
 
-<file path=ppt/slides/slide34.xml><?xml version="1.0" encoding="utf-8"?>
-<p:sld xmlns:a="http://schemas.openxmlformats.org/drawingml/2006/main" xmlns:r="http://schemas.openxmlformats.org/officeDocument/2006/relationships" xmlns:p="http://schemas.openxmlformats.org/presentationml/2006/main">
-  <p:cSld>
-    <p:spTree>
-      <p:nvGrpSpPr>
-        <p:cNvPr id="1" name=""/>
-        <p:cNvGrpSpPr/>
-        <p:nvPr/>
-      </p:nvGrpSpPr>
-      <p:grpSpPr>
-        <a:xfrm>
-          <a:off x="0" y="0"/>
-          <a:ext cx="0" cy="0"/>
-          <a:chOff x="0" y="0"/>
-          <a:chExt cx="0" cy="0"/>
-        </a:xfrm>
-      </p:grpSpPr>
-      <p:sp>
-        <p:nvSpPr>
-          <p:cNvPr id="2" name="Title 1"/>
-          <p:cNvSpPr>
-            <a:spLocks noGrp="1"/>
-          </p:cNvSpPr>
-          <p:nvPr>
-            <p:ph type="ctrTitle"/>
-          </p:nvPr>
-        </p:nvSpPr>
-        <p:spPr/>
-        <p:txBody>
-          <a:bodyPr>
-            <a:normAutofit/>
-          </a:bodyPr>
-          <a:lstStyle/>
-          <a:p>
-            <a:r>
-              <a:rPr lang="en-US" dirty="0"/>
-              <a:t>Video </a:t>
-            </a:r>
-            <a:r>
-              <a:rPr lang="en-US" dirty="0" smtClean="0"/>
-              <a:t>5: Sneak preview</a:t>
-            </a:r>
-            <a:endParaRPr lang="nl-BE" dirty="0"/>
-          </a:p>
-        </p:txBody>
-      </p:sp>
-      <p:sp>
-        <p:nvSpPr>
-          <p:cNvPr id="3" name="Subtitle 2"/>
-          <p:cNvSpPr>
-            <a:spLocks noGrp="1"/>
-          </p:cNvSpPr>
-          <p:nvPr>
-            <p:ph type="subTitle" idx="1"/>
-          </p:nvPr>
-        </p:nvSpPr>
-        <p:spPr/>
-        <p:txBody>
-          <a:bodyPr/>
-          <a:lstStyle/>
-          <a:p>
-            <a:endParaRPr lang="nl-BE"/>
-          </a:p>
-        </p:txBody>
-      </p:sp>
-    </p:spTree>
-    <p:extLst>
-      <p:ext uri="{BB962C8B-B14F-4D97-AF65-F5344CB8AC3E}">
-        <p14:creationId xmlns:p14="http://schemas.microsoft.com/office/powerpoint/2010/main" val="606877573"/>
-      </p:ext>
-    </p:extLst>
-  </p:cSld>
-  <p:clrMapOvr>
-    <a:masterClrMapping/>
-  </p:clrMapOvr>
-</p:sld>
-</file>
-
-<file path=ppt/slides/slide35.xml><?xml version="1.0" encoding="utf-8"?>
-<p:sld xmlns:a="http://schemas.openxmlformats.org/drawingml/2006/main" xmlns:r="http://schemas.openxmlformats.org/officeDocument/2006/relationships" xmlns:p="http://schemas.openxmlformats.org/presentationml/2006/main">
-  <p:cSld>
-    <p:spTree>
-      <p:nvGrpSpPr>
-        <p:cNvPr id="1" name=""/>
-        <p:cNvGrpSpPr/>
-        <p:nvPr/>
-      </p:nvGrpSpPr>
-      <p:grpSpPr>
-        <a:xfrm>
-          <a:off x="0" y="0"/>
-          <a:ext cx="0" cy="0"/>
-          <a:chOff x="0" y="0"/>
-          <a:chExt cx="0" cy="0"/>
-        </a:xfrm>
-      </p:grpSpPr>
-      <p:sp>
-        <p:nvSpPr>
-          <p:cNvPr id="2" name="Title 1"/>
-          <p:cNvSpPr>
-            <a:spLocks noGrp="1"/>
-          </p:cNvSpPr>
-          <p:nvPr>
-            <p:ph type="title"/>
-          </p:nvPr>
-        </p:nvSpPr>
-        <p:spPr/>
-        <p:txBody>
-          <a:bodyPr/>
-          <a:lstStyle/>
-          <a:p>
-            <a:endParaRPr lang="nl-BE"/>
-          </a:p>
-        </p:txBody>
-      </p:sp>
-      <p:sp>
-        <p:nvSpPr>
-          <p:cNvPr id="3" name="Content Placeholder 2"/>
-          <p:cNvSpPr>
-            <a:spLocks noGrp="1"/>
-          </p:cNvSpPr>
-          <p:nvPr>
-            <p:ph idx="1"/>
-          </p:nvPr>
-        </p:nvSpPr>
-        <p:spPr/>
-        <p:txBody>
-          <a:bodyPr/>
-          <a:lstStyle/>
-          <a:p>
-            <a:endParaRPr lang="nl-BE"/>
-          </a:p>
-        </p:txBody>
-      </p:sp>
-    </p:spTree>
-    <p:extLst>
-      <p:ext uri="{BB962C8B-B14F-4D97-AF65-F5344CB8AC3E}">
-        <p14:creationId xmlns:p14="http://schemas.microsoft.com/office/powerpoint/2010/main" val="664890097"/>
-      </p:ext>
-    </p:extLst>
-  </p:cSld>
-  <p:clrMapOvr>
-    <a:masterClrMapping/>
-  </p:clrMapOvr>
-</p:sld>
-</file>
-
 <file path=ppt/slides/slide4.xml><?xml version="1.0" encoding="utf-8"?>
 <p:sld xmlns:a="http://schemas.openxmlformats.org/drawingml/2006/main" xmlns:r="http://schemas.openxmlformats.org/officeDocument/2006/relationships" xmlns:p="http://schemas.openxmlformats.org/presentationml/2006/main">
   <p:cSld>
@@ -13546,27 +12272,17 @@
               <a:rPr lang="nl-BE" dirty="0" smtClean="0"/>
               <a:t>Ch. 2  Porfolio performance evaluations</a:t>
             </a:r>
-            <a:endParaRPr lang="nl-BE" dirty="0" smtClean="0"/>
           </a:p>
           <a:p>
             <a:r>
               <a:rPr lang="nl-BE" dirty="0" smtClean="0"/>
               <a:t>Ch. 3  Drivers of performance</a:t>
             </a:r>
-            <a:endParaRPr lang="nl-BE" dirty="0" smtClean="0"/>
           </a:p>
           <a:p>
             <a:r>
               <a:rPr lang="nl-BE" dirty="0" smtClean="0"/>
-              <a:t>Ch. </a:t>
-            </a:r>
-            <a:r>
-              <a:rPr lang="nl-BE" dirty="0" smtClean="0"/>
-              <a:t>4 </a:t>
-            </a:r>
-            <a:r>
-              <a:rPr lang="nl-BE" dirty="0" smtClean="0"/>
-              <a:t> Portfolio optimization</a:t>
+              <a:t>Ch. 4  Portfolio optimization</a:t>
             </a:r>
             <a:endParaRPr lang="nl-BE" dirty="0"/>
           </a:p>
@@ -13913,7 +12629,7 @@
         </p:blipFill>
         <p:spPr bwMode="auto">
           <a:xfrm>
-            <a:off x="1142999" y="2819400"/>
+            <a:off x="380999" y="2819400"/>
             <a:ext cx="2609615" cy="3302794"/>
           </a:xfrm>
           <a:prstGeom prst="rect">
@@ -13939,7 +12655,7 @@
         </p:nvCxnSpPr>
         <p:spPr>
           <a:xfrm flipV="1">
-            <a:off x="762000" y="2819400"/>
+            <a:off x="0" y="2819400"/>
             <a:ext cx="3733800" cy="3302794"/>
           </a:xfrm>
           <a:prstGeom prst="line">
@@ -13974,7 +12690,7 @@
         </p:nvCxnSpPr>
         <p:spPr>
           <a:xfrm>
-            <a:off x="914400" y="2667000"/>
+            <a:off x="152400" y="2667000"/>
             <a:ext cx="3886200" cy="3455194"/>
           </a:xfrm>
           <a:prstGeom prst="line">
@@ -14023,6 +12739,46 @@
           </a:graphicData>
         </a:graphic>
       </p:graphicFrame>
+      <p:sp>
+        <p:nvSpPr>
+          <p:cNvPr id="4" name="Right Arrow 3"/>
+          <p:cNvSpPr/>
+          <p:nvPr/>
+        </p:nvSpPr>
+        <p:spPr>
+          <a:xfrm>
+            <a:off x="3276600" y="4013597"/>
+            <a:ext cx="914400" cy="914400"/>
+          </a:xfrm>
+          <a:prstGeom prst="rightArrow">
+            <a:avLst/>
+          </a:prstGeom>
+        </p:spPr>
+        <p:style>
+          <a:lnRef idx="2">
+            <a:schemeClr val="accent1">
+              <a:shade val="50000"/>
+            </a:schemeClr>
+          </a:lnRef>
+          <a:fillRef idx="1">
+            <a:schemeClr val="accent1"/>
+          </a:fillRef>
+          <a:effectRef idx="0">
+            <a:schemeClr val="accent1"/>
+          </a:effectRef>
+          <a:fontRef idx="minor">
+            <a:schemeClr val="lt1"/>
+          </a:fontRef>
+        </p:style>
+        <p:txBody>
+          <a:bodyPr rtlCol="0" anchor="ctr"/>
+          <a:lstStyle/>
+          <a:p>
+            <a:pPr algn="ctr"/>
+            <a:endParaRPr lang="nl-BE"/>
+          </a:p>
+        </p:txBody>
+      </p:sp>
     </p:spTree>
     <p:extLst>
       <p:ext uri="{BB962C8B-B14F-4D97-AF65-F5344CB8AC3E}">

--- a/scripts/Chapter1.pptx
+++ b/scripts/Chapter1.pptx
@@ -5,7 +5,7 @@
     <p:sldMasterId id="2147483648" r:id="rId1"/>
   </p:sldMasterIdLst>
   <p:notesMasterIdLst>
-    <p:notesMasterId r:id="rId35"/>
+    <p:notesMasterId r:id="rId29"/>
   </p:notesMasterIdLst>
   <p:sldIdLst>
     <p:sldId id="256" r:id="rId2"/>
@@ -28,19 +28,13 @@
     <p:sldId id="279" r:id="rId19"/>
     <p:sldId id="286" r:id="rId20"/>
     <p:sldId id="287" r:id="rId21"/>
-    <p:sldId id="297" r:id="rId22"/>
-    <p:sldId id="300" r:id="rId23"/>
-    <p:sldId id="306" r:id="rId24"/>
-    <p:sldId id="307" r:id="rId25"/>
-    <p:sldId id="308" r:id="rId26"/>
-    <p:sldId id="274" r:id="rId27"/>
-    <p:sldId id="272" r:id="rId28"/>
-    <p:sldId id="292" r:id="rId29"/>
-    <p:sldId id="293" r:id="rId30"/>
-    <p:sldId id="291" r:id="rId31"/>
-    <p:sldId id="288" r:id="rId32"/>
-    <p:sldId id="294" r:id="rId33"/>
-    <p:sldId id="295" r:id="rId34"/>
+    <p:sldId id="312" r:id="rId22"/>
+    <p:sldId id="297" r:id="rId23"/>
+    <p:sldId id="300" r:id="rId24"/>
+    <p:sldId id="306" r:id="rId25"/>
+    <p:sldId id="314" r:id="rId26"/>
+    <p:sldId id="307" r:id="rId27"/>
+    <p:sldId id="308" r:id="rId28"/>
   </p:sldIdLst>
   <p:sldSz cx="9144000" cy="6858000" type="screen4x3"/>
   <p:notesSz cx="6858000" cy="9144000"/>
@@ -337,7 +331,7 @@
           <a:p>
             <a:fld id="{AEF5C3A8-0E7C-462A-9AD6-F04AB1A9CA81}" type="datetimeFigureOut">
               <a:rPr lang="nl-BE" smtClean="0"/>
-              <a:t>19/05/2016</a:t>
+              <a:t>23/05/2016</a:t>
             </a:fld>
             <a:endParaRPr lang="nl-BE"/>
           </a:p>
@@ -1886,23 +1880,42 @@
           <a:p>
             <a:r>
               <a:rPr lang="en-US" dirty="0" smtClean="0"/>
-              <a:t>So, how to compute the time series of portfolio returns in R. Well, this is made easy by using two functions in R, namely: the function </a:t>
+              <a:t>At this point you know the ins and outs of computing a portfolio return over a single period running from a start date to an end date. </a:t>
+            </a:r>
+          </a:p>
+          <a:p>
+            <a:endParaRPr lang="en-US" dirty="0" smtClean="0"/>
+          </a:p>
+          <a:p>
+            <a:r>
+              <a:rPr lang="en-US" dirty="0" smtClean="0"/>
+              <a:t>In practice, we will need to compute the returns for many periods. In fact, the longer the history of returns, the more information we have about the underlying portfolio performance. </a:t>
+            </a:r>
+          </a:p>
+          <a:p>
+            <a:endParaRPr lang="en-US" dirty="0" smtClean="0"/>
+          </a:p>
+          <a:p>
+            <a:r>
+              <a:rPr lang="en-US" dirty="0" smtClean="0"/>
+              <a:t>***</a:t>
+            </a:r>
+          </a:p>
+          <a:p>
+            <a:endParaRPr lang="en-US" dirty="0" smtClean="0"/>
+          </a:p>
+          <a:p>
+            <a:r>
+              <a:rPr lang="en-US" dirty="0" smtClean="0"/>
+              <a:t>Real-life analysis of portfolio returns thus requires a loop over the different dates. In this video, I will show you how to do this using the R package </a:t>
             </a:r>
             <a:r>
               <a:rPr lang="en-US" dirty="0" err="1" smtClean="0"/>
-              <a:t>Return.calculate</a:t>
+              <a:t>PerformanceAnalytics</a:t>
             </a:r>
             <a:r>
               <a:rPr lang="en-US" dirty="0" smtClean="0"/>
-              <a:t> and the function </a:t>
-            </a:r>
-            <a:r>
-              <a:rPr lang="en-US" dirty="0" err="1" smtClean="0"/>
-              <a:t>Return.portfolio</a:t>
-            </a:r>
-            <a:r>
-              <a:rPr lang="en-US" dirty="0" smtClean="0"/>
-              <a:t>. </a:t>
+              <a:t>. This is the go-to package for analyzing portfolio returns in R and has been written by two quants from the city of Chicago: Peter Carl and Brian Peterson. </a:t>
             </a:r>
             <a:endParaRPr lang="nl-BE" dirty="0"/>
           </a:p>
@@ -1934,7 +1947,7 @@
     </p:spTree>
     <p:extLst>
       <p:ext uri="{BB962C8B-B14F-4D97-AF65-F5344CB8AC3E}">
-        <p14:creationId xmlns:p14="http://schemas.microsoft.com/office/powerpoint/2010/main" val="3526500991"/>
+        <p14:creationId xmlns:p14="http://schemas.microsoft.com/office/powerpoint/2010/main" val="4034491514"/>
       </p:ext>
     </p:extLst>
   </p:cSld>
@@ -1988,9 +2001,12 @@
           <a:bodyPr/>
           <a:lstStyle/>
           <a:p>
+            <a:endParaRPr lang="en-US" dirty="0" smtClean="0"/>
+          </a:p>
+          <a:p>
             <a:r>
               <a:rPr lang="en-US" dirty="0" smtClean="0"/>
-              <a:t>The main argument for the function </a:t>
+              <a:t>So, how to compute the time series of portfolio returns in R. Well, this is made easy by using two functions in R, namely: the function </a:t>
             </a:r>
             <a:r>
               <a:rPr lang="en-US" dirty="0" err="1" smtClean="0"/>
@@ -1998,81 +2014,15 @@
             </a:r>
             <a:r>
               <a:rPr lang="en-US" dirty="0" smtClean="0"/>
-              <a:t> is the time series of end-of-period prices of the different investments. This should come as an object of the </a:t>
+              <a:t> and the function </a:t>
             </a:r>
             <a:r>
               <a:rPr lang="en-US" dirty="0" err="1" smtClean="0"/>
-              <a:t>xts</a:t>
-            </a:r>
-            <a:r>
-              <a:rPr lang="en-US" dirty="0" smtClean="0"/>
-              <a:t>-time series class, meaning that the rows are ordered in time. The corresponding dates are preferably indicated as YEAR </a:t>
-            </a:r>
-            <a:r>
-              <a:rPr lang="en-US" dirty="0" err="1" smtClean="0"/>
-              <a:t>YEAR</a:t>
-            </a:r>
-            <a:r>
-              <a:rPr lang="en-US" dirty="0" smtClean="0"/>
-              <a:t> </a:t>
-            </a:r>
-            <a:r>
-              <a:rPr lang="en-US" dirty="0" err="1" smtClean="0"/>
-              <a:t>YEAR</a:t>
-            </a:r>
-            <a:r>
-              <a:rPr lang="en-US" dirty="0" smtClean="0"/>
-              <a:t> </a:t>
-            </a:r>
-            <a:r>
-              <a:rPr lang="en-US" dirty="0" err="1" smtClean="0"/>
-              <a:t>YEAR</a:t>
-            </a:r>
-            <a:r>
-              <a:rPr lang="en-US" dirty="0" smtClean="0"/>
-              <a:t> dash MONTH </a:t>
-            </a:r>
-            <a:r>
-              <a:rPr lang="en-US" dirty="0" err="1" smtClean="0"/>
-              <a:t>MONTH</a:t>
-            </a:r>
-            <a:r>
-              <a:rPr lang="en-US" dirty="0" smtClean="0"/>
-              <a:t> dash DAY </a:t>
-            </a:r>
-            <a:r>
-              <a:rPr lang="en-US" dirty="0" err="1" smtClean="0"/>
-              <a:t>DAY</a:t>
+              <a:t>Return.portfolio</a:t>
             </a:r>
             <a:r>
               <a:rPr lang="en-US" dirty="0" smtClean="0"/>
               <a:t>. </a:t>
-            </a:r>
-          </a:p>
-          <a:p>
-            <a:endParaRPr lang="en-US" dirty="0" smtClean="0"/>
-          </a:p>
-          <a:p>
-            <a:r>
-              <a:rPr lang="en-US" dirty="0" smtClean="0"/>
-              <a:t>By default, the function </a:t>
-            </a:r>
-            <a:r>
-              <a:rPr lang="en-US" dirty="0" err="1" smtClean="0"/>
-              <a:t>Return.calculate</a:t>
-            </a:r>
-            <a:r>
-              <a:rPr lang="en-US" dirty="0" smtClean="0"/>
-              <a:t> transforms the time series of prices into a time series of returns, where each observation is the percentage change in value over that period. </a:t>
-            </a:r>
-          </a:p>
-          <a:p>
-            <a:endParaRPr lang="en-US" dirty="0" smtClean="0"/>
-          </a:p>
-          <a:p>
-            <a:r>
-              <a:rPr lang="en-US" dirty="0" smtClean="0"/>
-              <a:t>Note that the first row of the obtained return data consists of NA’s. This means that for the first date the returns are not available. This is normal, since for the first date, there is no previous price available to compare with the current price. This first row can thus be removed, as shown on the slide. </a:t>
             </a:r>
             <a:endParaRPr lang="nl-BE" dirty="0"/>
           </a:p>
@@ -2104,7 +2054,7 @@
     </p:spTree>
     <p:extLst>
       <p:ext uri="{BB962C8B-B14F-4D97-AF65-F5344CB8AC3E}">
-        <p14:creationId xmlns:p14="http://schemas.microsoft.com/office/powerpoint/2010/main" val="2695595034"/>
+        <p14:creationId xmlns:p14="http://schemas.microsoft.com/office/powerpoint/2010/main" val="3526500991"/>
       </p:ext>
     </p:extLst>
   </p:cSld>
@@ -2160,7 +2110,63 @@
           <a:p>
             <a:r>
               <a:rPr lang="en-US" dirty="0" smtClean="0"/>
-              <a:t>As such we have the time series of returns on the individual investments. To compute the time series of portfolio returns, we also need to define the time series of initial portfolio weights.  There are several possibilities. The default choice is to set only the initial weights for the first date and then have the subsequent weights be automatically determined by the price dynamics. </a:t>
+              <a:t>The main argument for the function </a:t>
+            </a:r>
+            <a:r>
+              <a:rPr lang="en-US" dirty="0" err="1" smtClean="0"/>
+              <a:t>Return.calculate</a:t>
+            </a:r>
+            <a:r>
+              <a:rPr lang="en-US" dirty="0" smtClean="0"/>
+              <a:t> is the time series of end-of-period prices of the different investments. This should come as an object of the </a:t>
+            </a:r>
+            <a:r>
+              <a:rPr lang="en-US" dirty="0" err="1" smtClean="0"/>
+              <a:t>xts</a:t>
+            </a:r>
+            <a:r>
+              <a:rPr lang="en-US" dirty="0" smtClean="0"/>
+              <a:t>-time series class, meaning that the rows are ordered in time. The corresponding dates are preferably indicated as YEAR </a:t>
+            </a:r>
+            <a:r>
+              <a:rPr lang="en-US" dirty="0" err="1" smtClean="0"/>
+              <a:t>YEAR</a:t>
+            </a:r>
+            <a:r>
+              <a:rPr lang="en-US" dirty="0" smtClean="0"/>
+              <a:t> </a:t>
+            </a:r>
+            <a:r>
+              <a:rPr lang="en-US" dirty="0" err="1" smtClean="0"/>
+              <a:t>YEAR</a:t>
+            </a:r>
+            <a:r>
+              <a:rPr lang="en-US" dirty="0" smtClean="0"/>
+              <a:t> </a:t>
+            </a:r>
+            <a:r>
+              <a:rPr lang="en-US" dirty="0" err="1" smtClean="0"/>
+              <a:t>YEAR</a:t>
+            </a:r>
+            <a:r>
+              <a:rPr lang="en-US" dirty="0" smtClean="0"/>
+              <a:t> dash MONTH </a:t>
+            </a:r>
+            <a:r>
+              <a:rPr lang="en-US" dirty="0" err="1" smtClean="0"/>
+              <a:t>MONTH</a:t>
+            </a:r>
+            <a:r>
+              <a:rPr lang="en-US" dirty="0" smtClean="0"/>
+              <a:t> dash DAY </a:t>
+            </a:r>
+            <a:r>
+              <a:rPr lang="en-US" dirty="0" err="1" smtClean="0"/>
+              <a:t>DAY</a:t>
+            </a:r>
+            <a:r>
+              <a:rPr lang="en-US" dirty="0" smtClean="0"/>
+              <a:t>. </a:t>
             </a:r>
           </a:p>
           <a:p>
@@ -2169,7 +2175,24 @@
           <a:p>
             <a:r>
               <a:rPr lang="en-US" dirty="0" smtClean="0"/>
-              <a:t>The alternative is to pursue a dynamic approach to portfolio allocation, in which the action of buying and selling assets to actively change the portfolio weights is called rebalancing. </a:t>
+              <a:t>By default, the function </a:t>
+            </a:r>
+            <a:r>
+              <a:rPr lang="en-US" dirty="0" err="1" smtClean="0"/>
+              <a:t>Return.calculate</a:t>
+            </a:r>
+            <a:r>
+              <a:rPr lang="en-US" dirty="0" smtClean="0"/>
+              <a:t> transforms the time series of prices into a time series of returns, where each observation is the percentage change in value over that period. </a:t>
+            </a:r>
+          </a:p>
+          <a:p>
+            <a:endParaRPr lang="en-US" dirty="0" smtClean="0"/>
+          </a:p>
+          <a:p>
+            <a:r>
+              <a:rPr lang="en-US" dirty="0" smtClean="0"/>
+              <a:t>Note that the first row of the obtained return data consists of NA’s. This means that for the first date the returns are not available. This is normal, since for the first date, there is no previous price available to compare with the current price. This first row can thus be removed, as shown on the slide. </a:t>
             </a:r>
             <a:endParaRPr lang="nl-BE" dirty="0"/>
           </a:p>
@@ -2201,7 +2224,7 @@
     </p:spTree>
     <p:extLst>
       <p:ext uri="{BB962C8B-B14F-4D97-AF65-F5344CB8AC3E}">
-        <p14:creationId xmlns:p14="http://schemas.microsoft.com/office/powerpoint/2010/main" val="3482540254"/>
+        <p14:creationId xmlns:p14="http://schemas.microsoft.com/office/powerpoint/2010/main" val="2695595034"/>
       </p:ext>
     </p:extLst>
   </p:cSld>
@@ -2257,15 +2280,63 @@
           <a:p>
             <a:r>
               <a:rPr lang="en-US" dirty="0" smtClean="0"/>
-              <a:t>Given the returns and portfolio weights, we can then finally compute the time series of portfolio returns using the function </a:t>
+              <a:t>The main argument for the function </a:t>
             </a:r>
             <a:r>
               <a:rPr lang="en-US" dirty="0" err="1" smtClean="0"/>
-              <a:t>Return.portfolio</a:t>
+              <a:t>Return.calculate</a:t>
             </a:r>
             <a:r>
               <a:rPr lang="en-US" dirty="0" smtClean="0"/>
-              <a:t>. This is a powerful function, with at least three arguments that need to be specified: the return data argument, the weights argument and the rebalancing argument defining whether and how frequent the portfolio needs to be rebalanced. </a:t>
+              <a:t> is the time series of end-of-period prices of the different investments. This should come as an object of the </a:t>
+            </a:r>
+            <a:r>
+              <a:rPr lang="en-US" dirty="0" err="1" smtClean="0"/>
+              <a:t>xts</a:t>
+            </a:r>
+            <a:r>
+              <a:rPr lang="en-US" dirty="0" smtClean="0"/>
+              <a:t>-time series class, meaning that the rows are ordered in time. The corresponding dates are preferably indicated as YEAR </a:t>
+            </a:r>
+            <a:r>
+              <a:rPr lang="en-US" dirty="0" err="1" smtClean="0"/>
+              <a:t>YEAR</a:t>
+            </a:r>
+            <a:r>
+              <a:rPr lang="en-US" dirty="0" smtClean="0"/>
+              <a:t> </a:t>
+            </a:r>
+            <a:r>
+              <a:rPr lang="en-US" dirty="0" err="1" smtClean="0"/>
+              <a:t>YEAR</a:t>
+            </a:r>
+            <a:r>
+              <a:rPr lang="en-US" dirty="0" smtClean="0"/>
+              <a:t> </a:t>
+            </a:r>
+            <a:r>
+              <a:rPr lang="en-US" dirty="0" err="1" smtClean="0"/>
+              <a:t>YEAR</a:t>
+            </a:r>
+            <a:r>
+              <a:rPr lang="en-US" dirty="0" smtClean="0"/>
+              <a:t> dash MONTH </a:t>
+            </a:r>
+            <a:r>
+              <a:rPr lang="en-US" dirty="0" err="1" smtClean="0"/>
+              <a:t>MONTH</a:t>
+            </a:r>
+            <a:r>
+              <a:rPr lang="en-US" dirty="0" smtClean="0"/>
+              <a:t> dash DAY </a:t>
+            </a:r>
+            <a:r>
+              <a:rPr lang="en-US" dirty="0" err="1" smtClean="0"/>
+              <a:t>DAY</a:t>
+            </a:r>
+            <a:r>
+              <a:rPr lang="en-US" dirty="0" smtClean="0"/>
+              <a:t>. </a:t>
             </a:r>
           </a:p>
           <a:p>
@@ -2274,7 +2345,24 @@
           <a:p>
             <a:r>
               <a:rPr lang="en-US" dirty="0" smtClean="0"/>
-              <a:t>Without going in the details, let’s go to the exercises and learn by doing about these arguments. </a:t>
+              <a:t>By default, the function </a:t>
+            </a:r>
+            <a:r>
+              <a:rPr lang="en-US" dirty="0" err="1" smtClean="0"/>
+              <a:t>Return.calculate</a:t>
+            </a:r>
+            <a:r>
+              <a:rPr lang="en-US" dirty="0" smtClean="0"/>
+              <a:t> transforms the time series of prices into a time series of returns, where each observation is the percentage change in value over that period. </a:t>
+            </a:r>
+          </a:p>
+          <a:p>
+            <a:endParaRPr lang="en-US" dirty="0" smtClean="0"/>
+          </a:p>
+          <a:p>
+            <a:r>
+              <a:rPr lang="en-US" dirty="0" smtClean="0"/>
+              <a:t>Note that the first row of the obtained return data consists of NA’s. This means that for the first date the returns are not available. This is normal, since for the first date, there is no previous price available to compare with the current price. This first row can thus be removed, as shown on the slide. </a:t>
             </a:r>
             <a:endParaRPr lang="nl-BE" dirty="0"/>
           </a:p>
@@ -2298,6 +2386,208 @@
             <a:fld id="{C17752AF-1B59-4229-AED4-28752C3DD6C3}" type="slidenum">
               <a:rPr lang="nl-BE" smtClean="0"/>
               <a:t>25</a:t>
+            </a:fld>
+            <a:endParaRPr lang="nl-BE"/>
+          </a:p>
+        </p:txBody>
+      </p:sp>
+    </p:spTree>
+    <p:extLst>
+      <p:ext uri="{BB962C8B-B14F-4D97-AF65-F5344CB8AC3E}">
+        <p14:creationId xmlns:p14="http://schemas.microsoft.com/office/powerpoint/2010/main" val="2695595034"/>
+      </p:ext>
+    </p:extLst>
+  </p:cSld>
+  <p:clrMapOvr>
+    <a:masterClrMapping/>
+  </p:clrMapOvr>
+</p:notes>
+</file>
+
+<file path=ppt/notesSlides/notesSlide24.xml><?xml version="1.0" encoding="utf-8"?>
+<p:notes xmlns:a="http://schemas.openxmlformats.org/drawingml/2006/main" xmlns:r="http://schemas.openxmlformats.org/officeDocument/2006/relationships" xmlns:p="http://schemas.openxmlformats.org/presentationml/2006/main">
+  <p:cSld>
+    <p:spTree>
+      <p:nvGrpSpPr>
+        <p:cNvPr id="1" name=""/>
+        <p:cNvGrpSpPr/>
+        <p:nvPr/>
+      </p:nvGrpSpPr>
+      <p:grpSpPr>
+        <a:xfrm>
+          <a:off x="0" y="0"/>
+          <a:ext cx="0" cy="0"/>
+          <a:chOff x="0" y="0"/>
+          <a:chExt cx="0" cy="0"/>
+        </a:xfrm>
+      </p:grpSpPr>
+      <p:sp>
+        <p:nvSpPr>
+          <p:cNvPr id="2" name="Slide Image Placeholder 1"/>
+          <p:cNvSpPr>
+            <a:spLocks noGrp="1" noRot="1" noChangeAspect="1"/>
+          </p:cNvSpPr>
+          <p:nvPr>
+            <p:ph type="sldImg"/>
+          </p:nvPr>
+        </p:nvSpPr>
+        <p:spPr/>
+      </p:sp>
+      <p:sp>
+        <p:nvSpPr>
+          <p:cNvPr id="3" name="Notes Placeholder 2"/>
+          <p:cNvSpPr>
+            <a:spLocks noGrp="1"/>
+          </p:cNvSpPr>
+          <p:nvPr>
+            <p:ph type="body" idx="1"/>
+          </p:nvPr>
+        </p:nvSpPr>
+        <p:spPr/>
+        <p:txBody>
+          <a:bodyPr/>
+          <a:lstStyle/>
+          <a:p>
+            <a:r>
+              <a:rPr lang="en-US" dirty="0" smtClean="0"/>
+              <a:t>As such we have the time series of returns on the individual investments. To compute the time series of portfolio returns, we also need to define the time series of initial portfolio weights.  There are several possibilities. The default choice is to set only the initial weights for the first date and then have the subsequent weights be automatically determined by the price dynamics. </a:t>
+            </a:r>
+          </a:p>
+          <a:p>
+            <a:endParaRPr lang="en-US" dirty="0" smtClean="0"/>
+          </a:p>
+          <a:p>
+            <a:r>
+              <a:rPr lang="en-US" dirty="0" smtClean="0"/>
+              <a:t>The alternative is to pursue a dynamic approach to portfolio allocation, in which the action of buying and selling assets to actively change the portfolio weights is called rebalancing. </a:t>
+            </a:r>
+            <a:endParaRPr lang="nl-BE" dirty="0"/>
+          </a:p>
+        </p:txBody>
+      </p:sp>
+      <p:sp>
+        <p:nvSpPr>
+          <p:cNvPr id="4" name="Slide Number Placeholder 3"/>
+          <p:cNvSpPr>
+            <a:spLocks noGrp="1"/>
+          </p:cNvSpPr>
+          <p:nvPr>
+            <p:ph type="sldNum" sz="quarter" idx="10"/>
+          </p:nvPr>
+        </p:nvSpPr>
+        <p:spPr/>
+        <p:txBody>
+          <a:bodyPr/>
+          <a:lstStyle/>
+          <a:p>
+            <a:fld id="{C17752AF-1B59-4229-AED4-28752C3DD6C3}" type="slidenum">
+              <a:rPr lang="nl-BE" smtClean="0"/>
+              <a:t>26</a:t>
+            </a:fld>
+            <a:endParaRPr lang="nl-BE"/>
+          </a:p>
+        </p:txBody>
+      </p:sp>
+    </p:spTree>
+    <p:extLst>
+      <p:ext uri="{BB962C8B-B14F-4D97-AF65-F5344CB8AC3E}">
+        <p14:creationId xmlns:p14="http://schemas.microsoft.com/office/powerpoint/2010/main" val="3482540254"/>
+      </p:ext>
+    </p:extLst>
+  </p:cSld>
+  <p:clrMapOvr>
+    <a:masterClrMapping/>
+  </p:clrMapOvr>
+</p:notes>
+</file>
+
+<file path=ppt/notesSlides/notesSlide25.xml><?xml version="1.0" encoding="utf-8"?>
+<p:notes xmlns:a="http://schemas.openxmlformats.org/drawingml/2006/main" xmlns:r="http://schemas.openxmlformats.org/officeDocument/2006/relationships" xmlns:p="http://schemas.openxmlformats.org/presentationml/2006/main">
+  <p:cSld>
+    <p:spTree>
+      <p:nvGrpSpPr>
+        <p:cNvPr id="1" name=""/>
+        <p:cNvGrpSpPr/>
+        <p:nvPr/>
+      </p:nvGrpSpPr>
+      <p:grpSpPr>
+        <a:xfrm>
+          <a:off x="0" y="0"/>
+          <a:ext cx="0" cy="0"/>
+          <a:chOff x="0" y="0"/>
+          <a:chExt cx="0" cy="0"/>
+        </a:xfrm>
+      </p:grpSpPr>
+      <p:sp>
+        <p:nvSpPr>
+          <p:cNvPr id="2" name="Slide Image Placeholder 1"/>
+          <p:cNvSpPr>
+            <a:spLocks noGrp="1" noRot="1" noChangeAspect="1"/>
+          </p:cNvSpPr>
+          <p:nvPr>
+            <p:ph type="sldImg"/>
+          </p:nvPr>
+        </p:nvSpPr>
+        <p:spPr/>
+      </p:sp>
+      <p:sp>
+        <p:nvSpPr>
+          <p:cNvPr id="3" name="Notes Placeholder 2"/>
+          <p:cNvSpPr>
+            <a:spLocks noGrp="1"/>
+          </p:cNvSpPr>
+          <p:nvPr>
+            <p:ph type="body" idx="1"/>
+          </p:nvPr>
+        </p:nvSpPr>
+        <p:spPr/>
+        <p:txBody>
+          <a:bodyPr/>
+          <a:lstStyle/>
+          <a:p>
+            <a:r>
+              <a:rPr lang="en-US" dirty="0" smtClean="0"/>
+              <a:t>Given the returns and portfolio weights, we can then finally compute the time series of portfolio returns using the function </a:t>
+            </a:r>
+            <a:r>
+              <a:rPr lang="en-US" dirty="0" err="1" smtClean="0"/>
+              <a:t>Return.portfolio</a:t>
+            </a:r>
+            <a:r>
+              <a:rPr lang="en-US" dirty="0" smtClean="0"/>
+              <a:t>. This is a powerful function, with at least three arguments that need to be specified: the return data argument, the weights argument and the rebalancing argument defining whether and how frequent the portfolio needs to be rebalanced. </a:t>
+            </a:r>
+          </a:p>
+          <a:p>
+            <a:endParaRPr lang="en-US" dirty="0" smtClean="0"/>
+          </a:p>
+          <a:p>
+            <a:r>
+              <a:rPr lang="en-US" dirty="0" smtClean="0"/>
+              <a:t>Without going in the details, let’s go to the exercises and learn by doing about these arguments. </a:t>
+            </a:r>
+            <a:endParaRPr lang="nl-BE" dirty="0"/>
+          </a:p>
+        </p:txBody>
+      </p:sp>
+      <p:sp>
+        <p:nvSpPr>
+          <p:cNvPr id="4" name="Slide Number Placeholder 3"/>
+          <p:cNvSpPr>
+            <a:spLocks noGrp="1"/>
+          </p:cNvSpPr>
+          <p:nvPr>
+            <p:ph type="sldNum" sz="quarter" idx="10"/>
+          </p:nvPr>
+        </p:nvSpPr>
+        <p:spPr/>
+        <p:txBody>
+          <a:bodyPr/>
+          <a:lstStyle/>
+          <a:p>
+            <a:fld id="{C17752AF-1B59-4229-AED4-28752C3DD6C3}" type="slidenum">
+              <a:rPr lang="nl-BE" smtClean="0"/>
+              <a:t>27</a:t>
             </a:fld>
             <a:endParaRPr lang="nl-BE"/>
           </a:p>
@@ -3279,7 +3569,7 @@
           <a:p>
             <a:fld id="{F199DA73-FF55-4AFB-8A45-BCAA78D6E465}" type="datetimeFigureOut">
               <a:rPr lang="nl-BE" smtClean="0"/>
-              <a:t>19/05/2016</a:t>
+              <a:t>23/05/2016</a:t>
             </a:fld>
             <a:endParaRPr lang="nl-BE"/>
           </a:p>
@@ -3449,7 +3739,7 @@
           <a:p>
             <a:fld id="{F199DA73-FF55-4AFB-8A45-BCAA78D6E465}" type="datetimeFigureOut">
               <a:rPr lang="nl-BE" smtClean="0"/>
-              <a:t>19/05/2016</a:t>
+              <a:t>23/05/2016</a:t>
             </a:fld>
             <a:endParaRPr lang="nl-BE"/>
           </a:p>
@@ -3629,7 +3919,7 @@
           <a:p>
             <a:fld id="{F199DA73-FF55-4AFB-8A45-BCAA78D6E465}" type="datetimeFigureOut">
               <a:rPr lang="nl-BE" smtClean="0"/>
-              <a:t>19/05/2016</a:t>
+              <a:t>23/05/2016</a:t>
             </a:fld>
             <a:endParaRPr lang="nl-BE"/>
           </a:p>
@@ -3799,7 +4089,7 @@
           <a:p>
             <a:fld id="{F199DA73-FF55-4AFB-8A45-BCAA78D6E465}" type="datetimeFigureOut">
               <a:rPr lang="nl-BE" smtClean="0"/>
-              <a:t>19/05/2016</a:t>
+              <a:t>23/05/2016</a:t>
             </a:fld>
             <a:endParaRPr lang="nl-BE"/>
           </a:p>
@@ -4045,7 +4335,7 @@
           <a:p>
             <a:fld id="{F199DA73-FF55-4AFB-8A45-BCAA78D6E465}" type="datetimeFigureOut">
               <a:rPr lang="nl-BE" smtClean="0"/>
-              <a:t>19/05/2016</a:t>
+              <a:t>23/05/2016</a:t>
             </a:fld>
             <a:endParaRPr lang="nl-BE"/>
           </a:p>
@@ -4333,7 +4623,7 @@
           <a:p>
             <a:fld id="{F199DA73-FF55-4AFB-8A45-BCAA78D6E465}" type="datetimeFigureOut">
               <a:rPr lang="nl-BE" smtClean="0"/>
-              <a:t>19/05/2016</a:t>
+              <a:t>23/05/2016</a:t>
             </a:fld>
             <a:endParaRPr lang="nl-BE"/>
           </a:p>
@@ -4755,7 +5045,7 @@
           <a:p>
             <a:fld id="{F199DA73-FF55-4AFB-8A45-BCAA78D6E465}" type="datetimeFigureOut">
               <a:rPr lang="nl-BE" smtClean="0"/>
-              <a:t>19/05/2016</a:t>
+              <a:t>23/05/2016</a:t>
             </a:fld>
             <a:endParaRPr lang="nl-BE"/>
           </a:p>
@@ -4873,7 +5163,7 @@
           <a:p>
             <a:fld id="{F199DA73-FF55-4AFB-8A45-BCAA78D6E465}" type="datetimeFigureOut">
               <a:rPr lang="nl-BE" smtClean="0"/>
-              <a:t>19/05/2016</a:t>
+              <a:t>23/05/2016</a:t>
             </a:fld>
             <a:endParaRPr lang="nl-BE"/>
           </a:p>
@@ -4968,7 +5258,7 @@
           <a:p>
             <a:fld id="{F199DA73-FF55-4AFB-8A45-BCAA78D6E465}" type="datetimeFigureOut">
               <a:rPr lang="nl-BE" smtClean="0"/>
-              <a:t>19/05/2016</a:t>
+              <a:t>23/05/2016</a:t>
             </a:fld>
             <a:endParaRPr lang="nl-BE"/>
           </a:p>
@@ -5245,7 +5535,7 @@
           <a:p>
             <a:fld id="{F199DA73-FF55-4AFB-8A45-BCAA78D6E465}" type="datetimeFigureOut">
               <a:rPr lang="nl-BE" smtClean="0"/>
-              <a:t>19/05/2016</a:t>
+              <a:t>23/05/2016</a:t>
             </a:fld>
             <a:endParaRPr lang="nl-BE"/>
           </a:p>
@@ -5498,7 +5788,7 @@
           <a:p>
             <a:fld id="{F199DA73-FF55-4AFB-8A45-BCAA78D6E465}" type="datetimeFigureOut">
               <a:rPr lang="nl-BE" smtClean="0"/>
-              <a:t>19/05/2016</a:t>
+              <a:t>23/05/2016</a:t>
             </a:fld>
             <a:endParaRPr lang="nl-BE"/>
           </a:p>
@@ -5711,7 +6001,7 @@
           <a:p>
             <a:fld id="{F199DA73-FF55-4AFB-8A45-BCAA78D6E465}" type="datetimeFigureOut">
               <a:rPr lang="nl-BE" smtClean="0"/>
-              <a:t>19/05/2016</a:t>
+              <a:t>23/05/2016</a:t>
             </a:fld>
             <a:endParaRPr lang="nl-BE"/>
           </a:p>
@@ -7213,391 +7503,6 @@
           </a:p>
         </p:txBody>
       </p:sp>
-      <p:graphicFrame>
-        <p:nvGraphicFramePr>
-          <p:cNvPr id="6" name="Content Placeholder 7"/>
-          <p:cNvGraphicFramePr>
-            <a:graphicFrameLocks/>
-          </p:cNvGraphicFramePr>
-          <p:nvPr>
-            <p:extLst>
-              <p:ext uri="{D42A27DB-BD31-4B8C-83A1-F6EECF244321}">
-                <p14:modId xmlns:p14="http://schemas.microsoft.com/office/powerpoint/2010/main" val="1879840776"/>
-              </p:ext>
-            </p:extLst>
-          </p:nvPr>
-        </p:nvGraphicFramePr>
-        <p:xfrm>
-          <a:off x="514041" y="1905000"/>
-          <a:ext cx="6877358" cy="2819400"/>
-        </p:xfrm>
-        <a:graphic>
-          <a:graphicData uri="http://schemas.openxmlformats.org/drawingml/2006/table">
-            <a:tbl>
-              <a:tblPr firstRow="1" bandRow="1">
-                <a:tableStyleId>{5C22544A-7EE6-4342-B048-85BDC9FD1C3A}</a:tableStyleId>
-              </a:tblPr>
-              <a:tblGrid>
-                <a:gridCol w="1011376"/>
-                <a:gridCol w="1011376"/>
-                <a:gridCol w="674251"/>
-                <a:gridCol w="1146227"/>
-                <a:gridCol w="3034128"/>
-              </a:tblGrid>
-              <a:tr h="375920">
-                <a:tc>
-                  <a:txBody>
-                    <a:bodyPr/>
-                    <a:lstStyle/>
-                    <a:p>
-                      <a:r>
-                        <a:rPr lang="nl-BE" dirty="0" smtClean="0"/>
-                        <a:t>Inv 1</a:t>
-                      </a:r>
-                      <a:endParaRPr lang="nl-BE" dirty="0"/>
-                    </a:p>
-                  </a:txBody>
-                  <a:tcPr/>
-                </a:tc>
-                <a:tc>
-                  <a:txBody>
-                    <a:bodyPr/>
-                    <a:lstStyle/>
-                    <a:p>
-                      <a:r>
-                        <a:rPr lang="nl-BE" dirty="0" smtClean="0"/>
-                        <a:t>Inv 2</a:t>
-                      </a:r>
-                      <a:endParaRPr lang="nl-BE" dirty="0"/>
-                    </a:p>
-                  </a:txBody>
-                  <a:tcPr/>
-                </a:tc>
-                <a:tc>
-                  <a:txBody>
-                    <a:bodyPr/>
-                    <a:lstStyle/>
-                    <a:p>
-                      <a:r>
-                        <a:rPr lang="nl-BE" dirty="0" smtClean="0"/>
-                        <a:t>…</a:t>
-                      </a:r>
-                      <a:endParaRPr lang="nl-BE" dirty="0"/>
-                    </a:p>
-                  </a:txBody>
-                  <a:tcPr/>
-                </a:tc>
-                <a:tc>
-                  <a:txBody>
-                    <a:bodyPr/>
-                    <a:lstStyle/>
-                    <a:p>
-                      <a:r>
-                        <a:rPr lang="nl-BE" dirty="0" smtClean="0"/>
-                        <a:t>Inv N</a:t>
-                      </a:r>
-                      <a:endParaRPr lang="nl-BE" dirty="0"/>
-                    </a:p>
-                  </a:txBody>
-                  <a:tcPr/>
-                </a:tc>
-                <a:tc>
-                  <a:txBody>
-                    <a:bodyPr/>
-                    <a:lstStyle/>
-                    <a:p>
-                      <a:r>
-                        <a:rPr lang="nl-BE" dirty="0" smtClean="0"/>
-                        <a:t>Porfolio</a:t>
-                      </a:r>
-                      <a:r>
-                        <a:rPr lang="nl-BE" baseline="0" dirty="0" smtClean="0"/>
-                        <a:t> total</a:t>
-                      </a:r>
-                      <a:endParaRPr lang="nl-BE" dirty="0"/>
-                    </a:p>
-                  </a:txBody>
-                  <a:tcPr/>
-                </a:tc>
-              </a:tr>
-              <a:tr h="1221740">
-                <a:tc>
-                  <a:txBody>
-                    <a:bodyPr/>
-                    <a:lstStyle/>
-                    <a:p>
-                      <a:r>
-                        <a:rPr lang="nl-BE" dirty="0" smtClean="0"/>
-                        <a:t>In.Val.1</a:t>
-                      </a:r>
-                      <a:endParaRPr lang="nl-BE" dirty="0"/>
-                    </a:p>
-                  </a:txBody>
-                  <a:tcPr/>
-                </a:tc>
-                <a:tc>
-                  <a:txBody>
-                    <a:bodyPr/>
-                    <a:lstStyle/>
-                    <a:p>
-                      <a:r>
-                        <a:rPr lang="nl-BE" dirty="0" smtClean="0"/>
-                        <a:t>In.Val.2</a:t>
-                      </a:r>
-                      <a:endParaRPr lang="nl-BE" dirty="0"/>
-                    </a:p>
-                  </a:txBody>
-                  <a:tcPr/>
-                </a:tc>
-                <a:tc>
-                  <a:txBody>
-                    <a:bodyPr/>
-                    <a:lstStyle/>
-                    <a:p>
-                      <a:r>
-                        <a:rPr lang="nl-BE" dirty="0" smtClean="0"/>
-                        <a:t>…</a:t>
-                      </a:r>
-                      <a:endParaRPr lang="nl-BE" dirty="0"/>
-                    </a:p>
-                  </a:txBody>
-                  <a:tcPr/>
-                </a:tc>
-                <a:tc>
-                  <a:txBody>
-                    <a:bodyPr/>
-                    <a:lstStyle/>
-                    <a:p>
-                      <a:r>
-                        <a:rPr lang="nl-BE" dirty="0" smtClean="0"/>
-                        <a:t>In.Val.N</a:t>
-                      </a:r>
-                      <a:endParaRPr lang="nl-BE" dirty="0"/>
-                    </a:p>
-                  </a:txBody>
-                  <a:tcPr/>
-                </a:tc>
-                <a:tc>
-                  <a:txBody>
-                    <a:bodyPr/>
-                    <a:lstStyle/>
-                    <a:p>
-                      <a:r>
-                        <a:rPr lang="nl-BE" dirty="0" smtClean="0"/>
-                        <a:t>Initial Portfolio Value</a:t>
-                      </a:r>
-                    </a:p>
-                    <a:p>
-                      <a:pPr marL="0" marR="0" indent="0" algn="l" defTabSz="914400" rtl="0" eaLnBrk="1" fontAlgn="auto" latinLnBrk="0" hangingPunct="1">
-                        <a:lnSpc>
-                          <a:spcPct val="100000"/>
-                        </a:lnSpc>
-                        <a:spcBef>
-                          <a:spcPts val="0"/>
-                        </a:spcBef>
-                        <a:spcAft>
-                          <a:spcPts val="0"/>
-                        </a:spcAft>
-                        <a:buClrTx/>
-                        <a:buSzTx/>
-                        <a:buFontTx/>
-                        <a:buNone/>
-                        <a:tabLst/>
-                        <a:defRPr/>
-                      </a:pPr>
-                      <a:r>
-                        <a:rPr lang="nl-BE" dirty="0" smtClean="0"/>
-                        <a:t>= In.Val.1 +In.Val.2</a:t>
-                      </a:r>
-                    </a:p>
-                    <a:p>
-                      <a:pPr marL="0" marR="0" indent="0" algn="l" defTabSz="914400" rtl="0" eaLnBrk="1" fontAlgn="auto" latinLnBrk="0" hangingPunct="1">
-                        <a:lnSpc>
-                          <a:spcPct val="100000"/>
-                        </a:lnSpc>
-                        <a:spcBef>
-                          <a:spcPts val="0"/>
-                        </a:spcBef>
-                        <a:spcAft>
-                          <a:spcPts val="0"/>
-                        </a:spcAft>
-                        <a:buClrTx/>
-                        <a:buSzTx/>
-                        <a:buFontTx/>
-                        <a:buNone/>
-                        <a:tabLst/>
-                        <a:defRPr/>
-                      </a:pPr>
-                      <a:r>
-                        <a:rPr lang="nl-BE" dirty="0" smtClean="0"/>
-                        <a:t>+….+In.Val.N</a:t>
-                      </a:r>
-                    </a:p>
-                    <a:p>
-                      <a:endParaRPr lang="nl-BE" dirty="0"/>
-                    </a:p>
-                  </a:txBody>
-                  <a:tcPr/>
-                </a:tc>
-              </a:tr>
-              <a:tr h="1221740">
-                <a:tc>
-                  <a:txBody>
-                    <a:bodyPr/>
-                    <a:lstStyle/>
-                    <a:p>
-                      <a:r>
-                        <a:rPr lang="nl-BE" dirty="0" smtClean="0"/>
-                        <a:t>Fin.Val.1</a:t>
-                      </a:r>
-                      <a:endParaRPr lang="nl-BE" dirty="0"/>
-                    </a:p>
-                  </a:txBody>
-                  <a:tcPr/>
-                </a:tc>
-                <a:tc>
-                  <a:txBody>
-                    <a:bodyPr/>
-                    <a:lstStyle/>
-                    <a:p>
-                      <a:r>
-                        <a:rPr lang="nl-BE" dirty="0" smtClean="0"/>
-                        <a:t>Fin.Val.2</a:t>
-                      </a:r>
-                      <a:endParaRPr lang="nl-BE" dirty="0"/>
-                    </a:p>
-                  </a:txBody>
-                  <a:tcPr/>
-                </a:tc>
-                <a:tc>
-                  <a:txBody>
-                    <a:bodyPr/>
-                    <a:lstStyle/>
-                    <a:p>
-                      <a:r>
-                        <a:rPr lang="nl-BE" dirty="0" smtClean="0"/>
-                        <a:t>…</a:t>
-                      </a:r>
-                      <a:endParaRPr lang="nl-BE" dirty="0"/>
-                    </a:p>
-                  </a:txBody>
-                  <a:tcPr/>
-                </a:tc>
-                <a:tc>
-                  <a:txBody>
-                    <a:bodyPr/>
-                    <a:lstStyle/>
-                    <a:p>
-                      <a:r>
-                        <a:rPr lang="nl-BE" dirty="0" smtClean="0"/>
-                        <a:t>Fin.Val.N</a:t>
-                      </a:r>
-                      <a:endParaRPr lang="nl-BE" dirty="0"/>
-                    </a:p>
-                  </a:txBody>
-                  <a:tcPr/>
-                </a:tc>
-                <a:tc>
-                  <a:txBody>
-                    <a:bodyPr/>
-                    <a:lstStyle/>
-                    <a:p>
-                      <a:pPr marL="0" marR="0" indent="0" algn="l" defTabSz="914400" rtl="0" eaLnBrk="1" fontAlgn="auto" latinLnBrk="0" hangingPunct="1">
-                        <a:lnSpc>
-                          <a:spcPct val="100000"/>
-                        </a:lnSpc>
-                        <a:spcBef>
-                          <a:spcPts val="0"/>
-                        </a:spcBef>
-                        <a:spcAft>
-                          <a:spcPts val="0"/>
-                        </a:spcAft>
-                        <a:buClrTx/>
-                        <a:buSzTx/>
-                        <a:buFontTx/>
-                        <a:buNone/>
-                        <a:tabLst/>
-                        <a:defRPr/>
-                      </a:pPr>
-                      <a:r>
-                        <a:rPr lang="nl-BE" dirty="0" smtClean="0"/>
-                        <a:t>Final Portfolio value</a:t>
-                      </a:r>
-                    </a:p>
-                    <a:p>
-                      <a:pPr marL="0" marR="0" indent="0" algn="l" defTabSz="914400" rtl="0" eaLnBrk="1" fontAlgn="auto" latinLnBrk="0" hangingPunct="1">
-                        <a:lnSpc>
-                          <a:spcPct val="100000"/>
-                        </a:lnSpc>
-                        <a:spcBef>
-                          <a:spcPts val="0"/>
-                        </a:spcBef>
-                        <a:spcAft>
-                          <a:spcPts val="0"/>
-                        </a:spcAft>
-                        <a:buClrTx/>
-                        <a:buSzTx/>
-                        <a:buFontTx/>
-                        <a:buNone/>
-                        <a:tabLst/>
-                        <a:defRPr/>
-                      </a:pPr>
-                      <a:r>
-                        <a:rPr lang="nl-BE" dirty="0" smtClean="0"/>
-                        <a:t>= Fin.Val.1 +Fin.Val.2</a:t>
-                      </a:r>
-                    </a:p>
-                    <a:p>
-                      <a:pPr marL="0" marR="0" indent="0" algn="l" defTabSz="914400" rtl="0" eaLnBrk="1" fontAlgn="auto" latinLnBrk="0" hangingPunct="1">
-                        <a:lnSpc>
-                          <a:spcPct val="100000"/>
-                        </a:lnSpc>
-                        <a:spcBef>
-                          <a:spcPts val="0"/>
-                        </a:spcBef>
-                        <a:spcAft>
-                          <a:spcPts val="0"/>
-                        </a:spcAft>
-                        <a:buClrTx/>
-                        <a:buSzTx/>
-                        <a:buFontTx/>
-                        <a:buNone/>
-                        <a:tabLst/>
-                        <a:defRPr/>
-                      </a:pPr>
-                      <a:r>
-                        <a:rPr lang="nl-BE" dirty="0" smtClean="0"/>
-                        <a:t>+….+Fin.Val.N</a:t>
-                      </a:r>
-                    </a:p>
-                    <a:p>
-                      <a:pPr marL="0" marR="0" indent="0" algn="l" defTabSz="914400" rtl="0" eaLnBrk="1" fontAlgn="auto" latinLnBrk="0" hangingPunct="1">
-                        <a:lnSpc>
-                          <a:spcPct val="100000"/>
-                        </a:lnSpc>
-                        <a:spcBef>
-                          <a:spcPts val="0"/>
-                        </a:spcBef>
-                        <a:spcAft>
-                          <a:spcPts val="0"/>
-                        </a:spcAft>
-                        <a:buClrTx/>
-                        <a:buSzTx/>
-                        <a:buFontTx/>
-                        <a:buNone/>
-                        <a:tabLst/>
-                        <a:defRPr/>
-                      </a:pPr>
-                      <a:endParaRPr lang="nl-BE" dirty="0" smtClean="0"/>
-                    </a:p>
-                  </a:txBody>
-                  <a:tcPr/>
-                </a:tc>
-              </a:tr>
-            </a:tbl>
-          </a:graphicData>
-        </a:graphic>
-      </p:graphicFrame>
       <mc:AlternateContent xmlns:mc="http://schemas.openxmlformats.org/markup-compatibility/2006" xmlns:a14="http://schemas.microsoft.com/office/drawing/2010/main">
         <mc:Choice Requires="a14">
           <p:sp>
@@ -7608,8 +7513,8 @@
             </p:nvSpPr>
             <p:spPr>
               <a:xfrm>
-                <a:off x="685800" y="5257800"/>
-                <a:ext cx="7198444" cy="665567"/>
+                <a:off x="878756" y="5943600"/>
+                <a:ext cx="6557051" cy="667490"/>
               </a:xfrm>
               <a:prstGeom prst="rect">
                 <a:avLst/>
@@ -7666,99 +7571,63 @@
                             <a:rPr lang="nl-BE" b="0" i="1" smtClean="0">
                               <a:latin typeface="Cambria Math"/>
                             </a:rPr>
-                            <m:t>𝑓𝑖𝑛𝑎𝑙</m:t>
+                            <m:t>𝐹𝑖𝑛𝑉𝑎𝑙𝑢𝑒</m:t>
                           </m:r>
                           <m:r>
                             <a:rPr lang="nl-BE" b="0" i="1" smtClean="0">
                               <a:latin typeface="Cambria Math"/>
                             </a:rPr>
-                            <m:t> </m:t>
+                            <m:t>.</m:t>
                           </m:r>
                           <m:r>
                             <a:rPr lang="nl-BE" b="0" i="1" smtClean="0">
                               <a:latin typeface="Cambria Math"/>
                             </a:rPr>
-                            <m:t>𝑝𝑜𝑟𝑡𝑓𝑜𝑙𝑖𝑜</m:t>
+                            <m:t>𝑃𝑜𝑟𝑡𝑓𝑜𝑙𝑖𝑜</m:t>
                           </m:r>
                           <m:r>
                             <a:rPr lang="nl-BE" b="0" i="1" smtClean="0">
                               <a:latin typeface="Cambria Math"/>
                             </a:rPr>
-                            <m:t> </m:t>
+                            <m:t>−</m:t>
                           </m:r>
                           <m:r>
                             <a:rPr lang="nl-BE" b="0" i="1" smtClean="0">
                               <a:latin typeface="Cambria Math"/>
                             </a:rPr>
-                            <m:t>𝑣𝑎𝑙𝑢𝑒</m:t>
+                            <m:t>𝐼𝑛𝑉𝑎𝑙𝑢𝑒</m:t>
                           </m:r>
                           <m:r>
                             <a:rPr lang="nl-BE" b="0" i="1" smtClean="0">
                               <a:latin typeface="Cambria Math"/>
                             </a:rPr>
-                            <m:t> −</m:t>
+                            <m:t>.</m:t>
                           </m:r>
                           <m:r>
                             <a:rPr lang="nl-BE" b="0" i="1" smtClean="0">
                               <a:latin typeface="Cambria Math"/>
                             </a:rPr>
-                            <m:t>𝑖𝑛𝑖𝑡𝑖𝑎𝑙</m:t>
-                          </m:r>
-                          <m:r>
-                            <a:rPr lang="nl-BE" b="0" i="1" smtClean="0">
-                              <a:latin typeface="Cambria Math"/>
-                            </a:rPr>
-                            <m:t> </m:t>
-                          </m:r>
-                          <m:r>
-                            <a:rPr lang="nl-BE" b="0" i="1" smtClean="0">
-                              <a:latin typeface="Cambria Math"/>
-                            </a:rPr>
-                            <m:t>𝑝𝑜𝑟𝑡𝑓𝑜𝑙𝑖𝑜</m:t>
-                          </m:r>
-                          <m:r>
-                            <a:rPr lang="nl-BE" b="0" i="1" smtClean="0">
-                              <a:latin typeface="Cambria Math"/>
-                            </a:rPr>
-                            <m:t> </m:t>
-                          </m:r>
-                          <m:r>
-                            <a:rPr lang="nl-BE" b="0" i="1" smtClean="0">
-                              <a:latin typeface="Cambria Math"/>
-                            </a:rPr>
-                            <m:t>𝑣𝑎𝑙𝑢𝑒</m:t>
+                            <m:t>𝑃𝑜𝑟𝑡𝑓𝑜𝑙𝑖𝑜</m:t>
                           </m:r>
                         </m:num>
                         <m:den>
                           <m:r>
-                            <a:rPr lang="nl-BE" b="0" i="1" smtClean="0">
+                            <a:rPr lang="nl-BE" i="1">
                               <a:latin typeface="Cambria Math"/>
                             </a:rPr>
-                            <m:t>𝑖𝑛𝑖𝑡𝑖𝑎𝑙</m:t>
+                            <m:t>𝐼𝑛𝑉𝑎𝑙𝑢𝑒</m:t>
                           </m:r>
                           <m:r>
-                            <a:rPr lang="nl-BE" b="0" i="1" smtClean="0">
+                            <a:rPr lang="nl-BE" i="1">
                               <a:latin typeface="Cambria Math"/>
                             </a:rPr>
-                            <m:t> </m:t>
+                            <m:t>.</m:t>
                           </m:r>
                           <m:r>
-                            <a:rPr lang="nl-BE" b="0" i="1" smtClean="0">
+                            <a:rPr lang="nl-BE" i="1">
                               <a:latin typeface="Cambria Math"/>
                             </a:rPr>
-                            <m:t>𝑝𝑜𝑟𝑡𝑓𝑜𝑙𝑖𝑜</m:t>
-                          </m:r>
-                          <m:r>
-                            <a:rPr lang="nl-BE" b="0" i="1" smtClean="0">
-                              <a:latin typeface="Cambria Math"/>
-                            </a:rPr>
-                            <m:t> </m:t>
-                          </m:r>
-                          <m:r>
-                            <a:rPr lang="nl-BE" b="0" i="1" smtClean="0">
-                              <a:latin typeface="Cambria Math"/>
-                            </a:rPr>
-                            <m:t>𝑣𝑎𝑙𝑢𝑒</m:t>
+                            <m:t>𝑃𝑜𝑟𝑡𝑓𝑜𝑙𝑖𝑜</m:t>
                           </m:r>
                         </m:den>
                       </m:f>
@@ -7781,8 +7650,8 @@
             </p:nvSpPr>
             <p:spPr>
               <a:xfrm>
-                <a:off x="685800" y="5257800"/>
-                <a:ext cx="7198444" cy="665567"/>
+                <a:off x="878756" y="5943600"/>
+                <a:ext cx="6557051" cy="667490"/>
               </a:xfrm>
               <a:prstGeom prst="rect">
                 <a:avLst/>
@@ -7809,6 +7678,382 @@
           </p:sp>
         </mc:Fallback>
       </mc:AlternateContent>
+      <p:graphicFrame>
+        <p:nvGraphicFramePr>
+          <p:cNvPr id="5" name="Content Placeholder 7"/>
+          <p:cNvGraphicFramePr>
+            <a:graphicFrameLocks/>
+          </p:cNvGraphicFramePr>
+          <p:nvPr>
+            <p:extLst>
+              <p:ext uri="{D42A27DB-BD31-4B8C-83A1-F6EECF244321}">
+                <p14:modId xmlns:p14="http://schemas.microsoft.com/office/powerpoint/2010/main" val="3947995438"/>
+              </p:ext>
+            </p:extLst>
+          </p:nvPr>
+        </p:nvGraphicFramePr>
+        <p:xfrm>
+          <a:off x="685800" y="304800"/>
+          <a:ext cx="7620000" cy="1784028"/>
+        </p:xfrm>
+        <a:graphic>
+          <a:graphicData uri="http://schemas.openxmlformats.org/drawingml/2006/table">
+            <a:tbl>
+              <a:tblPr firstRow="1" bandRow="1">
+                <a:tableStyleId>{5C22544A-7EE6-4342-B048-85BDC9FD1C3A}</a:tableStyleId>
+              </a:tblPr>
+              <a:tblGrid>
+                <a:gridCol w="3581400"/>
+                <a:gridCol w="533400"/>
+                <a:gridCol w="3505200"/>
+              </a:tblGrid>
+              <a:tr h="334331">
+                <a:tc>
+                  <a:txBody>
+                    <a:bodyPr/>
+                    <a:lstStyle/>
+                    <a:p>
+                      <a:r>
+                        <a:rPr lang="nl-BE" dirty="0" smtClean="0"/>
+                        <a:t>Asset 1</a:t>
+                      </a:r>
+                      <a:endParaRPr lang="nl-BE" dirty="0"/>
+                    </a:p>
+                  </a:txBody>
+                  <a:tcPr/>
+                </a:tc>
+                <a:tc>
+                  <a:txBody>
+                    <a:bodyPr/>
+                    <a:lstStyle/>
+                    <a:p>
+                      <a:r>
+                        <a:rPr lang="nl-BE" dirty="0" smtClean="0"/>
+                        <a:t>…</a:t>
+                      </a:r>
+                      <a:endParaRPr lang="nl-BE" dirty="0"/>
+                    </a:p>
+                  </a:txBody>
+                  <a:tcPr/>
+                </a:tc>
+                <a:tc>
+                  <a:txBody>
+                    <a:bodyPr/>
+                    <a:lstStyle/>
+                    <a:p>
+                      <a:r>
+                        <a:rPr lang="nl-BE" dirty="0" smtClean="0"/>
+                        <a:t>Asset N</a:t>
+                      </a:r>
+                      <a:endParaRPr lang="nl-BE" dirty="0"/>
+                    </a:p>
+                  </a:txBody>
+                  <a:tcPr/>
+                </a:tc>
+              </a:tr>
+              <a:tr h="709134">
+                <a:tc>
+                  <a:txBody>
+                    <a:bodyPr/>
+                    <a:lstStyle/>
+                    <a:p>
+                      <a:pPr algn="ctr"/>
+                      <a:r>
+                        <a:rPr lang="nl-BE" dirty="0" smtClean="0"/>
+                        <a:t>InValue.Asset</a:t>
+                      </a:r>
+                      <a:r>
+                        <a:rPr lang="nl-BE" baseline="-25000" dirty="0" smtClean="0"/>
+                        <a:t>1</a:t>
+                      </a:r>
+                      <a:endParaRPr lang="nl-BE" baseline="-25000" dirty="0"/>
+                    </a:p>
+                  </a:txBody>
+                  <a:tcPr/>
+                </a:tc>
+                <a:tc>
+                  <a:txBody>
+                    <a:bodyPr/>
+                    <a:lstStyle/>
+                    <a:p>
+                      <a:pPr algn="ctr"/>
+                      <a:r>
+                        <a:rPr lang="nl-BE" dirty="0" smtClean="0"/>
+                        <a:t>…</a:t>
+                      </a:r>
+                      <a:endParaRPr lang="nl-BE" dirty="0"/>
+                    </a:p>
+                  </a:txBody>
+                  <a:tcPr/>
+                </a:tc>
+                <a:tc>
+                  <a:txBody>
+                    <a:bodyPr/>
+                    <a:lstStyle/>
+                    <a:p>
+                      <a:pPr algn="ctr"/>
+                      <a:r>
+                        <a:rPr lang="nl-BE" dirty="0" smtClean="0"/>
+                        <a:t>InValue.Asset</a:t>
+                      </a:r>
+                      <a:r>
+                        <a:rPr lang="nl-BE" baseline="-25000" dirty="0" smtClean="0"/>
+                        <a:t>N</a:t>
+                      </a:r>
+                      <a:endParaRPr lang="nl-BE" baseline="-25000" dirty="0"/>
+                    </a:p>
+                  </a:txBody>
+                  <a:tcPr/>
+                </a:tc>
+              </a:tr>
+              <a:tr h="709134">
+                <a:tc>
+                  <a:txBody>
+                    <a:bodyPr/>
+                    <a:lstStyle/>
+                    <a:p>
+                      <a:pPr algn="ctr"/>
+                      <a:r>
+                        <a:rPr lang="nl-BE" smtClean="0"/>
+                        <a:t>FinValue.Asset</a:t>
+                      </a:r>
+                      <a:r>
+                        <a:rPr lang="nl-BE" baseline="-25000" smtClean="0"/>
+                        <a:t>1</a:t>
+                      </a:r>
+                      <a:endParaRPr lang="nl-BE" baseline="-25000" dirty="0"/>
+                    </a:p>
+                  </a:txBody>
+                  <a:tcPr/>
+                </a:tc>
+                <a:tc>
+                  <a:txBody>
+                    <a:bodyPr/>
+                    <a:lstStyle/>
+                    <a:p>
+                      <a:pPr algn="ctr"/>
+                      <a:r>
+                        <a:rPr lang="nl-BE" dirty="0" smtClean="0"/>
+                        <a:t>…</a:t>
+                      </a:r>
+                      <a:endParaRPr lang="nl-BE" dirty="0"/>
+                    </a:p>
+                  </a:txBody>
+                  <a:tcPr/>
+                </a:tc>
+                <a:tc>
+                  <a:txBody>
+                    <a:bodyPr/>
+                    <a:lstStyle/>
+                    <a:p>
+                      <a:pPr algn="ctr"/>
+                      <a:r>
+                        <a:rPr lang="nl-BE" dirty="0" smtClean="0"/>
+                        <a:t>FinValue.Asset</a:t>
+                      </a:r>
+                      <a:r>
+                        <a:rPr lang="nl-BE" baseline="-25000" dirty="0" smtClean="0"/>
+                        <a:t>N</a:t>
+                      </a:r>
+                      <a:endParaRPr lang="nl-BE" baseline="-25000" dirty="0"/>
+                    </a:p>
+                  </a:txBody>
+                  <a:tcPr/>
+                </a:tc>
+              </a:tr>
+            </a:tbl>
+          </a:graphicData>
+        </a:graphic>
+      </p:graphicFrame>
+      <p:sp>
+        <p:nvSpPr>
+          <p:cNvPr id="10" name="Down Arrow 9"/>
+          <p:cNvSpPr/>
+          <p:nvPr/>
+        </p:nvSpPr>
+        <p:spPr>
+          <a:xfrm>
+            <a:off x="4343400" y="2286000"/>
+            <a:ext cx="381000" cy="304800"/>
+          </a:xfrm>
+          <a:prstGeom prst="downArrow">
+            <a:avLst/>
+          </a:prstGeom>
+        </p:spPr>
+        <p:style>
+          <a:lnRef idx="2">
+            <a:schemeClr val="accent1">
+              <a:shade val="50000"/>
+            </a:schemeClr>
+          </a:lnRef>
+          <a:fillRef idx="1">
+            <a:schemeClr val="accent1"/>
+          </a:fillRef>
+          <a:effectRef idx="0">
+            <a:schemeClr val="accent1"/>
+          </a:effectRef>
+          <a:fontRef idx="minor">
+            <a:schemeClr val="lt1"/>
+          </a:fontRef>
+        </p:style>
+        <p:txBody>
+          <a:bodyPr rtlCol="0" anchor="ctr"/>
+          <a:lstStyle/>
+          <a:p>
+            <a:pPr algn="ctr"/>
+            <a:endParaRPr lang="nl-BE"/>
+          </a:p>
+        </p:txBody>
+      </p:sp>
+      <p:sp>
+        <p:nvSpPr>
+          <p:cNvPr id="11" name="Down Arrow 10"/>
+          <p:cNvSpPr/>
+          <p:nvPr/>
+        </p:nvSpPr>
+        <p:spPr>
+          <a:xfrm>
+            <a:off x="4343400" y="5410200"/>
+            <a:ext cx="381000" cy="304800"/>
+          </a:xfrm>
+          <a:prstGeom prst="downArrow">
+            <a:avLst/>
+          </a:prstGeom>
+        </p:spPr>
+        <p:style>
+          <a:lnRef idx="2">
+            <a:schemeClr val="accent1">
+              <a:shade val="50000"/>
+            </a:schemeClr>
+          </a:lnRef>
+          <a:fillRef idx="1">
+            <a:schemeClr val="accent1"/>
+          </a:fillRef>
+          <a:effectRef idx="0">
+            <a:schemeClr val="accent1"/>
+          </a:effectRef>
+          <a:fontRef idx="minor">
+            <a:schemeClr val="lt1"/>
+          </a:fontRef>
+        </p:style>
+        <p:txBody>
+          <a:bodyPr rtlCol="0" anchor="ctr"/>
+          <a:lstStyle/>
+          <a:p>
+            <a:pPr algn="ctr"/>
+            <a:endParaRPr lang="nl-BE"/>
+          </a:p>
+        </p:txBody>
+      </p:sp>
+      <p:graphicFrame>
+        <p:nvGraphicFramePr>
+          <p:cNvPr id="12" name="Content Placeholder 7"/>
+          <p:cNvGraphicFramePr>
+            <a:graphicFrameLocks/>
+          </p:cNvGraphicFramePr>
+          <p:nvPr>
+            <p:extLst>
+              <p:ext uri="{D42A27DB-BD31-4B8C-83A1-F6EECF244321}">
+                <p14:modId xmlns:p14="http://schemas.microsoft.com/office/powerpoint/2010/main" val="3953945169"/>
+              </p:ext>
+            </p:extLst>
+          </p:nvPr>
+        </p:nvGraphicFramePr>
+        <p:xfrm>
+          <a:off x="878756" y="2971800"/>
+          <a:ext cx="7503244" cy="1784028"/>
+        </p:xfrm>
+        <a:graphic>
+          <a:graphicData uri="http://schemas.openxmlformats.org/drawingml/2006/table">
+            <a:tbl>
+              <a:tblPr firstRow="1" bandRow="1">
+                <a:tableStyleId>{5C22544A-7EE6-4342-B048-85BDC9FD1C3A}</a:tableStyleId>
+              </a:tblPr>
+              <a:tblGrid>
+                <a:gridCol w="7503244"/>
+              </a:tblGrid>
+              <a:tr h="334331">
+                <a:tc>
+                  <a:txBody>
+                    <a:bodyPr/>
+                    <a:lstStyle/>
+                    <a:p>
+                      <a:endParaRPr lang="nl-BE" dirty="0"/>
+                    </a:p>
+                  </a:txBody>
+                  <a:tcPr/>
+                </a:tc>
+              </a:tr>
+              <a:tr h="709134">
+                <a:tc>
+                  <a:txBody>
+                    <a:bodyPr/>
+                    <a:lstStyle/>
+                    <a:p>
+                      <a:pPr algn="ctr"/>
+                      <a:r>
+                        <a:rPr lang="nl-BE" dirty="0" smtClean="0"/>
+                        <a:t>InValue.Portfolio = InValue.Asset</a:t>
+                      </a:r>
+                      <a:r>
+                        <a:rPr lang="nl-BE" baseline="-25000" dirty="0" smtClean="0"/>
+                        <a:t>1 </a:t>
+                      </a:r>
+                      <a:r>
+                        <a:rPr lang="nl-BE" baseline="0" dirty="0" smtClean="0"/>
+                        <a:t>+ … + </a:t>
+                      </a:r>
+                      <a:r>
+                        <a:rPr lang="nl-BE" dirty="0" smtClean="0"/>
+                        <a:t>InValue.Asset</a:t>
+                      </a:r>
+                      <a:r>
+                        <a:rPr lang="nl-BE" baseline="-25000" dirty="0" smtClean="0"/>
+                        <a:t>N</a:t>
+                      </a:r>
+                      <a:endParaRPr lang="nl-BE" baseline="-25000" dirty="0"/>
+                    </a:p>
+                  </a:txBody>
+                  <a:tcPr/>
+                </a:tc>
+              </a:tr>
+              <a:tr h="709134">
+                <a:tc>
+                  <a:txBody>
+                    <a:bodyPr/>
+                    <a:lstStyle/>
+                    <a:p>
+                      <a:pPr algn="ctr"/>
+                      <a:r>
+                        <a:rPr lang="nl-BE" dirty="0" smtClean="0"/>
+                        <a:t>FinValue.Portfolio = FinValue.Asset</a:t>
+                      </a:r>
+                      <a:r>
+                        <a:rPr lang="nl-BE" baseline="-25000" dirty="0" smtClean="0"/>
+                        <a:t>1 </a:t>
+                      </a:r>
+                      <a:r>
+                        <a:rPr lang="nl-BE" baseline="0" dirty="0" smtClean="0"/>
+                        <a:t>+ … + Fi</a:t>
+                      </a:r>
+                      <a:r>
+                        <a:rPr lang="nl-BE" dirty="0" smtClean="0"/>
+                        <a:t>nValue.Asset</a:t>
+                      </a:r>
+                      <a:r>
+                        <a:rPr lang="nl-BE" baseline="-25000" dirty="0" smtClean="0"/>
+                        <a:t>N</a:t>
+                      </a:r>
+                      <a:endParaRPr lang="nl-BE" baseline="-25000" dirty="0"/>
+                    </a:p>
+                  </a:txBody>
+                  <a:tcPr/>
+                </a:tc>
+              </a:tr>
+            </a:tbl>
+          </a:graphicData>
+        </a:graphic>
+      </p:graphicFrame>
     </p:spTree>
     <p:extLst>
       <p:ext uri="{BB962C8B-B14F-4D97-AF65-F5344CB8AC3E}">
@@ -7841,7 +8086,7 @@
       </p:grpSpPr>
       <p:sp>
         <p:nvSpPr>
-          <p:cNvPr id="2" name="Title 1"/>
+          <p:cNvPr id="6" name="Title 1"/>
           <p:cNvSpPr>
             <a:spLocks noGrp="1"/>
           </p:cNvSpPr>
@@ -7849,7 +8094,12 @@
             <p:ph type="title"/>
           </p:nvPr>
         </p:nvSpPr>
-        <p:spPr/>
+        <p:spPr>
+          <a:xfrm>
+            <a:off x="457200" y="274638"/>
+            <a:ext cx="8229600" cy="1143000"/>
+          </a:xfrm>
+        </p:spPr>
         <p:txBody>
           <a:bodyPr/>
           <a:lstStyle/>
@@ -7858,264 +8108,18 @@
           </a:p>
         </p:txBody>
       </p:sp>
-      <p:graphicFrame>
-        <p:nvGraphicFramePr>
-          <p:cNvPr id="4" name="Content Placeholder 7"/>
-          <p:cNvGraphicFramePr>
-            <a:graphicFrameLocks/>
-          </p:cNvGraphicFramePr>
-          <p:nvPr>
-            <p:extLst>
-              <p:ext uri="{D42A27DB-BD31-4B8C-83A1-F6EECF244321}">
-                <p14:modId xmlns:p14="http://schemas.microsoft.com/office/powerpoint/2010/main" val="1046357052"/>
-              </p:ext>
-            </p:extLst>
-          </p:nvPr>
-        </p:nvGraphicFramePr>
-        <p:xfrm>
-          <a:off x="1524000" y="1981200"/>
-          <a:ext cx="5056879" cy="2819400"/>
-        </p:xfrm>
-        <a:graphic>
-          <a:graphicData uri="http://schemas.openxmlformats.org/drawingml/2006/table">
-            <a:tbl>
-              <a:tblPr firstRow="1" bandRow="1">
-                <a:tableStyleId>{5C22544A-7EE6-4342-B048-85BDC9FD1C3A}</a:tableStyleId>
-              </a:tblPr>
-              <a:tblGrid>
-                <a:gridCol w="842813"/>
-                <a:gridCol w="842813"/>
-                <a:gridCol w="842813"/>
-                <a:gridCol w="2528440"/>
-              </a:tblGrid>
-              <a:tr h="375920">
-                <a:tc>
-                  <a:txBody>
-                    <a:bodyPr/>
-                    <a:lstStyle/>
-                    <a:p>
-                      <a:endParaRPr lang="nl-BE" dirty="0"/>
-                    </a:p>
-                  </a:txBody>
-                  <a:tcPr/>
-                </a:tc>
-                <a:tc>
-                  <a:txBody>
-                    <a:bodyPr/>
-                    <a:lstStyle/>
-                    <a:p>
-                      <a:r>
-                        <a:rPr lang="nl-BE" dirty="0" smtClean="0"/>
-                        <a:t>Inv 1</a:t>
-                      </a:r>
-                      <a:endParaRPr lang="nl-BE" dirty="0"/>
-                    </a:p>
-                  </a:txBody>
-                  <a:tcPr/>
-                </a:tc>
-                <a:tc>
-                  <a:txBody>
-                    <a:bodyPr/>
-                    <a:lstStyle/>
-                    <a:p>
-                      <a:r>
-                        <a:rPr lang="nl-BE" dirty="0" smtClean="0"/>
-                        <a:t>Inv 2</a:t>
-                      </a:r>
-                      <a:endParaRPr lang="nl-BE" dirty="0"/>
-                    </a:p>
-                  </a:txBody>
-                  <a:tcPr/>
-                </a:tc>
-                <a:tc>
-                  <a:txBody>
-                    <a:bodyPr/>
-                    <a:lstStyle/>
-                    <a:p>
-                      <a:r>
-                        <a:rPr lang="nl-BE" dirty="0" smtClean="0"/>
-                        <a:t>Porfolio</a:t>
-                      </a:r>
-                      <a:r>
-                        <a:rPr lang="nl-BE" baseline="0" dirty="0" smtClean="0"/>
-                        <a:t> total</a:t>
-                      </a:r>
-                      <a:endParaRPr lang="nl-BE" dirty="0"/>
-                    </a:p>
-                  </a:txBody>
-                  <a:tcPr/>
-                </a:tc>
-              </a:tr>
-              <a:tr h="1221740">
-                <a:tc>
-                  <a:txBody>
-                    <a:bodyPr/>
-                    <a:lstStyle/>
-                    <a:p>
-                      <a:r>
-                        <a:rPr lang="nl-BE" dirty="0" smtClean="0"/>
-                        <a:t>Initial</a:t>
-                      </a:r>
-                      <a:endParaRPr lang="nl-BE" dirty="0"/>
-                    </a:p>
-                  </a:txBody>
-                  <a:tcPr/>
-                </a:tc>
-                <a:tc>
-                  <a:txBody>
-                    <a:bodyPr/>
-                    <a:lstStyle/>
-                    <a:p>
-                      <a:r>
-                        <a:rPr lang="nl-BE" dirty="0" smtClean="0"/>
-                        <a:t>$200</a:t>
-                      </a:r>
-                      <a:endParaRPr lang="nl-BE" dirty="0"/>
-                    </a:p>
-                  </a:txBody>
-                  <a:tcPr/>
-                </a:tc>
-                <a:tc>
-                  <a:txBody>
-                    <a:bodyPr/>
-                    <a:lstStyle/>
-                    <a:p>
-                      <a:r>
-                        <a:rPr lang="nl-BE" dirty="0" smtClean="0"/>
-                        <a:t>$300</a:t>
-                      </a:r>
-                      <a:endParaRPr lang="nl-BE" dirty="0"/>
-                    </a:p>
-                  </a:txBody>
-                  <a:tcPr/>
-                </a:tc>
-                <a:tc>
-                  <a:txBody>
-                    <a:bodyPr/>
-                    <a:lstStyle/>
-                    <a:p>
-                      <a:r>
-                        <a:rPr lang="nl-BE" dirty="0" smtClean="0"/>
-                        <a:t>$500</a:t>
-                      </a:r>
-                    </a:p>
-                    <a:p>
-                      <a:endParaRPr lang="nl-BE" dirty="0"/>
-                    </a:p>
-                  </a:txBody>
-                  <a:tcPr/>
-                </a:tc>
-              </a:tr>
-              <a:tr h="1221740">
-                <a:tc>
-                  <a:txBody>
-                    <a:bodyPr/>
-                    <a:lstStyle/>
-                    <a:p>
-                      <a:r>
-                        <a:rPr lang="nl-BE" dirty="0" smtClean="0"/>
-                        <a:t>Final</a:t>
-                      </a:r>
-                      <a:endParaRPr lang="nl-BE" dirty="0"/>
-                    </a:p>
-                  </a:txBody>
-                  <a:tcPr/>
-                </a:tc>
-                <a:tc>
-                  <a:txBody>
-                    <a:bodyPr/>
-                    <a:lstStyle/>
-                    <a:p>
-                      <a:r>
-                        <a:rPr lang="nl-BE" dirty="0" smtClean="0"/>
-                        <a:t>$180</a:t>
-                      </a:r>
-                      <a:endParaRPr lang="nl-BE" dirty="0"/>
-                    </a:p>
-                  </a:txBody>
-                  <a:tcPr/>
-                </a:tc>
-                <a:tc>
-                  <a:txBody>
-                    <a:bodyPr/>
-                    <a:lstStyle/>
-                    <a:p>
-                      <a:r>
-                        <a:rPr lang="nl-BE" dirty="0" smtClean="0"/>
-                        <a:t>$330</a:t>
-                      </a:r>
-                      <a:endParaRPr lang="nl-BE" dirty="0"/>
-                    </a:p>
-                  </a:txBody>
-                  <a:tcPr/>
-                </a:tc>
-                <a:tc>
-                  <a:txBody>
-                    <a:bodyPr/>
-                    <a:lstStyle/>
-                    <a:p>
-                      <a:pPr marL="0" marR="0" indent="0" algn="l" defTabSz="914400" rtl="0" eaLnBrk="1" fontAlgn="auto" latinLnBrk="0" hangingPunct="1">
-                        <a:lnSpc>
-                          <a:spcPct val="100000"/>
-                        </a:lnSpc>
-                        <a:spcBef>
-                          <a:spcPts val="0"/>
-                        </a:spcBef>
-                        <a:spcAft>
-                          <a:spcPts val="0"/>
-                        </a:spcAft>
-                        <a:buClrTx/>
-                        <a:buSzTx/>
-                        <a:buFontTx/>
-                        <a:buNone/>
-                        <a:tabLst/>
-                        <a:defRPr/>
-                      </a:pPr>
-                      <a:r>
-                        <a:rPr lang="nl-BE" dirty="0" smtClean="0"/>
-                        <a:t>$510</a:t>
-                      </a:r>
-                    </a:p>
-                    <a:p>
-                      <a:pPr marL="0" marR="0" indent="0" algn="l" defTabSz="914400" rtl="0" eaLnBrk="1" fontAlgn="auto" latinLnBrk="0" hangingPunct="1">
-                        <a:lnSpc>
-                          <a:spcPct val="100000"/>
-                        </a:lnSpc>
-                        <a:spcBef>
-                          <a:spcPts val="0"/>
-                        </a:spcBef>
-                        <a:spcAft>
-                          <a:spcPts val="0"/>
-                        </a:spcAft>
-                        <a:buClrTx/>
-                        <a:buSzTx/>
-                        <a:buFontTx/>
-                        <a:buNone/>
-                        <a:tabLst/>
-                        <a:defRPr/>
-                      </a:pPr>
-                      <a:endParaRPr lang="nl-BE" dirty="0" smtClean="0"/>
-                    </a:p>
-                  </a:txBody>
-                  <a:tcPr/>
-                </a:tc>
-              </a:tr>
-            </a:tbl>
-          </a:graphicData>
-        </a:graphic>
-      </p:graphicFrame>
       <mc:AlternateContent xmlns:mc="http://schemas.openxmlformats.org/markup-compatibility/2006" xmlns:a14="http://schemas.microsoft.com/office/drawing/2010/main">
         <mc:Choice Requires="a14">
           <p:sp>
             <p:nvSpPr>
-              <p:cNvPr id="5" name="TextBox 4"/>
+              <p:cNvPr id="7" name="TextBox 6"/>
               <p:cNvSpPr txBox="1"/>
               <p:nvPr/>
             </p:nvSpPr>
             <p:spPr>
               <a:xfrm>
-                <a:off x="1524000" y="5257800"/>
-                <a:ext cx="3417346" cy="489686"/>
+                <a:off x="878756" y="5943600"/>
+                <a:ext cx="6961521" cy="526554"/>
               </a:xfrm>
               <a:prstGeom prst="rect">
                 <a:avLst/>
@@ -8167,7 +8171,100 @@
                           <a:rPr lang="nl-BE" b="0" i="1" smtClean="0">
                             <a:latin typeface="Cambria Math"/>
                           </a:rPr>
-                          <m:t>510−500</m:t>
+                          <m:t>𝐹𝑖𝑛𝑉𝑎𝑙𝑢𝑒</m:t>
+                        </m:r>
+                        <m:r>
+                          <a:rPr lang="nl-BE" b="0" i="1" smtClean="0">
+                            <a:latin typeface="Cambria Math"/>
+                          </a:rPr>
+                          <m:t>.</m:t>
+                        </m:r>
+                        <m:r>
+                          <a:rPr lang="nl-BE" b="0" i="1" smtClean="0">
+                            <a:latin typeface="Cambria Math"/>
+                          </a:rPr>
+                          <m:t>𝑃𝑜𝑟𝑡𝑓𝑜𝑙𝑖𝑜</m:t>
+                        </m:r>
+                        <m:r>
+                          <a:rPr lang="nl-BE" b="0" i="1" smtClean="0">
+                            <a:latin typeface="Cambria Math"/>
+                          </a:rPr>
+                          <m:t>−</m:t>
+                        </m:r>
+                        <m:r>
+                          <a:rPr lang="nl-BE" b="0" i="1" smtClean="0">
+                            <a:latin typeface="Cambria Math"/>
+                          </a:rPr>
+                          <m:t>𝐼𝑛𝑉𝑎𝑙𝑢𝑒</m:t>
+                        </m:r>
+                        <m:r>
+                          <a:rPr lang="nl-BE" b="0" i="1" smtClean="0">
+                            <a:latin typeface="Cambria Math"/>
+                          </a:rPr>
+                          <m:t>.</m:t>
+                        </m:r>
+                        <m:r>
+                          <a:rPr lang="nl-BE" b="0" i="1" smtClean="0">
+                            <a:latin typeface="Cambria Math"/>
+                          </a:rPr>
+                          <m:t>𝑃𝑜𝑟𝑡𝑓𝑜𝑙𝑖𝑜</m:t>
+                        </m:r>
+                      </m:num>
+                      <m:den>
+                        <m:r>
+                          <a:rPr lang="nl-BE" i="1">
+                            <a:latin typeface="Cambria Math"/>
+                          </a:rPr>
+                          <m:t>𝐼𝑛𝑉𝑎𝑙𝑢𝑒</m:t>
+                        </m:r>
+                        <m:r>
+                          <a:rPr lang="nl-BE" i="1">
+                            <a:latin typeface="Cambria Math"/>
+                          </a:rPr>
+                          <m:t>.</m:t>
+                        </m:r>
+                        <m:r>
+                          <a:rPr lang="nl-BE" i="1">
+                            <a:latin typeface="Cambria Math"/>
+                          </a:rPr>
+                          <m:t>𝑃𝑜𝑟𝑡𝑓𝑜𝑙𝑖𝑜</m:t>
+                        </m:r>
+                      </m:den>
+                    </m:f>
+                  </m:oMath>
+                </a14:m>
+                <a:r>
+                  <a:rPr lang="nl-BE" dirty="0" smtClean="0"/>
+                  <a:t>=</a:t>
+                </a:r>
+                <a14:m>
+                  <m:oMath xmlns:m="http://schemas.openxmlformats.org/officeDocument/2006/math">
+                    <m:f>
+                      <m:fPr>
+                        <m:ctrlPr>
+                          <a:rPr lang="nl-BE" i="1">
+                            <a:latin typeface="Cambria Math"/>
+                          </a:rPr>
+                        </m:ctrlPr>
+                      </m:fPr>
+                      <m:num>
+                        <m:r>
+                          <a:rPr lang="nl-BE" b="0" i="1" smtClean="0">
+                            <a:latin typeface="Cambria Math"/>
+                          </a:rPr>
+                          <m:t>510</m:t>
+                        </m:r>
+                        <m:r>
+                          <a:rPr lang="nl-BE" i="1">
+                            <a:latin typeface="Cambria Math"/>
+                          </a:rPr>
+                          <m:t>−</m:t>
+                        </m:r>
+                        <m:r>
+                          <a:rPr lang="nl-BE" b="0" i="1" smtClean="0">
+                            <a:latin typeface="Cambria Math"/>
+                          </a:rPr>
+                          <m:t>500</m:t>
                         </m:r>
                       </m:num>
                       <m:den>
@@ -8179,12 +8276,14 @@
                         </m:r>
                       </m:den>
                     </m:f>
+                    <m:r>
+                      <a:rPr lang="nl-BE" b="0" i="1" smtClean="0">
+                        <a:latin typeface="Cambria Math"/>
+                      </a:rPr>
+                      <m:t>=2%</m:t>
+                    </m:r>
                   </m:oMath>
                 </a14:m>
-                <a:r>
-                  <a:rPr lang="nl-BE" dirty="0" smtClean="0"/>
-                  <a:t>=2%</a:t>
-                </a:r>
                 <a:endParaRPr lang="nl-BE" dirty="0"/>
               </a:p>
             </p:txBody>
@@ -8193,7 +8292,7 @@
         <mc:Fallback xmlns="">
           <p:sp>
             <p:nvSpPr>
-              <p:cNvPr id="5" name="TextBox 4"/>
+              <p:cNvPr id="7" name="TextBox 6"/>
               <p:cNvSpPr txBox="1">
                 <a:spLocks noRot="1" noChangeAspect="1" noMove="1" noResize="1" noEditPoints="1" noAdjustHandles="1" noChangeArrowheads="1" noChangeShapeType="1" noTextEdit="1"/>
               </p:cNvSpPr>
@@ -8201,8 +8300,8 @@
             </p:nvSpPr>
             <p:spPr>
               <a:xfrm>
-                <a:off x="1524000" y="5257800"/>
-                <a:ext cx="3417346" cy="489686"/>
+                <a:off x="878756" y="5943600"/>
+                <a:ext cx="6961521" cy="526554"/>
               </a:xfrm>
               <a:prstGeom prst="rect">
                 <a:avLst/>
@@ -8210,7 +8309,7 @@
               <a:blipFill rotWithShape="1">
                 <a:blip r:embed="rId3"/>
                 <a:stretch>
-                  <a:fillRect l="-357" r="-535" b="-6250"/>
+                  <a:fillRect l="-175" b="-6977"/>
                 </a:stretch>
               </a:blipFill>
             </p:spPr>
@@ -8229,6 +8328,325 @@
           </p:sp>
         </mc:Fallback>
       </mc:AlternateContent>
+      <p:graphicFrame>
+        <p:nvGraphicFramePr>
+          <p:cNvPr id="8" name="Content Placeholder 7"/>
+          <p:cNvGraphicFramePr>
+            <a:graphicFrameLocks/>
+          </p:cNvGraphicFramePr>
+          <p:nvPr>
+            <p:extLst>
+              <p:ext uri="{D42A27DB-BD31-4B8C-83A1-F6EECF244321}">
+                <p14:modId xmlns:p14="http://schemas.microsoft.com/office/powerpoint/2010/main" val="2002157519"/>
+              </p:ext>
+            </p:extLst>
+          </p:nvPr>
+        </p:nvGraphicFramePr>
+        <p:xfrm>
+          <a:off x="685800" y="304800"/>
+          <a:ext cx="7086600" cy="1784028"/>
+        </p:xfrm>
+        <a:graphic>
+          <a:graphicData uri="http://schemas.openxmlformats.org/drawingml/2006/table">
+            <a:tbl>
+              <a:tblPr firstRow="1" bandRow="1">
+                <a:tableStyleId>{5C22544A-7EE6-4342-B048-85BDC9FD1C3A}</a:tableStyleId>
+              </a:tblPr>
+              <a:tblGrid>
+                <a:gridCol w="3581400"/>
+                <a:gridCol w="3505200"/>
+              </a:tblGrid>
+              <a:tr h="334331">
+                <a:tc>
+                  <a:txBody>
+                    <a:bodyPr/>
+                    <a:lstStyle/>
+                    <a:p>
+                      <a:r>
+                        <a:rPr lang="nl-BE" dirty="0" smtClean="0"/>
+                        <a:t>Asset 1</a:t>
+                      </a:r>
+                      <a:endParaRPr lang="nl-BE" dirty="0"/>
+                    </a:p>
+                  </a:txBody>
+                  <a:tcPr/>
+                </a:tc>
+                <a:tc>
+                  <a:txBody>
+                    <a:bodyPr/>
+                    <a:lstStyle/>
+                    <a:p>
+                      <a:r>
+                        <a:rPr lang="nl-BE" dirty="0" smtClean="0"/>
+                        <a:t>Asset 2</a:t>
+                      </a:r>
+                      <a:endParaRPr lang="nl-BE" dirty="0"/>
+                    </a:p>
+                  </a:txBody>
+                  <a:tcPr/>
+                </a:tc>
+              </a:tr>
+              <a:tr h="709134">
+                <a:tc>
+                  <a:txBody>
+                    <a:bodyPr/>
+                    <a:lstStyle/>
+                    <a:p>
+                      <a:pPr algn="ctr"/>
+                      <a:r>
+                        <a:rPr lang="nl-BE" dirty="0" smtClean="0"/>
+                        <a:t>InValue.Asset</a:t>
+                      </a:r>
+                      <a:r>
+                        <a:rPr lang="nl-BE" baseline="-25000" dirty="0" smtClean="0"/>
+                        <a:t>1 </a:t>
+                      </a:r>
+                      <a:r>
+                        <a:rPr lang="nl-BE" baseline="0" dirty="0" smtClean="0"/>
+                        <a:t>= $200</a:t>
+                      </a:r>
+                      <a:endParaRPr lang="nl-BE" baseline="-25000" dirty="0"/>
+                    </a:p>
+                  </a:txBody>
+                  <a:tcPr/>
+                </a:tc>
+                <a:tc>
+                  <a:txBody>
+                    <a:bodyPr/>
+                    <a:lstStyle/>
+                    <a:p>
+                      <a:pPr algn="ctr"/>
+                      <a:r>
+                        <a:rPr lang="nl-BE" dirty="0" smtClean="0"/>
+                        <a:t>InValue.Asset</a:t>
+                      </a:r>
+                      <a:r>
+                        <a:rPr lang="nl-BE" baseline="-25000" dirty="0" smtClean="0"/>
+                        <a:t>2 </a:t>
+                      </a:r>
+                      <a:r>
+                        <a:rPr lang="nl-BE" baseline="0" dirty="0" smtClean="0"/>
+                        <a:t>= $300</a:t>
+                      </a:r>
+                      <a:endParaRPr lang="nl-BE" baseline="-25000" dirty="0"/>
+                    </a:p>
+                  </a:txBody>
+                  <a:tcPr/>
+                </a:tc>
+              </a:tr>
+              <a:tr h="709134">
+                <a:tc>
+                  <a:txBody>
+                    <a:bodyPr/>
+                    <a:lstStyle/>
+                    <a:p>
+                      <a:pPr algn="ctr"/>
+                      <a:r>
+                        <a:rPr lang="nl-BE" dirty="0" smtClean="0"/>
+                        <a:t>FinValue.Asset</a:t>
+                      </a:r>
+                      <a:r>
+                        <a:rPr lang="nl-BE" baseline="-25000" dirty="0" smtClean="0"/>
+                        <a:t>1</a:t>
+                      </a:r>
+                      <a:r>
+                        <a:rPr lang="nl-BE" baseline="0" dirty="0" smtClean="0"/>
+                        <a:t>= $180</a:t>
+                      </a:r>
+                      <a:endParaRPr lang="nl-BE" baseline="-25000" dirty="0"/>
+                    </a:p>
+                  </a:txBody>
+                  <a:tcPr/>
+                </a:tc>
+                <a:tc>
+                  <a:txBody>
+                    <a:bodyPr/>
+                    <a:lstStyle/>
+                    <a:p>
+                      <a:pPr algn="ctr"/>
+                      <a:r>
+                        <a:rPr lang="nl-BE" dirty="0" smtClean="0"/>
+                        <a:t>FinValue.Asset</a:t>
+                      </a:r>
+                      <a:r>
+                        <a:rPr lang="nl-BE" baseline="-25000" dirty="0" smtClean="0"/>
+                        <a:t>2 </a:t>
+                      </a:r>
+                      <a:r>
+                        <a:rPr lang="nl-BE" baseline="0" dirty="0" smtClean="0"/>
+                        <a:t>= $</a:t>
+                      </a:r>
+                      <a:r>
+                        <a:rPr lang="nl-BE" baseline="0" dirty="0" smtClean="0"/>
+                        <a:t>330</a:t>
+                      </a:r>
+                      <a:endParaRPr lang="nl-BE" baseline="-25000" dirty="0"/>
+                    </a:p>
+                  </a:txBody>
+                  <a:tcPr/>
+                </a:tc>
+              </a:tr>
+            </a:tbl>
+          </a:graphicData>
+        </a:graphic>
+      </p:graphicFrame>
+      <p:sp>
+        <p:nvSpPr>
+          <p:cNvPr id="9" name="Down Arrow 8"/>
+          <p:cNvSpPr/>
+          <p:nvPr/>
+        </p:nvSpPr>
+        <p:spPr>
+          <a:xfrm>
+            <a:off x="4343400" y="2286000"/>
+            <a:ext cx="381000" cy="304800"/>
+          </a:xfrm>
+          <a:prstGeom prst="downArrow">
+            <a:avLst/>
+          </a:prstGeom>
+        </p:spPr>
+        <p:style>
+          <a:lnRef idx="2">
+            <a:schemeClr val="accent1">
+              <a:shade val="50000"/>
+            </a:schemeClr>
+          </a:lnRef>
+          <a:fillRef idx="1">
+            <a:schemeClr val="accent1"/>
+          </a:fillRef>
+          <a:effectRef idx="0">
+            <a:schemeClr val="accent1"/>
+          </a:effectRef>
+          <a:fontRef idx="minor">
+            <a:schemeClr val="lt1"/>
+          </a:fontRef>
+        </p:style>
+        <p:txBody>
+          <a:bodyPr rtlCol="0" anchor="ctr"/>
+          <a:lstStyle/>
+          <a:p>
+            <a:pPr algn="ctr"/>
+            <a:endParaRPr lang="nl-BE"/>
+          </a:p>
+        </p:txBody>
+      </p:sp>
+      <p:sp>
+        <p:nvSpPr>
+          <p:cNvPr id="10" name="Down Arrow 9"/>
+          <p:cNvSpPr/>
+          <p:nvPr/>
+        </p:nvSpPr>
+        <p:spPr>
+          <a:xfrm>
+            <a:off x="4343400" y="5410200"/>
+            <a:ext cx="381000" cy="304800"/>
+          </a:xfrm>
+          <a:prstGeom prst="downArrow">
+            <a:avLst/>
+          </a:prstGeom>
+        </p:spPr>
+        <p:style>
+          <a:lnRef idx="2">
+            <a:schemeClr val="accent1">
+              <a:shade val="50000"/>
+            </a:schemeClr>
+          </a:lnRef>
+          <a:fillRef idx="1">
+            <a:schemeClr val="accent1"/>
+          </a:fillRef>
+          <a:effectRef idx="0">
+            <a:schemeClr val="accent1"/>
+          </a:effectRef>
+          <a:fontRef idx="minor">
+            <a:schemeClr val="lt1"/>
+          </a:fontRef>
+        </p:style>
+        <p:txBody>
+          <a:bodyPr rtlCol="0" anchor="ctr"/>
+          <a:lstStyle/>
+          <a:p>
+            <a:pPr algn="ctr"/>
+            <a:endParaRPr lang="nl-BE"/>
+          </a:p>
+        </p:txBody>
+      </p:sp>
+      <p:graphicFrame>
+        <p:nvGraphicFramePr>
+          <p:cNvPr id="11" name="Content Placeholder 7"/>
+          <p:cNvGraphicFramePr>
+            <a:graphicFrameLocks/>
+          </p:cNvGraphicFramePr>
+          <p:nvPr>
+            <p:extLst>
+              <p:ext uri="{D42A27DB-BD31-4B8C-83A1-F6EECF244321}">
+                <p14:modId xmlns:p14="http://schemas.microsoft.com/office/powerpoint/2010/main" val="3101535742"/>
+              </p:ext>
+            </p:extLst>
+          </p:nvPr>
+        </p:nvGraphicFramePr>
+        <p:xfrm>
+          <a:off x="878756" y="2971800"/>
+          <a:ext cx="7503244" cy="1784028"/>
+        </p:xfrm>
+        <a:graphic>
+          <a:graphicData uri="http://schemas.openxmlformats.org/drawingml/2006/table">
+            <a:tbl>
+              <a:tblPr firstRow="1" bandRow="1">
+                <a:tableStyleId>{5C22544A-7EE6-4342-B048-85BDC9FD1C3A}</a:tableStyleId>
+              </a:tblPr>
+              <a:tblGrid>
+                <a:gridCol w="7503244"/>
+              </a:tblGrid>
+              <a:tr h="334331">
+                <a:tc>
+                  <a:txBody>
+                    <a:bodyPr/>
+                    <a:lstStyle/>
+                    <a:p>
+                      <a:endParaRPr lang="nl-BE" dirty="0"/>
+                    </a:p>
+                  </a:txBody>
+                  <a:tcPr/>
+                </a:tc>
+              </a:tr>
+              <a:tr h="709134">
+                <a:tc>
+                  <a:txBody>
+                    <a:bodyPr/>
+                    <a:lstStyle/>
+                    <a:p>
+                      <a:pPr algn="ctr"/>
+                      <a:r>
+                        <a:rPr lang="nl-BE" dirty="0" smtClean="0"/>
+                        <a:t>InValue.Portfolio = $200 + $300 = $500</a:t>
+                      </a:r>
+                      <a:endParaRPr lang="nl-BE" baseline="-25000" dirty="0"/>
+                    </a:p>
+                  </a:txBody>
+                  <a:tcPr/>
+                </a:tc>
+              </a:tr>
+              <a:tr h="709134">
+                <a:tc>
+                  <a:txBody>
+                    <a:bodyPr/>
+                    <a:lstStyle/>
+                    <a:p>
+                      <a:pPr algn="ctr"/>
+                      <a:r>
+                        <a:rPr lang="nl-BE" dirty="0" smtClean="0"/>
+                        <a:t>FinValue.Portfolio =  $180 + $330 = $510</a:t>
+                      </a:r>
+                      <a:endParaRPr lang="nl-BE" baseline="-25000" dirty="0"/>
+                    </a:p>
+                  </a:txBody>
+                  <a:tcPr/>
+                </a:tc>
+              </a:tr>
+            </a:tbl>
+          </a:graphicData>
+        </a:graphic>
+      </p:graphicFrame>
     </p:spTree>
     <p:extLst>
       <p:ext uri="{BB962C8B-B14F-4D97-AF65-F5344CB8AC3E}">
@@ -8297,6 +8715,27 @@
               <a:rPr lang="nl-BE" dirty="0" smtClean="0"/>
               <a:t>New formula</a:t>
             </a:r>
+          </a:p>
+          <a:p>
+            <a:endParaRPr lang="nl-BE" dirty="0"/>
+          </a:p>
+          <a:p>
+            <a:endParaRPr lang="nl-BE" dirty="0" smtClean="0"/>
+          </a:p>
+          <a:p>
+            <a:endParaRPr lang="nl-BE" dirty="0"/>
+          </a:p>
+          <a:p>
+            <a:endParaRPr lang="nl-BE" dirty="0" smtClean="0"/>
+          </a:p>
+          <a:p>
+            <a:pPr marL="0" indent="0">
+              <a:buNone/>
+            </a:pPr>
+            <a:r>
+              <a:rPr lang="nl-BE" dirty="0" smtClean="0"/>
+              <a:t>with: </a:t>
+            </a:r>
             <a:endParaRPr lang="nl-BE" dirty="0"/>
           </a:p>
         </p:txBody>
@@ -8311,8 +8750,152 @@
             </p:nvSpPr>
             <p:spPr>
               <a:xfrm>
-                <a:off x="533400" y="3200400"/>
-                <a:ext cx="7290265" cy="1221488"/>
+                <a:off x="685800" y="2895600"/>
+                <a:ext cx="6858000" cy="523220"/>
+              </a:xfrm>
+              <a:prstGeom prst="rect">
+                <a:avLst/>
+              </a:prstGeom>
+              <a:noFill/>
+            </p:spPr>
+            <p:txBody>
+              <a:bodyPr wrap="square" rtlCol="0">
+                <a:spAutoFit/>
+              </a:bodyPr>
+              <a:lstStyle/>
+              <a:p>
+                <a14:m>
+                  <m:oMath xmlns:m="http://schemas.openxmlformats.org/officeDocument/2006/math">
+                    <m:r>
+                      <a:rPr lang="nl-BE" sz="2800" b="0" i="1" smtClean="0">
+                        <a:latin typeface="Cambria Math"/>
+                      </a:rPr>
+                      <m:t>𝑃𝑜𝑟𝑡𝑓𝑜𝑙𝑖𝑜</m:t>
+                    </m:r>
+                    <m:r>
+                      <a:rPr lang="nl-BE" sz="2800" b="0" i="1" smtClean="0">
+                        <a:latin typeface="Cambria Math"/>
+                      </a:rPr>
+                      <m:t> </m:t>
+                    </m:r>
+                    <m:r>
+                      <a:rPr lang="nl-BE" sz="2800" b="0" i="1" smtClean="0">
+                        <a:latin typeface="Cambria Math"/>
+                      </a:rPr>
+                      <m:t>𝑅𝑒𝑡𝑢𝑟𝑛</m:t>
+                    </m:r>
+                    <m:r>
+                      <a:rPr lang="nl-BE" sz="2800" b="0" i="1" smtClean="0">
+                        <a:latin typeface="Cambria Math"/>
+                      </a:rPr>
+                      <m:t>=</m:t>
+                    </m:r>
+                  </m:oMath>
+                </a14:m>
+                <a:r>
+                  <a:rPr lang="nl-BE" sz="2800" dirty="0" smtClean="0"/>
+                  <a:t> w</a:t>
+                </a:r>
+                <a:r>
+                  <a:rPr lang="nl-BE" sz="2800" baseline="-25000" dirty="0" smtClean="0"/>
+                  <a:t>1</a:t>
+                </a:r>
+                <a:r>
+                  <a:rPr lang="nl-BE" sz="2800" dirty="0" smtClean="0"/>
+                  <a:t>R</a:t>
+                </a:r>
+                <a:r>
+                  <a:rPr lang="nl-BE" sz="2800" baseline="-25000" dirty="0" smtClean="0"/>
+                  <a:t>1</a:t>
+                </a:r>
+                <a:r>
+                  <a:rPr lang="nl-BE" sz="2800" dirty="0" smtClean="0"/>
+                  <a:t>+w</a:t>
+                </a:r>
+                <a:r>
+                  <a:rPr lang="nl-BE" sz="2800" baseline="-25000" dirty="0" smtClean="0"/>
+                  <a:t>2</a:t>
+                </a:r>
+                <a:r>
+                  <a:rPr lang="nl-BE" sz="2800" dirty="0"/>
+                  <a:t>R</a:t>
+                </a:r>
+                <a:r>
+                  <a:rPr lang="nl-BE" sz="2800" baseline="-25000" dirty="0" smtClean="0"/>
+                  <a:t>2</a:t>
+                </a:r>
+                <a:r>
+                  <a:rPr lang="nl-BE" sz="2800" dirty="0" smtClean="0"/>
+                  <a:t>+…w</a:t>
+                </a:r>
+                <a:r>
+                  <a:rPr lang="nl-BE" sz="2800" baseline="-25000" dirty="0" smtClean="0"/>
+                  <a:t>N</a:t>
+                </a:r>
+                <a:r>
+                  <a:rPr lang="nl-BE" sz="2800" dirty="0"/>
+                  <a:t>R</a:t>
+                </a:r>
+                <a:r>
+                  <a:rPr lang="nl-BE" sz="2800" baseline="-25000" dirty="0" smtClean="0"/>
+                  <a:t>N </a:t>
+                </a:r>
+                <a:endParaRPr lang="nl-BE" sz="2800" dirty="0"/>
+              </a:p>
+            </p:txBody>
+          </p:sp>
+        </mc:Choice>
+        <mc:Fallback xmlns="">
+          <p:sp>
+            <p:nvSpPr>
+              <p:cNvPr id="5" name="TextBox 4"/>
+              <p:cNvSpPr txBox="1">
+                <a:spLocks noRot="1" noChangeAspect="1" noMove="1" noResize="1" noEditPoints="1" noAdjustHandles="1" noChangeArrowheads="1" noChangeShapeType="1" noTextEdit="1"/>
+              </p:cNvSpPr>
+              <p:nvPr/>
+            </p:nvSpPr>
+            <p:spPr>
+              <a:xfrm>
+                <a:off x="685800" y="2895600"/>
+                <a:ext cx="6858000" cy="523220"/>
+              </a:xfrm>
+              <a:prstGeom prst="rect">
+                <a:avLst/>
+              </a:prstGeom>
+              <a:blipFill rotWithShape="1">
+                <a:blip r:embed="rId3"/>
+                <a:stretch>
+                  <a:fillRect t="-10465" b="-32558"/>
+                </a:stretch>
+              </a:blipFill>
+            </p:spPr>
+            <p:txBody>
+              <a:bodyPr/>
+              <a:lstStyle/>
+              <a:p>
+                <a:r>
+                  <a:rPr lang="nl-BE">
+                    <a:noFill/>
+                  </a:rPr>
+                  <a:t> </a:t>
+                </a:r>
+              </a:p>
+            </p:txBody>
+          </p:sp>
+        </mc:Fallback>
+      </mc:AlternateContent>
+      <mc:AlternateContent xmlns:mc="http://schemas.openxmlformats.org/markup-compatibility/2006" xmlns:a14="http://schemas.microsoft.com/office/drawing/2010/main">
+        <mc:Choice Requires="a14">
+          <p:sp>
+            <p:nvSpPr>
+              <p:cNvPr id="6" name="TextBox 5"/>
+              <p:cNvSpPr txBox="1"/>
+              <p:nvPr/>
+            </p:nvSpPr>
+            <p:spPr>
+              <a:xfrm>
+                <a:off x="1701335" y="4419600"/>
+                <a:ext cx="4246675" cy="618374"/>
               </a:xfrm>
               <a:prstGeom prst="rect">
                 <a:avLst/>
@@ -8336,19 +8919,13 @@
                         <a:rPr lang="nl-BE" b="0" i="1" smtClean="0">
                           <a:latin typeface="Cambria Math"/>
                         </a:rPr>
-                        <m:t>𝑃𝑜𝑟𝑡𝑓𝑜𝑙𝑖𝑜</m:t>
+                        <m:t>𝑅</m:t>
                       </m:r>
                       <m:r>
-                        <a:rPr lang="nl-BE" b="0" i="1" smtClean="0">
+                        <a:rPr lang="nl-BE" b="0" i="1" baseline="-25000" smtClean="0">
                           <a:latin typeface="Cambria Math"/>
                         </a:rPr>
-                        <m:t> </m:t>
-                      </m:r>
-                      <m:r>
-                        <a:rPr lang="nl-BE" b="0" i="1" smtClean="0">
-                          <a:latin typeface="Cambria Math"/>
-                        </a:rPr>
-                        <m:t>𝑅𝑒𝑡𝑢𝑟𝑛</m:t>
+                        <m:t>𝑖</m:t>
                       </m:r>
                       <m:r>
                         <a:rPr lang="nl-BE" b="0" i="1" smtClean="0">
@@ -8369,99 +8946,63 @@
                             <a:rPr lang="nl-BE" b="0" i="1" smtClean="0">
                               <a:latin typeface="Cambria Math"/>
                             </a:rPr>
-                            <m:t>𝑓𝑖𝑛𝑎𝑙</m:t>
+                            <m:t>𝐹𝑖𝑛𝑉𝑎𝑙𝑢𝑒</m:t>
                           </m:r>
                           <m:r>
                             <a:rPr lang="nl-BE" b="0" i="1" smtClean="0">
                               <a:latin typeface="Cambria Math"/>
                             </a:rPr>
-                            <m:t> </m:t>
+                            <m:t>. </m:t>
                           </m:r>
                           <m:r>
                             <a:rPr lang="nl-BE" b="0" i="1" smtClean="0">
                               <a:latin typeface="Cambria Math"/>
                             </a:rPr>
-                            <m:t>𝑝𝑜𝑟𝑡𝑓𝑜𝑙𝑖𝑜</m:t>
+                            <m:t>𝐴𝑠𝑠𝑒𝑡𝑖</m:t>
                           </m:r>
                           <m:r>
                             <a:rPr lang="nl-BE" b="0" i="1" smtClean="0">
                               <a:latin typeface="Cambria Math"/>
                             </a:rPr>
-                            <m:t> </m:t>
+                            <m:t>−</m:t>
                           </m:r>
                           <m:r>
                             <a:rPr lang="nl-BE" b="0" i="1" smtClean="0">
                               <a:latin typeface="Cambria Math"/>
                             </a:rPr>
-                            <m:t>𝑣𝑎𝑙𝑢𝑒</m:t>
+                            <m:t>𝐼𝑛𝑉𝑎𝑙𝑢𝑒</m:t>
                           </m:r>
                           <m:r>
-                            <a:rPr lang="nl-BE" b="0" i="1" smtClean="0">
+                            <a:rPr lang="nl-BE" i="1">
                               <a:latin typeface="Cambria Math"/>
                             </a:rPr>
-                            <m:t> −</m:t>
+                            <m:t>. </m:t>
                           </m:r>
                           <m:r>
-                            <a:rPr lang="nl-BE" b="0" i="1" smtClean="0">
+                            <a:rPr lang="nl-BE" i="1">
                               <a:latin typeface="Cambria Math"/>
                             </a:rPr>
-                            <m:t>𝑖𝑛𝑖𝑡𝑖𝑎𝑙</m:t>
-                          </m:r>
-                          <m:r>
-                            <a:rPr lang="nl-BE" b="0" i="1" smtClean="0">
-                              <a:latin typeface="Cambria Math"/>
-                            </a:rPr>
-                            <m:t> </m:t>
-                          </m:r>
-                          <m:r>
-                            <a:rPr lang="nl-BE" b="0" i="1" smtClean="0">
-                              <a:latin typeface="Cambria Math"/>
-                            </a:rPr>
-                            <m:t>𝑝𝑜𝑟𝑡𝑓𝑜𝑙𝑖𝑜</m:t>
-                          </m:r>
-                          <m:r>
-                            <a:rPr lang="nl-BE" b="0" i="1" smtClean="0">
-                              <a:latin typeface="Cambria Math"/>
-                            </a:rPr>
-                            <m:t> </m:t>
-                          </m:r>
-                          <m:r>
-                            <a:rPr lang="nl-BE" b="0" i="1" smtClean="0">
-                              <a:latin typeface="Cambria Math"/>
-                            </a:rPr>
-                            <m:t>𝑣𝑎𝑙𝑢𝑒</m:t>
+                            <m:t>𝐴𝑠𝑠𝑒𝑡𝑖</m:t>
                           </m:r>
                         </m:num>
                         <m:den>
                           <m:r>
-                            <a:rPr lang="nl-BE" b="0" i="1" smtClean="0">
+                            <a:rPr lang="nl-BE" i="1">
                               <a:latin typeface="Cambria Math"/>
                             </a:rPr>
-                            <m:t>𝑖𝑛𝑖𝑡𝑖𝑎𝑙</m:t>
+                            <m:t>𝐼𝑛𝑉𝑎𝑙𝑢𝑒</m:t>
                           </m:r>
                           <m:r>
-                            <a:rPr lang="nl-BE" b="0" i="1" smtClean="0">
+                            <a:rPr lang="nl-BE" i="1">
                               <a:latin typeface="Cambria Math"/>
                             </a:rPr>
-                            <m:t> </m:t>
+                            <m:t>. </m:t>
                           </m:r>
                           <m:r>
-                            <a:rPr lang="nl-BE" b="0" i="1" smtClean="0">
+                            <a:rPr lang="nl-BE" i="1">
                               <a:latin typeface="Cambria Math"/>
                             </a:rPr>
-                            <m:t>𝑝𝑜𝑟𝑡𝑓𝑜𝑙𝑖𝑜</m:t>
-                          </m:r>
-                          <m:r>
-                            <a:rPr lang="nl-BE" b="0" i="1" smtClean="0">
-                              <a:latin typeface="Cambria Math"/>
-                            </a:rPr>
-                            <m:t> </m:t>
-                          </m:r>
-                          <m:r>
-                            <a:rPr lang="nl-BE" b="0" i="1" smtClean="0">
-                              <a:latin typeface="Cambria Math"/>
-                            </a:rPr>
-                            <m:t>𝑣𝑎𝑙𝑢𝑒</m:t>
+                            <m:t>𝐴𝑠𝑠𝑒𝑡𝑖</m:t>
                           </m:r>
                         </m:den>
                       </m:f>
@@ -8470,67 +9011,13 @@
                 </a14:m>
                 <a:endParaRPr lang="nl-BE" dirty="0" smtClean="0"/>
               </a:p>
-              <a:p>
-                <a:endParaRPr lang="nl-BE" dirty="0" smtClean="0"/>
-              </a:p>
-              <a:p>
-                <a:r>
-                  <a:rPr lang="nl-BE" dirty="0" smtClean="0"/>
-                  <a:t>                                    = w</a:t>
-                </a:r>
-                <a:r>
-                  <a:rPr lang="nl-BE" baseline="-25000" dirty="0" smtClean="0"/>
-                  <a:t>1</a:t>
-                </a:r>
-                <a:r>
-                  <a:rPr lang="nl-BE" dirty="0" smtClean="0"/>
-                  <a:t>r</a:t>
-                </a:r>
-                <a:r>
-                  <a:rPr lang="nl-BE" baseline="-25000" dirty="0" smtClean="0"/>
-                  <a:t>1</a:t>
-                </a:r>
-                <a:r>
-                  <a:rPr lang="nl-BE" dirty="0" smtClean="0"/>
-                  <a:t>+w</a:t>
-                </a:r>
-                <a:r>
-                  <a:rPr lang="nl-BE" baseline="-25000" dirty="0"/>
-                  <a:t>2</a:t>
-                </a:r>
-                <a:r>
-                  <a:rPr lang="nl-BE" dirty="0" smtClean="0"/>
-                  <a:t>r</a:t>
-                </a:r>
-                <a:r>
-                  <a:rPr lang="nl-BE" baseline="-25000" dirty="0" smtClean="0"/>
-                  <a:t>2</a:t>
-                </a:r>
-                <a:r>
-                  <a:rPr lang="nl-BE" dirty="0" smtClean="0"/>
-                  <a:t>+…w</a:t>
-                </a:r>
-                <a:r>
-                  <a:rPr lang="nl-BE" baseline="-25000" dirty="0" smtClean="0"/>
-                  <a:t>N</a:t>
-                </a:r>
-                <a:r>
-                  <a:rPr lang="nl-BE" dirty="0" smtClean="0"/>
-                  <a:t>r</a:t>
-                </a:r>
-                <a:r>
-                  <a:rPr lang="nl-BE" baseline="-25000" dirty="0" smtClean="0"/>
-                  <a:t>N </a:t>
-                </a:r>
-                <a:endParaRPr lang="nl-BE" dirty="0"/>
-              </a:p>
             </p:txBody>
           </p:sp>
         </mc:Choice>
         <mc:Fallback xmlns="">
           <p:sp>
             <p:nvSpPr>
-              <p:cNvPr id="5" name="TextBox 4"/>
+              <p:cNvPr id="6" name="TextBox 5"/>
               <p:cNvSpPr txBox="1">
                 <a:spLocks noRot="1" noChangeAspect="1" noMove="1" noResize="1" noEditPoints="1" noAdjustHandles="1" noChangeArrowheads="1" noChangeShapeType="1" noTextEdit="1"/>
               </p:cNvSpPr>
@@ -8538,16 +9025,16 @@
             </p:nvSpPr>
             <p:spPr>
               <a:xfrm>
-                <a:off x="533400" y="3200400"/>
-                <a:ext cx="7290265" cy="1221488"/>
+                <a:off x="1701335" y="4419600"/>
+                <a:ext cx="4246675" cy="618374"/>
               </a:xfrm>
               <a:prstGeom prst="rect">
                 <a:avLst/>
               </a:prstGeom>
               <a:blipFill rotWithShape="1">
-                <a:blip r:embed="rId3"/>
+                <a:blip r:embed="rId4"/>
                 <a:stretch>
-                  <a:fillRect b="-7500"/>
+                  <a:fillRect/>
                 </a:stretch>
               </a:blipFill>
             </p:spPr>
@@ -8566,6 +9053,252 @@
           </p:sp>
         </mc:Fallback>
       </mc:AlternateContent>
+      <mc:AlternateContent xmlns:mc="http://schemas.openxmlformats.org/markup-compatibility/2006" xmlns:a14="http://schemas.microsoft.com/office/drawing/2010/main">
+        <mc:Choice Requires="a14">
+          <p:sp>
+            <p:nvSpPr>
+              <p:cNvPr id="7" name="TextBox 6"/>
+              <p:cNvSpPr txBox="1"/>
+              <p:nvPr/>
+            </p:nvSpPr>
+            <p:spPr>
+              <a:xfrm>
+                <a:off x="1720194" y="5410200"/>
+                <a:ext cx="2851806" cy="722698"/>
+              </a:xfrm>
+              <a:prstGeom prst="rect">
+                <a:avLst/>
+              </a:prstGeom>
+              <a:noFill/>
+            </p:spPr>
+            <p:txBody>
+              <a:bodyPr wrap="none" rtlCol="0">
+                <a:spAutoFit/>
+              </a:bodyPr>
+              <a:lstStyle/>
+              <a:p>
+                <a:pPr/>
+                <a14:m>
+                  <m:oMathPara xmlns:m="http://schemas.openxmlformats.org/officeDocument/2006/math">
+                    <m:oMathParaPr>
+                      <m:jc m:val="centerGroup"/>
+                    </m:oMathParaPr>
+                    <m:oMath xmlns:m="http://schemas.openxmlformats.org/officeDocument/2006/math">
+                      <m:r>
+                        <a:rPr lang="nl-BE" b="0" i="1" smtClean="0">
+                          <a:latin typeface="Cambria Math"/>
+                        </a:rPr>
+                        <m:t>𝑤</m:t>
+                      </m:r>
+                      <m:r>
+                        <a:rPr lang="nl-BE" b="0" i="1" baseline="-25000" smtClean="0">
+                          <a:latin typeface="Cambria Math"/>
+                        </a:rPr>
+                        <m:t>𝑖</m:t>
+                      </m:r>
+                      <m:r>
+                        <a:rPr lang="nl-BE" b="0" i="1" smtClean="0">
+                          <a:latin typeface="Cambria Math"/>
+                        </a:rPr>
+                        <m:t>= </m:t>
+                      </m:r>
+                      <m:f>
+                        <m:fPr>
+                          <m:ctrlPr>
+                            <a:rPr lang="nl-BE" i="1" smtClean="0">
+                              <a:latin typeface="Cambria Math"/>
+                            </a:rPr>
+                          </m:ctrlPr>
+                        </m:fPr>
+                        <m:num>
+                          <m:r>
+                            <a:rPr lang="nl-BE" i="1">
+                              <a:latin typeface="Cambria Math"/>
+                            </a:rPr>
+                            <m:t>𝐼𝑛𝑉𝑎𝑙𝑢𝑒</m:t>
+                          </m:r>
+                          <m:r>
+                            <a:rPr lang="nl-BE" i="1">
+                              <a:latin typeface="Cambria Math"/>
+                            </a:rPr>
+                            <m:t>. </m:t>
+                          </m:r>
+                          <m:r>
+                            <a:rPr lang="nl-BE" i="1">
+                              <a:latin typeface="Cambria Math"/>
+                            </a:rPr>
+                            <m:t>𝐴𝑠𝑠𝑒𝑡𝑖</m:t>
+                          </m:r>
+                        </m:num>
+                        <m:den>
+                          <m:nary>
+                            <m:naryPr>
+                              <m:chr m:val="∑"/>
+                              <m:ctrlPr>
+                                <a:rPr lang="nl-BE" b="0" i="1" smtClean="0">
+                                  <a:latin typeface="Cambria Math"/>
+                                </a:rPr>
+                              </m:ctrlPr>
+                            </m:naryPr>
+                            <m:sub>
+                              <m:r>
+                                <m:rPr>
+                                  <m:brk m:alnAt="23"/>
+                                </m:rPr>
+                                <a:rPr lang="nl-BE" b="0" i="1" smtClean="0">
+                                  <a:latin typeface="Cambria Math"/>
+                                </a:rPr>
+                                <m:t>𝑗</m:t>
+                              </m:r>
+                              <m:r>
+                                <a:rPr lang="nl-BE" b="0" i="1" smtClean="0">
+                                  <a:latin typeface="Cambria Math"/>
+                                </a:rPr>
+                                <m:t>=1</m:t>
+                              </m:r>
+                            </m:sub>
+                            <m:sup>
+                              <m:r>
+                                <a:rPr lang="nl-BE" b="0" i="1" smtClean="0">
+                                  <a:latin typeface="Cambria Math"/>
+                                </a:rPr>
+                                <m:t>𝑁</m:t>
+                              </m:r>
+                            </m:sup>
+                            <m:e>
+                              <m:r>
+                                <a:rPr lang="nl-BE" b="0" i="1" smtClean="0">
+                                  <a:latin typeface="Cambria Math"/>
+                                </a:rPr>
+                                <m:t>𝐼𝑛𝑉</m:t>
+                              </m:r>
+                              <m:r>
+                                <a:rPr lang="nl-BE" i="1">
+                                  <a:latin typeface="Cambria Math"/>
+                                </a:rPr>
+                                <m:t>𝑎𝑙𝑢𝑒</m:t>
+                              </m:r>
+                              <m:r>
+                                <a:rPr lang="nl-BE" i="1">
+                                  <a:latin typeface="Cambria Math"/>
+                                </a:rPr>
+                                <m:t>. </m:t>
+                              </m:r>
+                              <m:r>
+                                <a:rPr lang="nl-BE" b="0" i="1" smtClean="0">
+                                  <a:latin typeface="Cambria Math"/>
+                                </a:rPr>
+                                <m:t>𝐴</m:t>
+                              </m:r>
+                              <m:r>
+                                <a:rPr lang="nl-BE" i="1">
+                                  <a:latin typeface="Cambria Math"/>
+                                </a:rPr>
+                                <m:t>𝑠𝑠𝑒𝑡</m:t>
+                              </m:r>
+                              <m:r>
+                                <a:rPr lang="nl-BE" b="0" i="1" baseline="-25000" smtClean="0">
+                                  <a:latin typeface="Cambria Math"/>
+                                </a:rPr>
+                                <m:t>𝑗</m:t>
+                              </m:r>
+                            </m:e>
+                          </m:nary>
+                        </m:den>
+                      </m:f>
+                    </m:oMath>
+                  </m:oMathPara>
+                </a14:m>
+                <a:endParaRPr lang="nl-BE" dirty="0" smtClean="0"/>
+              </a:p>
+            </p:txBody>
+          </p:sp>
+        </mc:Choice>
+        <mc:Fallback xmlns="">
+          <p:sp>
+            <p:nvSpPr>
+              <p:cNvPr id="7" name="TextBox 6"/>
+              <p:cNvSpPr txBox="1">
+                <a:spLocks noRot="1" noChangeAspect="1" noMove="1" noResize="1" noEditPoints="1" noAdjustHandles="1" noChangeArrowheads="1" noChangeShapeType="1" noTextEdit="1"/>
+              </p:cNvSpPr>
+              <p:nvPr/>
+            </p:nvSpPr>
+            <p:spPr>
+              <a:xfrm>
+                <a:off x="1720194" y="5410200"/>
+                <a:ext cx="2851806" cy="722698"/>
+              </a:xfrm>
+              <a:prstGeom prst="rect">
+                <a:avLst/>
+              </a:prstGeom>
+              <a:blipFill rotWithShape="1">
+                <a:blip r:embed="rId5"/>
+                <a:stretch>
+                  <a:fillRect/>
+                </a:stretch>
+              </a:blipFill>
+            </p:spPr>
+            <p:txBody>
+              <a:bodyPr/>
+              <a:lstStyle/>
+              <a:p>
+                <a:r>
+                  <a:rPr lang="nl-BE">
+                    <a:noFill/>
+                  </a:rPr>
+                  <a:t> </a:t>
+                </a:r>
+              </a:p>
+            </p:txBody>
+          </p:sp>
+        </mc:Fallback>
+      </mc:AlternateContent>
+      <p:sp>
+        <p:nvSpPr>
+          <p:cNvPr id="4" name="Rounded Rectangle 3"/>
+          <p:cNvSpPr/>
+          <p:nvPr/>
+        </p:nvSpPr>
+        <p:spPr>
+          <a:xfrm>
+            <a:off x="533400" y="2590800"/>
+            <a:ext cx="6858000" cy="1295400"/>
+          </a:xfrm>
+          <a:prstGeom prst="roundRect">
+            <a:avLst/>
+          </a:prstGeom>
+          <a:noFill/>
+          <a:ln w="66675">
+            <a:solidFill>
+              <a:srgbClr val="FF0000"/>
+            </a:solidFill>
+          </a:ln>
+        </p:spPr>
+        <p:style>
+          <a:lnRef idx="2">
+            <a:schemeClr val="accent1">
+              <a:shade val="50000"/>
+            </a:schemeClr>
+          </a:lnRef>
+          <a:fillRef idx="1">
+            <a:schemeClr val="accent1"/>
+          </a:fillRef>
+          <a:effectRef idx="0">
+            <a:schemeClr val="accent1"/>
+          </a:effectRef>
+          <a:fontRef idx="minor">
+            <a:schemeClr val="lt1"/>
+          </a:fontRef>
+        </p:style>
+        <p:txBody>
+          <a:bodyPr rtlCol="0" anchor="ctr"/>
+          <a:lstStyle/>
+          <a:p>
+            <a:pPr algn="ctr"/>
+            <a:endParaRPr lang="nl-BE"/>
+          </a:p>
+        </p:txBody>
+      </p:sp>
     </p:spTree>
     <p:extLst>
       <p:ext uri="{BB962C8B-B14F-4D97-AF65-F5344CB8AC3E}">
@@ -8605,14 +9338,14 @@
           <p:nvPr>
             <p:extLst>
               <p:ext uri="{D42A27DB-BD31-4B8C-83A1-F6EECF244321}">
-                <p14:modId xmlns:p14="http://schemas.microsoft.com/office/powerpoint/2010/main" val="1533395661"/>
+                <p14:modId xmlns:p14="http://schemas.microsoft.com/office/powerpoint/2010/main" val="3194669578"/>
               </p:ext>
             </p:extLst>
           </p:nvPr>
         </p:nvGraphicFramePr>
         <p:xfrm>
-          <a:off x="533400" y="304800"/>
-          <a:ext cx="6877358" cy="1784028"/>
+          <a:off x="685800" y="304800"/>
+          <a:ext cx="7620000" cy="1784028"/>
         </p:xfrm>
         <a:graphic>
           <a:graphicData uri="http://schemas.openxmlformats.org/drawingml/2006/table">
@@ -8621,11 +9354,9 @@
                 <a:tableStyleId>{5C22544A-7EE6-4342-B048-85BDC9FD1C3A}</a:tableStyleId>
               </a:tblPr>
               <a:tblGrid>
-                <a:gridCol w="1011376"/>
-                <a:gridCol w="1011376"/>
-                <a:gridCol w="674251"/>
-                <a:gridCol w="1146227"/>
-                <a:gridCol w="3034128"/>
+                <a:gridCol w="3581400"/>
+                <a:gridCol w="533400"/>
+                <a:gridCol w="3505200"/>
               </a:tblGrid>
               <a:tr h="334331">
                 <a:tc>
@@ -8635,21 +9366,7 @@
                     <a:p>
                       <a:r>
                         <a:rPr lang="nl-BE" dirty="0" smtClean="0"/>
-                        <a:t>Inv 1</a:t>
-                      </a:r>
-                      <a:endParaRPr lang="nl-BE" dirty="0"/>
-                    </a:p>
-                  </a:txBody>
-                  <a:tcPr/>
-                </a:tc>
-                <a:tc>
-                  <a:txBody>
-                    <a:bodyPr/>
-                    <a:lstStyle/>
-                    <a:p>
-                      <a:r>
-                        <a:rPr lang="nl-BE" dirty="0" smtClean="0"/>
-                        <a:t>Inv 2</a:t>
+                        <a:t>Asset 1</a:t>
                       </a:r>
                       <a:endParaRPr lang="nl-BE" dirty="0"/>
                     </a:p>
@@ -8677,25 +9394,7 @@
                     <a:p>
                       <a:r>
                         <a:rPr lang="nl-BE" dirty="0" smtClean="0"/>
-                        <a:t>Inv N</a:t>
-                      </a:r>
-                      <a:endParaRPr lang="nl-BE" dirty="0"/>
-                    </a:p>
-                  </a:txBody>
-                  <a:tcPr/>
-                </a:tc>
-                <a:tc>
-                  <a:txBody>
-                    <a:bodyPr/>
-                    <a:lstStyle/>
-                    <a:p>
-                      <a:r>
-                        <a:rPr lang="nl-BE" dirty="0" smtClean="0"/>
-                        <a:t>Porfolio</a:t>
-                      </a:r>
-                      <a:r>
-                        <a:rPr lang="nl-BE" baseline="0" dirty="0" smtClean="0"/>
-                        <a:t> total</a:t>
+                        <a:t>Asset N</a:t>
                       </a:r>
                       <a:endParaRPr lang="nl-BE" dirty="0"/>
                     </a:p>
@@ -8709,11 +9408,16 @@
                     <a:bodyPr/>
                     <a:lstStyle/>
                     <a:p>
+                      <a:pPr algn="ctr"/>
                       <a:r>
                         <a:rPr lang="nl-BE" dirty="0" smtClean="0"/>
-                        <a:t>In.Val.1</a:t>
+                        <a:t>InValue.Asset</a:t>
                       </a:r>
-                      <a:endParaRPr lang="nl-BE" dirty="0"/>
+                      <a:r>
+                        <a:rPr lang="nl-BE" baseline="-25000" dirty="0" smtClean="0"/>
+                        <a:t>1</a:t>
+                      </a:r>
+                      <a:endParaRPr lang="nl-BE" baseline="-25000" dirty="0"/>
                     </a:p>
                   </a:txBody>
                   <a:tcPr/>
@@ -8723,20 +9427,7 @@
                     <a:bodyPr/>
                     <a:lstStyle/>
                     <a:p>
-                      <a:r>
-                        <a:rPr lang="nl-BE" dirty="0" smtClean="0"/>
-                        <a:t>In.Val.2</a:t>
-                      </a:r>
-                      <a:endParaRPr lang="nl-BE" dirty="0"/>
-                    </a:p>
-                  </a:txBody>
-                  <a:tcPr/>
-                </a:tc>
-                <a:tc>
-                  <a:txBody>
-                    <a:bodyPr/>
-                    <a:lstStyle/>
-                    <a:p>
+                      <a:pPr algn="ctr"/>
                       <a:r>
                         <a:rPr lang="nl-BE" dirty="0" smtClean="0"/>
                         <a:t>…</a:t>
@@ -8751,29 +9442,16 @@
                     <a:bodyPr/>
                     <a:lstStyle/>
                     <a:p>
+                      <a:pPr algn="ctr"/>
                       <a:r>
                         <a:rPr lang="nl-BE" dirty="0" smtClean="0"/>
-                        <a:t>In.Val.N</a:t>
-                      </a:r>
-                      <a:endParaRPr lang="nl-BE" dirty="0"/>
-                    </a:p>
-                  </a:txBody>
-                  <a:tcPr/>
-                </a:tc>
-                <a:tc>
-                  <a:txBody>
-                    <a:bodyPr/>
-                    <a:lstStyle/>
-                    <a:p>
-                      <a:r>
-                        <a:rPr lang="nl-BE" dirty="0" smtClean="0"/>
-                        <a:t>Initial Portfolio </a:t>
+                        <a:t>InValue.Asset</a:t>
                       </a:r>
                       <a:r>
-                        <a:rPr lang="nl-BE" dirty="0" smtClean="0"/>
-                        <a:t>Value</a:t>
+                        <a:rPr lang="nl-BE" baseline="-25000" dirty="0" smtClean="0"/>
+                        <a:t>N</a:t>
                       </a:r>
-                      <a:endParaRPr lang="nl-BE" dirty="0" smtClean="0"/>
+                      <a:endParaRPr lang="nl-BE" baseline="-25000" dirty="0"/>
                     </a:p>
                   </a:txBody>
                   <a:tcPr/>
@@ -8785,11 +9463,16 @@
                     <a:bodyPr/>
                     <a:lstStyle/>
                     <a:p>
+                      <a:pPr algn="ctr"/>
                       <a:r>
-                        <a:rPr lang="nl-BE" dirty="0" smtClean="0"/>
-                        <a:t>Fin.Val.1</a:t>
+                        <a:rPr lang="nl-BE" smtClean="0"/>
+                        <a:t>FinValue.Asset</a:t>
                       </a:r>
-                      <a:endParaRPr lang="nl-BE" dirty="0"/>
+                      <a:r>
+                        <a:rPr lang="nl-BE" baseline="-25000" smtClean="0"/>
+                        <a:t>1</a:t>
+                      </a:r>
+                      <a:endParaRPr lang="nl-BE" baseline="-25000" dirty="0"/>
                     </a:p>
                   </a:txBody>
                   <a:tcPr/>
@@ -8799,20 +9482,7 @@
                     <a:bodyPr/>
                     <a:lstStyle/>
                     <a:p>
-                      <a:r>
-                        <a:rPr lang="nl-BE" dirty="0" smtClean="0"/>
-                        <a:t>Fin.Val.2</a:t>
-                      </a:r>
-                      <a:endParaRPr lang="nl-BE" dirty="0"/>
-                    </a:p>
-                  </a:txBody>
-                  <a:tcPr/>
-                </a:tc>
-                <a:tc>
-                  <a:txBody>
-                    <a:bodyPr/>
-                    <a:lstStyle/>
-                    <a:p>
+                      <a:pPr algn="ctr"/>
                       <a:r>
                         <a:rPr lang="nl-BE" dirty="0" smtClean="0"/>
                         <a:t>…</a:t>
@@ -8827,46 +9497,16 @@
                     <a:bodyPr/>
                     <a:lstStyle/>
                     <a:p>
+                      <a:pPr algn="ctr"/>
                       <a:r>
                         <a:rPr lang="nl-BE" dirty="0" smtClean="0"/>
-                        <a:t>Fin.Val.N</a:t>
-                      </a:r>
-                      <a:endParaRPr lang="nl-BE" dirty="0"/>
-                    </a:p>
-                  </a:txBody>
-                  <a:tcPr/>
-                </a:tc>
-                <a:tc>
-                  <a:txBody>
-                    <a:bodyPr/>
-                    <a:lstStyle/>
-                    <a:p>
-                      <a:pPr marL="0" marR="0" indent="0" algn="l" defTabSz="914400" rtl="0" eaLnBrk="1" fontAlgn="auto" latinLnBrk="0" hangingPunct="1">
-                        <a:lnSpc>
-                          <a:spcPct val="100000"/>
-                        </a:lnSpc>
-                        <a:spcBef>
-                          <a:spcPts val="0"/>
-                        </a:spcBef>
-                        <a:spcAft>
-                          <a:spcPts val="0"/>
-                        </a:spcAft>
-                        <a:buClrTx/>
-                        <a:buSzTx/>
-                        <a:buFontTx/>
-                        <a:buNone/>
-                        <a:tabLst/>
-                        <a:defRPr/>
-                      </a:pPr>
-                      <a:r>
-                        <a:rPr lang="nl-BE" dirty="0" smtClean="0"/>
-                        <a:t>Final Portfolio </a:t>
+                        <a:t>FinValue.Asset</a:t>
                       </a:r>
                       <a:r>
-                        <a:rPr lang="nl-BE" dirty="0" smtClean="0"/>
-                        <a:t>value</a:t>
+                        <a:rPr lang="nl-BE" baseline="-25000" dirty="0" smtClean="0"/>
+                        <a:t>N</a:t>
                       </a:r>
-                      <a:endParaRPr lang="nl-BE" dirty="0" smtClean="0"/>
+                      <a:endParaRPr lang="nl-BE" baseline="-25000" dirty="0"/>
                     </a:p>
                   </a:txBody>
                   <a:tcPr/>
@@ -8876,276 +9516,960 @@
           </a:graphicData>
         </a:graphic>
       </p:graphicFrame>
-      <p:graphicFrame>
-        <p:nvGraphicFramePr>
-          <p:cNvPr id="7" name="Content Placeholder 7"/>
-          <p:cNvGraphicFramePr>
-            <a:graphicFrameLocks/>
-          </p:cNvGraphicFramePr>
-          <p:nvPr>
-            <p:extLst>
-              <p:ext uri="{D42A27DB-BD31-4B8C-83A1-F6EECF244321}">
-                <p14:modId xmlns:p14="http://schemas.microsoft.com/office/powerpoint/2010/main" val="1033125148"/>
-              </p:ext>
-            </p:extLst>
-          </p:nvPr>
-        </p:nvGraphicFramePr>
-        <p:xfrm>
-          <a:off x="1371600" y="2743200"/>
-          <a:ext cx="5029200" cy="3335020"/>
-        </p:xfrm>
-        <a:graphic>
-          <a:graphicData uri="http://schemas.openxmlformats.org/drawingml/2006/table">
-            <a:tbl>
-              <a:tblPr firstRow="1" bandRow="1">
-                <a:tableStyleId>{5C22544A-7EE6-4342-B048-85BDC9FD1C3A}</a:tableStyleId>
-              </a:tblPr>
-              <a:tblGrid>
-                <a:gridCol w="1323473"/>
-                <a:gridCol w="1323473"/>
-                <a:gridCol w="882316"/>
-                <a:gridCol w="1499938"/>
-              </a:tblGrid>
-              <a:tr h="375920">
-                <a:tc>
-                  <a:txBody>
-                    <a:bodyPr/>
-                    <a:lstStyle/>
-                    <a:p>
-                      <a:r>
-                        <a:rPr lang="nl-BE" dirty="0" smtClean="0"/>
-                        <a:t>Inv 1</a:t>
-                      </a:r>
-                      <a:endParaRPr lang="nl-BE" dirty="0"/>
-                    </a:p>
-                  </a:txBody>
-                  <a:tcPr/>
-                </a:tc>
-                <a:tc>
-                  <a:txBody>
-                    <a:bodyPr/>
-                    <a:lstStyle/>
-                    <a:p>
-                      <a:r>
-                        <a:rPr lang="nl-BE" dirty="0" smtClean="0"/>
-                        <a:t>Inv 2</a:t>
-                      </a:r>
-                      <a:endParaRPr lang="nl-BE" dirty="0"/>
-                    </a:p>
-                  </a:txBody>
-                  <a:tcPr/>
-                </a:tc>
-                <a:tc>
-                  <a:txBody>
-                    <a:bodyPr/>
-                    <a:lstStyle/>
-                    <a:p>
-                      <a:r>
-                        <a:rPr lang="nl-BE" dirty="0" smtClean="0"/>
-                        <a:t>…</a:t>
-                      </a:r>
-                      <a:endParaRPr lang="nl-BE" dirty="0"/>
-                    </a:p>
-                  </a:txBody>
-                  <a:tcPr/>
-                </a:tc>
-                <a:tc>
-                  <a:txBody>
-                    <a:bodyPr/>
-                    <a:lstStyle/>
-                    <a:p>
-                      <a:r>
-                        <a:rPr lang="nl-BE" dirty="0" smtClean="0"/>
-                        <a:t>Inv N</a:t>
-                      </a:r>
-                      <a:endParaRPr lang="nl-BE" dirty="0"/>
-                    </a:p>
-                  </a:txBody>
-                  <a:tcPr/>
-                </a:tc>
-              </a:tr>
-              <a:tr h="1221740">
-                <a:tc>
-                  <a:txBody>
-                    <a:bodyPr/>
-                    <a:lstStyle/>
-                    <a:p>
-                      <a:pPr marL="0" marR="0" indent="0" algn="l" defTabSz="914400" rtl="0" eaLnBrk="1" fontAlgn="auto" latinLnBrk="0" hangingPunct="1">
-                        <a:lnSpc>
-                          <a:spcPct val="100000"/>
-                        </a:lnSpc>
-                        <a:spcBef>
-                          <a:spcPts val="0"/>
-                        </a:spcBef>
-                        <a:spcAft>
-                          <a:spcPts val="0"/>
-                        </a:spcAft>
-                        <a:buClrTx/>
-                        <a:buSzTx/>
-                        <a:buFontTx/>
-                        <a:buNone/>
-                        <a:tabLst/>
-                        <a:defRPr/>
-                      </a:pPr>
-                      <a:r>
-                        <a:rPr lang="nl-BE" dirty="0" smtClean="0"/>
-                        <a:t>w1=</a:t>
-                      </a:r>
-                    </a:p>
-                    <a:p>
-                      <a:pPr marL="0" marR="0" indent="0" algn="l" defTabSz="914400" rtl="0" eaLnBrk="1" fontAlgn="auto" latinLnBrk="0" hangingPunct="1">
-                        <a:lnSpc>
-                          <a:spcPct val="100000"/>
-                        </a:lnSpc>
-                        <a:spcBef>
-                          <a:spcPts val="0"/>
-                        </a:spcBef>
-                        <a:spcAft>
-                          <a:spcPts val="0"/>
-                        </a:spcAft>
-                        <a:buClrTx/>
-                        <a:buSzTx/>
-                        <a:buFontTx/>
-                        <a:buNone/>
-                        <a:tabLst/>
-                        <a:defRPr/>
-                      </a:pPr>
-                      <a:r>
-                        <a:rPr lang="nl-BE" dirty="0" smtClean="0"/>
-                        <a:t>In.Val.1/Initial Portfolio Value</a:t>
-                      </a:r>
-                    </a:p>
-                    <a:p>
-                      <a:pPr marL="0" marR="0" indent="0" algn="l" defTabSz="914400" rtl="0" eaLnBrk="1" fontAlgn="auto" latinLnBrk="0" hangingPunct="1">
-                        <a:lnSpc>
-                          <a:spcPct val="100000"/>
-                        </a:lnSpc>
-                        <a:spcBef>
-                          <a:spcPts val="0"/>
-                        </a:spcBef>
-                        <a:spcAft>
-                          <a:spcPts val="0"/>
-                        </a:spcAft>
-                        <a:buClrTx/>
-                        <a:buSzTx/>
-                        <a:buFontTx/>
-                        <a:buNone/>
-                        <a:tabLst/>
-                        <a:defRPr/>
-                      </a:pPr>
-                      <a:endParaRPr lang="nl-BE" dirty="0" smtClean="0"/>
-                    </a:p>
-                    <a:p>
-                      <a:endParaRPr lang="nl-BE" dirty="0"/>
-                    </a:p>
-                  </a:txBody>
-                  <a:tcPr/>
-                </a:tc>
-                <a:tc>
-                  <a:txBody>
-                    <a:bodyPr/>
-                    <a:lstStyle/>
-                    <a:p>
-                      <a:r>
-                        <a:rPr lang="nl-BE" dirty="0" smtClean="0"/>
-                        <a:t>In.Val.2</a:t>
-                      </a:r>
-                      <a:endParaRPr lang="nl-BE" dirty="0"/>
-                    </a:p>
-                  </a:txBody>
-                  <a:tcPr/>
-                </a:tc>
-                <a:tc>
-                  <a:txBody>
-                    <a:bodyPr/>
-                    <a:lstStyle/>
-                    <a:p>
-                      <a:r>
-                        <a:rPr lang="nl-BE" dirty="0" smtClean="0"/>
-                        <a:t>…</a:t>
-                      </a:r>
-                      <a:endParaRPr lang="nl-BE" dirty="0"/>
-                    </a:p>
-                  </a:txBody>
-                  <a:tcPr/>
-                </a:tc>
-                <a:tc>
-                  <a:txBody>
-                    <a:bodyPr/>
-                    <a:lstStyle/>
-                    <a:p>
-                      <a:r>
-                        <a:rPr lang="nl-BE" dirty="0" smtClean="0"/>
-                        <a:t>In.Val.N</a:t>
-                      </a:r>
-                      <a:endParaRPr lang="nl-BE" dirty="0"/>
-                    </a:p>
-                  </a:txBody>
-                  <a:tcPr/>
-                </a:tc>
-              </a:tr>
-              <a:tr h="1221740">
-                <a:tc>
-                  <a:txBody>
-                    <a:bodyPr/>
-                    <a:lstStyle/>
-                    <a:p>
-                      <a:r>
-                        <a:rPr lang="nl-BE" dirty="0" smtClean="0"/>
-                        <a:t>R1=</a:t>
-                      </a:r>
-                      <a:endParaRPr lang="nl-BE" dirty="0"/>
-                    </a:p>
-                  </a:txBody>
-                  <a:tcPr/>
-                </a:tc>
-                <a:tc>
-                  <a:txBody>
-                    <a:bodyPr/>
-                    <a:lstStyle/>
-                    <a:p>
-                      <a:r>
-                        <a:rPr lang="nl-BE" dirty="0" smtClean="0"/>
-                        <a:t>Fin.Val.2</a:t>
-                      </a:r>
-                      <a:endParaRPr lang="nl-BE" dirty="0"/>
-                    </a:p>
-                  </a:txBody>
-                  <a:tcPr/>
-                </a:tc>
-                <a:tc>
-                  <a:txBody>
-                    <a:bodyPr/>
-                    <a:lstStyle/>
-                    <a:p>
-                      <a:r>
-                        <a:rPr lang="nl-BE" dirty="0" smtClean="0"/>
-                        <a:t>…</a:t>
-                      </a:r>
-                      <a:endParaRPr lang="nl-BE" dirty="0"/>
-                    </a:p>
-                  </a:txBody>
-                  <a:tcPr/>
-                </a:tc>
-                <a:tc>
-                  <a:txBody>
-                    <a:bodyPr/>
-                    <a:lstStyle/>
-                    <a:p>
-                      <a:r>
-                        <a:rPr lang="nl-BE" dirty="0" smtClean="0"/>
-                        <a:t>Fin.Val.N</a:t>
-                      </a:r>
-                      <a:endParaRPr lang="nl-BE" dirty="0"/>
-                    </a:p>
-                  </a:txBody>
-                  <a:tcPr/>
-                </a:tc>
-              </a:tr>
-            </a:tbl>
-          </a:graphicData>
-        </a:graphic>
-      </p:graphicFrame>
+      <mc:AlternateContent xmlns:mc="http://schemas.openxmlformats.org/markup-compatibility/2006" xmlns:a14="http://schemas.microsoft.com/office/drawing/2010/main">
+        <mc:Choice Requires="a14">
+          <p:graphicFrame>
+            <p:nvGraphicFramePr>
+              <p:cNvPr id="7" name="Content Placeholder 7"/>
+              <p:cNvGraphicFramePr>
+                <a:graphicFrameLocks/>
+              </p:cNvGraphicFramePr>
+              <p:nvPr>
+                <p:extLst>
+                  <p:ext uri="{D42A27DB-BD31-4B8C-83A1-F6EECF244321}">
+                    <p14:modId xmlns:p14="http://schemas.microsoft.com/office/powerpoint/2010/main" val="2611136907"/>
+                  </p:ext>
+                </p:extLst>
+              </p:nvPr>
+            </p:nvGraphicFramePr>
+            <p:xfrm>
+              <a:off x="838200" y="2743200"/>
+              <a:ext cx="7467601" cy="2302948"/>
+            </p:xfrm>
+            <a:graphic>
+              <a:graphicData uri="http://schemas.openxmlformats.org/drawingml/2006/table">
+                <a:tbl>
+                  <a:tblPr firstRow="1" bandRow="1">
+                    <a:tableStyleId>{5C22544A-7EE6-4342-B048-85BDC9FD1C3A}</a:tableStyleId>
+                  </a:tblPr>
+                  <a:tblGrid>
+                    <a:gridCol w="3429000"/>
+                    <a:gridCol w="609600"/>
+                    <a:gridCol w="3429001"/>
+                  </a:tblGrid>
+                  <a:tr h="348813">
+                    <a:tc>
+                      <a:txBody>
+                        <a:bodyPr/>
+                        <a:lstStyle/>
+                        <a:p>
+                          <a:pPr algn="ctr"/>
+                          <a:r>
+                            <a:rPr lang="nl-BE" dirty="0" smtClean="0"/>
+                            <a:t>Asset 1</a:t>
+                          </a:r>
+                          <a:endParaRPr lang="nl-BE" dirty="0"/>
+                        </a:p>
+                      </a:txBody>
+                      <a:tcPr/>
+                    </a:tc>
+                    <a:tc>
+                      <a:txBody>
+                        <a:bodyPr/>
+                        <a:lstStyle/>
+                        <a:p>
+                          <a:pPr algn="ctr"/>
+                          <a:r>
+                            <a:rPr lang="nl-BE" dirty="0" smtClean="0"/>
+                            <a:t>…</a:t>
+                          </a:r>
+                          <a:endParaRPr lang="nl-BE" dirty="0"/>
+                        </a:p>
+                      </a:txBody>
+                      <a:tcPr/>
+                    </a:tc>
+                    <a:tc>
+                      <a:txBody>
+                        <a:bodyPr/>
+                        <a:lstStyle/>
+                        <a:p>
+                          <a:pPr algn="ctr"/>
+                          <a:r>
+                            <a:rPr lang="nl-BE" dirty="0" smtClean="0"/>
+                            <a:t>Asset N</a:t>
+                          </a:r>
+                          <a:endParaRPr lang="nl-BE" dirty="0"/>
+                        </a:p>
+                      </a:txBody>
+                      <a:tcPr/>
+                    </a:tc>
+                  </a:tr>
+                  <a:tr h="968594">
+                    <a:tc>
+                      <a:txBody>
+                        <a:bodyPr/>
+                        <a:lstStyle/>
+                        <a:p>
+                          <a:pPr marL="0" marR="0" indent="0" algn="ctr" defTabSz="914400" rtl="0" eaLnBrk="1" fontAlgn="auto" latinLnBrk="0" hangingPunct="1">
+                            <a:lnSpc>
+                              <a:spcPct val="100000"/>
+                            </a:lnSpc>
+                            <a:spcBef>
+                              <a:spcPts val="0"/>
+                            </a:spcBef>
+                            <a:spcAft>
+                              <a:spcPts val="0"/>
+                            </a:spcAft>
+                            <a:buClrTx/>
+                            <a:buSzTx/>
+                            <a:buFontTx/>
+                            <a:buNone/>
+                            <a:tabLst/>
+                            <a:defRPr/>
+                          </a:pPr>
+                          <a:r>
+                            <a:rPr lang="nl-BE" b="0" dirty="0" smtClean="0"/>
+                            <a:t>w</a:t>
+                          </a:r>
+                          <a:r>
+                            <a:rPr lang="nl-BE" b="0" baseline="-25000" dirty="0" smtClean="0"/>
+                            <a:t>1</a:t>
+                          </a:r>
+                          <a14:m>
+                            <m:oMath xmlns:m="http://schemas.openxmlformats.org/officeDocument/2006/math">
+                              <m:r>
+                                <a:rPr lang="nl-BE" i="1" smtClean="0">
+                                  <a:latin typeface="Cambria Math"/>
+                                </a:rPr>
+                                <m:t>=</m:t>
+                              </m:r>
+                              <m:f>
+                                <m:fPr>
+                                  <m:ctrlPr>
+                                    <a:rPr lang="nl-BE" i="1" smtClean="0">
+                                      <a:latin typeface="Cambria Math"/>
+                                    </a:rPr>
+                                  </m:ctrlPr>
+                                </m:fPr>
+                                <m:num>
+                                  <m:r>
+                                    <a:rPr lang="nl-BE" b="0" i="1" smtClean="0">
+                                      <a:latin typeface="Cambria Math"/>
+                                    </a:rPr>
+                                    <m:t>𝐼𝑛𝑉𝑎𝑙𝑢𝑒</m:t>
+                                  </m:r>
+                                  <m:r>
+                                    <a:rPr lang="nl-BE" b="0" i="1" smtClean="0">
+                                      <a:latin typeface="Cambria Math"/>
+                                    </a:rPr>
+                                    <m:t>.</m:t>
+                                  </m:r>
+                                  <m:r>
+                                    <a:rPr lang="nl-BE" b="0" i="1" smtClean="0">
+                                      <a:latin typeface="Cambria Math"/>
+                                    </a:rPr>
+                                    <m:t>𝐴𝑠𝑠𝑒𝑡</m:t>
+                                  </m:r>
+                                  <m:r>
+                                    <a:rPr lang="nl-BE" b="0" i="1" baseline="-25000" smtClean="0">
+                                      <a:latin typeface="Cambria Math"/>
+                                    </a:rPr>
+                                    <m:t>1</m:t>
+                                  </m:r>
+                                </m:num>
+                                <m:den>
+                                  <m:r>
+                                    <a:rPr lang="nl-BE" b="0" i="1" smtClean="0">
+                                      <a:latin typeface="Cambria Math"/>
+                                    </a:rPr>
+                                    <m:t>𝐼𝑛𝑉𝑎𝑙𝑢𝑒</m:t>
+                                  </m:r>
+                                  <m:r>
+                                    <a:rPr lang="nl-BE" b="0" i="1" smtClean="0">
+                                      <a:latin typeface="Cambria Math"/>
+                                    </a:rPr>
+                                    <m:t>.</m:t>
+                                  </m:r>
+                                  <m:r>
+                                    <a:rPr lang="nl-BE" b="0" i="1" smtClean="0">
+                                      <a:latin typeface="Cambria Math"/>
+                                    </a:rPr>
+                                    <m:t>𝑃𝑜𝑟𝑡𝑓𝑜𝑙𝑖𝑜</m:t>
+                                  </m:r>
+                                </m:den>
+                              </m:f>
+                            </m:oMath>
+                          </a14:m>
+                          <a:endParaRPr lang="nl-BE" dirty="0" smtClean="0"/>
+                        </a:p>
+                        <a:p>
+                          <a:pPr algn="ctr"/>
+                          <a:endParaRPr lang="nl-BE" dirty="0"/>
+                        </a:p>
+                      </a:txBody>
+                      <a:tcPr/>
+                    </a:tc>
+                    <a:tc>
+                      <a:txBody>
+                        <a:bodyPr/>
+                        <a:lstStyle/>
+                        <a:p>
+                          <a:pPr algn="ctr"/>
+                          <a:r>
+                            <a:rPr lang="nl-BE" dirty="0" smtClean="0"/>
+                            <a:t>…</a:t>
+                          </a:r>
+                          <a:endParaRPr lang="nl-BE" dirty="0"/>
+                        </a:p>
+                      </a:txBody>
+                      <a:tcPr/>
+                    </a:tc>
+                    <a:tc>
+                      <a:txBody>
+                        <a:bodyPr/>
+                        <a:lstStyle/>
+                        <a:p>
+                          <a:pPr algn="ctr"/>
+                          <a:r>
+                            <a:rPr lang="nl-BE" b="0" dirty="0" smtClean="0"/>
+                            <a:t>w</a:t>
+                          </a:r>
+                          <a:r>
+                            <a:rPr lang="nl-BE" b="0" baseline="-25000" dirty="0" smtClean="0"/>
+                            <a:t>N</a:t>
+                          </a:r>
+                          <a14:m>
+                            <m:oMath xmlns:m="http://schemas.openxmlformats.org/officeDocument/2006/math">
+                              <m:r>
+                                <a:rPr lang="nl-BE" i="1" smtClean="0">
+                                  <a:latin typeface="Cambria Math"/>
+                                </a:rPr>
+                                <m:t>=</m:t>
+                              </m:r>
+                              <m:f>
+                                <m:fPr>
+                                  <m:ctrlPr>
+                                    <a:rPr lang="nl-BE" i="1" smtClean="0">
+                                      <a:latin typeface="Cambria Math"/>
+                                    </a:rPr>
+                                  </m:ctrlPr>
+                                </m:fPr>
+                                <m:num>
+                                  <m:r>
+                                    <a:rPr lang="nl-BE" b="0" i="1" smtClean="0">
+                                      <a:latin typeface="Cambria Math"/>
+                                    </a:rPr>
+                                    <m:t>𝐼𝑛𝑉𝑎𝑙𝑢𝑒</m:t>
+                                  </m:r>
+                                  <m:r>
+                                    <a:rPr lang="nl-BE" b="0" i="1" smtClean="0">
+                                      <a:latin typeface="Cambria Math"/>
+                                    </a:rPr>
+                                    <m:t>.</m:t>
+                                  </m:r>
+                                  <m:r>
+                                    <a:rPr lang="nl-BE" b="0" i="1" smtClean="0">
+                                      <a:latin typeface="Cambria Math"/>
+                                    </a:rPr>
+                                    <m:t>𝐴𝑠𝑠𝑒𝑡𝑁</m:t>
+                                  </m:r>
+                                </m:num>
+                                <m:den>
+                                  <m:r>
+                                    <a:rPr lang="nl-BE" b="0" i="1" smtClean="0">
+                                      <a:latin typeface="Cambria Math"/>
+                                    </a:rPr>
+                                    <m:t>𝐼𝑛𝑉𝑎𝑙𝑢𝑒</m:t>
+                                  </m:r>
+                                  <m:r>
+                                    <a:rPr lang="nl-BE" b="0" i="1" smtClean="0">
+                                      <a:latin typeface="Cambria Math"/>
+                                    </a:rPr>
+                                    <m:t>.</m:t>
+                                  </m:r>
+                                  <m:r>
+                                    <a:rPr lang="nl-BE" b="0" i="1" smtClean="0">
+                                      <a:latin typeface="Cambria Math"/>
+                                    </a:rPr>
+                                    <m:t>𝑃𝑜𝑟𝑡𝑓𝑜𝑙𝑖𝑜</m:t>
+                                  </m:r>
+                                </m:den>
+                              </m:f>
+                            </m:oMath>
+                          </a14:m>
+                          <a:endParaRPr lang="nl-BE" dirty="0"/>
+                        </a:p>
+                      </a:txBody>
+                      <a:tcPr/>
+                    </a:tc>
+                  </a:tr>
+                  <a:tr h="968594">
+                    <a:tc>
+                      <a:txBody>
+                        <a:bodyPr/>
+                        <a:lstStyle/>
+                        <a:p>
+                          <a:pPr marL="0" marR="0" indent="0" algn="ctr" defTabSz="914400" rtl="0" eaLnBrk="1" fontAlgn="auto" latinLnBrk="0" hangingPunct="1">
+                            <a:lnSpc>
+                              <a:spcPct val="100000"/>
+                            </a:lnSpc>
+                            <a:spcBef>
+                              <a:spcPts val="0"/>
+                            </a:spcBef>
+                            <a:spcAft>
+                              <a:spcPts val="0"/>
+                            </a:spcAft>
+                            <a:buClrTx/>
+                            <a:buSzTx/>
+                            <a:buFontTx/>
+                            <a:buNone/>
+                            <a:tabLst/>
+                            <a:defRPr/>
+                          </a:pPr>
+                          <a:r>
+                            <a:rPr lang="nl-BE" b="0" dirty="0" smtClean="0"/>
+                            <a:t>R</a:t>
+                          </a:r>
+                          <a:r>
+                            <a:rPr lang="nl-BE" b="0" baseline="-25000" dirty="0" smtClean="0"/>
+                            <a:t>1</a:t>
+                          </a:r>
+                          <a14:m>
+                            <m:oMath xmlns:m="http://schemas.openxmlformats.org/officeDocument/2006/math">
+                              <m:r>
+                                <a:rPr lang="nl-BE" i="1" smtClean="0">
+                                  <a:latin typeface="Cambria Math"/>
+                                </a:rPr>
+                                <m:t>=</m:t>
+                              </m:r>
+                              <m:f>
+                                <m:fPr>
+                                  <m:ctrlPr>
+                                    <a:rPr lang="nl-BE" i="1" smtClean="0">
+                                      <a:latin typeface="Cambria Math"/>
+                                    </a:rPr>
+                                  </m:ctrlPr>
+                                </m:fPr>
+                                <m:num>
+                                  <m:r>
+                                    <a:rPr lang="nl-BE" b="0" i="1" smtClean="0">
+                                      <a:latin typeface="Cambria Math"/>
+                                    </a:rPr>
+                                    <m:t>𝐹𝑖𝑛𝑉𝑎𝑙𝑢𝑒</m:t>
+                                  </m:r>
+                                  <m:r>
+                                    <a:rPr lang="nl-BE" b="0" i="1" smtClean="0">
+                                      <a:latin typeface="Cambria Math"/>
+                                    </a:rPr>
+                                    <m:t>.</m:t>
+                                  </m:r>
+                                  <m:r>
+                                    <a:rPr lang="nl-BE" b="0" i="1" smtClean="0">
+                                      <a:latin typeface="Cambria Math"/>
+                                    </a:rPr>
+                                    <m:t>𝐴𝑠𝑠𝑒𝑡</m:t>
+                                  </m:r>
+                                  <m:r>
+                                    <a:rPr lang="nl-BE" b="0" i="1" baseline="-25000" smtClean="0">
+                                      <a:latin typeface="Cambria Math"/>
+                                    </a:rPr>
+                                    <m:t>1</m:t>
+                                  </m:r>
+                                  <m:r>
+                                    <a:rPr lang="nl-BE" b="0" i="1" smtClean="0">
+                                      <a:latin typeface="Cambria Math"/>
+                                    </a:rPr>
+                                    <m:t>−</m:t>
+                                  </m:r>
+                                  <m:r>
+                                    <a:rPr lang="nl-BE" b="0" i="1" smtClean="0">
+                                      <a:latin typeface="Cambria Math"/>
+                                    </a:rPr>
+                                    <m:t>𝐼𝑛𝑉𝑎𝑙𝑢𝑒</m:t>
+                                  </m:r>
+                                  <m:r>
+                                    <a:rPr lang="nl-BE" b="0" i="1" smtClean="0">
+                                      <a:latin typeface="Cambria Math"/>
+                                    </a:rPr>
+                                    <m:t>.</m:t>
+                                  </m:r>
+                                  <m:r>
+                                    <a:rPr lang="nl-BE" b="0" i="1" smtClean="0">
+                                      <a:latin typeface="Cambria Math"/>
+                                    </a:rPr>
+                                    <m:t>𝐴𝑠𝑠𝑒𝑡</m:t>
+                                  </m:r>
+                                  <m:r>
+                                    <a:rPr lang="nl-BE" b="0" i="1" baseline="-25000" smtClean="0">
+                                      <a:latin typeface="Cambria Math"/>
+                                    </a:rPr>
+                                    <m:t>1</m:t>
+                                  </m:r>
+                                </m:num>
+                                <m:den>
+                                  <m:r>
+                                    <a:rPr lang="nl-BE" b="0" i="1" smtClean="0">
+                                      <a:latin typeface="Cambria Math"/>
+                                    </a:rPr>
+                                    <m:t>𝐼𝑛𝑉𝑎𝑙𝑢𝑒</m:t>
+                                  </m:r>
+                                  <m:r>
+                                    <a:rPr lang="nl-BE" b="0" i="1" smtClean="0">
+                                      <a:latin typeface="Cambria Math"/>
+                                    </a:rPr>
+                                    <m:t>.</m:t>
+                                  </m:r>
+                                  <m:r>
+                                    <a:rPr lang="nl-BE" b="0" i="1" smtClean="0">
+                                      <a:latin typeface="Cambria Math"/>
+                                    </a:rPr>
+                                    <m:t>𝐴𝑠𝑠𝑒𝑡</m:t>
+                                  </m:r>
+                                  <m:r>
+                                    <a:rPr lang="nl-BE" b="0" i="1" baseline="-25000" smtClean="0">
+                                      <a:latin typeface="Cambria Math"/>
+                                    </a:rPr>
+                                    <m:t>1</m:t>
+                                  </m:r>
+                                </m:den>
+                              </m:f>
+                            </m:oMath>
+                          </a14:m>
+                          <a:endParaRPr lang="nl-BE" dirty="0" smtClean="0"/>
+                        </a:p>
+                      </a:txBody>
+                      <a:tcPr/>
+                    </a:tc>
+                    <a:tc>
+                      <a:txBody>
+                        <a:bodyPr/>
+                        <a:lstStyle/>
+                        <a:p>
+                          <a:pPr algn="ctr"/>
+                          <a:r>
+                            <a:rPr lang="nl-BE" dirty="0" smtClean="0"/>
+                            <a:t>…</a:t>
+                          </a:r>
+                          <a:endParaRPr lang="nl-BE" dirty="0"/>
+                        </a:p>
+                      </a:txBody>
+                      <a:tcPr/>
+                    </a:tc>
+                    <a:tc>
+                      <a:txBody>
+                        <a:bodyPr/>
+                        <a:lstStyle/>
+                        <a:p>
+                          <a:pPr algn="ctr"/>
+                          <a:r>
+                            <a:rPr lang="nl-BE" b="0" dirty="0" smtClean="0"/>
+                            <a:t>R</a:t>
+                          </a:r>
+                          <a:r>
+                            <a:rPr lang="nl-BE" b="0" baseline="-25000" dirty="0" smtClean="0"/>
+                            <a:t>N</a:t>
+                          </a:r>
+                          <a14:m>
+                            <m:oMath xmlns:m="http://schemas.openxmlformats.org/officeDocument/2006/math">
+                              <m:r>
+                                <a:rPr lang="nl-BE" i="1" smtClean="0">
+                                  <a:latin typeface="Cambria Math"/>
+                                </a:rPr>
+                                <m:t>=</m:t>
+                              </m:r>
+                              <m:f>
+                                <m:fPr>
+                                  <m:ctrlPr>
+                                    <a:rPr lang="nl-BE" i="1" smtClean="0">
+                                      <a:latin typeface="Cambria Math"/>
+                                    </a:rPr>
+                                  </m:ctrlPr>
+                                </m:fPr>
+                                <m:num>
+                                  <m:r>
+                                    <a:rPr lang="nl-BE" b="0" i="1" smtClean="0">
+                                      <a:latin typeface="Cambria Math"/>
+                                    </a:rPr>
+                                    <m:t>𝐹𝑖𝑛𝑉𝑎𝑙𝑢𝑒</m:t>
+                                  </m:r>
+                                  <m:r>
+                                    <a:rPr lang="nl-BE" b="0" i="1" smtClean="0">
+                                      <a:latin typeface="Cambria Math"/>
+                                    </a:rPr>
+                                    <m:t>.</m:t>
+                                  </m:r>
+                                  <m:r>
+                                    <a:rPr lang="nl-BE" b="0" i="1" smtClean="0">
+                                      <a:latin typeface="Cambria Math"/>
+                                    </a:rPr>
+                                    <m:t>𝐴𝑠𝑠𝑒𝑡𝑁</m:t>
+                                  </m:r>
+                                  <m:r>
+                                    <a:rPr lang="nl-BE" b="0" i="1" smtClean="0">
+                                      <a:latin typeface="Cambria Math"/>
+                                    </a:rPr>
+                                    <m:t>−</m:t>
+                                  </m:r>
+                                  <m:r>
+                                    <a:rPr lang="nl-BE" b="0" i="1" smtClean="0">
+                                      <a:latin typeface="Cambria Math"/>
+                                    </a:rPr>
+                                    <m:t>𝐼𝑛𝑉𝑎𝑙𝑢𝑒</m:t>
+                                  </m:r>
+                                  <m:r>
+                                    <a:rPr lang="nl-BE" b="0" i="1" smtClean="0">
+                                      <a:latin typeface="Cambria Math"/>
+                                    </a:rPr>
+                                    <m:t>.</m:t>
+                                  </m:r>
+                                  <m:r>
+                                    <a:rPr lang="nl-BE" b="0" i="1" smtClean="0">
+                                      <a:latin typeface="Cambria Math"/>
+                                    </a:rPr>
+                                    <m:t>𝐴𝑠𝑠𝑒𝑡𝑁</m:t>
+                                  </m:r>
+                                </m:num>
+                                <m:den>
+                                  <m:r>
+                                    <a:rPr lang="nl-BE" b="0" i="1" smtClean="0">
+                                      <a:latin typeface="Cambria Math"/>
+                                    </a:rPr>
+                                    <m:t>𝐼𝑛𝑉𝑎𝑙𝑢𝑒</m:t>
+                                  </m:r>
+                                  <m:r>
+                                    <a:rPr lang="nl-BE" b="0" i="1" smtClean="0">
+                                      <a:latin typeface="Cambria Math"/>
+                                    </a:rPr>
+                                    <m:t>.</m:t>
+                                  </m:r>
+                                  <m:r>
+                                    <a:rPr lang="nl-BE" b="0" i="1" smtClean="0">
+                                      <a:latin typeface="Cambria Math"/>
+                                    </a:rPr>
+                                    <m:t>𝐴𝑠𝑠𝑒𝑡𝑁</m:t>
+                                  </m:r>
+                                </m:den>
+                              </m:f>
+                            </m:oMath>
+                          </a14:m>
+                          <a:endParaRPr lang="nl-BE" dirty="0"/>
+                        </a:p>
+                      </a:txBody>
+                      <a:tcPr/>
+                    </a:tc>
+                  </a:tr>
+                </a:tbl>
+              </a:graphicData>
+            </a:graphic>
+          </p:graphicFrame>
+        </mc:Choice>
+        <mc:Fallback xmlns="">
+          <p:graphicFrame>
+            <p:nvGraphicFramePr>
+              <p:cNvPr id="7" name="Content Placeholder 7"/>
+              <p:cNvGraphicFramePr>
+                <a:graphicFrameLocks/>
+              </p:cNvGraphicFramePr>
+              <p:nvPr>
+                <p:extLst>
+                  <p:ext uri="{D42A27DB-BD31-4B8C-83A1-F6EECF244321}">
+                    <p14:modId xmlns:p14="http://schemas.microsoft.com/office/powerpoint/2010/main" val="2611136907"/>
+                  </p:ext>
+                </p:extLst>
+              </p:nvPr>
+            </p:nvGraphicFramePr>
+            <p:xfrm>
+              <a:off x="838200" y="2743200"/>
+              <a:ext cx="7467601" cy="2302948"/>
+            </p:xfrm>
+            <a:graphic>
+              <a:graphicData uri="http://schemas.openxmlformats.org/drawingml/2006/table">
+                <a:tbl>
+                  <a:tblPr firstRow="1" bandRow="1">
+                    <a:tableStyleId>{5C22544A-7EE6-4342-B048-85BDC9FD1C3A}</a:tableStyleId>
+                  </a:tblPr>
+                  <a:tblGrid>
+                    <a:gridCol w="3429000"/>
+                    <a:gridCol w="609600"/>
+                    <a:gridCol w="3429001"/>
+                  </a:tblGrid>
+                  <a:tr h="365760">
+                    <a:tc>
+                      <a:txBody>
+                        <a:bodyPr/>
+                        <a:lstStyle/>
+                        <a:p>
+                          <a:pPr algn="ctr"/>
+                          <a:r>
+                            <a:rPr lang="nl-BE" dirty="0" smtClean="0"/>
+                            <a:t>Asset </a:t>
+                          </a:r>
+                          <a:r>
+                            <a:rPr lang="nl-BE" dirty="0" smtClean="0"/>
+                            <a:t>1</a:t>
+                          </a:r>
+                          <a:endParaRPr lang="nl-BE" dirty="0"/>
+                        </a:p>
+                      </a:txBody>
+                      <a:tcPr/>
+                    </a:tc>
+                    <a:tc>
+                      <a:txBody>
+                        <a:bodyPr/>
+                        <a:lstStyle/>
+                        <a:p>
+                          <a:pPr algn="ctr"/>
+                          <a:r>
+                            <a:rPr lang="nl-BE" dirty="0" smtClean="0"/>
+                            <a:t>…</a:t>
+                          </a:r>
+                          <a:endParaRPr lang="nl-BE" dirty="0"/>
+                        </a:p>
+                      </a:txBody>
+                      <a:tcPr/>
+                    </a:tc>
+                    <a:tc>
+                      <a:txBody>
+                        <a:bodyPr/>
+                        <a:lstStyle/>
+                        <a:p>
+                          <a:pPr algn="ctr"/>
+                          <a:r>
+                            <a:rPr lang="nl-BE" dirty="0" smtClean="0"/>
+                            <a:t>Asset </a:t>
+                          </a:r>
+                          <a:r>
+                            <a:rPr lang="nl-BE" dirty="0" smtClean="0"/>
+                            <a:t>N</a:t>
+                          </a:r>
+                          <a:endParaRPr lang="nl-BE" dirty="0"/>
+                        </a:p>
+                      </a:txBody>
+                      <a:tcPr/>
+                    </a:tc>
+                  </a:tr>
+                  <a:tr h="968594">
+                    <a:tc>
+                      <a:txBody>
+                        <a:bodyPr/>
+                        <a:lstStyle/>
+                        <a:p>
+                          <a:endParaRPr lang="nl-BE"/>
+                        </a:p>
+                      </a:txBody>
+                      <a:tcPr>
+                        <a:blipFill rotWithShape="1">
+                          <a:blip r:embed="rId3"/>
+                          <a:stretch>
+                            <a:fillRect l="-178" t="-40881" r="-117972" b="-100000"/>
+                          </a:stretch>
+                        </a:blipFill>
+                      </a:tcPr>
+                    </a:tc>
+                    <a:tc>
+                      <a:txBody>
+                        <a:bodyPr/>
+                        <a:lstStyle/>
+                        <a:p>
+                          <a:pPr algn="ctr"/>
+                          <a:r>
+                            <a:rPr lang="nl-BE" dirty="0" smtClean="0"/>
+                            <a:t>…</a:t>
+                          </a:r>
+                          <a:endParaRPr lang="nl-BE" dirty="0"/>
+                        </a:p>
+                      </a:txBody>
+                      <a:tcPr/>
+                    </a:tc>
+                    <a:tc>
+                      <a:txBody>
+                        <a:bodyPr/>
+                        <a:lstStyle/>
+                        <a:p>
+                          <a:endParaRPr lang="nl-BE"/>
+                        </a:p>
+                      </a:txBody>
+                      <a:tcPr>
+                        <a:blipFill rotWithShape="1">
+                          <a:blip r:embed="rId3"/>
+                          <a:stretch>
+                            <a:fillRect l="-117762" t="-40881" b="-100000"/>
+                          </a:stretch>
+                        </a:blipFill>
+                      </a:tcPr>
+                    </a:tc>
+                  </a:tr>
+                  <a:tr h="968594">
+                    <a:tc>
+                      <a:txBody>
+                        <a:bodyPr/>
+                        <a:lstStyle/>
+                        <a:p>
+                          <a:endParaRPr lang="nl-BE"/>
+                        </a:p>
+                      </a:txBody>
+                      <a:tcPr>
+                        <a:blipFill rotWithShape="1">
+                          <a:blip r:embed="rId3"/>
+                          <a:stretch>
+                            <a:fillRect l="-178" t="-140881" r="-117972"/>
+                          </a:stretch>
+                        </a:blipFill>
+                      </a:tcPr>
+                    </a:tc>
+                    <a:tc>
+                      <a:txBody>
+                        <a:bodyPr/>
+                        <a:lstStyle/>
+                        <a:p>
+                          <a:pPr algn="ctr"/>
+                          <a:r>
+                            <a:rPr lang="nl-BE" dirty="0" smtClean="0"/>
+                            <a:t>…</a:t>
+                          </a:r>
+                          <a:endParaRPr lang="nl-BE" dirty="0"/>
+                        </a:p>
+                      </a:txBody>
+                      <a:tcPr/>
+                    </a:tc>
+                    <a:tc>
+                      <a:txBody>
+                        <a:bodyPr/>
+                        <a:lstStyle/>
+                        <a:p>
+                          <a:endParaRPr lang="nl-BE"/>
+                        </a:p>
+                      </a:txBody>
+                      <a:tcPr>
+                        <a:blipFill rotWithShape="1">
+                          <a:blip r:embed="rId3"/>
+                          <a:stretch>
+                            <a:fillRect l="-117762" t="-140881"/>
+                          </a:stretch>
+                        </a:blipFill>
+                      </a:tcPr>
+                    </a:tc>
+                  </a:tr>
+                </a:tbl>
+              </a:graphicData>
+            </a:graphic>
+          </p:graphicFrame>
+        </mc:Fallback>
+      </mc:AlternateContent>
+      <mc:AlternateContent xmlns:mc="http://schemas.openxmlformats.org/markup-compatibility/2006" xmlns:a14="http://schemas.microsoft.com/office/drawing/2010/main">
+        <mc:Choice Requires="a14">
+          <p:sp>
+            <p:nvSpPr>
+              <p:cNvPr id="4" name="TextBox 3"/>
+              <p:cNvSpPr txBox="1"/>
+              <p:nvPr/>
+            </p:nvSpPr>
+            <p:spPr>
+              <a:xfrm>
+                <a:off x="914400" y="5953780"/>
+                <a:ext cx="6858000" cy="523220"/>
+              </a:xfrm>
+              <a:prstGeom prst="rect">
+                <a:avLst/>
+              </a:prstGeom>
+              <a:noFill/>
+            </p:spPr>
+            <p:txBody>
+              <a:bodyPr wrap="square" rtlCol="0">
+                <a:spAutoFit/>
+              </a:bodyPr>
+              <a:lstStyle/>
+              <a:p>
+                <a14:m>
+                  <m:oMath xmlns:m="http://schemas.openxmlformats.org/officeDocument/2006/math">
+                    <m:r>
+                      <a:rPr lang="nl-BE" sz="2800" b="0" i="1" smtClean="0">
+                        <a:latin typeface="Cambria Math"/>
+                      </a:rPr>
+                      <m:t>𝑃𝑜𝑟𝑡𝑓𝑜𝑙𝑖𝑜</m:t>
+                    </m:r>
+                    <m:r>
+                      <a:rPr lang="nl-BE" sz="2800" b="0" i="1" smtClean="0">
+                        <a:latin typeface="Cambria Math"/>
+                      </a:rPr>
+                      <m:t> </m:t>
+                    </m:r>
+                    <m:r>
+                      <a:rPr lang="nl-BE" sz="2800" b="0" i="1" smtClean="0">
+                        <a:latin typeface="Cambria Math"/>
+                      </a:rPr>
+                      <m:t>𝑅𝑒𝑡𝑢𝑟𝑛</m:t>
+                    </m:r>
+                    <m:r>
+                      <a:rPr lang="nl-BE" sz="2800" b="0" i="1" smtClean="0">
+                        <a:latin typeface="Cambria Math"/>
+                      </a:rPr>
+                      <m:t>=</m:t>
+                    </m:r>
+                  </m:oMath>
+                </a14:m>
+                <a:r>
+                  <a:rPr lang="nl-BE" sz="2800" dirty="0" smtClean="0"/>
+                  <a:t> w</a:t>
+                </a:r>
+                <a:r>
+                  <a:rPr lang="nl-BE" sz="2800" baseline="-25000" dirty="0" smtClean="0"/>
+                  <a:t>1</a:t>
+                </a:r>
+                <a:r>
+                  <a:rPr lang="nl-BE" sz="2800" dirty="0" smtClean="0"/>
+                  <a:t>R</a:t>
+                </a:r>
+                <a:r>
+                  <a:rPr lang="nl-BE" sz="2800" baseline="-25000" dirty="0" smtClean="0"/>
+                  <a:t>1</a:t>
+                </a:r>
+                <a:r>
+                  <a:rPr lang="nl-BE" sz="2800" dirty="0" smtClean="0"/>
+                  <a:t>+w</a:t>
+                </a:r>
+                <a:r>
+                  <a:rPr lang="nl-BE" sz="2800" baseline="-25000" dirty="0" smtClean="0"/>
+                  <a:t>2</a:t>
+                </a:r>
+                <a:r>
+                  <a:rPr lang="nl-BE" sz="2800" dirty="0"/>
+                  <a:t>R</a:t>
+                </a:r>
+                <a:r>
+                  <a:rPr lang="nl-BE" sz="2800" baseline="-25000" dirty="0" smtClean="0"/>
+                  <a:t>2</a:t>
+                </a:r>
+                <a:r>
+                  <a:rPr lang="nl-BE" sz="2800" dirty="0" smtClean="0"/>
+                  <a:t>+…w</a:t>
+                </a:r>
+                <a:r>
+                  <a:rPr lang="nl-BE" sz="2800" baseline="-25000" dirty="0" smtClean="0"/>
+                  <a:t>N</a:t>
+                </a:r>
+                <a:r>
+                  <a:rPr lang="nl-BE" sz="2800" dirty="0"/>
+                  <a:t>R</a:t>
+                </a:r>
+                <a:r>
+                  <a:rPr lang="nl-BE" sz="2800" baseline="-25000" dirty="0" smtClean="0"/>
+                  <a:t>N </a:t>
+                </a:r>
+                <a:endParaRPr lang="nl-BE" sz="2800" dirty="0"/>
+              </a:p>
+            </p:txBody>
+          </p:sp>
+        </mc:Choice>
+        <mc:Fallback xmlns="">
+          <p:sp>
+            <p:nvSpPr>
+              <p:cNvPr id="4" name="TextBox 3"/>
+              <p:cNvSpPr txBox="1">
+                <a:spLocks noRot="1" noChangeAspect="1" noMove="1" noResize="1" noEditPoints="1" noAdjustHandles="1" noChangeArrowheads="1" noChangeShapeType="1" noTextEdit="1"/>
+              </p:cNvSpPr>
+              <p:nvPr/>
+            </p:nvSpPr>
+            <p:spPr>
+              <a:xfrm>
+                <a:off x="914400" y="5953780"/>
+                <a:ext cx="6858000" cy="523220"/>
+              </a:xfrm>
+              <a:prstGeom prst="rect">
+                <a:avLst/>
+              </a:prstGeom>
+              <a:blipFill rotWithShape="1">
+                <a:blip r:embed="rId4"/>
+                <a:stretch>
+                  <a:fillRect t="-10465" b="-32558"/>
+                </a:stretch>
+              </a:blipFill>
+            </p:spPr>
+            <p:txBody>
+              <a:bodyPr/>
+              <a:lstStyle/>
+              <a:p>
+                <a:r>
+                  <a:rPr lang="nl-BE">
+                    <a:noFill/>
+                  </a:rPr>
+                  <a:t> </a:t>
+                </a:r>
+              </a:p>
+            </p:txBody>
+          </p:sp>
+        </mc:Fallback>
+      </mc:AlternateContent>
+      <p:sp>
+        <p:nvSpPr>
+          <p:cNvPr id="2" name="Down Arrow 1"/>
+          <p:cNvSpPr/>
+          <p:nvPr/>
+        </p:nvSpPr>
+        <p:spPr>
+          <a:xfrm>
+            <a:off x="4343400" y="2286000"/>
+            <a:ext cx="381000" cy="304800"/>
+          </a:xfrm>
+          <a:prstGeom prst="downArrow">
+            <a:avLst/>
+          </a:prstGeom>
+        </p:spPr>
+        <p:style>
+          <a:lnRef idx="2">
+            <a:schemeClr val="accent1">
+              <a:shade val="50000"/>
+            </a:schemeClr>
+          </a:lnRef>
+          <a:fillRef idx="1">
+            <a:schemeClr val="accent1"/>
+          </a:fillRef>
+          <a:effectRef idx="0">
+            <a:schemeClr val="accent1"/>
+          </a:effectRef>
+          <a:fontRef idx="minor">
+            <a:schemeClr val="lt1"/>
+          </a:fontRef>
+        </p:style>
+        <p:txBody>
+          <a:bodyPr rtlCol="0" anchor="ctr"/>
+          <a:lstStyle/>
+          <a:p>
+            <a:pPr algn="ctr"/>
+            <a:endParaRPr lang="nl-BE"/>
+          </a:p>
+        </p:txBody>
+      </p:sp>
+      <p:sp>
+        <p:nvSpPr>
+          <p:cNvPr id="8" name="Down Arrow 7"/>
+          <p:cNvSpPr/>
+          <p:nvPr/>
+        </p:nvSpPr>
+        <p:spPr>
+          <a:xfrm>
+            <a:off x="4343400" y="5410200"/>
+            <a:ext cx="381000" cy="304800"/>
+          </a:xfrm>
+          <a:prstGeom prst="downArrow">
+            <a:avLst/>
+          </a:prstGeom>
+        </p:spPr>
+        <p:style>
+          <a:lnRef idx="2">
+            <a:schemeClr val="accent1">
+              <a:shade val="50000"/>
+            </a:schemeClr>
+          </a:lnRef>
+          <a:fillRef idx="1">
+            <a:schemeClr val="accent1"/>
+          </a:fillRef>
+          <a:effectRef idx="0">
+            <a:schemeClr val="accent1"/>
+          </a:effectRef>
+          <a:fontRef idx="minor">
+            <a:schemeClr val="lt1"/>
+          </a:fontRef>
+        </p:style>
+        <p:txBody>
+          <a:bodyPr rtlCol="0" anchor="ctr"/>
+          <a:lstStyle/>
+          <a:p>
+            <a:pPr algn="ctr"/>
+            <a:endParaRPr lang="nl-BE"/>
+          </a:p>
+        </p:txBody>
+      </p:sp>
     </p:spTree>
     <p:extLst>
       <p:ext uri="{BB962C8B-B14F-4D97-AF65-F5344CB8AC3E}">
@@ -9176,48 +10500,880 @@
           <a:chExt cx="0" cy="0"/>
         </a:xfrm>
       </p:grpSpPr>
-      <p:sp>
-        <p:nvSpPr>
-          <p:cNvPr id="2" name="Title 1"/>
-          <p:cNvSpPr>
-            <a:spLocks noGrp="1"/>
-          </p:cNvSpPr>
-          <p:nvPr>
-            <p:ph type="title"/>
-          </p:nvPr>
-        </p:nvSpPr>
-        <p:spPr/>
-        <p:txBody>
-          <a:bodyPr/>
-          <a:lstStyle/>
-          <a:p>
+      <mc:AlternateContent xmlns:mc="http://schemas.openxmlformats.org/markup-compatibility/2006">
+        <mc:Choice xmlns:a14="http://schemas.microsoft.com/office/drawing/2010/main" Requires="a14">
+          <p:graphicFrame>
+            <p:nvGraphicFramePr>
+              <p:cNvPr id="6" name="Content Placeholder 7"/>
+              <p:cNvGraphicFramePr>
+                <a:graphicFrameLocks/>
+              </p:cNvGraphicFramePr>
+              <p:nvPr>
+                <p:extLst>
+                  <p:ext uri="{D42A27DB-BD31-4B8C-83A1-F6EECF244321}">
+                    <p14:modId xmlns:p14="http://schemas.microsoft.com/office/powerpoint/2010/main" val="1075077842"/>
+                  </p:ext>
+                </p:extLst>
+              </p:nvPr>
+            </p:nvGraphicFramePr>
+            <p:xfrm>
+              <a:off x="762000" y="2743200"/>
+              <a:ext cx="7010400" cy="1826231"/>
+            </p:xfrm>
+            <a:graphic>
+              <a:graphicData uri="http://schemas.openxmlformats.org/drawingml/2006/table">
+                <a:tbl>
+                  <a:tblPr firstRow="1" bandRow="1">
+                    <a:tableStyleId>{5C22544A-7EE6-4342-B048-85BDC9FD1C3A}</a:tableStyleId>
+                  </a:tblPr>
+                  <a:tblGrid>
+                    <a:gridCol w="3626069"/>
+                    <a:gridCol w="3384331"/>
+                  </a:tblGrid>
+                  <a:tr h="266250">
+                    <a:tc>
+                      <a:txBody>
+                        <a:bodyPr/>
+                        <a:lstStyle/>
+                        <a:p>
+                          <a:pPr algn="ctr"/>
+                          <a:r>
+                            <a:rPr lang="nl-BE" dirty="0" smtClean="0"/>
+                            <a:t>Asset 1</a:t>
+                          </a:r>
+                          <a:endParaRPr lang="nl-BE" dirty="0"/>
+                        </a:p>
+                      </a:txBody>
+                      <a:tcPr/>
+                    </a:tc>
+                    <a:tc>
+                      <a:txBody>
+                        <a:bodyPr/>
+                        <a:lstStyle/>
+                        <a:p>
+                          <a:pPr algn="ctr"/>
+                          <a:r>
+                            <a:rPr lang="nl-BE" dirty="0" smtClean="0"/>
+                            <a:t>Asset </a:t>
+                          </a:r>
+                          <a:r>
+                            <a:rPr lang="nl-BE" dirty="0" smtClean="0"/>
+                            <a:t>2</a:t>
+                          </a:r>
+                          <a:endParaRPr lang="nl-BE" dirty="0"/>
+                        </a:p>
+                      </a:txBody>
+                      <a:tcPr/>
+                    </a:tc>
+                  </a:tr>
+                  <a:tr h="705075">
+                    <a:tc>
+                      <a:txBody>
+                        <a:bodyPr/>
+                        <a:lstStyle/>
+                        <a:p>
+                          <a:pPr marL="0" marR="0" indent="0" algn="ctr" defTabSz="914400" rtl="0" eaLnBrk="1" fontAlgn="auto" latinLnBrk="0" hangingPunct="1">
+                            <a:lnSpc>
+                              <a:spcPct val="100000"/>
+                            </a:lnSpc>
+                            <a:spcBef>
+                              <a:spcPts val="0"/>
+                            </a:spcBef>
+                            <a:spcAft>
+                              <a:spcPts val="0"/>
+                            </a:spcAft>
+                            <a:buClrTx/>
+                            <a:buSzTx/>
+                            <a:buFontTx/>
+                            <a:buNone/>
+                            <a:tabLst/>
+                            <a:defRPr/>
+                          </a:pPr>
+                          <a:r>
+                            <a:rPr lang="nl-BE" b="0" dirty="0" smtClean="0"/>
+                            <a:t>w</a:t>
+                          </a:r>
+                          <a:r>
+                            <a:rPr lang="nl-BE" b="0" baseline="-25000" dirty="0" smtClean="0"/>
+                            <a:t>1</a:t>
+                          </a:r>
+                          <a14:m>
+                            <m:oMath xmlns:m="http://schemas.openxmlformats.org/officeDocument/2006/math">
+                              <m:r>
+                                <a:rPr lang="nl-BE" i="1" smtClean="0">
+                                  <a:latin typeface="Cambria Math"/>
+                                </a:rPr>
+                                <m:t>=</m:t>
+                              </m:r>
+                              <m:f>
+                                <m:fPr>
+                                  <m:ctrlPr>
+                                    <a:rPr lang="nl-BE" i="1" smtClean="0">
+                                      <a:latin typeface="Cambria Math"/>
+                                    </a:rPr>
+                                  </m:ctrlPr>
+                                </m:fPr>
+                                <m:num>
+                                  <m:r>
+                                    <a:rPr lang="nl-BE" b="0" i="1" smtClean="0">
+                                      <a:latin typeface="Cambria Math"/>
+                                    </a:rPr>
+                                    <m:t>200</m:t>
+                                  </m:r>
+                                </m:num>
+                                <m:den>
+                                  <m:r>
+                                    <a:rPr lang="nl-BE" b="0" i="1" smtClean="0">
+                                      <a:latin typeface="Cambria Math"/>
+                                    </a:rPr>
+                                    <m:t>500</m:t>
+                                  </m:r>
+                                </m:den>
+                              </m:f>
+                              <m:r>
+                                <a:rPr lang="nl-BE" b="0" i="1" smtClean="0">
+                                  <a:latin typeface="Cambria Math"/>
+                                </a:rPr>
+                                <m:t>=40%</m:t>
+                              </m:r>
+                            </m:oMath>
+                          </a14:m>
+                          <a:endParaRPr lang="nl-BE" dirty="0" smtClean="0"/>
+                        </a:p>
+                        <a:p>
+                          <a:pPr algn="ctr"/>
+                          <a:endParaRPr lang="nl-BE" dirty="0"/>
+                        </a:p>
+                      </a:txBody>
+                      <a:tcPr/>
+                    </a:tc>
+                    <a:tc>
+                      <a:txBody>
+                        <a:bodyPr/>
+                        <a:lstStyle/>
+                        <a:p>
+                          <a:pPr marL="0" marR="0" indent="0" algn="ctr" defTabSz="914400" rtl="0" eaLnBrk="1" fontAlgn="auto" latinLnBrk="0" hangingPunct="1">
+                            <a:lnSpc>
+                              <a:spcPct val="100000"/>
+                            </a:lnSpc>
+                            <a:spcBef>
+                              <a:spcPts val="0"/>
+                            </a:spcBef>
+                            <a:spcAft>
+                              <a:spcPts val="0"/>
+                            </a:spcAft>
+                            <a:buClrTx/>
+                            <a:buSzTx/>
+                            <a:buFontTx/>
+                            <a:buNone/>
+                            <a:tabLst/>
+                            <a:defRPr/>
+                          </a:pPr>
+                          <a:r>
+                            <a:rPr lang="nl-BE" b="0" dirty="0" smtClean="0"/>
+                            <a:t>w</a:t>
+                          </a:r>
+                          <a:r>
+                            <a:rPr lang="nl-BE" b="0" baseline="-25000" dirty="0" smtClean="0"/>
+                            <a:t>2</a:t>
+                          </a:r>
+                          <a14:m>
+                            <m:oMath xmlns:m="http://schemas.openxmlformats.org/officeDocument/2006/math">
+                              <m:r>
+                                <a:rPr lang="nl-BE" i="1" smtClean="0">
+                                  <a:latin typeface="Cambria Math"/>
+                                </a:rPr>
+                                <m:t>=</m:t>
+                              </m:r>
+                              <m:f>
+                                <m:fPr>
+                                  <m:ctrlPr>
+                                    <a:rPr lang="nl-BE" i="1" smtClean="0">
+                                      <a:latin typeface="Cambria Math"/>
+                                    </a:rPr>
+                                  </m:ctrlPr>
+                                </m:fPr>
+                                <m:num>
+                                  <m:r>
+                                    <a:rPr lang="nl-BE" b="0" i="1" smtClean="0">
+                                      <a:latin typeface="Cambria Math"/>
+                                    </a:rPr>
+                                    <m:t>3</m:t>
+                                  </m:r>
+                                  <m:r>
+                                    <a:rPr lang="nl-BE" b="0" i="1" smtClean="0">
+                                      <a:latin typeface="Cambria Math"/>
+                                    </a:rPr>
+                                    <m:t>00</m:t>
+                                  </m:r>
+                                </m:num>
+                                <m:den>
+                                  <m:r>
+                                    <a:rPr lang="nl-BE" b="0" i="1" smtClean="0">
+                                      <a:latin typeface="Cambria Math"/>
+                                    </a:rPr>
+                                    <m:t>500</m:t>
+                                  </m:r>
+                                </m:den>
+                              </m:f>
+                              <m:r>
+                                <a:rPr lang="nl-BE" b="0" i="1" smtClean="0">
+                                  <a:latin typeface="Cambria Math"/>
+                                </a:rPr>
+                                <m:t>=</m:t>
+                              </m:r>
+                              <m:r>
+                                <a:rPr lang="nl-BE" b="0" i="1" smtClean="0">
+                                  <a:latin typeface="Cambria Math"/>
+                                </a:rPr>
+                                <m:t>6</m:t>
+                              </m:r>
+                              <m:r>
+                                <a:rPr lang="nl-BE" b="0" i="1" smtClean="0">
+                                  <a:latin typeface="Cambria Math"/>
+                                </a:rPr>
+                                <m:t>0%</m:t>
+                              </m:r>
+                            </m:oMath>
+                          </a14:m>
+                          <a:endParaRPr lang="nl-BE" dirty="0" smtClean="0"/>
+                        </a:p>
+                        <a:p>
+                          <a:pPr algn="ctr"/>
+                          <a:endParaRPr lang="nl-BE" dirty="0"/>
+                        </a:p>
+                      </a:txBody>
+                      <a:tcPr/>
+                    </a:tc>
+                  </a:tr>
+                  <a:tr h="705075">
+                    <a:tc>
+                      <a:txBody>
+                        <a:bodyPr/>
+                        <a:lstStyle/>
+                        <a:p>
+                          <a:pPr marL="0" marR="0" indent="0" algn="ctr" defTabSz="914400" rtl="0" eaLnBrk="1" fontAlgn="auto" latinLnBrk="0" hangingPunct="1">
+                            <a:lnSpc>
+                              <a:spcPct val="100000"/>
+                            </a:lnSpc>
+                            <a:spcBef>
+                              <a:spcPts val="0"/>
+                            </a:spcBef>
+                            <a:spcAft>
+                              <a:spcPts val="0"/>
+                            </a:spcAft>
+                            <a:buClrTx/>
+                            <a:buSzTx/>
+                            <a:buFontTx/>
+                            <a:buNone/>
+                            <a:tabLst/>
+                            <a:defRPr/>
+                          </a:pPr>
+                          <a:r>
+                            <a:rPr lang="nl-BE" b="0" dirty="0" smtClean="0"/>
+                            <a:t>R</a:t>
+                          </a:r>
+                          <a:r>
+                            <a:rPr lang="nl-BE" b="0" baseline="-25000" dirty="0" smtClean="0"/>
+                            <a:t>1</a:t>
+                          </a:r>
+                          <a14:m>
+                            <m:oMath xmlns:m="http://schemas.openxmlformats.org/officeDocument/2006/math">
+                              <m:r>
+                                <a:rPr lang="nl-BE" i="1" smtClean="0">
+                                  <a:latin typeface="Cambria Math"/>
+                                </a:rPr>
+                                <m:t>=</m:t>
+                              </m:r>
+                              <m:f>
+                                <m:fPr>
+                                  <m:ctrlPr>
+                                    <a:rPr lang="nl-BE" i="1" smtClean="0">
+                                      <a:latin typeface="Cambria Math"/>
+                                    </a:rPr>
+                                  </m:ctrlPr>
+                                </m:fPr>
+                                <m:num>
+                                  <m:r>
+                                    <a:rPr lang="nl-BE" b="0" i="1" smtClean="0">
+                                      <a:latin typeface="Cambria Math"/>
+                                    </a:rPr>
+                                    <m:t>180−200</m:t>
+                                  </m:r>
+                                </m:num>
+                                <m:den>
+                                  <m:r>
+                                    <a:rPr lang="nl-BE" b="0" i="1" smtClean="0">
+                                      <a:latin typeface="Cambria Math"/>
+                                    </a:rPr>
+                                    <m:t>200</m:t>
+                                  </m:r>
+                                </m:den>
+                              </m:f>
+                            </m:oMath>
+                          </a14:m>
+                          <a:r>
+                            <a:rPr lang="nl-BE" dirty="0" smtClean="0"/>
+                            <a:t>=-10%</a:t>
+                          </a:r>
+                          <a:endParaRPr lang="nl-BE" dirty="0" smtClean="0"/>
+                        </a:p>
+                      </a:txBody>
+                      <a:tcPr/>
+                    </a:tc>
+                    <a:tc>
+                      <a:txBody>
+                        <a:bodyPr/>
+                        <a:lstStyle/>
+                        <a:p>
+                          <a:pPr algn="ctr"/>
+                          <a:r>
+                            <a:rPr lang="nl-BE" b="0" dirty="0" smtClean="0"/>
+                            <a:t>R</a:t>
+                          </a:r>
+                          <a:r>
+                            <a:rPr lang="nl-BE" b="0" baseline="-25000" dirty="0" smtClean="0"/>
+                            <a:t>2</a:t>
+                          </a:r>
+                          <a14:m>
+                            <m:oMath xmlns:m="http://schemas.openxmlformats.org/officeDocument/2006/math">
+                              <m:r>
+                                <a:rPr lang="nl-BE" i="1" smtClean="0">
+                                  <a:latin typeface="Cambria Math"/>
+                                </a:rPr>
+                                <m:t>=</m:t>
+                              </m:r>
+                              <m:f>
+                                <m:fPr>
+                                  <m:ctrlPr>
+                                    <a:rPr lang="nl-BE" i="1" smtClean="0">
+                                      <a:latin typeface="Cambria Math"/>
+                                    </a:rPr>
+                                  </m:ctrlPr>
+                                </m:fPr>
+                                <m:num>
+                                  <m:r>
+                                    <a:rPr lang="nl-BE" b="0" i="1" smtClean="0">
+                                      <a:latin typeface="Cambria Math"/>
+                                    </a:rPr>
+                                    <m:t>330−300</m:t>
+                                  </m:r>
+                                </m:num>
+                                <m:den>
+                                  <m:r>
+                                    <a:rPr lang="nl-BE" b="0" i="1" smtClean="0">
+                                      <a:latin typeface="Cambria Math"/>
+                                    </a:rPr>
+                                    <m:t>300</m:t>
+                                  </m:r>
+                                </m:den>
+                              </m:f>
+                            </m:oMath>
+                          </a14:m>
+                          <a:r>
+                            <a:rPr lang="nl-BE" dirty="0" smtClean="0"/>
+                            <a:t>=10%</a:t>
+                          </a:r>
+                          <a:endParaRPr lang="nl-BE" dirty="0"/>
+                        </a:p>
+                      </a:txBody>
+                      <a:tcPr/>
+                    </a:tc>
+                  </a:tr>
+                </a:tbl>
+              </a:graphicData>
+            </a:graphic>
+          </p:graphicFrame>
+        </mc:Choice>
+        <mc:Fallback>
+          <p:graphicFrame>
+            <p:nvGraphicFramePr>
+              <p:cNvPr id="6" name="Content Placeholder 7"/>
+              <p:cNvGraphicFramePr>
+                <a:graphicFrameLocks/>
+              </p:cNvGraphicFramePr>
+              <p:nvPr>
+                <p:extLst>
+                  <p:ext uri="{D42A27DB-BD31-4B8C-83A1-F6EECF244321}">
+                    <p14:modId xmlns:p14="http://schemas.microsoft.com/office/powerpoint/2010/main" val="1075077842"/>
+                  </p:ext>
+                </p:extLst>
+              </p:nvPr>
+            </p:nvGraphicFramePr>
+            <p:xfrm>
+              <a:off x="762000" y="2743200"/>
+              <a:ext cx="7010400" cy="1826231"/>
+            </p:xfrm>
+            <a:graphic>
+              <a:graphicData uri="http://schemas.openxmlformats.org/drawingml/2006/table">
+                <a:tbl>
+                  <a:tblPr firstRow="1" bandRow="1">
+                    <a:tableStyleId>{5C22544A-7EE6-4342-B048-85BDC9FD1C3A}</a:tableStyleId>
+                  </a:tblPr>
+                  <a:tblGrid>
+                    <a:gridCol w="3626069"/>
+                    <a:gridCol w="3384331"/>
+                  </a:tblGrid>
+                  <a:tr h="365760">
+                    <a:tc>
+                      <a:txBody>
+                        <a:bodyPr/>
+                        <a:lstStyle/>
+                        <a:p>
+                          <a:pPr algn="ctr"/>
+                          <a:r>
+                            <a:rPr lang="nl-BE" dirty="0" smtClean="0"/>
+                            <a:t>Asset 1</a:t>
+                          </a:r>
+                          <a:endParaRPr lang="nl-BE" dirty="0"/>
+                        </a:p>
+                      </a:txBody>
+                      <a:tcPr/>
+                    </a:tc>
+                    <a:tc>
+                      <a:txBody>
+                        <a:bodyPr/>
+                        <a:lstStyle/>
+                        <a:p>
+                          <a:pPr algn="ctr"/>
+                          <a:r>
+                            <a:rPr lang="nl-BE" dirty="0" smtClean="0"/>
+                            <a:t>Asset </a:t>
+                          </a:r>
+                          <a:r>
+                            <a:rPr lang="nl-BE" dirty="0" smtClean="0"/>
+                            <a:t>2</a:t>
+                          </a:r>
+                          <a:endParaRPr lang="nl-BE" dirty="0"/>
+                        </a:p>
+                      </a:txBody>
+                      <a:tcPr/>
+                    </a:tc>
+                  </a:tr>
+                  <a:tr h="755396">
+                    <a:tc>
+                      <a:txBody>
+                        <a:bodyPr/>
+                        <a:lstStyle/>
+                        <a:p>
+                          <a:endParaRPr lang="nl-BE"/>
+                        </a:p>
+                      </a:txBody>
+                      <a:tcPr>
+                        <a:blipFill rotWithShape="1">
+                          <a:blip r:embed="rId3"/>
+                          <a:stretch>
+                            <a:fillRect t="-52419" r="-93277" b="-93548"/>
+                          </a:stretch>
+                        </a:blipFill>
+                      </a:tcPr>
+                    </a:tc>
+                    <a:tc>
+                      <a:txBody>
+                        <a:bodyPr/>
+                        <a:lstStyle/>
+                        <a:p>
+                          <a:endParaRPr lang="nl-BE"/>
+                        </a:p>
+                      </a:txBody>
+                      <a:tcPr>
+                        <a:blipFill rotWithShape="1">
+                          <a:blip r:embed="rId3"/>
+                          <a:stretch>
+                            <a:fillRect l="-107207" t="-52419" b="-93548"/>
+                          </a:stretch>
+                        </a:blipFill>
+                      </a:tcPr>
+                    </a:tc>
+                  </a:tr>
+                  <a:tr h="705075">
+                    <a:tc>
+                      <a:txBody>
+                        <a:bodyPr/>
+                        <a:lstStyle/>
+                        <a:p>
+                          <a:endParaRPr lang="nl-BE"/>
+                        </a:p>
+                      </a:txBody>
+                      <a:tcPr>
+                        <a:blipFill rotWithShape="1">
+                          <a:blip r:embed="rId3"/>
+                          <a:stretch>
+                            <a:fillRect t="-162931" r="-93277"/>
+                          </a:stretch>
+                        </a:blipFill>
+                      </a:tcPr>
+                    </a:tc>
+                    <a:tc>
+                      <a:txBody>
+                        <a:bodyPr/>
+                        <a:lstStyle/>
+                        <a:p>
+                          <a:endParaRPr lang="nl-BE"/>
+                        </a:p>
+                      </a:txBody>
+                      <a:tcPr>
+                        <a:blipFill rotWithShape="1">
+                          <a:blip r:embed="rId3"/>
+                          <a:stretch>
+                            <a:fillRect l="-107207" t="-162931"/>
+                          </a:stretch>
+                        </a:blipFill>
+                      </a:tcPr>
+                    </a:tc>
+                  </a:tr>
+                </a:tbl>
+              </a:graphicData>
+            </a:graphic>
+          </p:graphicFrame>
+        </mc:Fallback>
+      </mc:AlternateContent>
+      <mc:AlternateContent xmlns:mc="http://schemas.openxmlformats.org/markup-compatibility/2006">
+        <mc:Choice xmlns:a14="http://schemas.microsoft.com/office/drawing/2010/main" Requires="a14">
+          <p:sp>
+            <p:nvSpPr>
+              <p:cNvPr id="7" name="TextBox 6"/>
+              <p:cNvSpPr txBox="1"/>
+              <p:nvPr/>
+            </p:nvSpPr>
+            <p:spPr>
+              <a:xfrm>
+                <a:off x="762000" y="5953780"/>
+                <a:ext cx="7620000" cy="523220"/>
+              </a:xfrm>
+              <a:prstGeom prst="rect">
+                <a:avLst/>
+              </a:prstGeom>
+              <a:noFill/>
+            </p:spPr>
+            <p:txBody>
+              <a:bodyPr wrap="square" rtlCol="0">
+                <a:spAutoFit/>
+              </a:bodyPr>
+              <a:lstStyle/>
+              <a:p>
+                <a14:m>
+                  <m:oMath xmlns:m="http://schemas.openxmlformats.org/officeDocument/2006/math">
+                    <m:r>
+                      <a:rPr lang="nl-BE" sz="2800" b="0" i="1" smtClean="0">
+                        <a:latin typeface="Cambria Math"/>
+                      </a:rPr>
+                      <m:t>𝑃𝑜𝑟𝑡𝑓𝑜𝑙𝑖𝑜</m:t>
+                    </m:r>
+                    <m:r>
+                      <a:rPr lang="nl-BE" sz="2800" b="0" i="1" smtClean="0">
+                        <a:latin typeface="Cambria Math"/>
+                      </a:rPr>
+                      <m:t> </m:t>
+                    </m:r>
+                    <m:r>
+                      <a:rPr lang="nl-BE" sz="2800" b="0" i="1" smtClean="0">
+                        <a:latin typeface="Cambria Math"/>
+                      </a:rPr>
+                      <m:t>𝑅𝑒𝑡𝑢𝑟𝑛</m:t>
+                    </m:r>
+                    <m:r>
+                      <a:rPr lang="nl-BE" sz="2800" b="0" i="1" smtClean="0">
+                        <a:latin typeface="Cambria Math"/>
+                      </a:rPr>
+                      <m:t>=</m:t>
+                    </m:r>
+                  </m:oMath>
+                </a14:m>
+                <a:r>
+                  <a:rPr lang="nl-BE" sz="2800" dirty="0" smtClean="0"/>
+                  <a:t> </a:t>
+                </a:r>
+                <a:r>
+                  <a:rPr lang="nl-BE" sz="2800" dirty="0" smtClean="0"/>
+                  <a:t>0.4*(-10%)+0.6*(10%)=2%</a:t>
+                </a:r>
+                <a:endParaRPr lang="nl-BE" sz="2800" dirty="0"/>
+              </a:p>
+            </p:txBody>
+          </p:sp>
+        </mc:Choice>
+        <mc:Fallback>
+          <p:sp>
+            <p:nvSpPr>
+              <p:cNvPr id="7" name="TextBox 6"/>
+              <p:cNvSpPr txBox="1">
+                <a:spLocks noRot="1" noChangeAspect="1" noMove="1" noResize="1" noEditPoints="1" noAdjustHandles="1" noChangeArrowheads="1" noChangeShapeType="1" noTextEdit="1"/>
+              </p:cNvSpPr>
+              <p:nvPr/>
+            </p:nvSpPr>
+            <p:spPr>
+              <a:xfrm>
+                <a:off x="762000" y="5953780"/>
+                <a:ext cx="7620000" cy="523220"/>
+              </a:xfrm>
+              <a:prstGeom prst="rect">
+                <a:avLst/>
+              </a:prstGeom>
+              <a:blipFill rotWithShape="1">
+                <a:blip r:embed="rId4"/>
+                <a:stretch>
+                  <a:fillRect t="-10465" b="-32558"/>
+                </a:stretch>
+              </a:blipFill>
+            </p:spPr>
+            <p:txBody>
+              <a:bodyPr/>
+              <a:lstStyle/>
+              <a:p>
+                <a:r>
+                  <a:rPr lang="nl-BE">
+                    <a:noFill/>
+                  </a:rPr>
+                  <a:t> </a:t>
+                </a:r>
+              </a:p>
+            </p:txBody>
+          </p:sp>
+        </mc:Fallback>
+      </mc:AlternateContent>
+      <p:sp>
+        <p:nvSpPr>
+          <p:cNvPr id="8" name="Down Arrow 7"/>
+          <p:cNvSpPr/>
+          <p:nvPr/>
+        </p:nvSpPr>
+        <p:spPr>
+          <a:xfrm>
+            <a:off x="4343400" y="2286000"/>
+            <a:ext cx="381000" cy="304800"/>
+          </a:xfrm>
+          <a:prstGeom prst="downArrow">
+            <a:avLst/>
+          </a:prstGeom>
+        </p:spPr>
+        <p:style>
+          <a:lnRef idx="2">
+            <a:schemeClr val="accent1">
+              <a:shade val="50000"/>
+            </a:schemeClr>
+          </a:lnRef>
+          <a:fillRef idx="1">
+            <a:schemeClr val="accent1"/>
+          </a:fillRef>
+          <a:effectRef idx="0">
+            <a:schemeClr val="accent1"/>
+          </a:effectRef>
+          <a:fontRef idx="minor">
+            <a:schemeClr val="lt1"/>
+          </a:fontRef>
+        </p:style>
+        <p:txBody>
+          <a:bodyPr rtlCol="0" anchor="ctr"/>
+          <a:lstStyle/>
+          <a:p>
+            <a:pPr algn="ctr"/>
             <a:endParaRPr lang="nl-BE"/>
           </a:p>
         </p:txBody>
       </p:sp>
       <p:sp>
         <p:nvSpPr>
-          <p:cNvPr id="3" name="Content Placeholder 2"/>
-          <p:cNvSpPr>
-            <a:spLocks noGrp="1"/>
-          </p:cNvSpPr>
-          <p:nvPr>
-            <p:ph idx="1"/>
-          </p:nvPr>
-        </p:nvSpPr>
-        <p:spPr/>
-        <p:txBody>
-          <a:bodyPr/>
-          <a:lstStyle/>
-          <a:p>
-            <a:r>
-              <a:rPr lang="nl-BE" dirty="0" smtClean="0"/>
-              <a:t>Simple example with 2 assets </a:t>
-            </a:r>
-            <a:endParaRPr lang="nl-BE" dirty="0"/>
-          </a:p>
-        </p:txBody>
-      </p:sp>
+          <p:cNvPr id="9" name="Down Arrow 8"/>
+          <p:cNvSpPr/>
+          <p:nvPr/>
+        </p:nvSpPr>
+        <p:spPr>
+          <a:xfrm>
+            <a:off x="4343400" y="5257800"/>
+            <a:ext cx="381000" cy="304800"/>
+          </a:xfrm>
+          <a:prstGeom prst="downArrow">
+            <a:avLst/>
+          </a:prstGeom>
+        </p:spPr>
+        <p:style>
+          <a:lnRef idx="2">
+            <a:schemeClr val="accent1">
+              <a:shade val="50000"/>
+            </a:schemeClr>
+          </a:lnRef>
+          <a:fillRef idx="1">
+            <a:schemeClr val="accent1"/>
+          </a:fillRef>
+          <a:effectRef idx="0">
+            <a:schemeClr val="accent1"/>
+          </a:effectRef>
+          <a:fontRef idx="minor">
+            <a:schemeClr val="lt1"/>
+          </a:fontRef>
+        </p:style>
+        <p:txBody>
+          <a:bodyPr rtlCol="0" anchor="ctr"/>
+          <a:lstStyle/>
+          <a:p>
+            <a:pPr algn="ctr"/>
+            <a:endParaRPr lang="nl-BE"/>
+          </a:p>
+        </p:txBody>
+      </p:sp>
+      <p:graphicFrame>
+        <p:nvGraphicFramePr>
+          <p:cNvPr id="10" name="Content Placeholder 7"/>
+          <p:cNvGraphicFramePr>
+            <a:graphicFrameLocks/>
+          </p:cNvGraphicFramePr>
+          <p:nvPr>
+            <p:extLst>
+              <p:ext uri="{D42A27DB-BD31-4B8C-83A1-F6EECF244321}">
+                <p14:modId xmlns:p14="http://schemas.microsoft.com/office/powerpoint/2010/main" val="1672683943"/>
+              </p:ext>
+            </p:extLst>
+          </p:nvPr>
+        </p:nvGraphicFramePr>
+        <p:xfrm>
+          <a:off x="685800" y="304800"/>
+          <a:ext cx="7086600" cy="1784028"/>
+        </p:xfrm>
+        <a:graphic>
+          <a:graphicData uri="http://schemas.openxmlformats.org/drawingml/2006/table">
+            <a:tbl>
+              <a:tblPr firstRow="1" bandRow="1">
+                <a:tableStyleId>{5C22544A-7EE6-4342-B048-85BDC9FD1C3A}</a:tableStyleId>
+              </a:tblPr>
+              <a:tblGrid>
+                <a:gridCol w="3581400"/>
+                <a:gridCol w="3505200"/>
+              </a:tblGrid>
+              <a:tr h="334331">
+                <a:tc>
+                  <a:txBody>
+                    <a:bodyPr/>
+                    <a:lstStyle/>
+                    <a:p>
+                      <a:r>
+                        <a:rPr lang="nl-BE" dirty="0" smtClean="0"/>
+                        <a:t>Asset 1</a:t>
+                      </a:r>
+                      <a:endParaRPr lang="nl-BE" dirty="0"/>
+                    </a:p>
+                  </a:txBody>
+                  <a:tcPr/>
+                </a:tc>
+                <a:tc>
+                  <a:txBody>
+                    <a:bodyPr/>
+                    <a:lstStyle/>
+                    <a:p>
+                      <a:r>
+                        <a:rPr lang="nl-BE" dirty="0" smtClean="0"/>
+                        <a:t>Asset 2</a:t>
+                      </a:r>
+                      <a:endParaRPr lang="nl-BE" dirty="0"/>
+                    </a:p>
+                  </a:txBody>
+                  <a:tcPr/>
+                </a:tc>
+              </a:tr>
+              <a:tr h="709134">
+                <a:tc>
+                  <a:txBody>
+                    <a:bodyPr/>
+                    <a:lstStyle/>
+                    <a:p>
+                      <a:pPr algn="ctr"/>
+                      <a:r>
+                        <a:rPr lang="nl-BE" dirty="0" smtClean="0"/>
+                        <a:t>InValue.Asset</a:t>
+                      </a:r>
+                      <a:r>
+                        <a:rPr lang="nl-BE" baseline="-25000" dirty="0" smtClean="0"/>
+                        <a:t>1 </a:t>
+                      </a:r>
+                      <a:r>
+                        <a:rPr lang="nl-BE" baseline="0" dirty="0" smtClean="0"/>
+                        <a:t>= $200</a:t>
+                      </a:r>
+                      <a:endParaRPr lang="nl-BE" baseline="-25000" dirty="0"/>
+                    </a:p>
+                  </a:txBody>
+                  <a:tcPr/>
+                </a:tc>
+                <a:tc>
+                  <a:txBody>
+                    <a:bodyPr/>
+                    <a:lstStyle/>
+                    <a:p>
+                      <a:pPr algn="ctr"/>
+                      <a:r>
+                        <a:rPr lang="nl-BE" dirty="0" smtClean="0"/>
+                        <a:t>InValue.Asset</a:t>
+                      </a:r>
+                      <a:r>
+                        <a:rPr lang="nl-BE" baseline="-25000" dirty="0" smtClean="0"/>
+                        <a:t>2 </a:t>
+                      </a:r>
+                      <a:r>
+                        <a:rPr lang="nl-BE" baseline="0" dirty="0" smtClean="0"/>
+                        <a:t>= $300</a:t>
+                      </a:r>
+                      <a:endParaRPr lang="nl-BE" baseline="-25000" dirty="0"/>
+                    </a:p>
+                  </a:txBody>
+                  <a:tcPr/>
+                </a:tc>
+              </a:tr>
+              <a:tr h="709134">
+                <a:tc>
+                  <a:txBody>
+                    <a:bodyPr/>
+                    <a:lstStyle/>
+                    <a:p>
+                      <a:pPr algn="ctr"/>
+                      <a:r>
+                        <a:rPr lang="nl-BE" dirty="0" smtClean="0"/>
+                        <a:t>FinValue.Asset</a:t>
+                      </a:r>
+                      <a:r>
+                        <a:rPr lang="nl-BE" baseline="-25000" dirty="0" smtClean="0"/>
+                        <a:t>1</a:t>
+                      </a:r>
+                      <a:r>
+                        <a:rPr lang="nl-BE" baseline="0" dirty="0" smtClean="0"/>
+                        <a:t>= $180</a:t>
+                      </a:r>
+                      <a:endParaRPr lang="nl-BE" baseline="-25000" dirty="0"/>
+                    </a:p>
+                  </a:txBody>
+                  <a:tcPr/>
+                </a:tc>
+                <a:tc>
+                  <a:txBody>
+                    <a:bodyPr/>
+                    <a:lstStyle/>
+                    <a:p>
+                      <a:pPr algn="ctr"/>
+                      <a:r>
+                        <a:rPr lang="nl-BE" dirty="0" smtClean="0"/>
+                        <a:t>FinValue.Asset</a:t>
+                      </a:r>
+                      <a:r>
+                        <a:rPr lang="nl-BE" baseline="-25000" dirty="0" smtClean="0"/>
+                        <a:t>2 </a:t>
+                      </a:r>
+                      <a:r>
+                        <a:rPr lang="nl-BE" baseline="0" dirty="0" smtClean="0"/>
+                        <a:t>= $</a:t>
+                      </a:r>
+                      <a:r>
+                        <a:rPr lang="nl-BE" baseline="0" dirty="0" smtClean="0"/>
+                        <a:t>330</a:t>
+                      </a:r>
+                      <a:endParaRPr lang="nl-BE" baseline="-25000" dirty="0"/>
+                    </a:p>
+                  </a:txBody>
+                  <a:tcPr/>
+                </a:tc>
+              </a:tr>
+            </a:tbl>
+          </a:graphicData>
+        </a:graphic>
+      </p:graphicFrame>
     </p:spTree>
     <p:extLst>
       <p:ext uri="{BB962C8B-B14F-4D97-AF65-F5344CB8AC3E}">
@@ -9507,99 +11663,32 @@
         </p:nvSpPr>
         <p:spPr/>
         <p:txBody>
-          <a:bodyPr/>
-          <a:lstStyle/>
-          <a:p>
-            <a:endParaRPr lang="nl-BE"/>
-          </a:p>
-        </p:txBody>
-      </p:sp>
-      <p:pic>
-        <p:nvPicPr>
-          <p:cNvPr id="3074" name="Picture 2" descr="https://www.williamblairfunds.com/resources/img/funds/managers/carl-peter.jpg"/>
-          <p:cNvPicPr>
-            <a:picLocks noChangeAspect="1" noChangeArrowheads="1"/>
-          </p:cNvPicPr>
-          <p:nvPr/>
-        </p:nvPicPr>
-        <p:blipFill>
-          <a:blip r:embed="rId3">
-            <a:extLst>
-              <a:ext uri="{28A0092B-C50C-407E-A947-70E740481C1C}">
-                <a14:useLocalDpi xmlns:a14="http://schemas.microsoft.com/office/drawing/2010/main" val="0"/>
-              </a:ext>
-            </a:extLst>
-          </a:blip>
-          <a:srcRect/>
-          <a:stretch>
-            <a:fillRect/>
-          </a:stretch>
-        </p:blipFill>
-        <p:spPr bwMode="auto">
-          <a:xfrm>
-            <a:off x="990600" y="2819400"/>
-            <a:ext cx="1422400" cy="2133600"/>
-          </a:xfrm>
-          <a:prstGeom prst="rect">
-            <a:avLst/>
-          </a:prstGeom>
-          <a:noFill/>
-          <a:extLst>
-            <a:ext uri="{909E8E84-426E-40DD-AFC4-6F175D3DCCD1}">
-              <a14:hiddenFill xmlns:a14="http://schemas.microsoft.com/office/drawing/2010/main">
-                <a:solidFill>
-                  <a:srgbClr val="FFFFFF"/>
-                </a:solidFill>
-              </a14:hiddenFill>
-            </a:ext>
-          </a:extLst>
-        </p:spPr>
-      </p:pic>
-      <p:pic>
-        <p:nvPicPr>
-          <p:cNvPr id="3076" name="Picture 4" descr="Brain_Peterson"/>
-          <p:cNvPicPr>
-            <a:picLocks noChangeAspect="1" noChangeArrowheads="1"/>
-          </p:cNvPicPr>
-          <p:nvPr/>
-        </p:nvPicPr>
-        <p:blipFill>
-          <a:blip r:embed="rId4">
-            <a:extLst>
-              <a:ext uri="{28A0092B-C50C-407E-A947-70E740481C1C}">
-                <a14:useLocalDpi xmlns:a14="http://schemas.microsoft.com/office/drawing/2010/main" val="0"/>
-              </a:ext>
-            </a:extLst>
-          </a:blip>
-          <a:srcRect/>
-          <a:stretch>
-            <a:fillRect/>
-          </a:stretch>
-        </p:blipFill>
-        <p:spPr bwMode="auto">
-          <a:xfrm>
-            <a:off x="3276600" y="3076575"/>
-            <a:ext cx="1876425" cy="1876425"/>
-          </a:xfrm>
-          <a:prstGeom prst="rect">
-            <a:avLst/>
-          </a:prstGeom>
-          <a:noFill/>
-          <a:extLst>
-            <a:ext uri="{909E8E84-426E-40DD-AFC4-6F175D3DCCD1}">
-              <a14:hiddenFill xmlns:a14="http://schemas.microsoft.com/office/drawing/2010/main">
-                <a:solidFill>
-                  <a:srgbClr val="FFFFFF"/>
-                </a:solidFill>
-              </a14:hiddenFill>
-            </a:ext>
-          </a:extLst>
-        </p:spPr>
-      </p:pic>
+          <a:bodyPr>
+            <a:normAutofit/>
+          </a:bodyPr>
+          <a:lstStyle/>
+          <a:p>
+            <a:r>
+              <a:rPr lang="nl-BE" dirty="0" smtClean="0"/>
+              <a:t>Portfolio analysis requires to compute a time series of portfolio returns;</a:t>
+            </a:r>
+          </a:p>
+          <a:p>
+            <a:r>
+              <a:rPr lang="nl-BE" dirty="0" smtClean="0"/>
+              <a:t>Save time and use the functionality in the package PerformanceAnalytics to do so.</a:t>
+            </a:r>
+            <a:r>
+              <a:rPr lang="nl-BE" dirty="0" smtClean="0"/>
+              <a:t> </a:t>
+            </a:r>
+          </a:p>
+        </p:txBody>
+      </p:sp>
     </p:spTree>
     <p:extLst>
       <p:ext uri="{BB962C8B-B14F-4D97-AF65-F5344CB8AC3E}">
-        <p14:creationId xmlns:p14="http://schemas.microsoft.com/office/powerpoint/2010/main" val="1101171704"/>
+        <p14:creationId xmlns:p14="http://schemas.microsoft.com/office/powerpoint/2010/main" val="945698845"/>
       </p:ext>
     </p:extLst>
   </p:cSld>
@@ -9660,14 +11749,166 @@
           <a:bodyPr/>
           <a:lstStyle/>
           <a:p>
-            <a:endParaRPr lang="nl-BE"/>
+            <a:r>
+              <a:rPr lang="nl-BE" dirty="0" smtClean="0"/>
+              <a:t>PerformanceAnalytics is the go-to package for the analysis of portfolio returns in R</a:t>
+            </a:r>
+          </a:p>
+          <a:p>
+            <a:r>
+              <a:rPr lang="nl-BE" dirty="0" smtClean="0"/>
+              <a:t>Created by two quants from the city of Chicago:</a:t>
+            </a:r>
+            <a:endParaRPr lang="nl-BE" dirty="0"/>
+          </a:p>
+        </p:txBody>
+      </p:sp>
+      <p:pic>
+        <p:nvPicPr>
+          <p:cNvPr id="3076" name="Picture 4" descr="Brain_Peterson"/>
+          <p:cNvPicPr>
+            <a:picLocks noChangeAspect="1" noChangeArrowheads="1"/>
+          </p:cNvPicPr>
+          <p:nvPr/>
+        </p:nvPicPr>
+        <p:blipFill>
+          <a:blip r:embed="rId3">
+            <a:extLst>
+              <a:ext uri="{28A0092B-C50C-407E-A947-70E740481C1C}">
+                <a14:useLocalDpi xmlns:a14="http://schemas.microsoft.com/office/drawing/2010/main" val="0"/>
+              </a:ext>
+            </a:extLst>
+          </a:blip>
+          <a:srcRect/>
+          <a:stretch>
+            <a:fillRect/>
+          </a:stretch>
+        </p:blipFill>
+        <p:spPr bwMode="auto">
+          <a:xfrm>
+            <a:off x="4876800" y="3822083"/>
+            <a:ext cx="2324100" cy="2324100"/>
+          </a:xfrm>
+          <a:prstGeom prst="rect">
+            <a:avLst/>
+          </a:prstGeom>
+          <a:noFill/>
+          <a:extLst>
+            <a:ext uri="{909E8E84-426E-40DD-AFC4-6F175D3DCCD1}">
+              <a14:hiddenFill xmlns:a14="http://schemas.microsoft.com/office/drawing/2010/main">
+                <a:solidFill>
+                  <a:srgbClr val="FFFFFF"/>
+                </a:solidFill>
+              </a14:hiddenFill>
+            </a:ext>
+          </a:extLst>
+        </p:spPr>
+      </p:pic>
+      <p:pic>
+        <p:nvPicPr>
+          <p:cNvPr id="1026" name="Picture 2" descr="https://tradeblotter.files.wordpress.com/2012/02/bwauthorpcc.jpeg"/>
+          <p:cNvPicPr>
+            <a:picLocks noChangeAspect="1" noChangeArrowheads="1"/>
+          </p:cNvPicPr>
+          <p:nvPr/>
+        </p:nvPicPr>
+        <p:blipFill>
+          <a:blip r:embed="rId4" cstate="print">
+            <a:extLst>
+              <a:ext uri="{28A0092B-C50C-407E-A947-70E740481C1C}">
+                <a14:useLocalDpi xmlns:a14="http://schemas.microsoft.com/office/drawing/2010/main" val="0"/>
+              </a:ext>
+            </a:extLst>
+          </a:blip>
+          <a:srcRect/>
+          <a:stretch>
+            <a:fillRect/>
+          </a:stretch>
+        </p:blipFill>
+        <p:spPr bwMode="auto">
+          <a:xfrm>
+            <a:off x="1981200" y="3822083"/>
+            <a:ext cx="1549400" cy="2324100"/>
+          </a:xfrm>
+          <a:prstGeom prst="rect">
+            <a:avLst/>
+          </a:prstGeom>
+          <a:noFill/>
+          <a:extLst>
+            <a:ext uri="{909E8E84-426E-40DD-AFC4-6F175D3DCCD1}">
+              <a14:hiddenFill xmlns:a14="http://schemas.microsoft.com/office/drawing/2010/main">
+                <a:solidFill>
+                  <a:srgbClr val="FFFFFF"/>
+                </a:solidFill>
+              </a14:hiddenFill>
+            </a:ext>
+          </a:extLst>
+        </p:spPr>
+      </p:pic>
+      <p:sp>
+        <p:nvSpPr>
+          <p:cNvPr id="4" name="TextBox 3"/>
+          <p:cNvSpPr txBox="1"/>
+          <p:nvPr/>
+        </p:nvSpPr>
+        <p:spPr>
+          <a:xfrm>
+            <a:off x="2209800" y="6324600"/>
+            <a:ext cx="1752600" cy="369332"/>
+          </a:xfrm>
+          <a:prstGeom prst="rect">
+            <a:avLst/>
+          </a:prstGeom>
+          <a:noFill/>
+        </p:spPr>
+        <p:txBody>
+          <a:bodyPr wrap="square" rtlCol="0">
+            <a:spAutoFit/>
+          </a:bodyPr>
+          <a:lstStyle/>
+          <a:p>
+            <a:r>
+              <a:rPr lang="nl-BE" dirty="0" smtClean="0"/>
+              <a:t>Peter Carl</a:t>
+            </a:r>
+            <a:endParaRPr lang="nl-BE" dirty="0"/>
+          </a:p>
+        </p:txBody>
+      </p:sp>
+      <p:sp>
+        <p:nvSpPr>
+          <p:cNvPr id="8" name="TextBox 7"/>
+          <p:cNvSpPr txBox="1"/>
+          <p:nvPr/>
+        </p:nvSpPr>
+        <p:spPr>
+          <a:xfrm>
+            <a:off x="5334000" y="6324600"/>
+            <a:ext cx="1752600" cy="369332"/>
+          </a:xfrm>
+          <a:prstGeom prst="rect">
+            <a:avLst/>
+          </a:prstGeom>
+          <a:noFill/>
+        </p:spPr>
+        <p:txBody>
+          <a:bodyPr wrap="square" rtlCol="0">
+            <a:spAutoFit/>
+          </a:bodyPr>
+          <a:lstStyle/>
+          <a:p>
+            <a:r>
+              <a:rPr lang="nl-BE" dirty="0" smtClean="0"/>
+              <a:t>Brian Peterson</a:t>
+            </a:r>
+            <a:endParaRPr lang="nl-BE" dirty="0"/>
           </a:p>
         </p:txBody>
       </p:sp>
     </p:spTree>
     <p:extLst>
       <p:ext uri="{BB962C8B-B14F-4D97-AF65-F5344CB8AC3E}">
-        <p14:creationId xmlns:p14="http://schemas.microsoft.com/office/powerpoint/2010/main" val="2994620115"/>
+        <p14:creationId xmlns:p14="http://schemas.microsoft.com/office/powerpoint/2010/main" val="1101171704"/>
       </p:ext>
     </p:extLst>
   </p:cSld>
@@ -9728,14 +11969,27 @@
           <a:bodyPr/>
           <a:lstStyle/>
           <a:p>
-            <a:endParaRPr lang="nl-BE"/>
+            <a:r>
+              <a:rPr lang="nl-BE" dirty="0" smtClean="0"/>
+              <a:t>Return.calculate to compute the asset returns</a:t>
+            </a:r>
+          </a:p>
+          <a:p>
+            <a:endParaRPr lang="nl-BE" dirty="0" smtClean="0"/>
+          </a:p>
+          <a:p>
+            <a:r>
+              <a:rPr lang="nl-BE" dirty="0" smtClean="0"/>
+              <a:t>Return.portfolio to compute the portfolio return</a:t>
+            </a:r>
+            <a:endParaRPr lang="nl-BE" dirty="0"/>
           </a:p>
         </p:txBody>
       </p:sp>
     </p:spTree>
     <p:extLst>
       <p:ext uri="{BB962C8B-B14F-4D97-AF65-F5344CB8AC3E}">
-        <p14:creationId xmlns:p14="http://schemas.microsoft.com/office/powerpoint/2010/main" val="261553675"/>
+        <p14:creationId xmlns:p14="http://schemas.microsoft.com/office/powerpoint/2010/main" val="2994620115"/>
       </p:ext>
     </p:extLst>
   </p:cSld>
@@ -9764,46 +12018,449 @@
       </p:grpSpPr>
       <p:sp>
         <p:nvSpPr>
-          <p:cNvPr id="2" name="Title 1"/>
-          <p:cNvSpPr>
-            <a:spLocks noGrp="1"/>
-          </p:cNvSpPr>
-          <p:nvPr>
-            <p:ph type="title"/>
-          </p:nvPr>
-        </p:nvSpPr>
-        <p:spPr/>
+          <p:cNvPr id="4" name="TextBox 3"/>
+          <p:cNvSpPr txBox="1"/>
+          <p:nvPr/>
+        </p:nvSpPr>
+        <p:spPr>
+          <a:xfrm>
+            <a:off x="0" y="3455075"/>
+            <a:ext cx="4191000" cy="1815882"/>
+          </a:xfrm>
+          <a:prstGeom prst="rect">
+            <a:avLst/>
+          </a:prstGeom>
+          <a:noFill/>
+          <a:ln w="6350">
+            <a:solidFill>
+              <a:schemeClr val="tx1"/>
+            </a:solidFill>
+          </a:ln>
+        </p:spPr>
+        <p:txBody>
+          <a:bodyPr wrap="square" rtlCol="0">
+            <a:spAutoFit/>
+          </a:bodyPr>
+          <a:lstStyle/>
+          <a:p>
+            <a:r>
+              <a:rPr lang="nl-BE" sz="1600" dirty="0" smtClean="0">
+                <a:latin typeface="Courier New" panose="02070309020205020404" pitchFamily="49" charset="0"/>
+                <a:cs typeface="Courier New" panose="02070309020205020404" pitchFamily="49" charset="0"/>
+              </a:rPr>
+              <a:t>                AAPL </a:t>
+            </a:r>
+            <a:r>
+              <a:rPr lang="nl-BE" sz="1600" dirty="0">
+                <a:latin typeface="Courier New" panose="02070309020205020404" pitchFamily="49" charset="0"/>
+                <a:cs typeface="Courier New" panose="02070309020205020404" pitchFamily="49" charset="0"/>
+              </a:rPr>
+              <a:t>MSFT </a:t>
+            </a:r>
+            <a:endParaRPr lang="nl-BE" sz="1600" dirty="0" smtClean="0">
+              <a:latin typeface="Courier New" panose="02070309020205020404" pitchFamily="49" charset="0"/>
+              <a:cs typeface="Courier New" panose="02070309020205020404" pitchFamily="49" charset="0"/>
+            </a:endParaRPr>
+          </a:p>
+          <a:p>
+            <a:r>
+              <a:rPr lang="nl-BE" sz="1600" dirty="0" smtClean="0">
+                <a:latin typeface="Courier New" panose="02070309020205020404" pitchFamily="49" charset="0"/>
+                <a:cs typeface="Courier New" panose="02070309020205020404" pitchFamily="49" charset="0"/>
+              </a:rPr>
+              <a:t>2006-01-03 </a:t>
+            </a:r>
+            <a:r>
+              <a:rPr lang="nl-BE" sz="1600" dirty="0">
+                <a:latin typeface="Courier New" panose="02070309020205020404" pitchFamily="49" charset="0"/>
+                <a:cs typeface="Courier New" panose="02070309020205020404" pitchFamily="49" charset="0"/>
+              </a:rPr>
+              <a:t>9.829465 21.07395 2006-01-04 9.858394 21.17602 2006-01-05 9.780810 21.19173 2006-01-06 10.033286 21.12891 2006-01-09 10.000411 21.08966 2006-01-10 10.632916 21.19958</a:t>
+            </a:r>
+          </a:p>
+        </p:txBody>
+      </p:sp>
+      <p:sp>
+        <p:nvSpPr>
+          <p:cNvPr id="5" name="TextBox 4"/>
+          <p:cNvSpPr txBox="1"/>
+          <p:nvPr/>
+        </p:nvSpPr>
+        <p:spPr>
+          <a:xfrm>
+            <a:off x="1600200" y="2588525"/>
+            <a:ext cx="1752600" cy="369332"/>
+          </a:xfrm>
+          <a:prstGeom prst="rect">
+            <a:avLst/>
+          </a:prstGeom>
+          <a:noFill/>
+        </p:spPr>
+        <p:txBody>
+          <a:bodyPr wrap="square" rtlCol="0">
+            <a:spAutoFit/>
+          </a:bodyPr>
+          <a:lstStyle/>
+          <a:p>
+            <a:r>
+              <a:rPr lang="nl-BE" dirty="0" smtClean="0"/>
+              <a:t>In: prices</a:t>
+            </a:r>
+            <a:endParaRPr lang="nl-BE" dirty="0"/>
+          </a:p>
+        </p:txBody>
+      </p:sp>
+      <p:sp>
+        <p:nvSpPr>
+          <p:cNvPr id="6" name="TextBox 5"/>
+          <p:cNvSpPr txBox="1"/>
+          <p:nvPr/>
+        </p:nvSpPr>
+        <p:spPr>
+          <a:xfrm>
+            <a:off x="3581400" y="2067636"/>
+            <a:ext cx="2362200" cy="369332"/>
+          </a:xfrm>
+          <a:prstGeom prst="rect">
+            <a:avLst/>
+          </a:prstGeom>
+          <a:noFill/>
+        </p:spPr>
+        <p:txBody>
+          <a:bodyPr wrap="square" rtlCol="0">
+            <a:spAutoFit/>
+          </a:bodyPr>
+          <a:lstStyle/>
+          <a:p>
+            <a:r>
+              <a:rPr lang="nl-BE" dirty="0"/>
+              <a:t>Return.calculate</a:t>
+            </a:r>
+          </a:p>
+        </p:txBody>
+      </p:sp>
+      <p:sp>
+        <p:nvSpPr>
+          <p:cNvPr id="7" name="Right Arrow 6"/>
+          <p:cNvSpPr/>
+          <p:nvPr/>
+        </p:nvSpPr>
+        <p:spPr>
+          <a:xfrm>
+            <a:off x="3352800" y="2633398"/>
+            <a:ext cx="2819400" cy="230385"/>
+          </a:xfrm>
+          <a:prstGeom prst="rightArrow">
+            <a:avLst/>
+          </a:prstGeom>
+        </p:spPr>
+        <p:style>
+          <a:lnRef idx="2">
+            <a:schemeClr val="accent1">
+              <a:shade val="50000"/>
+            </a:schemeClr>
+          </a:lnRef>
+          <a:fillRef idx="1">
+            <a:schemeClr val="accent1"/>
+          </a:fillRef>
+          <a:effectRef idx="0">
+            <a:schemeClr val="accent1"/>
+          </a:effectRef>
+          <a:fontRef idx="minor">
+            <a:schemeClr val="lt1"/>
+          </a:fontRef>
+        </p:style>
+        <p:txBody>
+          <a:bodyPr rtlCol="0" anchor="ctr"/>
+          <a:lstStyle/>
+          <a:p>
+            <a:pPr algn="ctr"/>
+            <a:endParaRPr lang="nl-BE"/>
+          </a:p>
+        </p:txBody>
+      </p:sp>
+      <p:sp>
+        <p:nvSpPr>
+          <p:cNvPr id="8" name="TextBox 7"/>
+          <p:cNvSpPr txBox="1"/>
+          <p:nvPr/>
+        </p:nvSpPr>
+        <p:spPr>
+          <a:xfrm>
+            <a:off x="6705600" y="2679117"/>
+            <a:ext cx="1752600" cy="369332"/>
+          </a:xfrm>
+          <a:prstGeom prst="rect">
+            <a:avLst/>
+          </a:prstGeom>
+          <a:noFill/>
+        </p:spPr>
+        <p:txBody>
+          <a:bodyPr wrap="square" rtlCol="0">
+            <a:spAutoFit/>
+          </a:bodyPr>
+          <a:lstStyle/>
+          <a:p>
+            <a:r>
+              <a:rPr lang="nl-BE" dirty="0" smtClean="0"/>
+              <a:t>Out: returns</a:t>
+            </a:r>
+            <a:endParaRPr lang="nl-BE" dirty="0"/>
+          </a:p>
+        </p:txBody>
+      </p:sp>
+      <p:sp>
+        <p:nvSpPr>
+          <p:cNvPr id="10" name="TextBox 9"/>
+          <p:cNvSpPr txBox="1"/>
+          <p:nvPr/>
+        </p:nvSpPr>
+        <p:spPr>
+          <a:xfrm>
+            <a:off x="4267200" y="3455075"/>
+            <a:ext cx="4876800" cy="1815882"/>
+          </a:xfrm>
+          <a:prstGeom prst="rect">
+            <a:avLst/>
+          </a:prstGeom>
+          <a:noFill/>
+          <a:ln w="6350">
+            <a:solidFill>
+              <a:schemeClr val="tx1"/>
+            </a:solidFill>
+          </a:ln>
+        </p:spPr>
+        <p:txBody>
+          <a:bodyPr wrap="square" rtlCol="0">
+            <a:spAutoFit/>
+          </a:bodyPr>
+          <a:lstStyle/>
+          <a:p>
+            <a:r>
+              <a:rPr lang="nl-BE" sz="1600" dirty="0" smtClean="0">
+                <a:latin typeface="Courier New" panose="02070309020205020404" pitchFamily="49" charset="0"/>
+                <a:cs typeface="Courier New" panose="02070309020205020404" pitchFamily="49" charset="0"/>
+              </a:rPr>
+              <a:t>                </a:t>
+            </a:r>
+            <a:r>
+              <a:rPr lang="pl-PL" sz="1600" dirty="0" smtClean="0">
+                <a:latin typeface="Courier New" panose="02070309020205020404" pitchFamily="49" charset="0"/>
+                <a:cs typeface="Courier New" panose="02070309020205020404" pitchFamily="49" charset="0"/>
+              </a:rPr>
+              <a:t>AAPL </a:t>
+            </a:r>
+            <a:r>
+              <a:rPr lang="nl-BE" sz="1600" dirty="0" smtClean="0">
+                <a:latin typeface="Courier New" panose="02070309020205020404" pitchFamily="49" charset="0"/>
+                <a:cs typeface="Courier New" panose="02070309020205020404" pitchFamily="49" charset="0"/>
+              </a:rPr>
+              <a:t>     </a:t>
+            </a:r>
+            <a:r>
+              <a:rPr lang="pl-PL" sz="1600" dirty="0" smtClean="0">
+                <a:latin typeface="Courier New" panose="02070309020205020404" pitchFamily="49" charset="0"/>
+                <a:cs typeface="Courier New" panose="02070309020205020404" pitchFamily="49" charset="0"/>
+              </a:rPr>
+              <a:t>MSFT </a:t>
+            </a:r>
+            <a:endParaRPr lang="nl-BE" sz="1600" dirty="0" smtClean="0">
+              <a:latin typeface="Courier New" panose="02070309020205020404" pitchFamily="49" charset="0"/>
+              <a:cs typeface="Courier New" panose="02070309020205020404" pitchFamily="49" charset="0"/>
+            </a:endParaRPr>
+          </a:p>
+          <a:p>
+            <a:r>
+              <a:rPr lang="pl-PL" sz="1600" dirty="0" smtClean="0">
+                <a:latin typeface="Courier New" panose="02070309020205020404" pitchFamily="49" charset="0"/>
+                <a:cs typeface="Courier New" panose="02070309020205020404" pitchFamily="49" charset="0"/>
+              </a:rPr>
+              <a:t>2006-01-03</a:t>
+            </a:r>
+            <a:r>
+              <a:rPr lang="nl-BE" sz="1600" dirty="0" smtClean="0">
+                <a:latin typeface="Courier New" panose="02070309020205020404" pitchFamily="49" charset="0"/>
+                <a:cs typeface="Courier New" panose="02070309020205020404" pitchFamily="49" charset="0"/>
+              </a:rPr>
+              <a:t>   </a:t>
+            </a:r>
+            <a:r>
+              <a:rPr lang="pl-PL" sz="1600" dirty="0" smtClean="0">
+                <a:latin typeface="Courier New" panose="02070309020205020404" pitchFamily="49" charset="0"/>
+                <a:cs typeface="Courier New" panose="02070309020205020404" pitchFamily="49" charset="0"/>
+              </a:rPr>
+              <a:t> NA</a:t>
+            </a:r>
+            <a:r>
+              <a:rPr lang="nl-BE" sz="1600" dirty="0" smtClean="0">
+                <a:latin typeface="Courier New" panose="02070309020205020404" pitchFamily="49" charset="0"/>
+                <a:cs typeface="Courier New" panose="02070309020205020404" pitchFamily="49" charset="0"/>
+              </a:rPr>
+              <a:t>               </a:t>
+            </a:r>
+            <a:r>
+              <a:rPr lang="pl-PL" sz="1600" dirty="0" smtClean="0">
+                <a:latin typeface="Courier New" panose="02070309020205020404" pitchFamily="49" charset="0"/>
+                <a:cs typeface="Courier New" panose="02070309020205020404" pitchFamily="49" charset="0"/>
+              </a:rPr>
+              <a:t> </a:t>
+            </a:r>
+            <a:r>
+              <a:rPr lang="pl-PL" sz="1600" dirty="0">
+                <a:latin typeface="Courier New" panose="02070309020205020404" pitchFamily="49" charset="0"/>
+                <a:cs typeface="Courier New" panose="02070309020205020404" pitchFamily="49" charset="0"/>
+              </a:rPr>
+              <a:t>NA </a:t>
+            </a:r>
+            <a:endParaRPr lang="nl-BE" sz="1600" dirty="0" smtClean="0">
+              <a:latin typeface="Courier New" panose="02070309020205020404" pitchFamily="49" charset="0"/>
+              <a:cs typeface="Courier New" panose="02070309020205020404" pitchFamily="49" charset="0"/>
+            </a:endParaRPr>
+          </a:p>
+          <a:p>
+            <a:r>
+              <a:rPr lang="pl-PL" sz="1600" dirty="0" smtClean="0">
+                <a:latin typeface="Courier New" panose="02070309020205020404" pitchFamily="49" charset="0"/>
+                <a:cs typeface="Courier New" panose="02070309020205020404" pitchFamily="49" charset="0"/>
+              </a:rPr>
+              <a:t>2006-01-04 </a:t>
+            </a:r>
+            <a:r>
+              <a:rPr lang="pl-PL" sz="1600" dirty="0">
+                <a:latin typeface="Courier New" panose="02070309020205020404" pitchFamily="49" charset="0"/>
+                <a:cs typeface="Courier New" panose="02070309020205020404" pitchFamily="49" charset="0"/>
+              </a:rPr>
+              <a:t>0.002943090 0.0048434670 2006-01-05 -0.007869842 0.0007415934 2006-01-06 0.025813404 -0.0029640809 2006-01-09 -0.003276594 -0.0018579752 2006-01-10 0.063247901 0.0052121756</a:t>
+            </a:r>
+            <a:endParaRPr lang="nl-BE" sz="1600" dirty="0">
+              <a:latin typeface="Courier New" panose="02070309020205020404" pitchFamily="49" charset="0"/>
+              <a:cs typeface="Courier New" panose="02070309020205020404" pitchFamily="49" charset="0"/>
+            </a:endParaRPr>
+          </a:p>
+        </p:txBody>
+      </p:sp>
+      <p:sp>
+        <p:nvSpPr>
+          <p:cNvPr id="11" name="TextBox 10"/>
+          <p:cNvSpPr txBox="1"/>
+          <p:nvPr/>
+        </p:nvSpPr>
+        <p:spPr>
+          <a:xfrm>
+            <a:off x="533400" y="5562600"/>
+            <a:ext cx="3200400" cy="369332"/>
+          </a:xfrm>
+          <a:prstGeom prst="rect">
+            <a:avLst/>
+          </a:prstGeom>
+          <a:noFill/>
+        </p:spPr>
+        <p:txBody>
+          <a:bodyPr wrap="square" rtlCol="0">
+            <a:spAutoFit/>
+          </a:bodyPr>
+          <a:lstStyle/>
+          <a:p>
+            <a:r>
+              <a:rPr lang="nl-BE" dirty="0"/>
+              <a:t>head(prices)</a:t>
+            </a:r>
+            <a:endParaRPr lang="nl-BE" dirty="0"/>
+          </a:p>
+        </p:txBody>
+      </p:sp>
+      <p:sp>
+        <p:nvSpPr>
+          <p:cNvPr id="12" name="TextBox 11"/>
+          <p:cNvSpPr txBox="1"/>
+          <p:nvPr/>
+        </p:nvSpPr>
+        <p:spPr>
+          <a:xfrm>
+            <a:off x="4572000" y="5562600"/>
+            <a:ext cx="4038600" cy="646331"/>
+          </a:xfrm>
+          <a:prstGeom prst="rect">
+            <a:avLst/>
+          </a:prstGeom>
+          <a:noFill/>
+        </p:spPr>
+        <p:txBody>
+          <a:bodyPr wrap="square" rtlCol="0">
+            <a:spAutoFit/>
+          </a:bodyPr>
+          <a:lstStyle/>
+          <a:p>
+            <a:r>
+              <a:rPr lang="nl-BE" dirty="0" smtClean="0"/>
+              <a:t>returns &lt;- </a:t>
+            </a:r>
+            <a:r>
+              <a:rPr lang="nl-BE" dirty="0"/>
+              <a:t>Return.calculate(prices)</a:t>
+            </a:r>
+            <a:endParaRPr lang="nl-BE" dirty="0" smtClean="0"/>
+          </a:p>
+          <a:p>
+            <a:r>
+              <a:rPr lang="nl-BE" dirty="0" smtClean="0"/>
+              <a:t>head(returns)</a:t>
+            </a:r>
+            <a:endParaRPr lang="nl-BE" dirty="0"/>
+          </a:p>
+        </p:txBody>
+      </p:sp>
+      <p:sp>
+        <p:nvSpPr>
+          <p:cNvPr id="13" name="Content Placeholder 2"/>
+          <p:cNvSpPr>
+            <a:spLocks noGrp="1"/>
+          </p:cNvSpPr>
+          <p:nvPr>
+            <p:ph idx="1"/>
+          </p:nvPr>
+        </p:nvSpPr>
+        <p:spPr>
+          <a:xfrm>
+            <a:off x="457200" y="533400"/>
+            <a:ext cx="8229600" cy="4525963"/>
+          </a:xfrm>
+        </p:spPr>
         <p:txBody>
           <a:bodyPr/>
           <a:lstStyle/>
           <a:p>
-            <a:endParaRPr lang="nl-BE"/>
-          </a:p>
-        </p:txBody>
-      </p:sp>
-      <p:sp>
-        <p:nvSpPr>
-          <p:cNvPr id="3" name="Content Placeholder 2"/>
-          <p:cNvSpPr>
-            <a:spLocks noGrp="1"/>
-          </p:cNvSpPr>
-          <p:nvPr>
-            <p:ph idx="1"/>
-          </p:nvPr>
-        </p:nvSpPr>
-        <p:spPr/>
-        <p:txBody>
-          <a:bodyPr/>
-          <a:lstStyle/>
-          <a:p>
-            <a:endParaRPr lang="nl-BE"/>
+            <a:pPr marL="0" indent="0">
+              <a:buNone/>
+            </a:pPr>
+            <a:r>
+              <a:rPr lang="en-US" dirty="0" err="1"/>
+              <a:t>Return.calculate</a:t>
+            </a:r>
+            <a:r>
+              <a:rPr lang="en-US" dirty="0"/>
+              <a:t> </a:t>
+            </a:r>
+            <a:r>
+              <a:rPr lang="en-US" dirty="0" smtClean="0"/>
+              <a:t>&lt;- function </a:t>
+            </a:r>
+            <a:r>
+              <a:rPr lang="en-US" dirty="0"/>
+              <a:t>(</a:t>
+            </a:r>
+            <a:r>
+              <a:rPr lang="en-US" dirty="0" smtClean="0"/>
+              <a:t>prices) </a:t>
+            </a:r>
+            <a:endParaRPr lang="nl-BE" dirty="0"/>
           </a:p>
         </p:txBody>
       </p:sp>
     </p:spTree>
     <p:extLst>
       <p:ext uri="{BB962C8B-B14F-4D97-AF65-F5344CB8AC3E}">
-        <p14:creationId xmlns:p14="http://schemas.microsoft.com/office/powerpoint/2010/main" val="306257555"/>
+        <p14:creationId xmlns:p14="http://schemas.microsoft.com/office/powerpoint/2010/main" val="261553675"/>
       </p:ext>
     </p:extLst>
   </p:cSld>
@@ -9851,27 +12508,349 @@
       </p:sp>
       <p:sp>
         <p:nvSpPr>
-          <p:cNvPr id="3" name="Content Placeholder 2"/>
-          <p:cNvSpPr>
-            <a:spLocks noGrp="1"/>
-          </p:cNvSpPr>
-          <p:nvPr>
-            <p:ph idx="1"/>
-          </p:nvPr>
-        </p:nvSpPr>
-        <p:spPr/>
-        <p:txBody>
-          <a:bodyPr/>
-          <a:lstStyle/>
-          <a:p>
+          <p:cNvPr id="4" name="TextBox 3"/>
+          <p:cNvSpPr txBox="1"/>
+          <p:nvPr/>
+        </p:nvSpPr>
+        <p:spPr>
+          <a:xfrm>
+            <a:off x="0" y="3455075"/>
+            <a:ext cx="4191000" cy="1815882"/>
+          </a:xfrm>
+          <a:prstGeom prst="rect">
+            <a:avLst/>
+          </a:prstGeom>
+          <a:noFill/>
+          <a:ln w="6350">
+            <a:solidFill>
+              <a:schemeClr val="tx1"/>
+            </a:solidFill>
+          </a:ln>
+        </p:spPr>
+        <p:txBody>
+          <a:bodyPr wrap="square" rtlCol="0">
+            <a:spAutoFit/>
+          </a:bodyPr>
+          <a:lstStyle/>
+          <a:p>
+            <a:r>
+              <a:rPr lang="nl-BE" sz="1600" dirty="0" smtClean="0">
+                <a:latin typeface="Courier New" panose="02070309020205020404" pitchFamily="49" charset="0"/>
+                <a:cs typeface="Courier New" panose="02070309020205020404" pitchFamily="49" charset="0"/>
+              </a:rPr>
+              <a:t>                AAPL </a:t>
+            </a:r>
+            <a:r>
+              <a:rPr lang="nl-BE" sz="1600" dirty="0">
+                <a:latin typeface="Courier New" panose="02070309020205020404" pitchFamily="49" charset="0"/>
+                <a:cs typeface="Courier New" panose="02070309020205020404" pitchFamily="49" charset="0"/>
+              </a:rPr>
+              <a:t>MSFT </a:t>
+            </a:r>
+            <a:endParaRPr lang="nl-BE" sz="1600" dirty="0" smtClean="0">
+              <a:latin typeface="Courier New" panose="02070309020205020404" pitchFamily="49" charset="0"/>
+              <a:cs typeface="Courier New" panose="02070309020205020404" pitchFamily="49" charset="0"/>
+            </a:endParaRPr>
+          </a:p>
+          <a:p>
+            <a:r>
+              <a:rPr lang="nl-BE" sz="1600" dirty="0" smtClean="0">
+                <a:latin typeface="Courier New" panose="02070309020205020404" pitchFamily="49" charset="0"/>
+                <a:cs typeface="Courier New" panose="02070309020205020404" pitchFamily="49" charset="0"/>
+              </a:rPr>
+              <a:t>2006-01-03 </a:t>
+            </a:r>
+            <a:r>
+              <a:rPr lang="nl-BE" sz="1600" dirty="0">
+                <a:latin typeface="Courier New" panose="02070309020205020404" pitchFamily="49" charset="0"/>
+                <a:cs typeface="Courier New" panose="02070309020205020404" pitchFamily="49" charset="0"/>
+              </a:rPr>
+              <a:t>9.829465 21.07395 2006-01-04 9.858394 21.17602 2006-01-05 9.780810 21.19173 2006-01-06 10.033286 21.12891 2006-01-09 10.000411 21.08966 2006-01-10 10.632916 21.19958</a:t>
+            </a:r>
+          </a:p>
+        </p:txBody>
+      </p:sp>
+      <p:sp>
+        <p:nvSpPr>
+          <p:cNvPr id="5" name="TextBox 4"/>
+          <p:cNvSpPr txBox="1"/>
+          <p:nvPr/>
+        </p:nvSpPr>
+        <p:spPr>
+          <a:xfrm>
+            <a:off x="1600200" y="2588525"/>
+            <a:ext cx="1752600" cy="369332"/>
+          </a:xfrm>
+          <a:prstGeom prst="rect">
+            <a:avLst/>
+          </a:prstGeom>
+          <a:noFill/>
+        </p:spPr>
+        <p:txBody>
+          <a:bodyPr wrap="square" rtlCol="0">
+            <a:spAutoFit/>
+          </a:bodyPr>
+          <a:lstStyle/>
+          <a:p>
+            <a:r>
+              <a:rPr lang="nl-BE" dirty="0" smtClean="0"/>
+              <a:t>In: prices</a:t>
+            </a:r>
+            <a:endParaRPr lang="nl-BE" dirty="0"/>
+          </a:p>
+        </p:txBody>
+      </p:sp>
+      <p:sp>
+        <p:nvSpPr>
+          <p:cNvPr id="6" name="TextBox 5"/>
+          <p:cNvSpPr txBox="1"/>
+          <p:nvPr/>
+        </p:nvSpPr>
+        <p:spPr>
+          <a:xfrm>
+            <a:off x="3581400" y="2067636"/>
+            <a:ext cx="2362200" cy="369332"/>
+          </a:xfrm>
+          <a:prstGeom prst="rect">
+            <a:avLst/>
+          </a:prstGeom>
+          <a:noFill/>
+        </p:spPr>
+        <p:txBody>
+          <a:bodyPr wrap="square" rtlCol="0">
+            <a:spAutoFit/>
+          </a:bodyPr>
+          <a:lstStyle/>
+          <a:p>
+            <a:r>
+              <a:rPr lang="nl-BE" dirty="0"/>
+              <a:t>Return.calculate</a:t>
+            </a:r>
+          </a:p>
+        </p:txBody>
+      </p:sp>
+      <p:sp>
+        <p:nvSpPr>
+          <p:cNvPr id="7" name="Right Arrow 6"/>
+          <p:cNvSpPr/>
+          <p:nvPr/>
+        </p:nvSpPr>
+        <p:spPr>
+          <a:xfrm>
+            <a:off x="3352800" y="2633398"/>
+            <a:ext cx="2819400" cy="230385"/>
+          </a:xfrm>
+          <a:prstGeom prst="rightArrow">
+            <a:avLst/>
+          </a:prstGeom>
+        </p:spPr>
+        <p:style>
+          <a:lnRef idx="2">
+            <a:schemeClr val="accent1">
+              <a:shade val="50000"/>
+            </a:schemeClr>
+          </a:lnRef>
+          <a:fillRef idx="1">
+            <a:schemeClr val="accent1"/>
+          </a:fillRef>
+          <a:effectRef idx="0">
+            <a:schemeClr val="accent1"/>
+          </a:effectRef>
+          <a:fontRef idx="minor">
+            <a:schemeClr val="lt1"/>
+          </a:fontRef>
+        </p:style>
+        <p:txBody>
+          <a:bodyPr rtlCol="0" anchor="ctr"/>
+          <a:lstStyle/>
+          <a:p>
+            <a:pPr algn="ctr"/>
             <a:endParaRPr lang="nl-BE"/>
+          </a:p>
+        </p:txBody>
+      </p:sp>
+      <p:sp>
+        <p:nvSpPr>
+          <p:cNvPr id="8" name="TextBox 7"/>
+          <p:cNvSpPr txBox="1"/>
+          <p:nvPr/>
+        </p:nvSpPr>
+        <p:spPr>
+          <a:xfrm>
+            <a:off x="6705600" y="2679117"/>
+            <a:ext cx="1752600" cy="369332"/>
+          </a:xfrm>
+          <a:prstGeom prst="rect">
+            <a:avLst/>
+          </a:prstGeom>
+          <a:noFill/>
+        </p:spPr>
+        <p:txBody>
+          <a:bodyPr wrap="square" rtlCol="0">
+            <a:spAutoFit/>
+          </a:bodyPr>
+          <a:lstStyle/>
+          <a:p>
+            <a:r>
+              <a:rPr lang="nl-BE" dirty="0" smtClean="0"/>
+              <a:t>Out: returns</a:t>
+            </a:r>
+            <a:endParaRPr lang="nl-BE" dirty="0"/>
+          </a:p>
+        </p:txBody>
+      </p:sp>
+      <p:sp>
+        <p:nvSpPr>
+          <p:cNvPr id="10" name="TextBox 9"/>
+          <p:cNvSpPr txBox="1"/>
+          <p:nvPr/>
+        </p:nvSpPr>
+        <p:spPr>
+          <a:xfrm>
+            <a:off x="4267200" y="3455075"/>
+            <a:ext cx="4876800" cy="1815882"/>
+          </a:xfrm>
+          <a:prstGeom prst="rect">
+            <a:avLst/>
+          </a:prstGeom>
+          <a:noFill/>
+          <a:ln w="6350">
+            <a:solidFill>
+              <a:schemeClr val="tx1"/>
+            </a:solidFill>
+          </a:ln>
+        </p:spPr>
+        <p:txBody>
+          <a:bodyPr wrap="square" rtlCol="0">
+            <a:spAutoFit/>
+          </a:bodyPr>
+          <a:lstStyle/>
+          <a:p>
+            <a:r>
+              <a:rPr lang="nl-BE" sz="1600" dirty="0" smtClean="0">
+                <a:latin typeface="Courier New" panose="02070309020205020404" pitchFamily="49" charset="0"/>
+                <a:cs typeface="Courier New" panose="02070309020205020404" pitchFamily="49" charset="0"/>
+              </a:rPr>
+              <a:t>                   AAPL </a:t>
+            </a:r>
+            <a:r>
+              <a:rPr lang="nl-BE" sz="1600" dirty="0">
+                <a:latin typeface="Courier New" panose="02070309020205020404" pitchFamily="49" charset="0"/>
+                <a:cs typeface="Courier New" panose="02070309020205020404" pitchFamily="49" charset="0"/>
+              </a:rPr>
+              <a:t>MSFT </a:t>
+            </a:r>
+            <a:endParaRPr lang="nl-BE" sz="1600" dirty="0" smtClean="0">
+              <a:latin typeface="Courier New" panose="02070309020205020404" pitchFamily="49" charset="0"/>
+              <a:cs typeface="Courier New" panose="02070309020205020404" pitchFamily="49" charset="0"/>
+            </a:endParaRPr>
+          </a:p>
+          <a:p>
+            <a:r>
+              <a:rPr lang="nl-BE" sz="1600" dirty="0" smtClean="0">
+                <a:latin typeface="Courier New" panose="02070309020205020404" pitchFamily="49" charset="0"/>
+                <a:cs typeface="Courier New" panose="02070309020205020404" pitchFamily="49" charset="0"/>
+              </a:rPr>
+              <a:t>2006-01-04 </a:t>
+            </a:r>
+            <a:r>
+              <a:rPr lang="nl-BE" sz="1600" dirty="0">
+                <a:latin typeface="Courier New" panose="02070309020205020404" pitchFamily="49" charset="0"/>
+                <a:cs typeface="Courier New" panose="02070309020205020404" pitchFamily="49" charset="0"/>
+              </a:rPr>
+              <a:t>0.002943090 0.0048434670 2006-01-05 -0.007869842 0.0007415934 2006-01-06 0.025813404 -0.0029640809 2006-01-09 -0.003276594 -0.0018579752 2006-01-10 0.063247901 0.0052121756 2006-01-11 0.037595802 0.0107407783</a:t>
+            </a:r>
+          </a:p>
+        </p:txBody>
+      </p:sp>
+      <p:sp>
+        <p:nvSpPr>
+          <p:cNvPr id="11" name="TextBox 10"/>
+          <p:cNvSpPr txBox="1"/>
+          <p:nvPr/>
+        </p:nvSpPr>
+        <p:spPr>
+          <a:xfrm>
+            <a:off x="533400" y="5562600"/>
+            <a:ext cx="3200400" cy="369332"/>
+          </a:xfrm>
+          <a:prstGeom prst="rect">
+            <a:avLst/>
+          </a:prstGeom>
+          <a:noFill/>
+        </p:spPr>
+        <p:txBody>
+          <a:bodyPr wrap="square" rtlCol="0">
+            <a:spAutoFit/>
+          </a:bodyPr>
+          <a:lstStyle/>
+          <a:p>
+            <a:r>
+              <a:rPr lang="nl-BE" dirty="0"/>
+              <a:t>head(prices)</a:t>
+            </a:r>
+            <a:endParaRPr lang="nl-BE" dirty="0"/>
+          </a:p>
+        </p:txBody>
+      </p:sp>
+      <p:sp>
+        <p:nvSpPr>
+          <p:cNvPr id="12" name="TextBox 11"/>
+          <p:cNvSpPr txBox="1"/>
+          <p:nvPr/>
+        </p:nvSpPr>
+        <p:spPr>
+          <a:xfrm>
+            <a:off x="4572000" y="5562600"/>
+            <a:ext cx="4038600" cy="923330"/>
+          </a:xfrm>
+          <a:prstGeom prst="rect">
+            <a:avLst/>
+          </a:prstGeom>
+          <a:noFill/>
+        </p:spPr>
+        <p:txBody>
+          <a:bodyPr wrap="square" rtlCol="0">
+            <a:spAutoFit/>
+          </a:bodyPr>
+          <a:lstStyle/>
+          <a:p>
+            <a:r>
+              <a:rPr lang="nl-BE" dirty="0" smtClean="0"/>
+              <a:t>returns &lt;- </a:t>
+            </a:r>
+            <a:r>
+              <a:rPr lang="nl-BE" dirty="0"/>
+              <a:t>Return.calculate(prices</a:t>
+            </a:r>
+            <a:r>
+              <a:rPr lang="nl-BE" dirty="0" smtClean="0"/>
+              <a:t>)</a:t>
+            </a:r>
+          </a:p>
+          <a:p>
+            <a:r>
+              <a:rPr lang="nl-BE" dirty="0" smtClean="0">
+                <a:solidFill>
+                  <a:srgbClr val="FF0000"/>
+                </a:solidFill>
+              </a:rPr>
+              <a:t>returns &lt;- returns[(-1),]</a:t>
+            </a:r>
+          </a:p>
+          <a:p>
+            <a:r>
+              <a:rPr lang="nl-BE" dirty="0" smtClean="0"/>
+              <a:t>head(returns)</a:t>
+            </a:r>
+            <a:endParaRPr lang="nl-BE" dirty="0"/>
           </a:p>
         </p:txBody>
       </p:sp>
     </p:spTree>
     <p:extLst>
       <p:ext uri="{BB962C8B-B14F-4D97-AF65-F5344CB8AC3E}">
-        <p14:creationId xmlns:p14="http://schemas.microsoft.com/office/powerpoint/2010/main" val="2305452670"/>
+        <p14:creationId xmlns:p14="http://schemas.microsoft.com/office/powerpoint/2010/main" val="1167877186"/>
       </p:ext>
     </p:extLst>
   </p:cSld>
@@ -9932,454 +12911,42 @@
           <a:bodyPr/>
           <a:lstStyle/>
           <a:p>
+            <a:pPr marL="0" indent="0">
+              <a:buNone/>
+            </a:pPr>
             <a:r>
               <a:rPr lang="nl-BE" dirty="0" smtClean="0"/>
-              <a:t>A common mismatch: </a:t>
-            </a:r>
-          </a:p>
-          <a:p>
-            <a:pPr lvl="1"/>
+              <a:t>Time series of portfolio weights:</a:t>
+            </a:r>
+          </a:p>
+          <a:p>
+            <a:pPr>
+              <a:buFont typeface="Arial" charset="0"/>
+              <a:buChar char="•"/>
+            </a:pPr>
             <a:r>
               <a:rPr lang="nl-BE" dirty="0" smtClean="0"/>
-              <a:t>Returns are available at a daily, weekly or monthly frequency</a:t>
-            </a:r>
-          </a:p>
-          <a:p>
-            <a:pPr lvl="1"/>
+              <a:t>Set initial weights and do not intervene</a:t>
+            </a:r>
+          </a:p>
+          <a:p>
+            <a:pPr>
+              <a:buFont typeface="Arial" charset="0"/>
+              <a:buChar char="•"/>
+            </a:pPr>
             <a:r>
               <a:rPr lang="nl-BE" dirty="0" smtClean="0"/>
-              <a:t>The investment period is longer</a:t>
-            </a:r>
-            <a:endParaRPr lang="nl-BE" dirty="0"/>
-          </a:p>
-        </p:txBody>
-      </p:sp>
-      <p:cxnSp>
-        <p:nvCxnSpPr>
-          <p:cNvPr id="5" name="Straight Arrow Connector 4"/>
-          <p:cNvCxnSpPr/>
-          <p:nvPr/>
-        </p:nvCxnSpPr>
-        <p:spPr>
-          <a:xfrm>
-            <a:off x="609600" y="4419600"/>
-            <a:ext cx="7162800" cy="0"/>
-          </a:xfrm>
-          <a:prstGeom prst="straightConnector1">
-            <a:avLst/>
-          </a:prstGeom>
-          <a:ln w="44450">
-            <a:tailEnd type="arrow"/>
-          </a:ln>
-        </p:spPr>
-        <p:style>
-          <a:lnRef idx="1">
-            <a:schemeClr val="accent1"/>
-          </a:lnRef>
-          <a:fillRef idx="0">
-            <a:schemeClr val="accent1"/>
-          </a:fillRef>
-          <a:effectRef idx="0">
-            <a:schemeClr val="accent1"/>
-          </a:effectRef>
-          <a:fontRef idx="minor">
-            <a:schemeClr val="tx1"/>
-          </a:fontRef>
-        </p:style>
-      </p:cxnSp>
-      <p:cxnSp>
-        <p:nvCxnSpPr>
-          <p:cNvPr id="7" name="Straight Connector 6"/>
-          <p:cNvCxnSpPr/>
-          <p:nvPr/>
-        </p:nvCxnSpPr>
-        <p:spPr>
-          <a:xfrm>
-            <a:off x="1066800" y="4114800"/>
-            <a:ext cx="0" cy="609600"/>
-          </a:xfrm>
-          <a:prstGeom prst="line">
-            <a:avLst/>
-          </a:prstGeom>
-        </p:spPr>
-        <p:style>
-          <a:lnRef idx="1">
-            <a:schemeClr val="accent1"/>
-          </a:lnRef>
-          <a:fillRef idx="0">
-            <a:schemeClr val="accent1"/>
-          </a:fillRef>
-          <a:effectRef idx="0">
-            <a:schemeClr val="accent1"/>
-          </a:effectRef>
-          <a:fontRef idx="minor">
-            <a:schemeClr val="tx1"/>
-          </a:fontRef>
-        </p:style>
-      </p:cxnSp>
-      <p:cxnSp>
-        <p:nvCxnSpPr>
-          <p:cNvPr id="8" name="Straight Connector 7"/>
-          <p:cNvCxnSpPr/>
-          <p:nvPr/>
-        </p:nvCxnSpPr>
-        <p:spPr>
-          <a:xfrm>
-            <a:off x="1676400" y="4114800"/>
-            <a:ext cx="0" cy="609600"/>
-          </a:xfrm>
-          <a:prstGeom prst="line">
-            <a:avLst/>
-          </a:prstGeom>
-        </p:spPr>
-        <p:style>
-          <a:lnRef idx="1">
-            <a:schemeClr val="accent1"/>
-          </a:lnRef>
-          <a:fillRef idx="0">
-            <a:schemeClr val="accent1"/>
-          </a:fillRef>
-          <a:effectRef idx="0">
-            <a:schemeClr val="accent1"/>
-          </a:effectRef>
-          <a:fontRef idx="minor">
-            <a:schemeClr val="tx1"/>
-          </a:fontRef>
-        </p:style>
-      </p:cxnSp>
-      <p:cxnSp>
-        <p:nvCxnSpPr>
-          <p:cNvPr id="13" name="Straight Connector 12"/>
-          <p:cNvCxnSpPr/>
-          <p:nvPr/>
-        </p:nvCxnSpPr>
-        <p:spPr>
-          <a:xfrm>
-            <a:off x="2286000" y="4114800"/>
-            <a:ext cx="0" cy="609600"/>
-          </a:xfrm>
-          <a:prstGeom prst="line">
-            <a:avLst/>
-          </a:prstGeom>
-        </p:spPr>
-        <p:style>
-          <a:lnRef idx="1">
-            <a:schemeClr val="accent1"/>
-          </a:lnRef>
-          <a:fillRef idx="0">
-            <a:schemeClr val="accent1"/>
-          </a:fillRef>
-          <a:effectRef idx="0">
-            <a:schemeClr val="accent1"/>
-          </a:effectRef>
-          <a:fontRef idx="minor">
-            <a:schemeClr val="tx1"/>
-          </a:fontRef>
-        </p:style>
-      </p:cxnSp>
-      <p:cxnSp>
-        <p:nvCxnSpPr>
-          <p:cNvPr id="14" name="Straight Connector 13"/>
-          <p:cNvCxnSpPr/>
-          <p:nvPr/>
-        </p:nvCxnSpPr>
-        <p:spPr>
-          <a:xfrm>
-            <a:off x="2895600" y="4114800"/>
-            <a:ext cx="0" cy="609600"/>
-          </a:xfrm>
-          <a:prstGeom prst="line">
-            <a:avLst/>
-          </a:prstGeom>
-        </p:spPr>
-        <p:style>
-          <a:lnRef idx="1">
-            <a:schemeClr val="accent1"/>
-          </a:lnRef>
-          <a:fillRef idx="0">
-            <a:schemeClr val="accent1"/>
-          </a:fillRef>
-          <a:effectRef idx="0">
-            <a:schemeClr val="accent1"/>
-          </a:effectRef>
-          <a:fontRef idx="minor">
-            <a:schemeClr val="tx1"/>
-          </a:fontRef>
-        </p:style>
-      </p:cxnSp>
-      <p:cxnSp>
-        <p:nvCxnSpPr>
-          <p:cNvPr id="15" name="Straight Connector 14"/>
-          <p:cNvCxnSpPr/>
-          <p:nvPr/>
-        </p:nvCxnSpPr>
-        <p:spPr>
-          <a:xfrm>
-            <a:off x="3505200" y="4114800"/>
-            <a:ext cx="0" cy="609600"/>
-          </a:xfrm>
-          <a:prstGeom prst="line">
-            <a:avLst/>
-          </a:prstGeom>
-        </p:spPr>
-        <p:style>
-          <a:lnRef idx="1">
-            <a:schemeClr val="accent1"/>
-          </a:lnRef>
-          <a:fillRef idx="0">
-            <a:schemeClr val="accent1"/>
-          </a:fillRef>
-          <a:effectRef idx="0">
-            <a:schemeClr val="accent1"/>
-          </a:effectRef>
-          <a:fontRef idx="minor">
-            <a:schemeClr val="tx1"/>
-          </a:fontRef>
-        </p:style>
-      </p:cxnSp>
-      <p:cxnSp>
-        <p:nvCxnSpPr>
-          <p:cNvPr id="16" name="Straight Connector 15"/>
-          <p:cNvCxnSpPr/>
-          <p:nvPr/>
-        </p:nvCxnSpPr>
-        <p:spPr>
-          <a:xfrm>
-            <a:off x="4114800" y="4114800"/>
-            <a:ext cx="0" cy="609600"/>
-          </a:xfrm>
-          <a:prstGeom prst="line">
-            <a:avLst/>
-          </a:prstGeom>
-        </p:spPr>
-        <p:style>
-          <a:lnRef idx="1">
-            <a:schemeClr val="accent1"/>
-          </a:lnRef>
-          <a:fillRef idx="0">
-            <a:schemeClr val="accent1"/>
-          </a:fillRef>
-          <a:effectRef idx="0">
-            <a:schemeClr val="accent1"/>
-          </a:effectRef>
-          <a:fontRef idx="minor">
-            <a:schemeClr val="tx1"/>
-          </a:fontRef>
-        </p:style>
-      </p:cxnSp>
-      <p:cxnSp>
-        <p:nvCxnSpPr>
-          <p:cNvPr id="17" name="Straight Connector 16"/>
-          <p:cNvCxnSpPr/>
-          <p:nvPr/>
-        </p:nvCxnSpPr>
-        <p:spPr>
-          <a:xfrm>
-            <a:off x="4724400" y="4114800"/>
-            <a:ext cx="0" cy="609600"/>
-          </a:xfrm>
-          <a:prstGeom prst="line">
-            <a:avLst/>
-          </a:prstGeom>
-        </p:spPr>
-        <p:style>
-          <a:lnRef idx="1">
-            <a:schemeClr val="accent1"/>
-          </a:lnRef>
-          <a:fillRef idx="0">
-            <a:schemeClr val="accent1"/>
-          </a:fillRef>
-          <a:effectRef idx="0">
-            <a:schemeClr val="accent1"/>
-          </a:effectRef>
-          <a:fontRef idx="minor">
-            <a:schemeClr val="tx1"/>
-          </a:fontRef>
-        </p:style>
-      </p:cxnSp>
-      <p:cxnSp>
-        <p:nvCxnSpPr>
-          <p:cNvPr id="18" name="Straight Connector 17"/>
-          <p:cNvCxnSpPr/>
-          <p:nvPr/>
-        </p:nvCxnSpPr>
-        <p:spPr>
-          <a:xfrm>
-            <a:off x="5334000" y="4114800"/>
-            <a:ext cx="0" cy="609600"/>
-          </a:xfrm>
-          <a:prstGeom prst="line">
-            <a:avLst/>
-          </a:prstGeom>
-        </p:spPr>
-        <p:style>
-          <a:lnRef idx="1">
-            <a:schemeClr val="accent1"/>
-          </a:lnRef>
-          <a:fillRef idx="0">
-            <a:schemeClr val="accent1"/>
-          </a:fillRef>
-          <a:effectRef idx="0">
-            <a:schemeClr val="accent1"/>
-          </a:effectRef>
-          <a:fontRef idx="minor">
-            <a:schemeClr val="tx1"/>
-          </a:fontRef>
-        </p:style>
-      </p:cxnSp>
-      <p:cxnSp>
-        <p:nvCxnSpPr>
-          <p:cNvPr id="19" name="Straight Connector 18"/>
-          <p:cNvCxnSpPr/>
-          <p:nvPr/>
-        </p:nvCxnSpPr>
-        <p:spPr>
-          <a:xfrm>
-            <a:off x="5867400" y="4114800"/>
-            <a:ext cx="0" cy="609600"/>
-          </a:xfrm>
-          <a:prstGeom prst="line">
-            <a:avLst/>
-          </a:prstGeom>
-        </p:spPr>
-        <p:style>
-          <a:lnRef idx="1">
-            <a:schemeClr val="accent1"/>
-          </a:lnRef>
-          <a:fillRef idx="0">
-            <a:schemeClr val="accent1"/>
-          </a:fillRef>
-          <a:effectRef idx="0">
-            <a:schemeClr val="accent1"/>
-          </a:effectRef>
-          <a:fontRef idx="minor">
-            <a:schemeClr val="tx1"/>
-          </a:fontRef>
-        </p:style>
-      </p:cxnSp>
-      <p:cxnSp>
-        <p:nvCxnSpPr>
-          <p:cNvPr id="20" name="Straight Connector 19"/>
-          <p:cNvCxnSpPr/>
-          <p:nvPr/>
-        </p:nvCxnSpPr>
-        <p:spPr>
-          <a:xfrm>
-            <a:off x="6477000" y="4114800"/>
-            <a:ext cx="0" cy="609600"/>
-          </a:xfrm>
-          <a:prstGeom prst="line">
-            <a:avLst/>
-          </a:prstGeom>
-        </p:spPr>
-        <p:style>
-          <a:lnRef idx="1">
-            <a:schemeClr val="accent1"/>
-          </a:lnRef>
-          <a:fillRef idx="0">
-            <a:schemeClr val="accent1"/>
-          </a:fillRef>
-          <a:effectRef idx="0">
-            <a:schemeClr val="accent1"/>
-          </a:effectRef>
-          <a:fontRef idx="minor">
-            <a:schemeClr val="tx1"/>
-          </a:fontRef>
-        </p:style>
-      </p:cxnSp>
-      <p:sp>
-        <p:nvSpPr>
-          <p:cNvPr id="21" name="TextBox 20"/>
-          <p:cNvSpPr txBox="1"/>
-          <p:nvPr/>
-        </p:nvSpPr>
-        <p:spPr>
-          <a:xfrm>
-            <a:off x="7162800" y="3348335"/>
-            <a:ext cx="1752600" cy="923330"/>
-          </a:xfrm>
-          <a:prstGeom prst="rect">
-            <a:avLst/>
-          </a:prstGeom>
-          <a:noFill/>
-        </p:spPr>
-        <p:txBody>
-          <a:bodyPr wrap="square" rtlCol="0">
-            <a:spAutoFit/>
-          </a:bodyPr>
-          <a:lstStyle/>
-          <a:p>
+              <a:t>Dynamic portfolio allcocation: frequently specify the weights</a:t>
+            </a:r>
+          </a:p>
+          <a:p>
+            <a:pPr lvl="1">
+              <a:buFont typeface="Arial" charset="0"/>
+              <a:buChar char="•"/>
+            </a:pPr>
             <a:r>
               <a:rPr lang="nl-BE" dirty="0" smtClean="0"/>
-              <a:t>Available (higher frequency) returns</a:t>
-            </a:r>
-            <a:endParaRPr lang="nl-BE" dirty="0"/>
-          </a:p>
-        </p:txBody>
-      </p:sp>
-      <p:sp>
-        <p:nvSpPr>
-          <p:cNvPr id="22" name="Left Brace 21"/>
-          <p:cNvSpPr/>
-          <p:nvPr/>
-        </p:nvSpPr>
-        <p:spPr>
-          <a:xfrm rot="16200000">
-            <a:off x="3494315" y="2318656"/>
-            <a:ext cx="609600" cy="5878286"/>
-          </a:xfrm>
-          <a:prstGeom prst="leftBrace">
-            <a:avLst/>
-          </a:prstGeom>
-        </p:spPr>
-        <p:style>
-          <a:lnRef idx="1">
-            <a:schemeClr val="accent1"/>
-          </a:lnRef>
-          <a:fillRef idx="0">
-            <a:schemeClr val="accent1"/>
-          </a:fillRef>
-          <a:effectRef idx="0">
-            <a:schemeClr val="accent1"/>
-          </a:effectRef>
-          <a:fontRef idx="minor">
-            <a:schemeClr val="tx1"/>
-          </a:fontRef>
-        </p:style>
-        <p:txBody>
-          <a:bodyPr rtlCol="0" anchor="ctr"/>
-          <a:lstStyle/>
-          <a:p>
-            <a:pPr algn="ctr"/>
-            <a:endParaRPr lang="nl-BE"/>
-          </a:p>
-        </p:txBody>
-      </p:sp>
-      <p:sp>
-        <p:nvSpPr>
-          <p:cNvPr id="23" name="TextBox 22"/>
-          <p:cNvSpPr txBox="1"/>
-          <p:nvPr/>
-        </p:nvSpPr>
-        <p:spPr>
-          <a:xfrm>
-            <a:off x="2286000" y="5791200"/>
-            <a:ext cx="3733800" cy="369332"/>
-          </a:xfrm>
-          <a:prstGeom prst="rect">
-            <a:avLst/>
-          </a:prstGeom>
-          <a:noFill/>
-        </p:spPr>
-        <p:txBody>
-          <a:bodyPr wrap="square" rtlCol="0">
-            <a:spAutoFit/>
-          </a:bodyPr>
-          <a:lstStyle/>
-          <a:p>
-            <a:r>
-              <a:rPr lang="nl-BE" dirty="0" smtClean="0"/>
-              <a:t>Total multi-period return needed</a:t>
+              <a:t>The action of buying and selling assets to actively change the portfolio weights is called portfolio rebalancing. </a:t>
             </a:r>
             <a:endParaRPr lang="nl-BE" dirty="0"/>
           </a:p>
@@ -10388,7 +12955,7 @@
     </p:spTree>
     <p:extLst>
       <p:ext uri="{BB962C8B-B14F-4D97-AF65-F5344CB8AC3E}">
-        <p14:creationId xmlns:p14="http://schemas.microsoft.com/office/powerpoint/2010/main" val="1932579090"/>
+        <p14:creationId xmlns:p14="http://schemas.microsoft.com/office/powerpoint/2010/main" val="306257555"/>
       </p:ext>
     </p:extLst>
   </p:cSld>
@@ -10430,1127 +12997,45 @@
           <a:bodyPr/>
           <a:lstStyle/>
           <a:p>
+            <a:endParaRPr lang="nl-BE"/>
+          </a:p>
+        </p:txBody>
+      </p:sp>
+      <p:sp>
+        <p:nvSpPr>
+          <p:cNvPr id="3" name="Content Placeholder 2"/>
+          <p:cNvSpPr>
+            <a:spLocks noGrp="1"/>
+          </p:cNvSpPr>
+          <p:nvPr>
+            <p:ph idx="1"/>
+          </p:nvPr>
+        </p:nvSpPr>
+        <p:spPr/>
+        <p:txBody>
+          <a:bodyPr/>
+          <a:lstStyle/>
+          <a:p>
+            <a:pPr marL="0" indent="0">
+              <a:buNone/>
+            </a:pPr>
+            <a:r>
+              <a:rPr lang="nl-BE" dirty="0"/>
+              <a:t>Return.portfolio &lt;- function (R, weights = NULL, rebalance_on = c(NA, "years", "quarters", "months", "weeks", "days"))</a:t>
+            </a:r>
+          </a:p>
+          <a:p>
+            <a:pPr marL="0" indent="0">
+              <a:buNone/>
+            </a:pPr>
             <a:endParaRPr lang="nl-BE" dirty="0"/>
-          </a:p>
-        </p:txBody>
-      </p:sp>
-      <p:sp>
-        <p:nvSpPr>
-          <p:cNvPr id="3" name="Content Placeholder 2"/>
-          <p:cNvSpPr>
-            <a:spLocks noGrp="1"/>
-          </p:cNvSpPr>
-          <p:nvPr>
-            <p:ph idx="1"/>
-          </p:nvPr>
-        </p:nvSpPr>
-        <p:spPr/>
-        <p:txBody>
-          <a:bodyPr>
-            <a:normAutofit fontScale="92500" lnSpcReduction="20000"/>
-          </a:bodyPr>
-          <a:lstStyle/>
-          <a:p>
-            <a:r>
-              <a:rPr lang="nl-BE" dirty="0" smtClean="0"/>
-              <a:t>Compounding formula</a:t>
-            </a:r>
-          </a:p>
-          <a:p>
-            <a:endParaRPr lang="nl-BE" dirty="0"/>
-          </a:p>
-          <a:p>
-            <a:endParaRPr lang="nl-BE" dirty="0" smtClean="0"/>
-          </a:p>
-          <a:p>
-            <a:endParaRPr lang="nl-BE" dirty="0"/>
-          </a:p>
-          <a:p>
-            <a:r>
-              <a:rPr lang="nl-BE" dirty="0" smtClean="0"/>
-              <a:t>Initial value: Vi</a:t>
-            </a:r>
-          </a:p>
-          <a:p>
-            <a:r>
-              <a:rPr lang="nl-BE" dirty="0" smtClean="0"/>
-              <a:t>Value after:</a:t>
-            </a:r>
-          </a:p>
-          <a:p>
-            <a:pPr lvl="1"/>
-            <a:r>
-              <a:rPr lang="nl-BE" dirty="0" smtClean="0"/>
-              <a:t>One period: Vi(1+R</a:t>
-            </a:r>
-            <a:r>
-              <a:rPr lang="nl-BE" baseline="-25000" dirty="0" smtClean="0"/>
-              <a:t>1</a:t>
-            </a:r>
-            <a:r>
-              <a:rPr lang="nl-BE" dirty="0" smtClean="0"/>
-              <a:t>)</a:t>
-            </a:r>
-          </a:p>
-          <a:p>
-            <a:pPr lvl="1"/>
-            <a:r>
-              <a:rPr lang="nl-BE" dirty="0" smtClean="0"/>
-              <a:t>Two periods: Vi(1+R</a:t>
-            </a:r>
-            <a:r>
-              <a:rPr lang="nl-BE" baseline="-25000" dirty="0" smtClean="0"/>
-              <a:t>1</a:t>
-            </a:r>
-            <a:r>
-              <a:rPr lang="nl-BE" dirty="0" smtClean="0"/>
-              <a:t>)(1+R</a:t>
-            </a:r>
-            <a:r>
-              <a:rPr lang="nl-BE" baseline="-25000" dirty="0"/>
-              <a:t>2</a:t>
-            </a:r>
-            <a:r>
-              <a:rPr lang="nl-BE" dirty="0" smtClean="0"/>
-              <a:t>)</a:t>
-            </a:r>
-          </a:p>
-          <a:p>
-            <a:pPr lvl="1"/>
-            <a:r>
-              <a:rPr lang="nl-BE" dirty="0" smtClean="0"/>
-              <a:t>…</a:t>
-            </a:r>
-          </a:p>
-          <a:p>
-            <a:pPr lvl="1"/>
-            <a:r>
-              <a:rPr lang="nl-BE" dirty="0" smtClean="0"/>
-              <a:t>K periods: Vi(1+R</a:t>
-            </a:r>
-            <a:r>
-              <a:rPr lang="nl-BE" baseline="-25000" dirty="0" smtClean="0"/>
-              <a:t>1</a:t>
-            </a:r>
-            <a:r>
-              <a:rPr lang="nl-BE" dirty="0" smtClean="0"/>
-              <a:t>)(1+R</a:t>
-            </a:r>
-            <a:r>
-              <a:rPr lang="nl-BE" baseline="-25000" dirty="0" smtClean="0"/>
-              <a:t>2</a:t>
-            </a:r>
-            <a:r>
-              <a:rPr lang="nl-BE" dirty="0" smtClean="0"/>
-              <a:t>)…(1+R</a:t>
-            </a:r>
-            <a:r>
-              <a:rPr lang="nl-BE" baseline="-25000" dirty="0"/>
-              <a:t>K</a:t>
-            </a:r>
-            <a:r>
-              <a:rPr lang="nl-BE" dirty="0" smtClean="0"/>
-              <a:t>)</a:t>
-            </a:r>
-          </a:p>
-        </p:txBody>
-      </p:sp>
-      <p:cxnSp>
-        <p:nvCxnSpPr>
-          <p:cNvPr id="4" name="Straight Arrow Connector 3"/>
-          <p:cNvCxnSpPr/>
-          <p:nvPr/>
-        </p:nvCxnSpPr>
-        <p:spPr>
-          <a:xfrm>
-            <a:off x="838200" y="2743200"/>
-            <a:ext cx="7162800" cy="0"/>
-          </a:xfrm>
-          <a:prstGeom prst="straightConnector1">
-            <a:avLst/>
-          </a:prstGeom>
-          <a:ln w="44450">
-            <a:tailEnd type="arrow"/>
-          </a:ln>
-        </p:spPr>
-        <p:style>
-          <a:lnRef idx="1">
-            <a:schemeClr val="accent1"/>
-          </a:lnRef>
-          <a:fillRef idx="0">
-            <a:schemeClr val="accent1"/>
-          </a:fillRef>
-          <a:effectRef idx="0">
-            <a:schemeClr val="accent1"/>
-          </a:effectRef>
-          <a:fontRef idx="minor">
-            <a:schemeClr val="tx1"/>
-          </a:fontRef>
-        </p:style>
-      </p:cxnSp>
-      <p:cxnSp>
-        <p:nvCxnSpPr>
-          <p:cNvPr id="5" name="Straight Connector 4"/>
-          <p:cNvCxnSpPr/>
-          <p:nvPr/>
-        </p:nvCxnSpPr>
-        <p:spPr>
-          <a:xfrm>
-            <a:off x="1295400" y="2438400"/>
-            <a:ext cx="0" cy="609600"/>
-          </a:xfrm>
-          <a:prstGeom prst="line">
-            <a:avLst/>
-          </a:prstGeom>
-        </p:spPr>
-        <p:style>
-          <a:lnRef idx="1">
-            <a:schemeClr val="accent1"/>
-          </a:lnRef>
-          <a:fillRef idx="0">
-            <a:schemeClr val="accent1"/>
-          </a:fillRef>
-          <a:effectRef idx="0">
-            <a:schemeClr val="accent1"/>
-          </a:effectRef>
-          <a:fontRef idx="minor">
-            <a:schemeClr val="tx1"/>
-          </a:fontRef>
-        </p:style>
-      </p:cxnSp>
-      <p:cxnSp>
-        <p:nvCxnSpPr>
-          <p:cNvPr id="6" name="Straight Connector 5"/>
-          <p:cNvCxnSpPr/>
-          <p:nvPr/>
-        </p:nvCxnSpPr>
-        <p:spPr>
-          <a:xfrm>
-            <a:off x="1905000" y="2438400"/>
-            <a:ext cx="0" cy="609600"/>
-          </a:xfrm>
-          <a:prstGeom prst="line">
-            <a:avLst/>
-          </a:prstGeom>
-        </p:spPr>
-        <p:style>
-          <a:lnRef idx="1">
-            <a:schemeClr val="accent1"/>
-          </a:lnRef>
-          <a:fillRef idx="0">
-            <a:schemeClr val="accent1"/>
-          </a:fillRef>
-          <a:effectRef idx="0">
-            <a:schemeClr val="accent1"/>
-          </a:effectRef>
-          <a:fontRef idx="minor">
-            <a:schemeClr val="tx1"/>
-          </a:fontRef>
-        </p:style>
-      </p:cxnSp>
-      <p:cxnSp>
-        <p:nvCxnSpPr>
-          <p:cNvPr id="7" name="Straight Connector 6"/>
-          <p:cNvCxnSpPr/>
-          <p:nvPr/>
-        </p:nvCxnSpPr>
-        <p:spPr>
-          <a:xfrm>
-            <a:off x="2514600" y="2438400"/>
-            <a:ext cx="0" cy="609600"/>
-          </a:xfrm>
-          <a:prstGeom prst="line">
-            <a:avLst/>
-          </a:prstGeom>
-        </p:spPr>
-        <p:style>
-          <a:lnRef idx="1">
-            <a:schemeClr val="accent1"/>
-          </a:lnRef>
-          <a:fillRef idx="0">
-            <a:schemeClr val="accent1"/>
-          </a:fillRef>
-          <a:effectRef idx="0">
-            <a:schemeClr val="accent1"/>
-          </a:effectRef>
-          <a:fontRef idx="minor">
-            <a:schemeClr val="tx1"/>
-          </a:fontRef>
-        </p:style>
-      </p:cxnSp>
-      <p:cxnSp>
-        <p:nvCxnSpPr>
-          <p:cNvPr id="8" name="Straight Connector 7"/>
-          <p:cNvCxnSpPr/>
-          <p:nvPr/>
-        </p:nvCxnSpPr>
-        <p:spPr>
-          <a:xfrm>
-            <a:off x="3124200" y="2438400"/>
-            <a:ext cx="0" cy="609600"/>
-          </a:xfrm>
-          <a:prstGeom prst="line">
-            <a:avLst/>
-          </a:prstGeom>
-        </p:spPr>
-        <p:style>
-          <a:lnRef idx="1">
-            <a:schemeClr val="accent1"/>
-          </a:lnRef>
-          <a:fillRef idx="0">
-            <a:schemeClr val="accent1"/>
-          </a:fillRef>
-          <a:effectRef idx="0">
-            <a:schemeClr val="accent1"/>
-          </a:effectRef>
-          <a:fontRef idx="minor">
-            <a:schemeClr val="tx1"/>
-          </a:fontRef>
-        </p:style>
-      </p:cxnSp>
-      <p:cxnSp>
-        <p:nvCxnSpPr>
-          <p:cNvPr id="9" name="Straight Connector 8"/>
-          <p:cNvCxnSpPr/>
-          <p:nvPr/>
-        </p:nvCxnSpPr>
-        <p:spPr>
-          <a:xfrm>
-            <a:off x="3733800" y="2438400"/>
-            <a:ext cx="0" cy="609600"/>
-          </a:xfrm>
-          <a:prstGeom prst="line">
-            <a:avLst/>
-          </a:prstGeom>
-        </p:spPr>
-        <p:style>
-          <a:lnRef idx="1">
-            <a:schemeClr val="accent1"/>
-          </a:lnRef>
-          <a:fillRef idx="0">
-            <a:schemeClr val="accent1"/>
-          </a:fillRef>
-          <a:effectRef idx="0">
-            <a:schemeClr val="accent1"/>
-          </a:effectRef>
-          <a:fontRef idx="minor">
-            <a:schemeClr val="tx1"/>
-          </a:fontRef>
-        </p:style>
-      </p:cxnSp>
-      <p:cxnSp>
-        <p:nvCxnSpPr>
-          <p:cNvPr id="10" name="Straight Connector 9"/>
-          <p:cNvCxnSpPr/>
-          <p:nvPr/>
-        </p:nvCxnSpPr>
-        <p:spPr>
-          <a:xfrm>
-            <a:off x="4343400" y="2438400"/>
-            <a:ext cx="0" cy="609600"/>
-          </a:xfrm>
-          <a:prstGeom prst="line">
-            <a:avLst/>
-          </a:prstGeom>
-        </p:spPr>
-        <p:style>
-          <a:lnRef idx="1">
-            <a:schemeClr val="accent1"/>
-          </a:lnRef>
-          <a:fillRef idx="0">
-            <a:schemeClr val="accent1"/>
-          </a:fillRef>
-          <a:effectRef idx="0">
-            <a:schemeClr val="accent1"/>
-          </a:effectRef>
-          <a:fontRef idx="minor">
-            <a:schemeClr val="tx1"/>
-          </a:fontRef>
-        </p:style>
-      </p:cxnSp>
-      <p:cxnSp>
-        <p:nvCxnSpPr>
-          <p:cNvPr id="11" name="Straight Connector 10"/>
-          <p:cNvCxnSpPr/>
-          <p:nvPr/>
-        </p:nvCxnSpPr>
-        <p:spPr>
-          <a:xfrm>
-            <a:off x="4953000" y="2438400"/>
-            <a:ext cx="0" cy="609600"/>
-          </a:xfrm>
-          <a:prstGeom prst="line">
-            <a:avLst/>
-          </a:prstGeom>
-        </p:spPr>
-        <p:style>
-          <a:lnRef idx="1">
-            <a:schemeClr val="accent1"/>
-          </a:lnRef>
-          <a:fillRef idx="0">
-            <a:schemeClr val="accent1"/>
-          </a:fillRef>
-          <a:effectRef idx="0">
-            <a:schemeClr val="accent1"/>
-          </a:effectRef>
-          <a:fontRef idx="minor">
-            <a:schemeClr val="tx1"/>
-          </a:fontRef>
-        </p:style>
-      </p:cxnSp>
-      <p:cxnSp>
-        <p:nvCxnSpPr>
-          <p:cNvPr id="12" name="Straight Connector 11"/>
-          <p:cNvCxnSpPr/>
-          <p:nvPr/>
-        </p:nvCxnSpPr>
-        <p:spPr>
-          <a:xfrm>
-            <a:off x="5562600" y="2438400"/>
-            <a:ext cx="0" cy="609600"/>
-          </a:xfrm>
-          <a:prstGeom prst="line">
-            <a:avLst/>
-          </a:prstGeom>
-        </p:spPr>
-        <p:style>
-          <a:lnRef idx="1">
-            <a:schemeClr val="accent1"/>
-          </a:lnRef>
-          <a:fillRef idx="0">
-            <a:schemeClr val="accent1"/>
-          </a:fillRef>
-          <a:effectRef idx="0">
-            <a:schemeClr val="accent1"/>
-          </a:effectRef>
-          <a:fontRef idx="minor">
-            <a:schemeClr val="tx1"/>
-          </a:fontRef>
-        </p:style>
-      </p:cxnSp>
-      <p:cxnSp>
-        <p:nvCxnSpPr>
-          <p:cNvPr id="13" name="Straight Connector 12"/>
-          <p:cNvCxnSpPr/>
-          <p:nvPr/>
-        </p:nvCxnSpPr>
-        <p:spPr>
-          <a:xfrm>
-            <a:off x="6096000" y="2438400"/>
-            <a:ext cx="0" cy="609600"/>
-          </a:xfrm>
-          <a:prstGeom prst="line">
-            <a:avLst/>
-          </a:prstGeom>
-        </p:spPr>
-        <p:style>
-          <a:lnRef idx="1">
-            <a:schemeClr val="accent1"/>
-          </a:lnRef>
-          <a:fillRef idx="0">
-            <a:schemeClr val="accent1"/>
-          </a:fillRef>
-          <a:effectRef idx="0">
-            <a:schemeClr val="accent1"/>
-          </a:effectRef>
-          <a:fontRef idx="minor">
-            <a:schemeClr val="tx1"/>
-          </a:fontRef>
-        </p:style>
-      </p:cxnSp>
-      <p:cxnSp>
-        <p:nvCxnSpPr>
-          <p:cNvPr id="14" name="Straight Connector 13"/>
-          <p:cNvCxnSpPr/>
-          <p:nvPr/>
-        </p:nvCxnSpPr>
-        <p:spPr>
-          <a:xfrm>
-            <a:off x="6705600" y="2438400"/>
-            <a:ext cx="0" cy="609600"/>
-          </a:xfrm>
-          <a:prstGeom prst="line">
-            <a:avLst/>
-          </a:prstGeom>
-        </p:spPr>
-        <p:style>
-          <a:lnRef idx="1">
-            <a:schemeClr val="accent1"/>
-          </a:lnRef>
-          <a:fillRef idx="0">
-            <a:schemeClr val="accent1"/>
-          </a:fillRef>
-          <a:effectRef idx="0">
-            <a:schemeClr val="accent1"/>
-          </a:effectRef>
-          <a:fontRef idx="minor">
-            <a:schemeClr val="tx1"/>
-          </a:fontRef>
-        </p:style>
-      </p:cxnSp>
-      <p:sp>
-        <p:nvSpPr>
-          <p:cNvPr id="15" name="TextBox 14"/>
-          <p:cNvSpPr txBox="1"/>
-          <p:nvPr/>
-        </p:nvSpPr>
-        <p:spPr>
-          <a:xfrm>
-            <a:off x="1447800" y="2819400"/>
-            <a:ext cx="533400" cy="369332"/>
-          </a:xfrm>
-          <a:prstGeom prst="rect">
-            <a:avLst/>
-          </a:prstGeom>
-          <a:noFill/>
-        </p:spPr>
-        <p:txBody>
-          <a:bodyPr wrap="square" rtlCol="0">
-            <a:spAutoFit/>
-          </a:bodyPr>
-          <a:lstStyle/>
-          <a:p>
-            <a:r>
-              <a:rPr lang="nl-BE" dirty="0" smtClean="0"/>
-              <a:t>R</a:t>
-            </a:r>
-            <a:r>
-              <a:rPr lang="nl-BE" baseline="-25000" dirty="0" smtClean="0"/>
-              <a:t>1</a:t>
-            </a:r>
-            <a:endParaRPr lang="nl-BE" baseline="-25000" dirty="0"/>
-          </a:p>
-        </p:txBody>
-      </p:sp>
-      <p:sp>
-        <p:nvSpPr>
-          <p:cNvPr id="16" name="TextBox 15"/>
-          <p:cNvSpPr txBox="1"/>
-          <p:nvPr/>
-        </p:nvSpPr>
-        <p:spPr>
-          <a:xfrm>
-            <a:off x="1981200" y="2831068"/>
-            <a:ext cx="533400" cy="369332"/>
-          </a:xfrm>
-          <a:prstGeom prst="rect">
-            <a:avLst/>
-          </a:prstGeom>
-          <a:noFill/>
-        </p:spPr>
-        <p:txBody>
-          <a:bodyPr wrap="square" rtlCol="0">
-            <a:spAutoFit/>
-          </a:bodyPr>
-          <a:lstStyle/>
-          <a:p>
-            <a:r>
-              <a:rPr lang="nl-BE" dirty="0" smtClean="0"/>
-              <a:t>R</a:t>
-            </a:r>
-            <a:r>
-              <a:rPr lang="nl-BE" baseline="-25000" dirty="0"/>
-              <a:t>2</a:t>
-            </a:r>
-          </a:p>
-        </p:txBody>
-      </p:sp>
-      <p:sp>
-        <p:nvSpPr>
-          <p:cNvPr id="17" name="TextBox 16"/>
-          <p:cNvSpPr txBox="1"/>
-          <p:nvPr/>
-        </p:nvSpPr>
-        <p:spPr>
-          <a:xfrm>
-            <a:off x="2590800" y="2864116"/>
-            <a:ext cx="533400" cy="369332"/>
-          </a:xfrm>
-          <a:prstGeom prst="rect">
-            <a:avLst/>
-          </a:prstGeom>
-          <a:noFill/>
-        </p:spPr>
-        <p:txBody>
-          <a:bodyPr wrap="square" rtlCol="0">
-            <a:spAutoFit/>
-          </a:bodyPr>
-          <a:lstStyle/>
-          <a:p>
-            <a:r>
-              <a:rPr lang="nl-BE" dirty="0" smtClean="0"/>
-              <a:t>R</a:t>
-            </a:r>
-            <a:r>
-              <a:rPr lang="nl-BE" baseline="-25000" dirty="0" smtClean="0"/>
-              <a:t>3</a:t>
-            </a:r>
-            <a:endParaRPr lang="nl-BE" baseline="-25000" dirty="0"/>
-          </a:p>
-        </p:txBody>
-      </p:sp>
-      <p:sp>
-        <p:nvSpPr>
-          <p:cNvPr id="18" name="TextBox 17"/>
-          <p:cNvSpPr txBox="1"/>
-          <p:nvPr/>
-        </p:nvSpPr>
-        <p:spPr>
-          <a:xfrm>
-            <a:off x="6150429" y="2995135"/>
-            <a:ext cx="533400" cy="369332"/>
-          </a:xfrm>
-          <a:prstGeom prst="rect">
-            <a:avLst/>
-          </a:prstGeom>
-          <a:noFill/>
-        </p:spPr>
-        <p:txBody>
-          <a:bodyPr wrap="square" rtlCol="0">
-            <a:spAutoFit/>
-          </a:bodyPr>
-          <a:lstStyle/>
-          <a:p>
-            <a:r>
-              <a:rPr lang="nl-BE" dirty="0" smtClean="0"/>
-              <a:t>R</a:t>
-            </a:r>
-            <a:r>
-              <a:rPr lang="nl-BE" baseline="-25000" dirty="0" smtClean="0"/>
-              <a:t>K</a:t>
-            </a:r>
-            <a:endParaRPr lang="nl-BE" baseline="-25000" dirty="0"/>
           </a:p>
         </p:txBody>
       </p:sp>
     </p:spTree>
     <p:extLst>
       <p:ext uri="{BB962C8B-B14F-4D97-AF65-F5344CB8AC3E}">
-        <p14:creationId xmlns:p14="http://schemas.microsoft.com/office/powerpoint/2010/main" val="564453137"/>
-      </p:ext>
-    </p:extLst>
-  </p:cSld>
-  <p:clrMapOvr>
-    <a:masterClrMapping/>
-  </p:clrMapOvr>
-</p:sld>
-</file>
-
-<file path=ppt/slides/slide28.xml><?xml version="1.0" encoding="utf-8"?>
-<p:sld xmlns:a="http://schemas.openxmlformats.org/drawingml/2006/main" xmlns:r="http://schemas.openxmlformats.org/officeDocument/2006/relationships" xmlns:p="http://schemas.openxmlformats.org/presentationml/2006/main">
-  <p:cSld>
-    <p:spTree>
-      <p:nvGrpSpPr>
-        <p:cNvPr id="1" name=""/>
-        <p:cNvGrpSpPr/>
-        <p:nvPr/>
-      </p:nvGrpSpPr>
-      <p:grpSpPr>
-        <a:xfrm>
-          <a:off x="0" y="0"/>
-          <a:ext cx="0" cy="0"/>
-          <a:chOff x="0" y="0"/>
-          <a:chExt cx="0" cy="0"/>
-        </a:xfrm>
-      </p:grpSpPr>
-      <p:sp>
-        <p:nvSpPr>
-          <p:cNvPr id="2" name="Title 1"/>
-          <p:cNvSpPr>
-            <a:spLocks noGrp="1"/>
-          </p:cNvSpPr>
-          <p:nvPr>
-            <p:ph type="title"/>
-          </p:nvPr>
-        </p:nvSpPr>
-        <p:spPr/>
-        <p:txBody>
-          <a:bodyPr/>
-          <a:lstStyle/>
-          <a:p>
-            <a:r>
-              <a:rPr lang="nl-BE" dirty="0" smtClean="0"/>
-              <a:t>Multiperiod return</a:t>
-            </a:r>
-            <a:endParaRPr lang="nl-BE" dirty="0"/>
-          </a:p>
-        </p:txBody>
-      </p:sp>
-      <mc:AlternateContent xmlns:mc="http://schemas.openxmlformats.org/markup-compatibility/2006" xmlns:a14="http://schemas.microsoft.com/office/drawing/2010/main">
-        <mc:Choice Requires="a14">
-          <p:sp>
-            <p:nvSpPr>
-              <p:cNvPr id="3" name="Content Placeholder 2"/>
-              <p:cNvSpPr>
-                <a:spLocks noGrp="1"/>
-              </p:cNvSpPr>
-              <p:nvPr>
-                <p:ph idx="1"/>
-              </p:nvPr>
-            </p:nvSpPr>
-            <p:spPr/>
-            <p:txBody>
-              <a:bodyPr>
-                <a:normAutofit/>
-              </a:bodyPr>
-              <a:lstStyle/>
-              <a:p>
-                <a:r>
-                  <a:rPr lang="nl-BE" dirty="0" smtClean="0"/>
-                  <a:t>Initial value: Vi</a:t>
-                </a:r>
-              </a:p>
-              <a:p>
-                <a:r>
-                  <a:rPr lang="nl-BE" dirty="0" smtClean="0"/>
-                  <a:t>Value after K periods: Vi(1+R</a:t>
-                </a:r>
-                <a:r>
-                  <a:rPr lang="nl-BE" baseline="-25000" dirty="0" smtClean="0"/>
-                  <a:t>1</a:t>
-                </a:r>
-                <a:r>
-                  <a:rPr lang="nl-BE" dirty="0" smtClean="0"/>
-                  <a:t>)(1+R</a:t>
-                </a:r>
-                <a:r>
-                  <a:rPr lang="nl-BE" baseline="-25000" dirty="0" smtClean="0"/>
-                  <a:t>2</a:t>
-                </a:r>
-                <a:r>
-                  <a:rPr lang="nl-BE" dirty="0" smtClean="0"/>
-                  <a:t>)…(1+R</a:t>
-                </a:r>
-                <a:r>
-                  <a:rPr lang="nl-BE" baseline="-25000" dirty="0"/>
-                  <a:t>K</a:t>
-                </a:r>
-                <a:r>
-                  <a:rPr lang="nl-BE" dirty="0" smtClean="0"/>
-                  <a:t>)</a:t>
-                </a:r>
-              </a:p>
-              <a:p>
-                <a:endParaRPr lang="nl-BE" dirty="0"/>
-              </a:p>
-              <a:p>
-                <a:endParaRPr lang="nl-BE" dirty="0" smtClean="0"/>
-              </a:p>
-              <a:p>
-                <a:r>
-                  <a:rPr lang="nl-BE" dirty="0" smtClean="0"/>
-                  <a:t>Hence the k-period return:</a:t>
-                </a:r>
-                <a:endParaRPr lang="nl-BE" i="1" dirty="0" smtClean="0">
-                  <a:latin typeface="Cambria Math"/>
-                </a:endParaRPr>
-              </a:p>
-              <a:p>
-                <a:pPr marL="0" indent="0">
-                  <a:buNone/>
-                </a:pPr>
-                <a14:m>
-                  <m:oMathPara xmlns:m="http://schemas.openxmlformats.org/officeDocument/2006/math">
-                    <m:oMathParaPr>
-                      <m:jc m:val="centerGroup"/>
-                    </m:oMathParaPr>
-                    <m:oMath xmlns:m="http://schemas.openxmlformats.org/officeDocument/2006/math">
-                      <m:r>
-                        <a:rPr lang="nl-BE" b="0" i="1" smtClean="0">
-                          <a:latin typeface="Cambria Math"/>
-                        </a:rPr>
-                        <m:t>𝑅</m:t>
-                      </m:r>
-                      <m:d>
-                        <m:dPr>
-                          <m:begChr m:val="["/>
-                          <m:endChr m:val="]"/>
-                          <m:ctrlPr>
-                            <a:rPr lang="nl-BE" b="0" i="1" smtClean="0">
-                              <a:latin typeface="Cambria Math"/>
-                            </a:rPr>
-                          </m:ctrlPr>
-                        </m:dPr>
-                        <m:e>
-                          <m:r>
-                            <a:rPr lang="nl-BE" b="0" i="1" smtClean="0">
-                              <a:latin typeface="Cambria Math"/>
-                            </a:rPr>
-                            <m:t>𝑘</m:t>
-                          </m:r>
-                        </m:e>
-                      </m:d>
-                      <m:r>
-                        <a:rPr lang="nl-BE" b="0" i="1" smtClean="0">
-                          <a:latin typeface="Cambria Math"/>
-                        </a:rPr>
-                        <m:t>= </m:t>
-                      </m:r>
-                      <m:f>
-                        <m:fPr>
-                          <m:ctrlPr>
-                            <a:rPr lang="nl-BE" i="1" smtClean="0">
-                              <a:latin typeface="Cambria Math"/>
-                            </a:rPr>
-                          </m:ctrlPr>
-                        </m:fPr>
-                        <m:num>
-                          <m:r>
-                            <m:rPr>
-                              <m:nor/>
-                            </m:rPr>
-                            <a:rPr lang="nl-BE" dirty="0" smtClean="0"/>
-                            <m:t>Vi</m:t>
-                          </m:r>
-                          <m:r>
-                            <m:rPr>
-                              <m:nor/>
-                            </m:rPr>
-                            <a:rPr lang="nl-BE" dirty="0" smtClean="0"/>
-                            <m:t>(1+</m:t>
-                          </m:r>
-                          <m:r>
-                            <m:rPr>
-                              <m:nor/>
-                            </m:rPr>
-                            <a:rPr lang="nl-BE" dirty="0" smtClean="0"/>
-                            <m:t>R</m:t>
-                          </m:r>
-                          <m:r>
-                            <m:rPr>
-                              <m:nor/>
-                            </m:rPr>
-                            <a:rPr lang="nl-BE" baseline="-25000" dirty="0" smtClean="0"/>
-                            <m:t>1</m:t>
-                          </m:r>
-                          <m:r>
-                            <m:rPr>
-                              <m:nor/>
-                            </m:rPr>
-                            <a:rPr lang="nl-BE" dirty="0" smtClean="0"/>
-                            <m:t>)(1+</m:t>
-                          </m:r>
-                          <m:r>
-                            <m:rPr>
-                              <m:nor/>
-                            </m:rPr>
-                            <a:rPr lang="nl-BE" dirty="0" smtClean="0"/>
-                            <m:t>R</m:t>
-                          </m:r>
-                          <m:r>
-                            <m:rPr>
-                              <m:nor/>
-                            </m:rPr>
-                            <a:rPr lang="nl-BE" baseline="-25000" dirty="0" smtClean="0"/>
-                            <m:t>2</m:t>
-                          </m:r>
-                          <m:r>
-                            <m:rPr>
-                              <m:nor/>
-                            </m:rPr>
-                            <a:rPr lang="nl-BE" dirty="0" smtClean="0"/>
-                            <m:t>)…(1+</m:t>
-                          </m:r>
-                          <m:r>
-                            <m:rPr>
-                              <m:nor/>
-                            </m:rPr>
-                            <a:rPr lang="nl-BE" dirty="0" smtClean="0"/>
-                            <m:t>RK</m:t>
-                          </m:r>
-                          <m:r>
-                            <m:rPr>
-                              <m:nor/>
-                            </m:rPr>
-                            <a:rPr lang="nl-BE" dirty="0" smtClean="0"/>
-                            <m:t>) </m:t>
-                          </m:r>
-                          <m:r>
-                            <a:rPr lang="nl-BE" b="0" i="1" dirty="0" smtClean="0">
-                              <a:latin typeface="Cambria Math"/>
-                            </a:rPr>
-                            <m:t>−</m:t>
-                          </m:r>
-                          <m:r>
-                            <m:rPr>
-                              <m:nor/>
-                            </m:rPr>
-                            <a:rPr lang="nl-BE" dirty="0" smtClean="0"/>
-                            <m:t>Vi</m:t>
-                          </m:r>
-                          <m:r>
-                            <m:rPr>
-                              <m:nor/>
-                            </m:rPr>
-                            <a:rPr lang="nl-BE" dirty="0" smtClean="0"/>
-                            <m:t> </m:t>
-                          </m:r>
-                        </m:num>
-                        <m:den>
-                          <m:r>
-                            <m:rPr>
-                              <m:nor/>
-                            </m:rPr>
-                            <a:rPr lang="nl-BE" dirty="0" smtClean="0"/>
-                            <m:t>Vi</m:t>
-                          </m:r>
-                        </m:den>
-                      </m:f>
-                    </m:oMath>
-                  </m:oMathPara>
-                </a14:m>
-                <a:endParaRPr lang="nl-BE" dirty="0" smtClean="0"/>
-              </a:p>
-              <a:p>
-                <a:pPr marL="0" indent="0" algn="ctr">
-                  <a:buNone/>
-                </a:pPr>
-                <a:r>
-                  <a:rPr lang="nl-BE" dirty="0" smtClean="0"/>
-                  <a:t>= </a:t>
-                </a:r>
-                <a14:m>
-                  <m:oMath xmlns:m="http://schemas.openxmlformats.org/officeDocument/2006/math">
-                    <m:r>
-                      <m:rPr>
-                        <m:nor/>
-                      </m:rPr>
-                      <a:rPr lang="nl-BE" dirty="0" smtClean="0"/>
-                      <m:t>(1+</m:t>
-                    </m:r>
-                    <m:r>
-                      <m:rPr>
-                        <m:nor/>
-                      </m:rPr>
-                      <a:rPr lang="nl-BE" dirty="0" smtClean="0"/>
-                      <m:t>R</m:t>
-                    </m:r>
-                    <m:r>
-                      <m:rPr>
-                        <m:nor/>
-                      </m:rPr>
-                      <a:rPr lang="nl-BE" baseline="-25000" dirty="0" smtClean="0"/>
-                      <m:t>1</m:t>
-                    </m:r>
-                    <m:r>
-                      <m:rPr>
-                        <m:nor/>
-                      </m:rPr>
-                      <a:rPr lang="nl-BE" dirty="0" smtClean="0"/>
-                      <m:t>)(1+</m:t>
-                    </m:r>
-                    <m:r>
-                      <m:rPr>
-                        <m:nor/>
-                      </m:rPr>
-                      <a:rPr lang="nl-BE" dirty="0" smtClean="0"/>
-                      <m:t>R</m:t>
-                    </m:r>
-                    <m:r>
-                      <m:rPr>
-                        <m:nor/>
-                      </m:rPr>
-                      <a:rPr lang="nl-BE" baseline="-25000" dirty="0" smtClean="0"/>
-                      <m:t>2</m:t>
-                    </m:r>
-                    <m:r>
-                      <m:rPr>
-                        <m:nor/>
-                      </m:rPr>
-                      <a:rPr lang="nl-BE" dirty="0" smtClean="0"/>
-                      <m:t>)…(1+</m:t>
-                    </m:r>
-                    <m:r>
-                      <m:rPr>
-                        <m:nor/>
-                      </m:rPr>
-                      <a:rPr lang="nl-BE" dirty="0" smtClean="0"/>
-                      <m:t>RK</m:t>
-                    </m:r>
-                    <m:r>
-                      <m:rPr>
-                        <m:nor/>
-                      </m:rPr>
-                      <a:rPr lang="nl-BE" dirty="0" smtClean="0"/>
-                      <m:t>) −1</m:t>
-                    </m:r>
-                  </m:oMath>
-                </a14:m>
-                <a:endParaRPr lang="nl-BE" dirty="0" smtClean="0"/>
-              </a:p>
-            </p:txBody>
-          </p:sp>
-        </mc:Choice>
-        <mc:Fallback xmlns="">
-          <p:sp>
-            <p:nvSpPr>
-              <p:cNvPr id="3" name="Content Placeholder 2"/>
-              <p:cNvSpPr>
-                <a:spLocks noGrp="1" noRot="1" noChangeAspect="1" noMove="1" noResize="1" noEditPoints="1" noAdjustHandles="1" noChangeArrowheads="1" noChangeShapeType="1" noTextEdit="1"/>
-              </p:cNvSpPr>
-              <p:nvPr>
-                <p:ph idx="1"/>
-              </p:nvPr>
-            </p:nvSpPr>
-            <p:spPr>
-              <a:blipFill rotWithShape="1">
-                <a:blip r:embed="rId2"/>
-                <a:stretch>
-                  <a:fillRect l="-1630" t="-1752" b="-3774"/>
-                </a:stretch>
-              </a:blipFill>
-            </p:spPr>
-            <p:txBody>
-              <a:bodyPr/>
-              <a:lstStyle/>
-              <a:p>
-                <a:r>
-                  <a:rPr lang="nl-BE">
-                    <a:noFill/>
-                  </a:rPr>
-                  <a:t> </a:t>
-                </a:r>
-              </a:p>
-            </p:txBody>
-          </p:sp>
-        </mc:Fallback>
-      </mc:AlternateContent>
-    </p:spTree>
-    <p:extLst>
-      <p:ext uri="{BB962C8B-B14F-4D97-AF65-F5344CB8AC3E}">
-        <p14:creationId xmlns:p14="http://schemas.microsoft.com/office/powerpoint/2010/main" val="122044781"/>
-      </p:ext>
-    </p:extLst>
-  </p:cSld>
-  <p:clrMapOvr>
-    <a:masterClrMapping/>
-  </p:clrMapOvr>
-</p:sld>
-</file>
-
-<file path=ppt/slides/slide29.xml><?xml version="1.0" encoding="utf-8"?>
-<p:sld xmlns:a="http://schemas.openxmlformats.org/drawingml/2006/main" xmlns:r="http://schemas.openxmlformats.org/officeDocument/2006/relationships" xmlns:p="http://schemas.openxmlformats.org/presentationml/2006/main">
-  <p:cSld>
-    <p:spTree>
-      <p:nvGrpSpPr>
-        <p:cNvPr id="1" name=""/>
-        <p:cNvGrpSpPr/>
-        <p:nvPr/>
-      </p:nvGrpSpPr>
-      <p:grpSpPr>
-        <a:xfrm>
-          <a:off x="0" y="0"/>
-          <a:ext cx="0" cy="0"/>
-          <a:chOff x="0" y="0"/>
-          <a:chExt cx="0" cy="0"/>
-        </a:xfrm>
-      </p:grpSpPr>
-      <p:sp>
-        <p:nvSpPr>
-          <p:cNvPr id="2" name="Title 1"/>
-          <p:cNvSpPr>
-            <a:spLocks noGrp="1"/>
-          </p:cNvSpPr>
-          <p:nvPr>
-            <p:ph type="title"/>
-          </p:nvPr>
-        </p:nvSpPr>
-        <p:spPr/>
-        <p:txBody>
-          <a:bodyPr/>
-          <a:lstStyle/>
-          <a:p>
-            <a:endParaRPr lang="nl-BE"/>
-          </a:p>
-        </p:txBody>
-      </p:sp>
-      <p:sp>
-        <p:nvSpPr>
-          <p:cNvPr id="3" name="Content Placeholder 2"/>
-          <p:cNvSpPr>
-            <a:spLocks noGrp="1"/>
-          </p:cNvSpPr>
-          <p:nvPr>
-            <p:ph idx="1"/>
-          </p:nvPr>
-        </p:nvSpPr>
-        <p:spPr/>
-        <p:txBody>
-          <a:bodyPr/>
-          <a:lstStyle/>
-          <a:p>
-            <a:pPr marL="0" indent="0">
-              <a:buNone/>
-            </a:pPr>
-            <a:r>
-              <a:rPr lang="en-US" dirty="0" smtClean="0"/>
-              <a:t>returns &lt;- </a:t>
-            </a:r>
-            <a:r>
-              <a:rPr lang="en-US" dirty="0"/>
-              <a:t>c( 0.05 , -0.01 , 0.03 , 0.02 , 0.01 ) </a:t>
-            </a:r>
-            <a:r>
-              <a:rPr lang="en-US" dirty="0" err="1" smtClean="0"/>
-              <a:t>cumprod</a:t>
-            </a:r>
-            <a:r>
-              <a:rPr lang="en-US" dirty="0" smtClean="0"/>
-              <a:t>(1+returns</a:t>
-            </a:r>
-            <a:r>
-              <a:rPr lang="en-US" dirty="0"/>
-              <a:t>) </a:t>
-            </a:r>
-            <a:endParaRPr lang="en-US" dirty="0" smtClean="0"/>
-          </a:p>
-          <a:p>
-            <a:pPr marL="0" indent="0">
-              <a:buNone/>
-            </a:pPr>
-            <a:r>
-              <a:rPr lang="en-US" dirty="0" smtClean="0"/>
-              <a:t>[1] 1.050000 1.039500 1.070685 1.092099 1.103020 </a:t>
-            </a:r>
-          </a:p>
-          <a:p>
-            <a:pPr marL="0" indent="0">
-              <a:buNone/>
-            </a:pPr>
-            <a:r>
-              <a:rPr lang="en-US" dirty="0" smtClean="0"/>
-              <a:t>tail(</a:t>
-            </a:r>
-            <a:r>
-              <a:rPr lang="en-US" dirty="0" err="1" smtClean="0"/>
-              <a:t>cumprod</a:t>
-            </a:r>
-            <a:r>
-              <a:rPr lang="en-US" dirty="0" smtClean="0"/>
-              <a:t>(1+returns</a:t>
-            </a:r>
-            <a:r>
-              <a:rPr lang="en-US" dirty="0"/>
-              <a:t>),1)-1 </a:t>
-            </a:r>
-            <a:endParaRPr lang="en-US" dirty="0" smtClean="0"/>
-          </a:p>
-          <a:p>
-            <a:pPr marL="0" indent="0">
-              <a:buNone/>
-            </a:pPr>
-            <a:r>
-              <a:rPr lang="en-US" dirty="0" smtClean="0"/>
-              <a:t>[1] 0.1030197</a:t>
-            </a:r>
-            <a:endParaRPr lang="nl-BE" dirty="0"/>
-          </a:p>
-        </p:txBody>
-      </p:sp>
-    </p:spTree>
-    <p:extLst>
-      <p:ext uri="{BB962C8B-B14F-4D97-AF65-F5344CB8AC3E}">
-        <p14:creationId xmlns:p14="http://schemas.microsoft.com/office/powerpoint/2010/main" val="3707932661"/>
+        <p14:creationId xmlns:p14="http://schemas.microsoft.com/office/powerpoint/2010/main" val="2305452670"/>
       </p:ext>
     </p:extLst>
   </p:cSld>
@@ -11650,474 +13135,6 @@
     <p:extLst>
       <p:ext uri="{BB962C8B-B14F-4D97-AF65-F5344CB8AC3E}">
         <p14:creationId xmlns:p14="http://schemas.microsoft.com/office/powerpoint/2010/main" val="561958690"/>
-      </p:ext>
-    </p:extLst>
-  </p:cSld>
-  <p:clrMapOvr>
-    <a:masterClrMapping/>
-  </p:clrMapOvr>
-</p:sld>
-</file>
-
-<file path=ppt/slides/slide30.xml><?xml version="1.0" encoding="utf-8"?>
-<p:sld xmlns:a="http://schemas.openxmlformats.org/drawingml/2006/main" xmlns:r="http://schemas.openxmlformats.org/officeDocument/2006/relationships" xmlns:p="http://schemas.openxmlformats.org/presentationml/2006/main">
-  <p:cSld>
-    <p:spTree>
-      <p:nvGrpSpPr>
-        <p:cNvPr id="1" name=""/>
-        <p:cNvGrpSpPr/>
-        <p:nvPr/>
-      </p:nvGrpSpPr>
-      <p:grpSpPr>
-        <a:xfrm>
-          <a:off x="0" y="0"/>
-          <a:ext cx="0" cy="0"/>
-          <a:chOff x="0" y="0"/>
-          <a:chExt cx="0" cy="0"/>
-        </a:xfrm>
-      </p:grpSpPr>
-      <p:sp>
-        <p:nvSpPr>
-          <p:cNvPr id="2" name="Title 1"/>
-          <p:cNvSpPr>
-            <a:spLocks noGrp="1"/>
-          </p:cNvSpPr>
-          <p:nvPr>
-            <p:ph type="title"/>
-          </p:nvPr>
-        </p:nvSpPr>
-        <p:spPr/>
-        <p:txBody>
-          <a:bodyPr/>
-          <a:lstStyle/>
-          <a:p>
-            <a:endParaRPr lang="nl-BE"/>
-          </a:p>
-        </p:txBody>
-      </p:sp>
-      <p:sp>
-        <p:nvSpPr>
-          <p:cNvPr id="3" name="Content Placeholder 2"/>
-          <p:cNvSpPr>
-            <a:spLocks noGrp="1"/>
-          </p:cNvSpPr>
-          <p:nvPr>
-            <p:ph idx="1"/>
-          </p:nvPr>
-        </p:nvSpPr>
-        <p:spPr/>
-        <p:txBody>
-          <a:bodyPr/>
-          <a:lstStyle/>
-          <a:p>
-            <a:r>
-              <a:rPr lang="nl-BE" dirty="0" smtClean="0"/>
-              <a:t>Let us now consider a realistic portfolio of stocks, invested in 30 large US firms, namely the stocks included in the Dow Jones Industrial Average universe:</a:t>
-            </a:r>
-          </a:p>
-          <a:p>
-            <a:pPr marL="0" indent="0">
-              <a:buNone/>
-            </a:pPr>
-            <a:endParaRPr lang="nl-BE" dirty="0"/>
-          </a:p>
-          <a:p>
-            <a:pPr marL="0" indent="0">
-              <a:buNone/>
-            </a:pPr>
-            <a:r>
-              <a:rPr lang="nl-BE" dirty="0" smtClean="0"/>
-              <a:t>[show tickers]</a:t>
-            </a:r>
-            <a:endParaRPr lang="nl-BE" dirty="0"/>
-          </a:p>
-        </p:txBody>
-      </p:sp>
-    </p:spTree>
-    <p:extLst>
-      <p:ext uri="{BB962C8B-B14F-4D97-AF65-F5344CB8AC3E}">
-        <p14:creationId xmlns:p14="http://schemas.microsoft.com/office/powerpoint/2010/main" val="2202408557"/>
-      </p:ext>
-    </p:extLst>
-  </p:cSld>
-  <p:clrMapOvr>
-    <a:masterClrMapping/>
-  </p:clrMapOvr>
-</p:sld>
-</file>
-
-<file path=ppt/slides/slide31.xml><?xml version="1.0" encoding="utf-8"?>
-<p:sld xmlns:a="http://schemas.openxmlformats.org/drawingml/2006/main" xmlns:r="http://schemas.openxmlformats.org/officeDocument/2006/relationships" xmlns:p="http://schemas.openxmlformats.org/presentationml/2006/main">
-  <p:cSld>
-    <p:spTree>
-      <p:nvGrpSpPr>
-        <p:cNvPr id="1" name=""/>
-        <p:cNvGrpSpPr/>
-        <p:nvPr/>
-      </p:nvGrpSpPr>
-      <p:grpSpPr>
-        <a:xfrm>
-          <a:off x="0" y="0"/>
-          <a:ext cx="0" cy="0"/>
-          <a:chOff x="0" y="0"/>
-          <a:chExt cx="0" cy="0"/>
-        </a:xfrm>
-      </p:grpSpPr>
-      <p:sp>
-        <p:nvSpPr>
-          <p:cNvPr id="2" name="Title 1"/>
-          <p:cNvSpPr>
-            <a:spLocks noGrp="1"/>
-          </p:cNvSpPr>
-          <p:nvPr>
-            <p:ph type="title"/>
-          </p:nvPr>
-        </p:nvSpPr>
-        <p:spPr/>
-        <p:txBody>
-          <a:bodyPr/>
-          <a:lstStyle/>
-          <a:p>
-            <a:endParaRPr lang="nl-BE"/>
-          </a:p>
-        </p:txBody>
-      </p:sp>
-      <p:sp>
-        <p:nvSpPr>
-          <p:cNvPr id="3" name="Content Placeholder 2"/>
-          <p:cNvSpPr>
-            <a:spLocks noGrp="1"/>
-          </p:cNvSpPr>
-          <p:nvPr>
-            <p:ph idx="1"/>
-          </p:nvPr>
-        </p:nvSpPr>
-        <p:spPr/>
-        <p:txBody>
-          <a:bodyPr/>
-          <a:lstStyle/>
-          <a:p>
-            <a:r>
-              <a:rPr lang="nl-BE" dirty="0" smtClean="0"/>
-              <a:t>For those thirty stocks, the variable ‘prices’ provides us the end-of-month close adjusted prices over the period December 1990 till December 2015</a:t>
-            </a:r>
-            <a:endParaRPr lang="nl-BE" dirty="0"/>
-          </a:p>
-          <a:p>
-            <a:endParaRPr lang="nl-BE" dirty="0"/>
-          </a:p>
-        </p:txBody>
-      </p:sp>
-      <p:pic>
-        <p:nvPicPr>
-          <p:cNvPr id="5122" name="Picture 2"/>
-          <p:cNvPicPr>
-            <a:picLocks noChangeAspect="1" noChangeArrowheads="1"/>
-          </p:cNvPicPr>
-          <p:nvPr/>
-        </p:nvPicPr>
-        <p:blipFill>
-          <a:blip r:embed="rId2">
-            <a:extLst>
-              <a:ext uri="{28A0092B-C50C-407E-A947-70E740481C1C}">
-                <a14:useLocalDpi xmlns:a14="http://schemas.microsoft.com/office/drawing/2010/main" val="0"/>
-              </a:ext>
-            </a:extLst>
-          </a:blip>
-          <a:srcRect/>
-          <a:stretch>
-            <a:fillRect/>
-          </a:stretch>
-        </p:blipFill>
-        <p:spPr bwMode="auto">
-          <a:xfrm>
-            <a:off x="2438400" y="3657600"/>
-            <a:ext cx="4064465" cy="3105150"/>
-          </a:xfrm>
-          <a:prstGeom prst="rect">
-            <a:avLst/>
-          </a:prstGeom>
-          <a:noFill/>
-          <a:ln>
-            <a:noFill/>
-          </a:ln>
-          <a:extLst>
-            <a:ext uri="{909E8E84-426E-40DD-AFC4-6F175D3DCCD1}">
-              <a14:hiddenFill xmlns:a14="http://schemas.microsoft.com/office/drawing/2010/main">
-                <a:solidFill>
-                  <a:schemeClr val="accent1"/>
-                </a:solidFill>
-              </a14:hiddenFill>
-            </a:ext>
-            <a:ext uri="{91240B29-F687-4F45-9708-019B960494DF}">
-              <a14:hiddenLine xmlns:a14="http://schemas.microsoft.com/office/drawing/2010/main" w="9525">
-                <a:solidFill>
-                  <a:schemeClr val="tx1"/>
-                </a:solidFill>
-                <a:miter lim="800000"/>
-                <a:headEnd/>
-                <a:tailEnd/>
-              </a14:hiddenLine>
-            </a:ext>
-          </a:extLst>
-        </p:spPr>
-      </p:pic>
-    </p:spTree>
-    <p:extLst>
-      <p:ext uri="{BB962C8B-B14F-4D97-AF65-F5344CB8AC3E}">
-        <p14:creationId xmlns:p14="http://schemas.microsoft.com/office/powerpoint/2010/main" val="398864664"/>
-      </p:ext>
-    </p:extLst>
-  </p:cSld>
-  <p:clrMapOvr>
-    <a:masterClrMapping/>
-  </p:clrMapOvr>
-</p:sld>
-</file>
-
-<file path=ppt/slides/slide32.xml><?xml version="1.0" encoding="utf-8"?>
-<p:sld xmlns:a="http://schemas.openxmlformats.org/drawingml/2006/main" xmlns:r="http://schemas.openxmlformats.org/officeDocument/2006/relationships" xmlns:p="http://schemas.openxmlformats.org/presentationml/2006/main">
-  <p:cSld>
-    <p:spTree>
-      <p:nvGrpSpPr>
-        <p:cNvPr id="1" name=""/>
-        <p:cNvGrpSpPr/>
-        <p:nvPr/>
-      </p:nvGrpSpPr>
-      <p:grpSpPr>
-        <a:xfrm>
-          <a:off x="0" y="0"/>
-          <a:ext cx="0" cy="0"/>
-          <a:chOff x="0" y="0"/>
-          <a:chExt cx="0" cy="0"/>
-        </a:xfrm>
-      </p:grpSpPr>
-      <p:sp>
-        <p:nvSpPr>
-          <p:cNvPr id="2" name="Title 1"/>
-          <p:cNvSpPr>
-            <a:spLocks noGrp="1"/>
-          </p:cNvSpPr>
-          <p:nvPr>
-            <p:ph type="title"/>
-          </p:nvPr>
-        </p:nvSpPr>
-        <p:spPr/>
-        <p:txBody>
-          <a:bodyPr/>
-          <a:lstStyle/>
-          <a:p>
-            <a:endParaRPr lang="nl-BE"/>
-          </a:p>
-        </p:txBody>
-      </p:sp>
-      <p:sp>
-        <p:nvSpPr>
-          <p:cNvPr id="3" name="Content Placeholder 2"/>
-          <p:cNvSpPr>
-            <a:spLocks noGrp="1"/>
-          </p:cNvSpPr>
-          <p:nvPr>
-            <p:ph idx="1"/>
-          </p:nvPr>
-        </p:nvSpPr>
-        <p:spPr/>
-        <p:txBody>
-          <a:bodyPr/>
-          <a:lstStyle/>
-          <a:p>
-            <a:r>
-              <a:rPr lang="nl-BE" dirty="0" smtClean="0"/>
-              <a:t>Returns</a:t>
-            </a:r>
-            <a:endParaRPr lang="nl-BE" dirty="0"/>
-          </a:p>
-        </p:txBody>
-      </p:sp>
-      <p:pic>
-        <p:nvPicPr>
-          <p:cNvPr id="6146" name="Picture 2"/>
-          <p:cNvPicPr>
-            <a:picLocks noChangeAspect="1" noChangeArrowheads="1"/>
-          </p:cNvPicPr>
-          <p:nvPr/>
-        </p:nvPicPr>
-        <p:blipFill>
-          <a:blip r:embed="rId2">
-            <a:extLst>
-              <a:ext uri="{28A0092B-C50C-407E-A947-70E740481C1C}">
-                <a14:useLocalDpi xmlns:a14="http://schemas.microsoft.com/office/drawing/2010/main" val="0"/>
-              </a:ext>
-            </a:extLst>
-          </a:blip>
-          <a:srcRect/>
-          <a:stretch>
-            <a:fillRect/>
-          </a:stretch>
-        </p:blipFill>
-        <p:spPr bwMode="auto">
-          <a:xfrm>
-            <a:off x="1295400" y="2819400"/>
-            <a:ext cx="5343525" cy="2105025"/>
-          </a:xfrm>
-          <a:prstGeom prst="rect">
-            <a:avLst/>
-          </a:prstGeom>
-          <a:noFill/>
-          <a:ln>
-            <a:noFill/>
-          </a:ln>
-          <a:extLst>
-            <a:ext uri="{909E8E84-426E-40DD-AFC4-6F175D3DCCD1}">
-              <a14:hiddenFill xmlns:a14="http://schemas.microsoft.com/office/drawing/2010/main">
-                <a:solidFill>
-                  <a:schemeClr val="accent1"/>
-                </a:solidFill>
-              </a14:hiddenFill>
-            </a:ext>
-            <a:ext uri="{91240B29-F687-4F45-9708-019B960494DF}">
-              <a14:hiddenLine xmlns:a14="http://schemas.microsoft.com/office/drawing/2010/main" w="9525">
-                <a:solidFill>
-                  <a:schemeClr val="tx1"/>
-                </a:solidFill>
-                <a:miter lim="800000"/>
-                <a:headEnd/>
-                <a:tailEnd/>
-              </a14:hiddenLine>
-            </a:ext>
-          </a:extLst>
-        </p:spPr>
-      </p:pic>
-    </p:spTree>
-    <p:extLst>
-      <p:ext uri="{BB962C8B-B14F-4D97-AF65-F5344CB8AC3E}">
-        <p14:creationId xmlns:p14="http://schemas.microsoft.com/office/powerpoint/2010/main" val="4047161478"/>
-      </p:ext>
-    </p:extLst>
-  </p:cSld>
-  <p:clrMapOvr>
-    <a:masterClrMapping/>
-  </p:clrMapOvr>
-</p:sld>
-</file>
-
-<file path=ppt/slides/slide33.xml><?xml version="1.0" encoding="utf-8"?>
-<p:sld xmlns:a="http://schemas.openxmlformats.org/drawingml/2006/main" xmlns:r="http://schemas.openxmlformats.org/officeDocument/2006/relationships" xmlns:p="http://schemas.openxmlformats.org/presentationml/2006/main">
-  <p:cSld>
-    <p:spTree>
-      <p:nvGrpSpPr>
-        <p:cNvPr id="1" name=""/>
-        <p:cNvGrpSpPr/>
-        <p:nvPr/>
-      </p:nvGrpSpPr>
-      <p:grpSpPr>
-        <a:xfrm>
-          <a:off x="0" y="0"/>
-          <a:ext cx="0" cy="0"/>
-          <a:chOff x="0" y="0"/>
-          <a:chExt cx="0" cy="0"/>
-        </a:xfrm>
-      </p:grpSpPr>
-      <p:sp>
-        <p:nvSpPr>
-          <p:cNvPr id="2" name="Title 1"/>
-          <p:cNvSpPr>
-            <a:spLocks noGrp="1"/>
-          </p:cNvSpPr>
-          <p:nvPr>
-            <p:ph type="title"/>
-          </p:nvPr>
-        </p:nvSpPr>
-        <p:spPr/>
-        <p:txBody>
-          <a:bodyPr/>
-          <a:lstStyle/>
-          <a:p>
-            <a:endParaRPr lang="nl-BE"/>
-          </a:p>
-        </p:txBody>
-      </p:sp>
-      <p:sp>
-        <p:nvSpPr>
-          <p:cNvPr id="3" name="Content Placeholder 2"/>
-          <p:cNvSpPr>
-            <a:spLocks noGrp="1"/>
-          </p:cNvSpPr>
-          <p:nvPr>
-            <p:ph idx="1"/>
-          </p:nvPr>
-        </p:nvSpPr>
-        <p:spPr/>
-        <p:txBody>
-          <a:bodyPr/>
-          <a:lstStyle/>
-          <a:p>
-            <a:r>
-              <a:rPr lang="nl-BE" dirty="0" smtClean="0"/>
-              <a:t>Returns</a:t>
-            </a:r>
-            <a:endParaRPr lang="nl-BE" dirty="0"/>
-          </a:p>
-        </p:txBody>
-      </p:sp>
-      <p:pic>
-        <p:nvPicPr>
-          <p:cNvPr id="7170" name="Picture 2"/>
-          <p:cNvPicPr>
-            <a:picLocks noChangeAspect="1" noChangeArrowheads="1"/>
-          </p:cNvPicPr>
-          <p:nvPr/>
-        </p:nvPicPr>
-        <p:blipFill>
-          <a:blip r:embed="rId2">
-            <a:extLst>
-              <a:ext uri="{28A0092B-C50C-407E-A947-70E740481C1C}">
-                <a14:useLocalDpi xmlns:a14="http://schemas.microsoft.com/office/drawing/2010/main" val="0"/>
-              </a:ext>
-            </a:extLst>
-          </a:blip>
-          <a:srcRect/>
-          <a:stretch>
-            <a:fillRect/>
-          </a:stretch>
-        </p:blipFill>
-        <p:spPr bwMode="auto">
-          <a:xfrm>
-            <a:off x="1795463" y="2590800"/>
-            <a:ext cx="5553075" cy="1990725"/>
-          </a:xfrm>
-          <a:prstGeom prst="rect">
-            <a:avLst/>
-          </a:prstGeom>
-          <a:noFill/>
-          <a:ln>
-            <a:noFill/>
-          </a:ln>
-          <a:extLst>
-            <a:ext uri="{909E8E84-426E-40DD-AFC4-6F175D3DCCD1}">
-              <a14:hiddenFill xmlns:a14="http://schemas.microsoft.com/office/drawing/2010/main">
-                <a:solidFill>
-                  <a:schemeClr val="accent1"/>
-                </a:solidFill>
-              </a14:hiddenFill>
-            </a:ext>
-            <a:ext uri="{91240B29-F687-4F45-9708-019B960494DF}">
-              <a14:hiddenLine xmlns:a14="http://schemas.microsoft.com/office/drawing/2010/main" w="9525">
-                <a:solidFill>
-                  <a:schemeClr val="tx1"/>
-                </a:solidFill>
-                <a:miter lim="800000"/>
-                <a:headEnd/>
-                <a:tailEnd/>
-              </a14:hiddenLine>
-            </a:ext>
-          </a:extLst>
-        </p:spPr>
-      </p:pic>
-    </p:spTree>
-    <p:extLst>
-      <p:ext uri="{BB962C8B-B14F-4D97-AF65-F5344CB8AC3E}">
-        <p14:creationId xmlns:p14="http://schemas.microsoft.com/office/powerpoint/2010/main" val="2528310010"/>
       </p:ext>
     </p:extLst>
   </p:cSld>

--- a/scripts/Chapter1.pptx
+++ b/scripts/Chapter1.pptx
@@ -12908,7 +12908,9 @@
         </p:nvSpPr>
         <p:spPr/>
         <p:txBody>
-          <a:bodyPr/>
+          <a:bodyPr>
+            <a:normAutofit/>
+          </a:bodyPr>
           <a:lstStyle/>
           <a:p>
             <a:pPr marL="0" indent="0">
@@ -12916,7 +12918,7 @@
             </a:pPr>
             <a:r>
               <a:rPr lang="nl-BE" dirty="0" smtClean="0"/>
-              <a:t>Time series of portfolio weights:</a:t>
+              <a:t>Definiting the time series of portfolio weights:</a:t>
             </a:r>
           </a:p>
           <a:p>
@@ -12926,7 +12928,7 @@
             </a:pPr>
             <a:r>
               <a:rPr lang="nl-BE" dirty="0" smtClean="0"/>
-              <a:t>Set initial weights and do not intervene</a:t>
+              <a:t>Set initial weights and do not intervene such that subsequent weights are only a consequence of price dynamics.</a:t>
             </a:r>
           </a:p>
           <a:p>
@@ -12936,17 +12938,11 @@
             </a:pPr>
             <a:r>
               <a:rPr lang="nl-BE" dirty="0" smtClean="0"/>
-              <a:t>Dynamic portfolio allcocation: frequently specify the weights</a:t>
-            </a:r>
-          </a:p>
-          <a:p>
-            <a:pPr lvl="1">
-              <a:buFont typeface="Arial" charset="0"/>
-              <a:buChar char="•"/>
-            </a:pPr>
+              <a:t>Dynamic portfolio allocation: frequently </a:t>
+            </a:r>
             <a:r>
               <a:rPr lang="nl-BE" dirty="0" smtClean="0"/>
-              <a:t>The action of buying and selling assets to actively change the portfolio weights is called portfolio rebalancing. </a:t>
+              <a:t>buy and sell assets to actively change the portfolio weights (portfolio rebalancing). </a:t>
             </a:r>
             <a:endParaRPr lang="nl-BE" dirty="0"/>
           </a:p>
